--- a/python/environment/environment.pptx
+++ b/python/environment/environment.pptx
@@ -6,7 +6,7 @@
     <p:sldMasterId id="2147483660" r:id="rId2"/>
   </p:sldMasterIdLst>
   <p:notesMasterIdLst>
-    <p:notesMasterId r:id="rId15"/>
+    <p:notesMasterId r:id="rId16"/>
   </p:notesMasterIdLst>
   <p:sldIdLst>
     <p:sldId id="378" r:id="rId3"/>
@@ -14,13 +14,14 @@
     <p:sldId id="380" r:id="rId5"/>
     <p:sldId id="389" r:id="rId6"/>
     <p:sldId id="381" r:id="rId7"/>
-    <p:sldId id="382" r:id="rId8"/>
-    <p:sldId id="383" r:id="rId9"/>
-    <p:sldId id="384" r:id="rId10"/>
-    <p:sldId id="385" r:id="rId11"/>
-    <p:sldId id="386" r:id="rId12"/>
-    <p:sldId id="388" r:id="rId13"/>
-    <p:sldId id="377" r:id="rId14"/>
+    <p:sldId id="390" r:id="rId8"/>
+    <p:sldId id="382" r:id="rId9"/>
+    <p:sldId id="383" r:id="rId10"/>
+    <p:sldId id="384" r:id="rId11"/>
+    <p:sldId id="385" r:id="rId12"/>
+    <p:sldId id="386" r:id="rId13"/>
+    <p:sldId id="388" r:id="rId14"/>
+    <p:sldId id="377" r:id="rId15"/>
   </p:sldIdLst>
   <p:sldSz cx="12192000" cy="6858000"/>
   <p:notesSz cx="6858000" cy="9144000"/>
@@ -212,7 +213,7 @@
           <a:p>
             <a:fld id="{013D7D23-95FE-4191-B08D-3CBB1E1CEEFE}" type="datetimeFigureOut">
               <a:rPr lang="pt-PT" smtClean="0"/>
-              <a:t>25/01/2024</a:t>
+              <a:t>26/01/2024</a:t>
             </a:fld>
             <a:endParaRPr lang="pt-PT" dirty="0"/>
           </a:p>
@@ -611,7 +612,7 @@
           <a:p>
             <a:fld id="{5C0ED97C-8255-4BAC-9D42-1F6A6651E287}" type="datetime1">
               <a:rPr lang="pt-PT" smtClean="0"/>
-              <a:t>25/01/2024</a:t>
+              <a:t>26/01/2024</a:t>
             </a:fld>
             <a:endParaRPr lang="pt-PT" dirty="0"/>
           </a:p>
@@ -781,7 +782,7 @@
           <a:p>
             <a:fld id="{4FCC8996-E467-4FE1-B165-4002860D0AC7}" type="datetime1">
               <a:rPr lang="pt-PT" smtClean="0"/>
-              <a:t>25/01/2024</a:t>
+              <a:t>26/01/2024</a:t>
             </a:fld>
             <a:endParaRPr lang="pt-PT" dirty="0"/>
           </a:p>
@@ -961,7 +962,7 @@
           <a:p>
             <a:fld id="{C104532E-E792-4BF5-B399-9E5E16070233}" type="datetime1">
               <a:rPr lang="pt-PT" smtClean="0"/>
-              <a:t>25/01/2024</a:t>
+              <a:t>26/01/2024</a:t>
             </a:fld>
             <a:endParaRPr lang="pt-PT" dirty="0"/>
           </a:p>
@@ -1171,7 +1172,7 @@
           <a:p>
             <a:fld id="{FF4AF87E-A15D-4480-B791-15D75F8AF848}" type="datetimeFigureOut">
               <a:rPr lang="pt-PT" smtClean="0"/>
-              <a:t>25/01/2024</a:t>
+              <a:t>26/01/2024</a:t>
             </a:fld>
             <a:endParaRPr lang="pt-PT"/>
           </a:p>
@@ -1371,7 +1372,7 @@
           <a:p>
             <a:fld id="{FF4AF87E-A15D-4480-B791-15D75F8AF848}" type="datetimeFigureOut">
               <a:rPr lang="pt-PT" smtClean="0"/>
-              <a:t>25/01/2024</a:t>
+              <a:t>26/01/2024</a:t>
             </a:fld>
             <a:endParaRPr lang="pt-PT"/>
           </a:p>
@@ -1647,7 +1648,7 @@
           <a:p>
             <a:fld id="{FF4AF87E-A15D-4480-B791-15D75F8AF848}" type="datetimeFigureOut">
               <a:rPr lang="pt-PT" smtClean="0"/>
-              <a:t>25/01/2024</a:t>
+              <a:t>26/01/2024</a:t>
             </a:fld>
             <a:endParaRPr lang="pt-PT"/>
           </a:p>
@@ -1915,7 +1916,7 @@
           <a:p>
             <a:fld id="{FF4AF87E-A15D-4480-B791-15D75F8AF848}" type="datetimeFigureOut">
               <a:rPr lang="pt-PT" smtClean="0"/>
-              <a:t>25/01/2024</a:t>
+              <a:t>26/01/2024</a:t>
             </a:fld>
             <a:endParaRPr lang="pt-PT"/>
           </a:p>
@@ -2330,7 +2331,7 @@
           <a:p>
             <a:fld id="{FF4AF87E-A15D-4480-B791-15D75F8AF848}" type="datetimeFigureOut">
               <a:rPr lang="pt-PT" smtClean="0"/>
-              <a:t>25/01/2024</a:t>
+              <a:t>26/01/2024</a:t>
             </a:fld>
             <a:endParaRPr lang="pt-PT"/>
           </a:p>
@@ -2472,7 +2473,7 @@
           <a:p>
             <a:fld id="{FF4AF87E-A15D-4480-B791-15D75F8AF848}" type="datetimeFigureOut">
               <a:rPr lang="pt-PT" smtClean="0"/>
-              <a:t>25/01/2024</a:t>
+              <a:t>26/01/2024</a:t>
             </a:fld>
             <a:endParaRPr lang="pt-PT"/>
           </a:p>
@@ -2585,7 +2586,7 @@
           <a:p>
             <a:fld id="{FF4AF87E-A15D-4480-B791-15D75F8AF848}" type="datetimeFigureOut">
               <a:rPr lang="pt-PT" smtClean="0"/>
-              <a:t>25/01/2024</a:t>
+              <a:t>26/01/2024</a:t>
             </a:fld>
             <a:endParaRPr lang="pt-PT"/>
           </a:p>
@@ -2898,7 +2899,7 @@
           <a:p>
             <a:fld id="{FF4AF87E-A15D-4480-B791-15D75F8AF848}" type="datetimeFigureOut">
               <a:rPr lang="pt-PT" smtClean="0"/>
-              <a:t>25/01/2024</a:t>
+              <a:t>26/01/2024</a:t>
             </a:fld>
             <a:endParaRPr lang="pt-PT"/>
           </a:p>
@@ -3080,7 +3081,7 @@
           <a:p>
             <a:fld id="{5FC36660-F7C2-4C37-BD61-E2E985519A54}" type="datetime1">
               <a:rPr lang="pt-PT" smtClean="0"/>
-              <a:t>25/01/2024</a:t>
+              <a:t>26/01/2024</a:t>
             </a:fld>
             <a:endParaRPr lang="pt-PT" dirty="0"/>
           </a:p>
@@ -3357,7 +3358,7 @@
           <a:p>
             <a:fld id="{FF4AF87E-A15D-4480-B791-15D75F8AF848}" type="datetimeFigureOut">
               <a:rPr lang="pt-PT" smtClean="0"/>
-              <a:t>25/01/2024</a:t>
+              <a:t>26/01/2024</a:t>
             </a:fld>
             <a:endParaRPr lang="pt-PT"/>
           </a:p>
@@ -3557,7 +3558,7 @@
           <a:p>
             <a:fld id="{FF4AF87E-A15D-4480-B791-15D75F8AF848}" type="datetimeFigureOut">
               <a:rPr lang="pt-PT" smtClean="0"/>
-              <a:t>25/01/2024</a:t>
+              <a:t>26/01/2024</a:t>
             </a:fld>
             <a:endParaRPr lang="pt-PT"/>
           </a:p>
@@ -3767,7 +3768,7 @@
           <a:p>
             <a:fld id="{FF4AF87E-A15D-4480-B791-15D75F8AF848}" type="datetimeFigureOut">
               <a:rPr lang="pt-PT" smtClean="0"/>
-              <a:t>25/01/2024</a:t>
+              <a:t>26/01/2024</a:t>
             </a:fld>
             <a:endParaRPr lang="pt-PT"/>
           </a:p>
@@ -4025,7 +4026,7 @@
           <a:p>
             <a:fld id="{EC1C553A-1723-4842-A3DB-E76BD21F5C6D}" type="datetime1">
               <a:rPr lang="pt-PT" smtClean="0"/>
-              <a:t>25/01/2024</a:t>
+              <a:t>26/01/2024</a:t>
             </a:fld>
             <a:endParaRPr lang="pt-PT" dirty="0"/>
           </a:p>
@@ -4257,7 +4258,7 @@
           <a:p>
             <a:fld id="{CE9B351E-3840-4886-B007-BC84D7C14686}" type="datetime1">
               <a:rPr lang="pt-PT" smtClean="0"/>
-              <a:t>25/01/2024</a:t>
+              <a:t>26/01/2024</a:t>
             </a:fld>
             <a:endParaRPr lang="pt-PT" dirty="0"/>
           </a:p>
@@ -4624,7 +4625,7 @@
           <a:p>
             <a:fld id="{C8686839-F4ED-436E-9AC9-AC7A0A0CD179}" type="datetime1">
               <a:rPr lang="pt-PT" smtClean="0"/>
-              <a:t>25/01/2024</a:t>
+              <a:t>26/01/2024</a:t>
             </a:fld>
             <a:endParaRPr lang="pt-PT" dirty="0"/>
           </a:p>
@@ -4742,7 +4743,7 @@
           <a:p>
             <a:fld id="{2AB82247-1A7C-4F98-8F33-5E4D07EFBF12}" type="datetime1">
               <a:rPr lang="pt-PT" smtClean="0"/>
-              <a:t>25/01/2024</a:t>
+              <a:t>26/01/2024</a:t>
             </a:fld>
             <a:endParaRPr lang="pt-PT" dirty="0"/>
           </a:p>
@@ -4837,7 +4838,7 @@
           <a:p>
             <a:fld id="{AFE320DE-3391-4A27-9653-F2BD505B9A08}" type="datetime1">
               <a:rPr lang="pt-PT" smtClean="0"/>
-              <a:t>25/01/2024</a:t>
+              <a:t>26/01/2024</a:t>
             </a:fld>
             <a:endParaRPr lang="pt-PT" dirty="0"/>
           </a:p>
@@ -5114,7 +5115,7 @@
           <a:p>
             <a:fld id="{E69250C8-88B2-4209-BD56-05813AC521DC}" type="datetime1">
               <a:rPr lang="pt-PT" smtClean="0"/>
-              <a:t>25/01/2024</a:t>
+              <a:t>26/01/2024</a:t>
             </a:fld>
             <a:endParaRPr lang="pt-PT" dirty="0"/>
           </a:p>
@@ -5367,7 +5368,7 @@
           <a:p>
             <a:fld id="{0B847055-2F12-42A4-9432-334276564B1D}" type="datetime1">
               <a:rPr lang="pt-PT" smtClean="0"/>
-              <a:t>25/01/2024</a:t>
+              <a:t>26/01/2024</a:t>
             </a:fld>
             <a:endParaRPr lang="pt-PT" dirty="0"/>
           </a:p>
@@ -5580,7 +5581,7 @@
           <a:p>
             <a:fld id="{B0883CD8-EC5B-4369-8F97-BE1E84F10887}" type="datetime1">
               <a:rPr lang="pt-PT" smtClean="0"/>
-              <a:t>25/01/2024</a:t>
+              <a:t>26/01/2024</a:t>
             </a:fld>
             <a:endParaRPr lang="pt-PT" dirty="0"/>
           </a:p>
@@ -6139,7 +6140,7 @@
           <a:p>
             <a:fld id="{FF4AF87E-A15D-4480-B791-15D75F8AF848}" type="datetimeFigureOut">
               <a:rPr lang="pt-PT" smtClean="0"/>
-              <a:t>25/01/2024</a:t>
+              <a:t>26/01/2024</a:t>
             </a:fld>
             <a:endParaRPr lang="pt-PT"/>
           </a:p>
@@ -6924,6 +6925,630 @@
         <p:spPr>
           <a:xfrm>
             <a:off x="145062" y="123804"/>
+            <a:ext cx="1500283" cy="369332"/>
+          </a:xfrm>
+          <a:gradFill>
+            <a:gsLst>
+              <a:gs pos="0">
+                <a:schemeClr val="accent1">
+                  <a:lumMod val="5000"/>
+                  <a:lumOff val="95000"/>
+                </a:schemeClr>
+              </a:gs>
+              <a:gs pos="74000">
+                <a:schemeClr val="accent1">
+                  <a:lumMod val="45000"/>
+                  <a:lumOff val="55000"/>
+                </a:schemeClr>
+              </a:gs>
+              <a:gs pos="83000">
+                <a:schemeClr val="accent1">
+                  <a:lumMod val="45000"/>
+                  <a:lumOff val="55000"/>
+                </a:schemeClr>
+              </a:gs>
+              <a:gs pos="100000">
+                <a:schemeClr val="accent1">
+                  <a:lumMod val="30000"/>
+                  <a:lumOff val="70000"/>
+                </a:schemeClr>
+              </a:gs>
+            </a:gsLst>
+            <a:lin ang="5400000" scaled="1"/>
+          </a:gradFill>
+          <a:ln w="25400">
+            <a:solidFill>
+              <a:schemeClr val="accent1"/>
+            </a:solidFill>
+          </a:ln>
+        </p:spPr>
+        <p:txBody>
+          <a:bodyPr vert="horz" wrap="none" lIns="91440" tIns="45720" rIns="91440" bIns="45720" rtlCol="0" anchor="t">
+            <a:spAutoFit/>
+          </a:bodyPr>
+          <a:lstStyle/>
+          <a:p>
+            <a:pPr algn="l"/>
+            <a:r>
+              <a:rPr lang="en-US" sz="2000" dirty="0">
+                <a:solidFill>
+                  <a:schemeClr val="bg2">
+                    <a:lumMod val="25000"/>
+                  </a:schemeClr>
+                </a:solidFill>
+                <a:sym typeface="Wingdings" panose="05000000000000000000" pitchFamily="2" charset="2"/>
+              </a:rPr>
+              <a:t>8. packages</a:t>
+            </a:r>
+            <a:endParaRPr lang="en-US" sz="2000" dirty="0">
+              <a:solidFill>
+                <a:schemeClr val="bg2">
+                  <a:lumMod val="25000"/>
+                </a:schemeClr>
+              </a:solidFill>
+            </a:endParaRPr>
+          </a:p>
+        </p:txBody>
+      </p:sp>
+      <p:sp>
+        <p:nvSpPr>
+          <p:cNvPr id="5" name="Rectangle 4">
+            <a:extLst>
+              <a:ext uri="{FF2B5EF4-FFF2-40B4-BE49-F238E27FC236}">
+                <a16:creationId xmlns:a16="http://schemas.microsoft.com/office/drawing/2014/main" id="{D45E34D6-120F-44F6-96A2-17230046C2F4}"/>
+              </a:ext>
+            </a:extLst>
+          </p:cNvPr>
+          <p:cNvSpPr/>
+          <p:nvPr/>
+        </p:nvSpPr>
+        <p:spPr>
+          <a:xfrm>
+            <a:off x="145062" y="633528"/>
+            <a:ext cx="207692" cy="6048000"/>
+          </a:xfrm>
+          <a:prstGeom prst="rect">
+            <a:avLst/>
+          </a:prstGeom>
+          <a:solidFill>
+            <a:schemeClr val="tx1"/>
+          </a:solidFill>
+          <a:ln w="25400"/>
+          <a:effectLst>
+            <a:outerShdw blurRad="50800" dist="63500" dir="2700000" algn="tl" rotWithShape="0">
+              <a:schemeClr val="bg1">
+                <a:alpha val="40000"/>
+              </a:schemeClr>
+            </a:outerShdw>
+          </a:effectLst>
+        </p:spPr>
+        <p:style>
+          <a:lnRef idx="2">
+            <a:schemeClr val="accent1">
+              <a:shade val="50000"/>
+            </a:schemeClr>
+          </a:lnRef>
+          <a:fillRef idx="1">
+            <a:schemeClr val="accent1"/>
+          </a:fillRef>
+          <a:effectRef idx="0">
+            <a:schemeClr val="accent1"/>
+          </a:effectRef>
+          <a:fontRef idx="minor">
+            <a:schemeClr val="lt1"/>
+          </a:fontRef>
+        </p:style>
+        <p:txBody>
+          <a:bodyPr rtlCol="0" anchor="ctr"/>
+          <a:lstStyle/>
+          <a:p>
+            <a:pPr marL="0" marR="0" lvl="0" indent="0" algn="ctr" defTabSz="914400" rtl="0" eaLnBrk="1" fontAlgn="auto" latinLnBrk="0" hangingPunct="1">
+              <a:lnSpc>
+                <a:spcPct val="100000"/>
+              </a:lnSpc>
+              <a:spcBef>
+                <a:spcPts val="0"/>
+              </a:spcBef>
+              <a:spcAft>
+                <a:spcPts val="0"/>
+              </a:spcAft>
+              <a:buClrTx/>
+              <a:buSzTx/>
+              <a:buFontTx/>
+              <a:buNone/>
+              <a:tabLst/>
+              <a:defRPr/>
+            </a:pPr>
+            <a:endParaRPr kumimoji="0" lang="pt-PT" sz="1800" b="0" i="0" u="none" strike="noStrike" kern="1200" cap="none" spc="0" normalizeH="0" baseline="0" noProof="0">
+              <a:ln>
+                <a:noFill/>
+              </a:ln>
+              <a:solidFill>
+                <a:prstClr val="white"/>
+              </a:solidFill>
+              <a:effectLst/>
+              <a:uLnTx/>
+              <a:uFillTx/>
+              <a:latin typeface="Calibri" panose="020F0502020204030204"/>
+              <a:ea typeface="+mn-ea"/>
+              <a:cs typeface="+mn-cs"/>
+            </a:endParaRPr>
+          </a:p>
+        </p:txBody>
+      </p:sp>
+      <p:sp>
+        <p:nvSpPr>
+          <p:cNvPr id="8" name="Arrow: Right 5">
+            <a:extLst>
+              <a:ext uri="{FF2B5EF4-FFF2-40B4-BE49-F238E27FC236}">
+                <a16:creationId xmlns:a16="http://schemas.microsoft.com/office/drawing/2014/main" id="{B9CFDE67-358F-40AB-A205-0236CB52ADC0}"/>
+              </a:ext>
+            </a:extLst>
+          </p:cNvPr>
+          <p:cNvSpPr/>
+          <p:nvPr/>
+        </p:nvSpPr>
+        <p:spPr>
+          <a:xfrm>
+            <a:off x="261441" y="740052"/>
+            <a:ext cx="955516" cy="276999"/>
+          </a:xfrm>
+          <a:custGeom>
+            <a:avLst/>
+            <a:gdLst>
+              <a:gd name="connsiteX0" fmla="*/ 0 w 1727200"/>
+              <a:gd name="connsiteY0" fmla="*/ 119380 h 477520"/>
+              <a:gd name="connsiteX1" fmla="*/ 1488440 w 1727200"/>
+              <a:gd name="connsiteY1" fmla="*/ 119380 h 477520"/>
+              <a:gd name="connsiteX2" fmla="*/ 1488440 w 1727200"/>
+              <a:gd name="connsiteY2" fmla="*/ 0 h 477520"/>
+              <a:gd name="connsiteX3" fmla="*/ 1727200 w 1727200"/>
+              <a:gd name="connsiteY3" fmla="*/ 238760 h 477520"/>
+              <a:gd name="connsiteX4" fmla="*/ 1488440 w 1727200"/>
+              <a:gd name="connsiteY4" fmla="*/ 477520 h 477520"/>
+              <a:gd name="connsiteX5" fmla="*/ 1488440 w 1727200"/>
+              <a:gd name="connsiteY5" fmla="*/ 358140 h 477520"/>
+              <a:gd name="connsiteX6" fmla="*/ 0 w 1727200"/>
+              <a:gd name="connsiteY6" fmla="*/ 358140 h 477520"/>
+              <a:gd name="connsiteX7" fmla="*/ 0 w 1727200"/>
+              <a:gd name="connsiteY7" fmla="*/ 119380 h 477520"/>
+              <a:gd name="connsiteX0" fmla="*/ 0 w 1727200"/>
+              <a:gd name="connsiteY0" fmla="*/ 11803 h 369943"/>
+              <a:gd name="connsiteX1" fmla="*/ 1488440 w 1727200"/>
+              <a:gd name="connsiteY1" fmla="*/ 11803 h 369943"/>
+              <a:gd name="connsiteX2" fmla="*/ 1488440 w 1727200"/>
+              <a:gd name="connsiteY2" fmla="*/ 0 h 369943"/>
+              <a:gd name="connsiteX3" fmla="*/ 1727200 w 1727200"/>
+              <a:gd name="connsiteY3" fmla="*/ 131183 h 369943"/>
+              <a:gd name="connsiteX4" fmla="*/ 1488440 w 1727200"/>
+              <a:gd name="connsiteY4" fmla="*/ 369943 h 369943"/>
+              <a:gd name="connsiteX5" fmla="*/ 1488440 w 1727200"/>
+              <a:gd name="connsiteY5" fmla="*/ 250563 h 369943"/>
+              <a:gd name="connsiteX6" fmla="*/ 0 w 1727200"/>
+              <a:gd name="connsiteY6" fmla="*/ 250563 h 369943"/>
+              <a:gd name="connsiteX7" fmla="*/ 0 w 1727200"/>
+              <a:gd name="connsiteY7" fmla="*/ 11803 h 369943"/>
+              <a:gd name="connsiteX0" fmla="*/ 0 w 1727200"/>
+              <a:gd name="connsiteY0" fmla="*/ 0 h 358140"/>
+              <a:gd name="connsiteX1" fmla="*/ 1488440 w 1727200"/>
+              <a:gd name="connsiteY1" fmla="*/ 0 h 358140"/>
+              <a:gd name="connsiteX2" fmla="*/ 1497538 w 1727200"/>
+              <a:gd name="connsiteY2" fmla="*/ 6394 h 358140"/>
+              <a:gd name="connsiteX3" fmla="*/ 1727200 w 1727200"/>
+              <a:gd name="connsiteY3" fmla="*/ 119380 h 358140"/>
+              <a:gd name="connsiteX4" fmla="*/ 1488440 w 1727200"/>
+              <a:gd name="connsiteY4" fmla="*/ 358140 h 358140"/>
+              <a:gd name="connsiteX5" fmla="*/ 1488440 w 1727200"/>
+              <a:gd name="connsiteY5" fmla="*/ 238760 h 358140"/>
+              <a:gd name="connsiteX6" fmla="*/ 0 w 1727200"/>
+              <a:gd name="connsiteY6" fmla="*/ 238760 h 358140"/>
+              <a:gd name="connsiteX7" fmla="*/ 0 w 1727200"/>
+              <a:gd name="connsiteY7" fmla="*/ 0 h 358140"/>
+              <a:gd name="connsiteX0" fmla="*/ 0 w 1727200"/>
+              <a:gd name="connsiteY0" fmla="*/ 0 h 239859"/>
+              <a:gd name="connsiteX1" fmla="*/ 1488440 w 1727200"/>
+              <a:gd name="connsiteY1" fmla="*/ 0 h 239859"/>
+              <a:gd name="connsiteX2" fmla="*/ 1497538 w 1727200"/>
+              <a:gd name="connsiteY2" fmla="*/ 6394 h 239859"/>
+              <a:gd name="connsiteX3" fmla="*/ 1727200 w 1727200"/>
+              <a:gd name="connsiteY3" fmla="*/ 119380 h 239859"/>
+              <a:gd name="connsiteX4" fmla="*/ 1492989 w 1727200"/>
+              <a:gd name="connsiteY4" fmla="*/ 239859 h 239859"/>
+              <a:gd name="connsiteX5" fmla="*/ 1488440 w 1727200"/>
+              <a:gd name="connsiteY5" fmla="*/ 238760 h 239859"/>
+              <a:gd name="connsiteX6" fmla="*/ 0 w 1727200"/>
+              <a:gd name="connsiteY6" fmla="*/ 238760 h 239859"/>
+              <a:gd name="connsiteX7" fmla="*/ 0 w 1727200"/>
+              <a:gd name="connsiteY7" fmla="*/ 0 h 239859"/>
+            </a:gdLst>
+            <a:ahLst/>
+            <a:cxnLst>
+              <a:cxn ang="0">
+                <a:pos x="connsiteX0" y="connsiteY0"/>
+              </a:cxn>
+              <a:cxn ang="0">
+                <a:pos x="connsiteX1" y="connsiteY1"/>
+              </a:cxn>
+              <a:cxn ang="0">
+                <a:pos x="connsiteX2" y="connsiteY2"/>
+              </a:cxn>
+              <a:cxn ang="0">
+                <a:pos x="connsiteX3" y="connsiteY3"/>
+              </a:cxn>
+              <a:cxn ang="0">
+                <a:pos x="connsiteX4" y="connsiteY4"/>
+              </a:cxn>
+              <a:cxn ang="0">
+                <a:pos x="connsiteX5" y="connsiteY5"/>
+              </a:cxn>
+              <a:cxn ang="0">
+                <a:pos x="connsiteX6" y="connsiteY6"/>
+              </a:cxn>
+              <a:cxn ang="0">
+                <a:pos x="connsiteX7" y="connsiteY7"/>
+              </a:cxn>
+            </a:cxnLst>
+            <a:rect l="l" t="t" r="r" b="b"/>
+            <a:pathLst>
+              <a:path w="1727200" h="239859">
+                <a:moveTo>
+                  <a:pt x="0" y="0"/>
+                </a:moveTo>
+                <a:lnTo>
+                  <a:pt x="1488440" y="0"/>
+                </a:lnTo>
+                <a:lnTo>
+                  <a:pt x="1497538" y="6394"/>
+                </a:lnTo>
+                <a:lnTo>
+                  <a:pt x="1727200" y="119380"/>
+                </a:lnTo>
+                <a:lnTo>
+                  <a:pt x="1492989" y="239859"/>
+                </a:lnTo>
+                <a:lnTo>
+                  <a:pt x="1488440" y="238760"/>
+                </a:lnTo>
+                <a:lnTo>
+                  <a:pt x="0" y="238760"/>
+                </a:lnTo>
+                <a:lnTo>
+                  <a:pt x="0" y="0"/>
+                </a:lnTo>
+                <a:close/>
+              </a:path>
+            </a:pathLst>
+          </a:custGeom>
+          <a:solidFill>
+            <a:sysClr val="windowText" lastClr="000000"/>
+          </a:solidFill>
+          <a:ln w="25400" cap="flat" cmpd="sng" algn="ctr">
+            <a:solidFill>
+              <a:srgbClr val="FFC000">
+                <a:lumMod val="60000"/>
+                <a:lumOff val="40000"/>
+              </a:srgbClr>
+            </a:solidFill>
+            <a:prstDash val="solid"/>
+            <a:miter lim="800000"/>
+          </a:ln>
+          <a:effectLst>
+            <a:outerShdw blurRad="50800" dist="63500" dir="2700000" algn="tl" rotWithShape="0">
+              <a:sysClr val="window" lastClr="FFFFFF">
+                <a:alpha val="40000"/>
+              </a:sysClr>
+            </a:outerShdw>
+          </a:effectLst>
+        </p:spPr>
+        <p:txBody>
+          <a:bodyPr wrap="none" lIns="90000" tIns="0" rIns="180000" bIns="0" rtlCol="0" anchor="ctr">
+            <a:spAutoFit/>
+          </a:bodyPr>
+          <a:lstStyle/>
+          <a:p>
+            <a:pPr marL="0" marR="0" lvl="0" indent="0" defTabSz="914369" eaLnBrk="1" fontAlgn="auto" latinLnBrk="0" hangingPunct="1">
+              <a:lnSpc>
+                <a:spcPct val="100000"/>
+              </a:lnSpc>
+              <a:spcBef>
+                <a:spcPts val="0"/>
+              </a:spcBef>
+              <a:spcAft>
+                <a:spcPts val="0"/>
+              </a:spcAft>
+              <a:buClrTx/>
+              <a:buSzTx/>
+              <a:buFontTx/>
+              <a:buNone/>
+              <a:tabLst/>
+              <a:defRPr/>
+            </a:pPr>
+            <a:r>
+              <a:rPr kumimoji="0" lang="en-US" sz="1800" b="0" i="0" u="none" strike="noStrike" kern="0" cap="none" spc="0" normalizeH="0" baseline="0" noProof="0" dirty="0">
+                <a:ln>
+                  <a:noFill/>
+                </a:ln>
+                <a:solidFill>
+                  <a:prstClr val="white"/>
+                </a:solidFill>
+                <a:effectLst/>
+                <a:uLnTx/>
+                <a:uFillTx/>
+                <a:latin typeface="Calibri Light" panose="020F0302020204030204"/>
+              </a:rPr>
+              <a:t>tutorial</a:t>
+            </a:r>
+          </a:p>
+        </p:txBody>
+      </p:sp>
+      <p:grpSp>
+        <p:nvGrpSpPr>
+          <p:cNvPr id="20" name="Group 19">
+            <a:extLst>
+              <a:ext uri="{FF2B5EF4-FFF2-40B4-BE49-F238E27FC236}">
+                <a16:creationId xmlns:a16="http://schemas.microsoft.com/office/drawing/2014/main" id="{07351F8C-0F34-4194-9655-95B910F4C48C}"/>
+              </a:ext>
+            </a:extLst>
+          </p:cNvPr>
+          <p:cNvGrpSpPr/>
+          <p:nvPr/>
+        </p:nvGrpSpPr>
+        <p:grpSpPr>
+          <a:xfrm>
+            <a:off x="1268850" y="755440"/>
+            <a:ext cx="1595113" cy="246221"/>
+            <a:chOff x="5881666" y="1565584"/>
+            <a:chExt cx="1595113" cy="246221"/>
+          </a:xfrm>
+        </p:grpSpPr>
+        <p:sp>
+          <p:nvSpPr>
+            <p:cNvPr id="21" name="Retângulo 5">
+              <a:extLst>
+                <a:ext uri="{FF2B5EF4-FFF2-40B4-BE49-F238E27FC236}">
+                  <a16:creationId xmlns:a16="http://schemas.microsoft.com/office/drawing/2014/main" id="{FE7F49B6-764A-4DDD-A35A-961C2F3E835F}"/>
+                </a:ext>
+              </a:extLst>
+            </p:cNvPr>
+            <p:cNvSpPr/>
+            <p:nvPr/>
+          </p:nvSpPr>
+          <p:spPr>
+            <a:xfrm>
+              <a:off x="6016123" y="1565584"/>
+              <a:ext cx="1460656" cy="246221"/>
+            </a:xfrm>
+            <a:prstGeom prst="rect">
+              <a:avLst/>
+            </a:prstGeom>
+          </p:spPr>
+          <p:txBody>
+            <a:bodyPr wrap="none">
+              <a:spAutoFit/>
+            </a:bodyPr>
+            <a:lstStyle/>
+            <a:p>
+              <a:pPr marL="0" marR="0" lvl="0" indent="0" defTabSz="914369" eaLnBrk="1" fontAlgn="auto" latinLnBrk="0" hangingPunct="1">
+                <a:lnSpc>
+                  <a:spcPct val="100000"/>
+                </a:lnSpc>
+                <a:spcBef>
+                  <a:spcPts val="0"/>
+                </a:spcBef>
+                <a:spcAft>
+                  <a:spcPts val="0"/>
+                </a:spcAft>
+                <a:buClrTx/>
+                <a:buSzTx/>
+                <a:buFontTx/>
+                <a:buNone/>
+                <a:tabLst/>
+                <a:defRPr/>
+              </a:pPr>
+              <a:r>
+                <a:rPr kumimoji="0" lang="en-US" sz="1000" b="0" i="0" u="none" strike="noStrike" kern="0" cap="none" spc="0" normalizeH="0" baseline="0" noProof="0" dirty="0">
+                  <a:ln>
+                    <a:noFill/>
+                  </a:ln>
+                  <a:solidFill>
+                    <a:prstClr val="black"/>
+                  </a:solidFill>
+                  <a:effectLst/>
+                  <a:uLnTx/>
+                  <a:uFillTx/>
+                  <a:hlinkClick r:id="rId2"/>
+                </a:rPr>
+                <a:t>install-and-use-packages</a:t>
+              </a:r>
+              <a:endParaRPr kumimoji="0" lang="en-US" sz="1000" b="0" i="0" u="none" strike="noStrike" kern="0" cap="none" spc="0" normalizeH="0" baseline="0" noProof="0" dirty="0">
+                <a:ln>
+                  <a:noFill/>
+                </a:ln>
+                <a:solidFill>
+                  <a:prstClr val="black"/>
+                </a:solidFill>
+                <a:effectLst/>
+                <a:uLnTx/>
+                <a:uFillTx/>
+              </a:endParaRPr>
+            </a:p>
+          </p:txBody>
+        </p:sp>
+        <p:pic>
+          <p:nvPicPr>
+            <p:cNvPr id="22" name="Picture 21" descr="Icon&#10;&#10;Description automatically generated">
+              <a:extLst>
+                <a:ext uri="{FF2B5EF4-FFF2-40B4-BE49-F238E27FC236}">
+                  <a16:creationId xmlns:a16="http://schemas.microsoft.com/office/drawing/2014/main" id="{2EBB7043-481F-4617-975D-BB7B05A3A823}"/>
+                </a:ext>
+              </a:extLst>
+            </p:cNvPr>
+            <p:cNvPicPr>
+              <a:picLocks noChangeAspect="1"/>
+            </p:cNvPicPr>
+            <p:nvPr/>
+          </p:nvPicPr>
+          <p:blipFill>
+            <a:blip r:embed="rId3" cstate="print">
+              <a:extLst>
+                <a:ext uri="{28A0092B-C50C-407E-A947-70E740481C1C}">
+                  <a14:useLocalDpi xmlns:a14="http://schemas.microsoft.com/office/drawing/2010/main" val="0"/>
+                </a:ext>
+              </a:extLst>
+            </a:blip>
+            <a:stretch>
+              <a:fillRect/>
+            </a:stretch>
+          </p:blipFill>
+          <p:spPr>
+            <a:xfrm>
+              <a:off x="5881666" y="1590687"/>
+              <a:ext cx="180000" cy="180000"/>
+            </a:xfrm>
+            <a:prstGeom prst="rect">
+              <a:avLst/>
+            </a:prstGeom>
+          </p:spPr>
+        </p:pic>
+      </p:grpSp>
+      <p:sp>
+        <p:nvSpPr>
+          <p:cNvPr id="13" name="Explosion: 14 Points 12">
+            <a:extLst>
+              <a:ext uri="{FF2B5EF4-FFF2-40B4-BE49-F238E27FC236}">
+                <a16:creationId xmlns:a16="http://schemas.microsoft.com/office/drawing/2014/main" id="{6CC0FE5C-38C4-4DE9-8F55-E7F8D692305A}"/>
+              </a:ext>
+            </a:extLst>
+          </p:cNvPr>
+          <p:cNvSpPr/>
+          <p:nvPr/>
+        </p:nvSpPr>
+        <p:spPr>
+          <a:xfrm>
+            <a:off x="1079429" y="1123575"/>
+            <a:ext cx="2367876" cy="622578"/>
+          </a:xfrm>
+          <a:prstGeom prst="irregularSeal2">
+            <a:avLst/>
+          </a:prstGeom>
+          <a:solidFill>
+            <a:sysClr val="windowText" lastClr="000000"/>
+          </a:solidFill>
+          <a:ln w="12700" cap="flat" cmpd="sng" algn="ctr">
+            <a:solidFill>
+              <a:srgbClr val="FF0000"/>
+            </a:solidFill>
+            <a:prstDash val="solid"/>
+            <a:miter lim="800000"/>
+          </a:ln>
+          <a:effectLst>
+            <a:outerShdw blurRad="50800" dist="63500" dir="2700000" algn="tl" rotWithShape="0">
+              <a:sysClr val="window" lastClr="FFFFFF">
+                <a:alpha val="40000"/>
+              </a:sysClr>
+            </a:outerShdw>
+          </a:effectLst>
+        </p:spPr>
+        <p:txBody>
+          <a:bodyPr wrap="none" lIns="0" tIns="0" rIns="0" bIns="0" rtlCol="0" anchor="ctr">
+            <a:spAutoFit/>
+          </a:bodyPr>
+          <a:lstStyle/>
+          <a:p>
+            <a:pPr marL="0" marR="0" lvl="0" indent="0" algn="ctr" defTabSz="914369" eaLnBrk="1" fontAlgn="auto" latinLnBrk="0" hangingPunct="1">
+              <a:lnSpc>
+                <a:spcPct val="100000"/>
+              </a:lnSpc>
+              <a:spcBef>
+                <a:spcPts val="0"/>
+              </a:spcBef>
+              <a:spcAft>
+                <a:spcPts val="0"/>
+              </a:spcAft>
+              <a:buClrTx/>
+              <a:buSzTx/>
+              <a:buFontTx/>
+              <a:buNone/>
+              <a:tabLst/>
+              <a:defRPr/>
+            </a:pPr>
+            <a:r>
+              <a:rPr kumimoji="0" lang="en-US" sz="1800" b="0" i="0" u="none" strike="noStrike" kern="0" cap="none" spc="0" normalizeH="0" baseline="0" noProof="0" dirty="0">
+                <a:ln>
+                  <a:noFill/>
+                </a:ln>
+                <a:solidFill>
+                  <a:srgbClr val="FF0000"/>
+                </a:solidFill>
+                <a:effectLst/>
+                <a:uLnTx/>
+                <a:uFillTx/>
+                <a:latin typeface="Calibri" panose="020F0502020204030204"/>
+                <a:ea typeface="+mn-ea"/>
+                <a:cs typeface="+mn-cs"/>
+              </a:rPr>
+              <a:t>to be done</a:t>
+            </a:r>
+          </a:p>
+        </p:txBody>
+      </p:sp>
+    </p:spTree>
+    <p:extLst>
+      <p:ext uri="{BB962C8B-B14F-4D97-AF65-F5344CB8AC3E}">
+        <p14:creationId xmlns:p14="http://schemas.microsoft.com/office/powerpoint/2010/main" val="3429160775"/>
+      </p:ext>
+    </p:extLst>
+  </p:cSld>
+  <p:clrMapOvr>
+    <a:masterClrMapping/>
+  </p:clrMapOvr>
+</p:sld>
+</file>
+
+<file path=ppt/slides/slide11.xml><?xml version="1.0" encoding="utf-8"?>
+<p:sld xmlns:a="http://schemas.openxmlformats.org/drawingml/2006/main" xmlns:r="http://schemas.openxmlformats.org/officeDocument/2006/relationships" xmlns:p="http://schemas.openxmlformats.org/presentationml/2006/main">
+  <p:cSld>
+    <p:bg>
+      <p:bgPr>
+        <a:solidFill>
+          <a:schemeClr val="tx1"/>
+        </a:solidFill>
+        <a:effectLst/>
+      </p:bgPr>
+    </p:bg>
+    <p:spTree>
+      <p:nvGrpSpPr>
+        <p:cNvPr id="1" name=""/>
+        <p:cNvGrpSpPr/>
+        <p:nvPr/>
+      </p:nvGrpSpPr>
+      <p:grpSpPr>
+        <a:xfrm>
+          <a:off x="0" y="0"/>
+          <a:ext cx="0" cy="0"/>
+          <a:chOff x="0" y="0"/>
+          <a:chExt cx="0" cy="0"/>
+        </a:xfrm>
+      </p:grpSpPr>
+      <p:sp>
+        <p:nvSpPr>
+          <p:cNvPr id="2" name="Title 1">
+            <a:extLst>
+              <a:ext uri="{FF2B5EF4-FFF2-40B4-BE49-F238E27FC236}">
+                <a16:creationId xmlns:a16="http://schemas.microsoft.com/office/drawing/2014/main" id="{54C7F764-8D4D-421D-979F-2C7A67DE064B}"/>
+              </a:ext>
+            </a:extLst>
+          </p:cNvPr>
+          <p:cNvSpPr>
+            <a:spLocks noGrp="1"/>
+          </p:cNvSpPr>
+          <p:nvPr>
+            <p:ph type="ctrTitle"/>
+          </p:nvPr>
+        </p:nvSpPr>
+        <p:spPr>
+          <a:xfrm>
+            <a:off x="145062" y="123804"/>
             <a:ext cx="1014124" cy="369332"/>
           </a:xfrm>
           <a:gradFill>
@@ -7922,7 +8547,7 @@
 </p:sld>
 </file>
 
-<file path=ppt/slides/slide11.xml><?xml version="1.0" encoding="utf-8"?>
+<file path=ppt/slides/slide12.xml><?xml version="1.0" encoding="utf-8"?>
 <p:sld xmlns:a="http://schemas.openxmlformats.org/drawingml/2006/main" xmlns:r="http://schemas.openxmlformats.org/officeDocument/2006/relationships" xmlns:p="http://schemas.openxmlformats.org/presentationml/2006/main">
   <p:cSld>
     <p:bg>
@@ -9211,7 +9836,7 @@
 </p:sld>
 </file>
 
-<file path=ppt/slides/slide12.xml><?xml version="1.0" encoding="utf-8"?>
+<file path=ppt/slides/slide13.xml><?xml version="1.0" encoding="utf-8"?>
 <p:sld xmlns:a="http://schemas.openxmlformats.org/drawingml/2006/main" xmlns:r="http://schemas.openxmlformats.org/officeDocument/2006/relationships" xmlns:p="http://schemas.openxmlformats.org/presentationml/2006/main">
   <p:cSld>
     <p:bg>
@@ -18313,6 +18938,1817 @@
           <a:chExt cx="0" cy="0"/>
         </a:xfrm>
       </p:grpSpPr>
+      <p:pic>
+        <p:nvPicPr>
+          <p:cNvPr id="6" name="Picture 5">
+            <a:extLst>
+              <a:ext uri="{FF2B5EF4-FFF2-40B4-BE49-F238E27FC236}">
+                <a16:creationId xmlns:a16="http://schemas.microsoft.com/office/drawing/2014/main" id="{01A3A1B5-6662-4918-84C6-C8F0A10DA3E4}"/>
+              </a:ext>
+            </a:extLst>
+          </p:cNvPr>
+          <p:cNvPicPr>
+            <a:picLocks noChangeAspect="1"/>
+          </p:cNvPicPr>
+          <p:nvPr/>
+        </p:nvPicPr>
+        <p:blipFill>
+          <a:blip r:embed="rId2"/>
+          <a:stretch>
+            <a:fillRect/>
+          </a:stretch>
+        </p:blipFill>
+        <p:spPr>
+          <a:xfrm>
+            <a:off x="1095781" y="2008612"/>
+            <a:ext cx="4629379" cy="1231403"/>
+          </a:xfrm>
+          <a:prstGeom prst="rect">
+            <a:avLst/>
+          </a:prstGeom>
+          <a:ln w="50800">
+            <a:solidFill>
+              <a:srgbClr val="70AD47">
+                <a:lumMod val="60000"/>
+                <a:lumOff val="40000"/>
+              </a:srgbClr>
+            </a:solidFill>
+          </a:ln>
+          <a:effectLst>
+            <a:outerShdw blurRad="50800" dist="127000" dir="2700000" algn="tl" rotWithShape="0">
+              <a:sysClr val="window" lastClr="FFFFFF">
+                <a:alpha val="40000"/>
+              </a:sysClr>
+            </a:outerShdw>
+          </a:effectLst>
+        </p:spPr>
+      </p:pic>
+      <p:sp>
+        <p:nvSpPr>
+          <p:cNvPr id="2" name="Title 1">
+            <a:extLst>
+              <a:ext uri="{FF2B5EF4-FFF2-40B4-BE49-F238E27FC236}">
+                <a16:creationId xmlns:a16="http://schemas.microsoft.com/office/drawing/2014/main" id="{54C7F764-8D4D-421D-979F-2C7A67DE064B}"/>
+              </a:ext>
+            </a:extLst>
+          </p:cNvPr>
+          <p:cNvSpPr>
+            <a:spLocks noGrp="1"/>
+          </p:cNvSpPr>
+          <p:nvPr>
+            <p:ph type="ctrTitle"/>
+          </p:nvPr>
+        </p:nvSpPr>
+        <p:spPr>
+          <a:xfrm>
+            <a:off x="145062" y="123804"/>
+            <a:ext cx="1254318" cy="369332"/>
+          </a:xfrm>
+          <a:gradFill>
+            <a:gsLst>
+              <a:gs pos="0">
+                <a:schemeClr val="accent1">
+                  <a:lumMod val="5000"/>
+                  <a:lumOff val="95000"/>
+                </a:schemeClr>
+              </a:gs>
+              <a:gs pos="74000">
+                <a:schemeClr val="accent1">
+                  <a:lumMod val="45000"/>
+                  <a:lumOff val="55000"/>
+                </a:schemeClr>
+              </a:gs>
+              <a:gs pos="83000">
+                <a:schemeClr val="accent1">
+                  <a:lumMod val="45000"/>
+                  <a:lumOff val="55000"/>
+                </a:schemeClr>
+              </a:gs>
+              <a:gs pos="100000">
+                <a:schemeClr val="accent1">
+                  <a:lumMod val="30000"/>
+                  <a:lumOff val="70000"/>
+                </a:schemeClr>
+              </a:gs>
+            </a:gsLst>
+            <a:lin ang="5400000" scaled="1"/>
+          </a:gradFill>
+          <a:ln w="25400">
+            <a:solidFill>
+              <a:schemeClr val="accent1"/>
+            </a:solidFill>
+          </a:ln>
+        </p:spPr>
+        <p:txBody>
+          <a:bodyPr vert="horz" wrap="none" lIns="91440" tIns="45720" rIns="91440" bIns="45720" rtlCol="0" anchor="t">
+            <a:spAutoFit/>
+          </a:bodyPr>
+          <a:lstStyle/>
+          <a:p>
+            <a:pPr algn="l"/>
+            <a:r>
+              <a:rPr lang="en-US" sz="2000" dirty="0">
+                <a:solidFill>
+                  <a:schemeClr val="bg2">
+                    <a:lumMod val="25000"/>
+                  </a:schemeClr>
+                </a:solidFill>
+                <a:sym typeface="Wingdings" panose="05000000000000000000" pitchFamily="2" charset="2"/>
+              </a:rPr>
+              <a:t>4.1 pipenv</a:t>
+            </a:r>
+            <a:endParaRPr lang="en-US" sz="2000" dirty="0">
+              <a:solidFill>
+                <a:schemeClr val="bg2">
+                  <a:lumMod val="25000"/>
+                </a:schemeClr>
+              </a:solidFill>
+            </a:endParaRPr>
+          </a:p>
+        </p:txBody>
+      </p:sp>
+      <p:sp>
+        <p:nvSpPr>
+          <p:cNvPr id="5" name="Rectangle 4">
+            <a:extLst>
+              <a:ext uri="{FF2B5EF4-FFF2-40B4-BE49-F238E27FC236}">
+                <a16:creationId xmlns:a16="http://schemas.microsoft.com/office/drawing/2014/main" id="{D45E34D6-120F-44F6-96A2-17230046C2F4}"/>
+              </a:ext>
+            </a:extLst>
+          </p:cNvPr>
+          <p:cNvSpPr/>
+          <p:nvPr/>
+        </p:nvSpPr>
+        <p:spPr>
+          <a:xfrm>
+            <a:off x="145062" y="633528"/>
+            <a:ext cx="207692" cy="6048000"/>
+          </a:xfrm>
+          <a:prstGeom prst="rect">
+            <a:avLst/>
+          </a:prstGeom>
+          <a:solidFill>
+            <a:schemeClr val="tx1"/>
+          </a:solidFill>
+          <a:ln w="25400"/>
+          <a:effectLst>
+            <a:outerShdw blurRad="50800" dist="63500" dir="2700000" algn="tl" rotWithShape="0">
+              <a:schemeClr val="bg1">
+                <a:alpha val="40000"/>
+              </a:schemeClr>
+            </a:outerShdw>
+          </a:effectLst>
+        </p:spPr>
+        <p:style>
+          <a:lnRef idx="2">
+            <a:schemeClr val="accent1">
+              <a:shade val="50000"/>
+            </a:schemeClr>
+          </a:lnRef>
+          <a:fillRef idx="1">
+            <a:schemeClr val="accent1"/>
+          </a:fillRef>
+          <a:effectRef idx="0">
+            <a:schemeClr val="accent1"/>
+          </a:effectRef>
+          <a:fontRef idx="minor">
+            <a:schemeClr val="lt1"/>
+          </a:fontRef>
+        </p:style>
+        <p:txBody>
+          <a:bodyPr rtlCol="0" anchor="ctr"/>
+          <a:lstStyle/>
+          <a:p>
+            <a:pPr marL="0" marR="0" lvl="0" indent="0" algn="ctr" defTabSz="914400" rtl="0" eaLnBrk="1" fontAlgn="auto" latinLnBrk="0" hangingPunct="1">
+              <a:lnSpc>
+                <a:spcPct val="100000"/>
+              </a:lnSpc>
+              <a:spcBef>
+                <a:spcPts val="0"/>
+              </a:spcBef>
+              <a:spcAft>
+                <a:spcPts val="0"/>
+              </a:spcAft>
+              <a:buClrTx/>
+              <a:buSzTx/>
+              <a:buFontTx/>
+              <a:buNone/>
+              <a:tabLst/>
+              <a:defRPr/>
+            </a:pPr>
+            <a:endParaRPr kumimoji="0" lang="pt-PT" sz="1800" b="0" i="0" u="none" strike="noStrike" kern="1200" cap="none" spc="0" normalizeH="0" baseline="0" noProof="0">
+              <a:ln>
+                <a:noFill/>
+              </a:ln>
+              <a:solidFill>
+                <a:prstClr val="white"/>
+              </a:solidFill>
+              <a:effectLst/>
+              <a:uLnTx/>
+              <a:uFillTx/>
+              <a:latin typeface="Calibri" panose="020F0502020204030204"/>
+              <a:ea typeface="+mn-ea"/>
+              <a:cs typeface="+mn-cs"/>
+            </a:endParaRPr>
+          </a:p>
+        </p:txBody>
+      </p:sp>
+      <p:sp>
+        <p:nvSpPr>
+          <p:cNvPr id="8" name="Arrow: Right 5">
+            <a:extLst>
+              <a:ext uri="{FF2B5EF4-FFF2-40B4-BE49-F238E27FC236}">
+                <a16:creationId xmlns:a16="http://schemas.microsoft.com/office/drawing/2014/main" id="{B9CFDE67-358F-40AB-A205-0236CB52ADC0}"/>
+              </a:ext>
+            </a:extLst>
+          </p:cNvPr>
+          <p:cNvSpPr/>
+          <p:nvPr/>
+        </p:nvSpPr>
+        <p:spPr>
+          <a:xfrm>
+            <a:off x="261441" y="740052"/>
+            <a:ext cx="955516" cy="276999"/>
+          </a:xfrm>
+          <a:custGeom>
+            <a:avLst/>
+            <a:gdLst>
+              <a:gd name="connsiteX0" fmla="*/ 0 w 1727200"/>
+              <a:gd name="connsiteY0" fmla="*/ 119380 h 477520"/>
+              <a:gd name="connsiteX1" fmla="*/ 1488440 w 1727200"/>
+              <a:gd name="connsiteY1" fmla="*/ 119380 h 477520"/>
+              <a:gd name="connsiteX2" fmla="*/ 1488440 w 1727200"/>
+              <a:gd name="connsiteY2" fmla="*/ 0 h 477520"/>
+              <a:gd name="connsiteX3" fmla="*/ 1727200 w 1727200"/>
+              <a:gd name="connsiteY3" fmla="*/ 238760 h 477520"/>
+              <a:gd name="connsiteX4" fmla="*/ 1488440 w 1727200"/>
+              <a:gd name="connsiteY4" fmla="*/ 477520 h 477520"/>
+              <a:gd name="connsiteX5" fmla="*/ 1488440 w 1727200"/>
+              <a:gd name="connsiteY5" fmla="*/ 358140 h 477520"/>
+              <a:gd name="connsiteX6" fmla="*/ 0 w 1727200"/>
+              <a:gd name="connsiteY6" fmla="*/ 358140 h 477520"/>
+              <a:gd name="connsiteX7" fmla="*/ 0 w 1727200"/>
+              <a:gd name="connsiteY7" fmla="*/ 119380 h 477520"/>
+              <a:gd name="connsiteX0" fmla="*/ 0 w 1727200"/>
+              <a:gd name="connsiteY0" fmla="*/ 11803 h 369943"/>
+              <a:gd name="connsiteX1" fmla="*/ 1488440 w 1727200"/>
+              <a:gd name="connsiteY1" fmla="*/ 11803 h 369943"/>
+              <a:gd name="connsiteX2" fmla="*/ 1488440 w 1727200"/>
+              <a:gd name="connsiteY2" fmla="*/ 0 h 369943"/>
+              <a:gd name="connsiteX3" fmla="*/ 1727200 w 1727200"/>
+              <a:gd name="connsiteY3" fmla="*/ 131183 h 369943"/>
+              <a:gd name="connsiteX4" fmla="*/ 1488440 w 1727200"/>
+              <a:gd name="connsiteY4" fmla="*/ 369943 h 369943"/>
+              <a:gd name="connsiteX5" fmla="*/ 1488440 w 1727200"/>
+              <a:gd name="connsiteY5" fmla="*/ 250563 h 369943"/>
+              <a:gd name="connsiteX6" fmla="*/ 0 w 1727200"/>
+              <a:gd name="connsiteY6" fmla="*/ 250563 h 369943"/>
+              <a:gd name="connsiteX7" fmla="*/ 0 w 1727200"/>
+              <a:gd name="connsiteY7" fmla="*/ 11803 h 369943"/>
+              <a:gd name="connsiteX0" fmla="*/ 0 w 1727200"/>
+              <a:gd name="connsiteY0" fmla="*/ 0 h 358140"/>
+              <a:gd name="connsiteX1" fmla="*/ 1488440 w 1727200"/>
+              <a:gd name="connsiteY1" fmla="*/ 0 h 358140"/>
+              <a:gd name="connsiteX2" fmla="*/ 1497538 w 1727200"/>
+              <a:gd name="connsiteY2" fmla="*/ 6394 h 358140"/>
+              <a:gd name="connsiteX3" fmla="*/ 1727200 w 1727200"/>
+              <a:gd name="connsiteY3" fmla="*/ 119380 h 358140"/>
+              <a:gd name="connsiteX4" fmla="*/ 1488440 w 1727200"/>
+              <a:gd name="connsiteY4" fmla="*/ 358140 h 358140"/>
+              <a:gd name="connsiteX5" fmla="*/ 1488440 w 1727200"/>
+              <a:gd name="connsiteY5" fmla="*/ 238760 h 358140"/>
+              <a:gd name="connsiteX6" fmla="*/ 0 w 1727200"/>
+              <a:gd name="connsiteY6" fmla="*/ 238760 h 358140"/>
+              <a:gd name="connsiteX7" fmla="*/ 0 w 1727200"/>
+              <a:gd name="connsiteY7" fmla="*/ 0 h 358140"/>
+              <a:gd name="connsiteX0" fmla="*/ 0 w 1727200"/>
+              <a:gd name="connsiteY0" fmla="*/ 0 h 239859"/>
+              <a:gd name="connsiteX1" fmla="*/ 1488440 w 1727200"/>
+              <a:gd name="connsiteY1" fmla="*/ 0 h 239859"/>
+              <a:gd name="connsiteX2" fmla="*/ 1497538 w 1727200"/>
+              <a:gd name="connsiteY2" fmla="*/ 6394 h 239859"/>
+              <a:gd name="connsiteX3" fmla="*/ 1727200 w 1727200"/>
+              <a:gd name="connsiteY3" fmla="*/ 119380 h 239859"/>
+              <a:gd name="connsiteX4" fmla="*/ 1492989 w 1727200"/>
+              <a:gd name="connsiteY4" fmla="*/ 239859 h 239859"/>
+              <a:gd name="connsiteX5" fmla="*/ 1488440 w 1727200"/>
+              <a:gd name="connsiteY5" fmla="*/ 238760 h 239859"/>
+              <a:gd name="connsiteX6" fmla="*/ 0 w 1727200"/>
+              <a:gd name="connsiteY6" fmla="*/ 238760 h 239859"/>
+              <a:gd name="connsiteX7" fmla="*/ 0 w 1727200"/>
+              <a:gd name="connsiteY7" fmla="*/ 0 h 239859"/>
+            </a:gdLst>
+            <a:ahLst/>
+            <a:cxnLst>
+              <a:cxn ang="0">
+                <a:pos x="connsiteX0" y="connsiteY0"/>
+              </a:cxn>
+              <a:cxn ang="0">
+                <a:pos x="connsiteX1" y="connsiteY1"/>
+              </a:cxn>
+              <a:cxn ang="0">
+                <a:pos x="connsiteX2" y="connsiteY2"/>
+              </a:cxn>
+              <a:cxn ang="0">
+                <a:pos x="connsiteX3" y="connsiteY3"/>
+              </a:cxn>
+              <a:cxn ang="0">
+                <a:pos x="connsiteX4" y="connsiteY4"/>
+              </a:cxn>
+              <a:cxn ang="0">
+                <a:pos x="connsiteX5" y="connsiteY5"/>
+              </a:cxn>
+              <a:cxn ang="0">
+                <a:pos x="connsiteX6" y="connsiteY6"/>
+              </a:cxn>
+              <a:cxn ang="0">
+                <a:pos x="connsiteX7" y="connsiteY7"/>
+              </a:cxn>
+            </a:cxnLst>
+            <a:rect l="l" t="t" r="r" b="b"/>
+            <a:pathLst>
+              <a:path w="1727200" h="239859">
+                <a:moveTo>
+                  <a:pt x="0" y="0"/>
+                </a:moveTo>
+                <a:lnTo>
+                  <a:pt x="1488440" y="0"/>
+                </a:lnTo>
+                <a:lnTo>
+                  <a:pt x="1497538" y="6394"/>
+                </a:lnTo>
+                <a:lnTo>
+                  <a:pt x="1727200" y="119380"/>
+                </a:lnTo>
+                <a:lnTo>
+                  <a:pt x="1492989" y="239859"/>
+                </a:lnTo>
+                <a:lnTo>
+                  <a:pt x="1488440" y="238760"/>
+                </a:lnTo>
+                <a:lnTo>
+                  <a:pt x="0" y="238760"/>
+                </a:lnTo>
+                <a:lnTo>
+                  <a:pt x="0" y="0"/>
+                </a:lnTo>
+                <a:close/>
+              </a:path>
+            </a:pathLst>
+          </a:custGeom>
+          <a:solidFill>
+            <a:sysClr val="windowText" lastClr="000000"/>
+          </a:solidFill>
+          <a:ln w="25400" cap="flat" cmpd="sng" algn="ctr">
+            <a:solidFill>
+              <a:srgbClr val="FFC000">
+                <a:lumMod val="60000"/>
+                <a:lumOff val="40000"/>
+              </a:srgbClr>
+            </a:solidFill>
+            <a:prstDash val="solid"/>
+            <a:miter lim="800000"/>
+          </a:ln>
+          <a:effectLst>
+            <a:outerShdw blurRad="50800" dist="63500" dir="2700000" algn="tl" rotWithShape="0">
+              <a:sysClr val="window" lastClr="FFFFFF">
+                <a:alpha val="40000"/>
+              </a:sysClr>
+            </a:outerShdw>
+          </a:effectLst>
+        </p:spPr>
+        <p:txBody>
+          <a:bodyPr wrap="none" lIns="90000" tIns="0" rIns="180000" bIns="0" rtlCol="0" anchor="ctr">
+            <a:spAutoFit/>
+          </a:bodyPr>
+          <a:lstStyle/>
+          <a:p>
+            <a:pPr marL="0" marR="0" lvl="0" indent="0" defTabSz="914369" eaLnBrk="1" fontAlgn="auto" latinLnBrk="0" hangingPunct="1">
+              <a:lnSpc>
+                <a:spcPct val="100000"/>
+              </a:lnSpc>
+              <a:spcBef>
+                <a:spcPts val="0"/>
+              </a:spcBef>
+              <a:spcAft>
+                <a:spcPts val="0"/>
+              </a:spcAft>
+              <a:buClrTx/>
+              <a:buSzTx/>
+              <a:buFontTx/>
+              <a:buNone/>
+              <a:tabLst/>
+              <a:defRPr/>
+            </a:pPr>
+            <a:r>
+              <a:rPr kumimoji="0" lang="en-US" sz="1800" b="0" i="0" u="none" strike="noStrike" kern="0" cap="none" spc="0" normalizeH="0" baseline="0" noProof="0" dirty="0">
+                <a:ln>
+                  <a:noFill/>
+                </a:ln>
+                <a:solidFill>
+                  <a:prstClr val="white"/>
+                </a:solidFill>
+                <a:effectLst/>
+                <a:uLnTx/>
+                <a:uFillTx/>
+                <a:latin typeface="Calibri Light" panose="020F0302020204030204"/>
+              </a:rPr>
+              <a:t>tutorial</a:t>
+            </a:r>
+          </a:p>
+        </p:txBody>
+      </p:sp>
+      <p:grpSp>
+        <p:nvGrpSpPr>
+          <p:cNvPr id="20" name="Group 19">
+            <a:extLst>
+              <a:ext uri="{FF2B5EF4-FFF2-40B4-BE49-F238E27FC236}">
+                <a16:creationId xmlns:a16="http://schemas.microsoft.com/office/drawing/2014/main" id="{07351F8C-0F34-4194-9655-95B910F4C48C}"/>
+              </a:ext>
+            </a:extLst>
+          </p:cNvPr>
+          <p:cNvGrpSpPr/>
+          <p:nvPr/>
+        </p:nvGrpSpPr>
+        <p:grpSpPr>
+          <a:xfrm>
+            <a:off x="1268850" y="755440"/>
+            <a:ext cx="1816328" cy="246221"/>
+            <a:chOff x="5881666" y="1565584"/>
+            <a:chExt cx="1816328" cy="246221"/>
+          </a:xfrm>
+        </p:grpSpPr>
+        <p:sp>
+          <p:nvSpPr>
+            <p:cNvPr id="21" name="Retângulo 5">
+              <a:extLst>
+                <a:ext uri="{FF2B5EF4-FFF2-40B4-BE49-F238E27FC236}">
+                  <a16:creationId xmlns:a16="http://schemas.microsoft.com/office/drawing/2014/main" id="{FE7F49B6-764A-4DDD-A35A-961C2F3E835F}"/>
+                </a:ext>
+              </a:extLst>
+            </p:cNvPr>
+            <p:cNvSpPr/>
+            <p:nvPr/>
+          </p:nvSpPr>
+          <p:spPr>
+            <a:xfrm>
+              <a:off x="6016123" y="1565584"/>
+              <a:ext cx="1681871" cy="246221"/>
+            </a:xfrm>
+            <a:prstGeom prst="rect">
+              <a:avLst/>
+            </a:prstGeom>
+          </p:spPr>
+          <p:txBody>
+            <a:bodyPr wrap="none">
+              <a:spAutoFit/>
+            </a:bodyPr>
+            <a:lstStyle/>
+            <a:p>
+              <a:pPr marL="0" marR="0" lvl="0" indent="0" defTabSz="914369" eaLnBrk="1" fontAlgn="auto" latinLnBrk="0" hangingPunct="1">
+                <a:lnSpc>
+                  <a:spcPct val="100000"/>
+                </a:lnSpc>
+                <a:spcBef>
+                  <a:spcPts val="0"/>
+                </a:spcBef>
+                <a:spcAft>
+                  <a:spcPts val="0"/>
+                </a:spcAft>
+                <a:buClrTx/>
+                <a:buSzTx/>
+                <a:buFontTx/>
+                <a:buNone/>
+                <a:tabLst/>
+                <a:defRPr/>
+              </a:pPr>
+              <a:r>
+                <a:rPr kumimoji="0" lang="en-US" sz="1000" b="0" i="0" u="none" strike="noStrike" kern="0" cap="none" spc="0" normalizeH="0" baseline="0" noProof="0" dirty="0">
+                  <a:ln>
+                    <a:noFill/>
+                  </a:ln>
+                  <a:solidFill>
+                    <a:prstClr val="black"/>
+                  </a:solidFill>
+                  <a:effectLst/>
+                  <a:uLnTx/>
+                  <a:uFillTx/>
+                  <a:hlinkClick r:id="rId3"/>
+                </a:rPr>
+                <a:t>virtual-environments/pipenv</a:t>
+              </a:r>
+              <a:endParaRPr kumimoji="0" lang="en-US" sz="1000" b="0" i="0" u="none" strike="noStrike" kern="0" cap="none" spc="0" normalizeH="0" baseline="0" noProof="0" dirty="0">
+                <a:ln>
+                  <a:noFill/>
+                </a:ln>
+                <a:solidFill>
+                  <a:prstClr val="black"/>
+                </a:solidFill>
+                <a:effectLst/>
+                <a:uLnTx/>
+                <a:uFillTx/>
+              </a:endParaRPr>
+            </a:p>
+          </p:txBody>
+        </p:sp>
+        <p:pic>
+          <p:nvPicPr>
+            <p:cNvPr id="22" name="Picture 21" descr="Icon&#10;&#10;Description automatically generated">
+              <a:extLst>
+                <a:ext uri="{FF2B5EF4-FFF2-40B4-BE49-F238E27FC236}">
+                  <a16:creationId xmlns:a16="http://schemas.microsoft.com/office/drawing/2014/main" id="{2EBB7043-481F-4617-975D-BB7B05A3A823}"/>
+                </a:ext>
+              </a:extLst>
+            </p:cNvPr>
+            <p:cNvPicPr>
+              <a:picLocks noChangeAspect="1"/>
+            </p:cNvPicPr>
+            <p:nvPr/>
+          </p:nvPicPr>
+          <p:blipFill>
+            <a:blip r:embed="rId4" cstate="print">
+              <a:extLst>
+                <a:ext uri="{28A0092B-C50C-407E-A947-70E740481C1C}">
+                  <a14:useLocalDpi xmlns:a14="http://schemas.microsoft.com/office/drawing/2010/main" val="0"/>
+                </a:ext>
+              </a:extLst>
+            </a:blip>
+            <a:stretch>
+              <a:fillRect/>
+            </a:stretch>
+          </p:blipFill>
+          <p:spPr>
+            <a:xfrm>
+              <a:off x="5881666" y="1590687"/>
+              <a:ext cx="180000" cy="180000"/>
+            </a:xfrm>
+            <a:prstGeom prst="rect">
+              <a:avLst/>
+            </a:prstGeom>
+          </p:spPr>
+        </p:pic>
+      </p:grpSp>
+      <p:sp>
+        <p:nvSpPr>
+          <p:cNvPr id="24" name="Arrow: Right 5">
+            <a:extLst>
+              <a:ext uri="{FF2B5EF4-FFF2-40B4-BE49-F238E27FC236}">
+                <a16:creationId xmlns:a16="http://schemas.microsoft.com/office/drawing/2014/main" id="{20DF7DFC-67EB-4F3E-95F7-8E13A8E42D47}"/>
+              </a:ext>
+            </a:extLst>
+          </p:cNvPr>
+          <p:cNvSpPr/>
+          <p:nvPr/>
+        </p:nvSpPr>
+        <p:spPr>
+          <a:xfrm>
+            <a:off x="284535" y="2003293"/>
+            <a:ext cx="811246" cy="276999"/>
+          </a:xfrm>
+          <a:custGeom>
+            <a:avLst/>
+            <a:gdLst>
+              <a:gd name="connsiteX0" fmla="*/ 0 w 1727200"/>
+              <a:gd name="connsiteY0" fmla="*/ 119380 h 477520"/>
+              <a:gd name="connsiteX1" fmla="*/ 1488440 w 1727200"/>
+              <a:gd name="connsiteY1" fmla="*/ 119380 h 477520"/>
+              <a:gd name="connsiteX2" fmla="*/ 1488440 w 1727200"/>
+              <a:gd name="connsiteY2" fmla="*/ 0 h 477520"/>
+              <a:gd name="connsiteX3" fmla="*/ 1727200 w 1727200"/>
+              <a:gd name="connsiteY3" fmla="*/ 238760 h 477520"/>
+              <a:gd name="connsiteX4" fmla="*/ 1488440 w 1727200"/>
+              <a:gd name="connsiteY4" fmla="*/ 477520 h 477520"/>
+              <a:gd name="connsiteX5" fmla="*/ 1488440 w 1727200"/>
+              <a:gd name="connsiteY5" fmla="*/ 358140 h 477520"/>
+              <a:gd name="connsiteX6" fmla="*/ 0 w 1727200"/>
+              <a:gd name="connsiteY6" fmla="*/ 358140 h 477520"/>
+              <a:gd name="connsiteX7" fmla="*/ 0 w 1727200"/>
+              <a:gd name="connsiteY7" fmla="*/ 119380 h 477520"/>
+              <a:gd name="connsiteX0" fmla="*/ 0 w 1727200"/>
+              <a:gd name="connsiteY0" fmla="*/ 11803 h 369943"/>
+              <a:gd name="connsiteX1" fmla="*/ 1488440 w 1727200"/>
+              <a:gd name="connsiteY1" fmla="*/ 11803 h 369943"/>
+              <a:gd name="connsiteX2" fmla="*/ 1488440 w 1727200"/>
+              <a:gd name="connsiteY2" fmla="*/ 0 h 369943"/>
+              <a:gd name="connsiteX3" fmla="*/ 1727200 w 1727200"/>
+              <a:gd name="connsiteY3" fmla="*/ 131183 h 369943"/>
+              <a:gd name="connsiteX4" fmla="*/ 1488440 w 1727200"/>
+              <a:gd name="connsiteY4" fmla="*/ 369943 h 369943"/>
+              <a:gd name="connsiteX5" fmla="*/ 1488440 w 1727200"/>
+              <a:gd name="connsiteY5" fmla="*/ 250563 h 369943"/>
+              <a:gd name="connsiteX6" fmla="*/ 0 w 1727200"/>
+              <a:gd name="connsiteY6" fmla="*/ 250563 h 369943"/>
+              <a:gd name="connsiteX7" fmla="*/ 0 w 1727200"/>
+              <a:gd name="connsiteY7" fmla="*/ 11803 h 369943"/>
+              <a:gd name="connsiteX0" fmla="*/ 0 w 1727200"/>
+              <a:gd name="connsiteY0" fmla="*/ 0 h 358140"/>
+              <a:gd name="connsiteX1" fmla="*/ 1488440 w 1727200"/>
+              <a:gd name="connsiteY1" fmla="*/ 0 h 358140"/>
+              <a:gd name="connsiteX2" fmla="*/ 1497538 w 1727200"/>
+              <a:gd name="connsiteY2" fmla="*/ 6394 h 358140"/>
+              <a:gd name="connsiteX3" fmla="*/ 1727200 w 1727200"/>
+              <a:gd name="connsiteY3" fmla="*/ 119380 h 358140"/>
+              <a:gd name="connsiteX4" fmla="*/ 1488440 w 1727200"/>
+              <a:gd name="connsiteY4" fmla="*/ 358140 h 358140"/>
+              <a:gd name="connsiteX5" fmla="*/ 1488440 w 1727200"/>
+              <a:gd name="connsiteY5" fmla="*/ 238760 h 358140"/>
+              <a:gd name="connsiteX6" fmla="*/ 0 w 1727200"/>
+              <a:gd name="connsiteY6" fmla="*/ 238760 h 358140"/>
+              <a:gd name="connsiteX7" fmla="*/ 0 w 1727200"/>
+              <a:gd name="connsiteY7" fmla="*/ 0 h 358140"/>
+              <a:gd name="connsiteX0" fmla="*/ 0 w 1727200"/>
+              <a:gd name="connsiteY0" fmla="*/ 0 h 239859"/>
+              <a:gd name="connsiteX1" fmla="*/ 1488440 w 1727200"/>
+              <a:gd name="connsiteY1" fmla="*/ 0 h 239859"/>
+              <a:gd name="connsiteX2" fmla="*/ 1497538 w 1727200"/>
+              <a:gd name="connsiteY2" fmla="*/ 6394 h 239859"/>
+              <a:gd name="connsiteX3" fmla="*/ 1727200 w 1727200"/>
+              <a:gd name="connsiteY3" fmla="*/ 119380 h 239859"/>
+              <a:gd name="connsiteX4" fmla="*/ 1492989 w 1727200"/>
+              <a:gd name="connsiteY4" fmla="*/ 239859 h 239859"/>
+              <a:gd name="connsiteX5" fmla="*/ 1488440 w 1727200"/>
+              <a:gd name="connsiteY5" fmla="*/ 238760 h 239859"/>
+              <a:gd name="connsiteX6" fmla="*/ 0 w 1727200"/>
+              <a:gd name="connsiteY6" fmla="*/ 238760 h 239859"/>
+              <a:gd name="connsiteX7" fmla="*/ 0 w 1727200"/>
+              <a:gd name="connsiteY7" fmla="*/ 0 h 239859"/>
+            </a:gdLst>
+            <a:ahLst/>
+            <a:cxnLst>
+              <a:cxn ang="0">
+                <a:pos x="connsiteX0" y="connsiteY0"/>
+              </a:cxn>
+              <a:cxn ang="0">
+                <a:pos x="connsiteX1" y="connsiteY1"/>
+              </a:cxn>
+              <a:cxn ang="0">
+                <a:pos x="connsiteX2" y="connsiteY2"/>
+              </a:cxn>
+              <a:cxn ang="0">
+                <a:pos x="connsiteX3" y="connsiteY3"/>
+              </a:cxn>
+              <a:cxn ang="0">
+                <a:pos x="connsiteX4" y="connsiteY4"/>
+              </a:cxn>
+              <a:cxn ang="0">
+                <a:pos x="connsiteX5" y="connsiteY5"/>
+              </a:cxn>
+              <a:cxn ang="0">
+                <a:pos x="connsiteX6" y="connsiteY6"/>
+              </a:cxn>
+              <a:cxn ang="0">
+                <a:pos x="connsiteX7" y="connsiteY7"/>
+              </a:cxn>
+            </a:cxnLst>
+            <a:rect l="l" t="t" r="r" b="b"/>
+            <a:pathLst>
+              <a:path w="1727200" h="239859">
+                <a:moveTo>
+                  <a:pt x="0" y="0"/>
+                </a:moveTo>
+                <a:lnTo>
+                  <a:pt x="1488440" y="0"/>
+                </a:lnTo>
+                <a:lnTo>
+                  <a:pt x="1497538" y="6394"/>
+                </a:lnTo>
+                <a:lnTo>
+                  <a:pt x="1727200" y="119380"/>
+                </a:lnTo>
+                <a:lnTo>
+                  <a:pt x="1492989" y="239859"/>
+                </a:lnTo>
+                <a:lnTo>
+                  <a:pt x="1488440" y="238760"/>
+                </a:lnTo>
+                <a:lnTo>
+                  <a:pt x="0" y="238760"/>
+                </a:lnTo>
+                <a:lnTo>
+                  <a:pt x="0" y="0"/>
+                </a:lnTo>
+                <a:close/>
+              </a:path>
+            </a:pathLst>
+          </a:custGeom>
+          <a:solidFill>
+            <a:sysClr val="windowText" lastClr="000000"/>
+          </a:solidFill>
+          <a:ln w="25400" cap="flat" cmpd="sng" algn="ctr">
+            <a:solidFill>
+              <a:srgbClr val="FFC000">
+                <a:lumMod val="60000"/>
+                <a:lumOff val="40000"/>
+              </a:srgbClr>
+            </a:solidFill>
+            <a:prstDash val="solid"/>
+            <a:miter lim="800000"/>
+          </a:ln>
+          <a:effectLst>
+            <a:outerShdw blurRad="50800" dist="63500" dir="2700000" algn="tl" rotWithShape="0">
+              <a:sysClr val="window" lastClr="FFFFFF">
+                <a:alpha val="40000"/>
+              </a:sysClr>
+            </a:outerShdw>
+          </a:effectLst>
+        </p:spPr>
+        <p:txBody>
+          <a:bodyPr wrap="none" lIns="90000" tIns="0" rIns="180000" bIns="0" rtlCol="0" anchor="ctr">
+            <a:spAutoFit/>
+          </a:bodyPr>
+          <a:lstStyle/>
+          <a:p>
+            <a:pPr marL="0" marR="0" lvl="0" indent="0" defTabSz="914369" eaLnBrk="1" fontAlgn="auto" latinLnBrk="0" hangingPunct="1">
+              <a:lnSpc>
+                <a:spcPct val="100000"/>
+              </a:lnSpc>
+              <a:spcBef>
+                <a:spcPts val="0"/>
+              </a:spcBef>
+              <a:spcAft>
+                <a:spcPts val="0"/>
+              </a:spcAft>
+              <a:buClrTx/>
+              <a:buSzTx/>
+              <a:buFontTx/>
+              <a:buNone/>
+              <a:tabLst/>
+              <a:defRPr/>
+            </a:pPr>
+            <a:r>
+              <a:rPr kumimoji="0" lang="en-US" sz="1800" b="0" i="0" u="none" strike="noStrike" kern="0" cap="none" spc="0" normalizeH="0" baseline="0" noProof="0" dirty="0">
+                <a:ln>
+                  <a:noFill/>
+                </a:ln>
+                <a:solidFill>
+                  <a:prstClr val="white"/>
+                </a:solidFill>
+                <a:effectLst/>
+                <a:uLnTx/>
+                <a:uFillTx/>
+                <a:latin typeface="Calibri Light" panose="020F0302020204030204"/>
+              </a:rPr>
+              <a:t>graph</a:t>
+            </a:r>
+          </a:p>
+        </p:txBody>
+      </p:sp>
+      <p:sp>
+        <p:nvSpPr>
+          <p:cNvPr id="33" name="Speech Bubble: Rectangle 32">
+            <a:extLst>
+              <a:ext uri="{FF2B5EF4-FFF2-40B4-BE49-F238E27FC236}">
+                <a16:creationId xmlns:a16="http://schemas.microsoft.com/office/drawing/2014/main" id="{02C58C4F-2414-4EC7-BF5F-EB9FACCA6CFA}"/>
+              </a:ext>
+            </a:extLst>
+          </p:cNvPr>
+          <p:cNvSpPr/>
+          <p:nvPr/>
+        </p:nvSpPr>
+        <p:spPr>
+          <a:xfrm>
+            <a:off x="3121658" y="4723900"/>
+            <a:ext cx="962370" cy="626701"/>
+          </a:xfrm>
+          <a:prstGeom prst="wedgeRectCallout">
+            <a:avLst>
+              <a:gd name="adj1" fmla="val -37417"/>
+              <a:gd name="adj2" fmla="val -73040"/>
+            </a:avLst>
+          </a:prstGeom>
+          <a:solidFill>
+            <a:sysClr val="windowText" lastClr="000000"/>
+          </a:solidFill>
+          <a:ln>
+            <a:solidFill>
+              <a:srgbClr val="5B9BD5"/>
+            </a:solidFill>
+          </a:ln>
+          <a:effectLst>
+            <a:outerShdw blurRad="50800" dist="63500" dir="2700000" algn="tl" rotWithShape="0">
+              <a:sysClr val="window" lastClr="FFFFFF">
+                <a:alpha val="40000"/>
+              </a:sysClr>
+            </a:outerShdw>
+          </a:effectLst>
+        </p:spPr>
+        <p:txBody>
+          <a:bodyPr wrap="none" lIns="36000" tIns="36000" rIns="36000" bIns="36000" rtlCol="0">
+            <a:spAutoFit/>
+          </a:bodyPr>
+          <a:lstStyle/>
+          <a:p>
+            <a:pPr marL="171450" lvl="0" indent="-171450" defTabSz="914369">
+              <a:buFont typeface="Arial" panose="020B0604020202020204" pitchFamily="34" charset="0"/>
+              <a:buChar char="•"/>
+              <a:defRPr/>
+            </a:pPr>
+            <a:r>
+              <a:rPr lang="en-US" sz="1200" kern="0" dirty="0">
+                <a:solidFill>
+                  <a:prstClr val="white"/>
+                </a:solidFill>
+                <a:latin typeface="Calibri Light" panose="020F0302020204030204"/>
+              </a:rPr>
+              <a:t>without </a:t>
+            </a:r>
+          </a:p>
+          <a:p>
+            <a:pPr marL="628650" lvl="1" indent="-171450" defTabSz="914369">
+              <a:buFont typeface="Arial" panose="020B0604020202020204" pitchFamily="34" charset="0"/>
+              <a:buChar char="•"/>
+              <a:defRPr/>
+            </a:pPr>
+            <a:r>
+              <a:rPr lang="en-US" sz="1200" kern="0" dirty="0">
+                <a:solidFill>
+                  <a:prstClr val="white"/>
+                </a:solidFill>
+                <a:latin typeface="Calibri Light" panose="020F0302020204030204"/>
+              </a:rPr>
+              <a:t>any </a:t>
+            </a:r>
+          </a:p>
+          <a:p>
+            <a:pPr marL="171450" indent="-171450" defTabSz="914369">
+              <a:buFont typeface="Arial" panose="020B0604020202020204" pitchFamily="34" charset="0"/>
+              <a:buChar char="•"/>
+              <a:defRPr/>
+            </a:pPr>
+            <a:r>
+              <a:rPr lang="en-US" sz="1200" kern="0" dirty="0">
+                <a:solidFill>
+                  <a:prstClr val="white"/>
+                </a:solidFill>
+                <a:latin typeface="Calibri Light" panose="020F0302020204030204"/>
+              </a:rPr>
+              <a:t>packages</a:t>
+            </a:r>
+            <a:endParaRPr kumimoji="0" lang="en-US" sz="1200" b="0" i="0" u="none" strike="noStrike" kern="0" cap="none" spc="0" normalizeH="0" baseline="0" noProof="0" dirty="0">
+              <a:ln>
+                <a:noFill/>
+              </a:ln>
+              <a:solidFill>
+                <a:prstClr val="white"/>
+              </a:solidFill>
+              <a:effectLst/>
+              <a:uLnTx/>
+              <a:uFillTx/>
+              <a:latin typeface="Calibri Light" panose="020F0302020204030204"/>
+            </a:endParaRPr>
+          </a:p>
+        </p:txBody>
+      </p:sp>
+      <p:sp>
+        <p:nvSpPr>
+          <p:cNvPr id="34" name="Speech Bubble: Rectangle 33">
+            <a:extLst>
+              <a:ext uri="{FF2B5EF4-FFF2-40B4-BE49-F238E27FC236}">
+                <a16:creationId xmlns:a16="http://schemas.microsoft.com/office/drawing/2014/main" id="{118EEB27-3C0F-47B3-AB71-0F9485F103EF}"/>
+              </a:ext>
+            </a:extLst>
+          </p:cNvPr>
+          <p:cNvSpPr/>
+          <p:nvPr/>
+        </p:nvSpPr>
+        <p:spPr>
+          <a:xfrm>
+            <a:off x="4542854" y="4678971"/>
+            <a:ext cx="2265611" cy="1180699"/>
+          </a:xfrm>
+          <a:prstGeom prst="wedgeRectCallout">
+            <a:avLst>
+              <a:gd name="adj1" fmla="val -27734"/>
+              <a:gd name="adj2" fmla="val -61818"/>
+            </a:avLst>
+          </a:prstGeom>
+          <a:solidFill>
+            <a:sysClr val="windowText" lastClr="000000"/>
+          </a:solidFill>
+          <a:ln>
+            <a:solidFill>
+              <a:srgbClr val="5B9BD5"/>
+            </a:solidFill>
+          </a:ln>
+          <a:effectLst>
+            <a:outerShdw blurRad="50800" dist="63500" dir="2700000" algn="tl" rotWithShape="0">
+              <a:sysClr val="window" lastClr="FFFFFF">
+                <a:alpha val="40000"/>
+              </a:sysClr>
+            </a:outerShdw>
+          </a:effectLst>
+        </p:spPr>
+        <p:txBody>
+          <a:bodyPr wrap="none" lIns="36000" tIns="36000" rIns="36000" bIns="36000" rtlCol="0">
+            <a:spAutoFit/>
+          </a:bodyPr>
+          <a:lstStyle/>
+          <a:p>
+            <a:pPr marL="171450" lvl="0" indent="-171450" defTabSz="914369">
+              <a:buFont typeface="Arial" panose="020B0604020202020204" pitchFamily="34" charset="0"/>
+              <a:buChar char="•"/>
+              <a:defRPr/>
+            </a:pPr>
+            <a:r>
+              <a:rPr lang="en-US" sz="1200" kern="0" dirty="0">
+                <a:solidFill>
+                  <a:prstClr val="white"/>
+                </a:solidFill>
+                <a:latin typeface="Calibri Light" panose="020F0302020204030204"/>
+              </a:rPr>
+              <a:t>create </a:t>
+            </a:r>
+          </a:p>
+          <a:p>
+            <a:pPr marL="628650" lvl="1" indent="-171450" defTabSz="914369">
+              <a:buFont typeface="Arial" panose="020B0604020202020204" pitchFamily="34" charset="0"/>
+              <a:buChar char="•"/>
+              <a:defRPr/>
+            </a:pPr>
+            <a:r>
+              <a:rPr lang="en-US" sz="1200" kern="0" dirty="0">
+                <a:solidFill>
+                  <a:prstClr val="white"/>
+                </a:solidFill>
+                <a:latin typeface="Calibri Light" panose="020F0302020204030204"/>
+              </a:rPr>
+              <a:t>new virtual environment </a:t>
+            </a:r>
+          </a:p>
+          <a:p>
+            <a:pPr marL="171450" indent="-171450" defTabSz="914369">
+              <a:buFont typeface="Arial" panose="020B0604020202020204" pitchFamily="34" charset="0"/>
+              <a:buChar char="•"/>
+              <a:defRPr/>
+            </a:pPr>
+            <a:r>
+              <a:rPr lang="en-US" sz="1200" kern="0" dirty="0">
+                <a:solidFill>
+                  <a:prstClr val="white"/>
+                </a:solidFill>
+                <a:latin typeface="Calibri Light" panose="020F0302020204030204"/>
+              </a:rPr>
+              <a:t>based on </a:t>
+            </a:r>
+          </a:p>
+          <a:p>
+            <a:pPr marL="628650" lvl="1" indent="-171450" defTabSz="914369">
+              <a:buFont typeface="Arial" panose="020B0604020202020204" pitchFamily="34" charset="0"/>
+              <a:buChar char="•"/>
+              <a:defRPr/>
+            </a:pPr>
+            <a:r>
+              <a:rPr lang="en-US" sz="1200" kern="0" dirty="0">
+                <a:solidFill>
+                  <a:prstClr val="white"/>
+                </a:solidFill>
+                <a:latin typeface="Calibri Light" panose="020F0302020204030204"/>
+              </a:rPr>
+              <a:t>the information </a:t>
+            </a:r>
+          </a:p>
+          <a:p>
+            <a:pPr marL="1085850" lvl="2" indent="-171450" defTabSz="914369">
+              <a:buFont typeface="Arial" panose="020B0604020202020204" pitchFamily="34" charset="0"/>
+              <a:buChar char="•"/>
+              <a:defRPr/>
+            </a:pPr>
+            <a:r>
+              <a:rPr lang="en-US" sz="1200" kern="0" dirty="0">
+                <a:solidFill>
+                  <a:prstClr val="white"/>
+                </a:solidFill>
+                <a:latin typeface="Calibri Light" panose="020F0302020204030204"/>
+              </a:rPr>
+              <a:t>in </a:t>
+            </a:r>
+          </a:p>
+          <a:p>
+            <a:pPr marL="628650" lvl="1" indent="-171450" defTabSz="914369">
+              <a:buFont typeface="Arial" panose="020B0604020202020204" pitchFamily="34" charset="0"/>
+              <a:buChar char="•"/>
+              <a:defRPr/>
+            </a:pPr>
+            <a:r>
+              <a:rPr lang="en-US" sz="1200" kern="0" dirty="0">
+                <a:solidFill>
+                  <a:prstClr val="white"/>
+                </a:solidFill>
+                <a:latin typeface="Calibri Light" panose="020F0302020204030204"/>
+              </a:rPr>
+              <a:t>your Pipfile</a:t>
+            </a:r>
+          </a:p>
+        </p:txBody>
+      </p:sp>
+      <p:pic>
+        <p:nvPicPr>
+          <p:cNvPr id="37" name="Picture 36">
+            <a:extLst>
+              <a:ext uri="{FF2B5EF4-FFF2-40B4-BE49-F238E27FC236}">
+                <a16:creationId xmlns:a16="http://schemas.microsoft.com/office/drawing/2014/main" id="{96D925FC-629C-491E-A534-75E30BAAB831}"/>
+              </a:ext>
+            </a:extLst>
+          </p:cNvPr>
+          <p:cNvPicPr>
+            <a:picLocks noChangeAspect="1"/>
+          </p:cNvPicPr>
+          <p:nvPr/>
+        </p:nvPicPr>
+        <p:blipFill rotWithShape="1">
+          <a:blip r:embed="rId5"/>
+          <a:srcRect b="8418"/>
+          <a:stretch/>
+        </p:blipFill>
+        <p:spPr>
+          <a:xfrm>
+            <a:off x="1095781" y="3534539"/>
+            <a:ext cx="7840133" cy="936000"/>
+          </a:xfrm>
+          <a:prstGeom prst="rect">
+            <a:avLst/>
+          </a:prstGeom>
+          <a:ln w="50800">
+            <a:solidFill>
+              <a:srgbClr val="70AD47">
+                <a:lumMod val="60000"/>
+                <a:lumOff val="40000"/>
+              </a:srgbClr>
+            </a:solidFill>
+          </a:ln>
+          <a:effectLst>
+            <a:outerShdw blurRad="50800" dist="127000" dir="2700000" algn="tl" rotWithShape="0">
+              <a:sysClr val="window" lastClr="FFFFFF">
+                <a:alpha val="40000"/>
+              </a:sysClr>
+            </a:outerShdw>
+          </a:effectLst>
+        </p:spPr>
+      </p:pic>
+      <p:sp>
+        <p:nvSpPr>
+          <p:cNvPr id="39" name="Arrow: Right 5">
+            <a:extLst>
+              <a:ext uri="{FF2B5EF4-FFF2-40B4-BE49-F238E27FC236}">
+                <a16:creationId xmlns:a16="http://schemas.microsoft.com/office/drawing/2014/main" id="{348E8A31-A310-469D-BB5A-07FD69A67A3E}"/>
+              </a:ext>
+            </a:extLst>
+          </p:cNvPr>
+          <p:cNvSpPr/>
+          <p:nvPr/>
+        </p:nvSpPr>
+        <p:spPr>
+          <a:xfrm>
+            <a:off x="274917" y="3519789"/>
+            <a:ext cx="820864" cy="276999"/>
+          </a:xfrm>
+          <a:custGeom>
+            <a:avLst/>
+            <a:gdLst>
+              <a:gd name="connsiteX0" fmla="*/ 0 w 1727200"/>
+              <a:gd name="connsiteY0" fmla="*/ 119380 h 477520"/>
+              <a:gd name="connsiteX1" fmla="*/ 1488440 w 1727200"/>
+              <a:gd name="connsiteY1" fmla="*/ 119380 h 477520"/>
+              <a:gd name="connsiteX2" fmla="*/ 1488440 w 1727200"/>
+              <a:gd name="connsiteY2" fmla="*/ 0 h 477520"/>
+              <a:gd name="connsiteX3" fmla="*/ 1727200 w 1727200"/>
+              <a:gd name="connsiteY3" fmla="*/ 238760 h 477520"/>
+              <a:gd name="connsiteX4" fmla="*/ 1488440 w 1727200"/>
+              <a:gd name="connsiteY4" fmla="*/ 477520 h 477520"/>
+              <a:gd name="connsiteX5" fmla="*/ 1488440 w 1727200"/>
+              <a:gd name="connsiteY5" fmla="*/ 358140 h 477520"/>
+              <a:gd name="connsiteX6" fmla="*/ 0 w 1727200"/>
+              <a:gd name="connsiteY6" fmla="*/ 358140 h 477520"/>
+              <a:gd name="connsiteX7" fmla="*/ 0 w 1727200"/>
+              <a:gd name="connsiteY7" fmla="*/ 119380 h 477520"/>
+              <a:gd name="connsiteX0" fmla="*/ 0 w 1727200"/>
+              <a:gd name="connsiteY0" fmla="*/ 11803 h 369943"/>
+              <a:gd name="connsiteX1" fmla="*/ 1488440 w 1727200"/>
+              <a:gd name="connsiteY1" fmla="*/ 11803 h 369943"/>
+              <a:gd name="connsiteX2" fmla="*/ 1488440 w 1727200"/>
+              <a:gd name="connsiteY2" fmla="*/ 0 h 369943"/>
+              <a:gd name="connsiteX3" fmla="*/ 1727200 w 1727200"/>
+              <a:gd name="connsiteY3" fmla="*/ 131183 h 369943"/>
+              <a:gd name="connsiteX4" fmla="*/ 1488440 w 1727200"/>
+              <a:gd name="connsiteY4" fmla="*/ 369943 h 369943"/>
+              <a:gd name="connsiteX5" fmla="*/ 1488440 w 1727200"/>
+              <a:gd name="connsiteY5" fmla="*/ 250563 h 369943"/>
+              <a:gd name="connsiteX6" fmla="*/ 0 w 1727200"/>
+              <a:gd name="connsiteY6" fmla="*/ 250563 h 369943"/>
+              <a:gd name="connsiteX7" fmla="*/ 0 w 1727200"/>
+              <a:gd name="connsiteY7" fmla="*/ 11803 h 369943"/>
+              <a:gd name="connsiteX0" fmla="*/ 0 w 1727200"/>
+              <a:gd name="connsiteY0" fmla="*/ 0 h 358140"/>
+              <a:gd name="connsiteX1" fmla="*/ 1488440 w 1727200"/>
+              <a:gd name="connsiteY1" fmla="*/ 0 h 358140"/>
+              <a:gd name="connsiteX2" fmla="*/ 1497538 w 1727200"/>
+              <a:gd name="connsiteY2" fmla="*/ 6394 h 358140"/>
+              <a:gd name="connsiteX3" fmla="*/ 1727200 w 1727200"/>
+              <a:gd name="connsiteY3" fmla="*/ 119380 h 358140"/>
+              <a:gd name="connsiteX4" fmla="*/ 1488440 w 1727200"/>
+              <a:gd name="connsiteY4" fmla="*/ 358140 h 358140"/>
+              <a:gd name="connsiteX5" fmla="*/ 1488440 w 1727200"/>
+              <a:gd name="connsiteY5" fmla="*/ 238760 h 358140"/>
+              <a:gd name="connsiteX6" fmla="*/ 0 w 1727200"/>
+              <a:gd name="connsiteY6" fmla="*/ 238760 h 358140"/>
+              <a:gd name="connsiteX7" fmla="*/ 0 w 1727200"/>
+              <a:gd name="connsiteY7" fmla="*/ 0 h 358140"/>
+              <a:gd name="connsiteX0" fmla="*/ 0 w 1727200"/>
+              <a:gd name="connsiteY0" fmla="*/ 0 h 239859"/>
+              <a:gd name="connsiteX1" fmla="*/ 1488440 w 1727200"/>
+              <a:gd name="connsiteY1" fmla="*/ 0 h 239859"/>
+              <a:gd name="connsiteX2" fmla="*/ 1497538 w 1727200"/>
+              <a:gd name="connsiteY2" fmla="*/ 6394 h 239859"/>
+              <a:gd name="connsiteX3" fmla="*/ 1727200 w 1727200"/>
+              <a:gd name="connsiteY3" fmla="*/ 119380 h 239859"/>
+              <a:gd name="connsiteX4" fmla="*/ 1492989 w 1727200"/>
+              <a:gd name="connsiteY4" fmla="*/ 239859 h 239859"/>
+              <a:gd name="connsiteX5" fmla="*/ 1488440 w 1727200"/>
+              <a:gd name="connsiteY5" fmla="*/ 238760 h 239859"/>
+              <a:gd name="connsiteX6" fmla="*/ 0 w 1727200"/>
+              <a:gd name="connsiteY6" fmla="*/ 238760 h 239859"/>
+              <a:gd name="connsiteX7" fmla="*/ 0 w 1727200"/>
+              <a:gd name="connsiteY7" fmla="*/ 0 h 239859"/>
+            </a:gdLst>
+            <a:ahLst/>
+            <a:cxnLst>
+              <a:cxn ang="0">
+                <a:pos x="connsiteX0" y="connsiteY0"/>
+              </a:cxn>
+              <a:cxn ang="0">
+                <a:pos x="connsiteX1" y="connsiteY1"/>
+              </a:cxn>
+              <a:cxn ang="0">
+                <a:pos x="connsiteX2" y="connsiteY2"/>
+              </a:cxn>
+              <a:cxn ang="0">
+                <a:pos x="connsiteX3" y="connsiteY3"/>
+              </a:cxn>
+              <a:cxn ang="0">
+                <a:pos x="connsiteX4" y="connsiteY4"/>
+              </a:cxn>
+              <a:cxn ang="0">
+                <a:pos x="connsiteX5" y="connsiteY5"/>
+              </a:cxn>
+              <a:cxn ang="0">
+                <a:pos x="connsiteX6" y="connsiteY6"/>
+              </a:cxn>
+              <a:cxn ang="0">
+                <a:pos x="connsiteX7" y="connsiteY7"/>
+              </a:cxn>
+            </a:cxnLst>
+            <a:rect l="l" t="t" r="r" b="b"/>
+            <a:pathLst>
+              <a:path w="1727200" h="239859">
+                <a:moveTo>
+                  <a:pt x="0" y="0"/>
+                </a:moveTo>
+                <a:lnTo>
+                  <a:pt x="1488440" y="0"/>
+                </a:lnTo>
+                <a:lnTo>
+                  <a:pt x="1497538" y="6394"/>
+                </a:lnTo>
+                <a:lnTo>
+                  <a:pt x="1727200" y="119380"/>
+                </a:lnTo>
+                <a:lnTo>
+                  <a:pt x="1492989" y="239859"/>
+                </a:lnTo>
+                <a:lnTo>
+                  <a:pt x="1488440" y="238760"/>
+                </a:lnTo>
+                <a:lnTo>
+                  <a:pt x="0" y="238760"/>
+                </a:lnTo>
+                <a:lnTo>
+                  <a:pt x="0" y="0"/>
+                </a:lnTo>
+                <a:close/>
+              </a:path>
+            </a:pathLst>
+          </a:custGeom>
+          <a:solidFill>
+            <a:sysClr val="windowText" lastClr="000000"/>
+          </a:solidFill>
+          <a:ln w="25400" cap="flat" cmpd="sng" algn="ctr">
+            <a:solidFill>
+              <a:srgbClr val="FFC000">
+                <a:lumMod val="60000"/>
+                <a:lumOff val="40000"/>
+              </a:srgbClr>
+            </a:solidFill>
+            <a:prstDash val="solid"/>
+            <a:miter lim="800000"/>
+          </a:ln>
+          <a:effectLst>
+            <a:outerShdw blurRad="50800" dist="63500" dir="2700000" algn="tl" rotWithShape="0">
+              <a:sysClr val="window" lastClr="FFFFFF">
+                <a:alpha val="40000"/>
+              </a:sysClr>
+            </a:outerShdw>
+          </a:effectLst>
+        </p:spPr>
+        <p:txBody>
+          <a:bodyPr wrap="none" lIns="90000" tIns="0" rIns="180000" bIns="0" rtlCol="0" anchor="ctr">
+            <a:spAutoFit/>
+          </a:bodyPr>
+          <a:lstStyle/>
+          <a:p>
+            <a:pPr marL="0" marR="0" lvl="0" indent="0" defTabSz="914369" eaLnBrk="1" fontAlgn="auto" latinLnBrk="0" hangingPunct="1">
+              <a:lnSpc>
+                <a:spcPct val="100000"/>
+              </a:lnSpc>
+              <a:spcBef>
+                <a:spcPts val="0"/>
+              </a:spcBef>
+              <a:spcAft>
+                <a:spcPts val="0"/>
+              </a:spcAft>
+              <a:buClrTx/>
+              <a:buSzTx/>
+              <a:buFontTx/>
+              <a:buNone/>
+              <a:tabLst/>
+              <a:defRPr/>
+            </a:pPr>
+            <a:r>
+              <a:rPr kumimoji="0" lang="en-US" sz="1800" b="0" i="0" u="none" strike="noStrike" kern="0" cap="none" spc="0" normalizeH="0" baseline="0" noProof="0" dirty="0">
+                <a:ln>
+                  <a:noFill/>
+                </a:ln>
+                <a:solidFill>
+                  <a:prstClr val="white"/>
+                </a:solidFill>
+                <a:effectLst/>
+                <a:uLnTx/>
+                <a:uFillTx/>
+                <a:latin typeface="Calibri Light" panose="020F0302020204030204"/>
+              </a:rPr>
+              <a:t>install</a:t>
+            </a:r>
+          </a:p>
+        </p:txBody>
+      </p:sp>
+      <p:sp>
+        <p:nvSpPr>
+          <p:cNvPr id="41" name="Arrow: Right 5">
+            <a:extLst>
+              <a:ext uri="{FF2B5EF4-FFF2-40B4-BE49-F238E27FC236}">
+                <a16:creationId xmlns:a16="http://schemas.microsoft.com/office/drawing/2014/main" id="{1EA99DC2-85B7-460F-AD91-0DB7F31EA17C}"/>
+              </a:ext>
+            </a:extLst>
+          </p:cNvPr>
+          <p:cNvSpPr/>
+          <p:nvPr/>
+        </p:nvSpPr>
+        <p:spPr>
+          <a:xfrm>
+            <a:off x="310984" y="6068547"/>
+            <a:ext cx="748729" cy="276999"/>
+          </a:xfrm>
+          <a:custGeom>
+            <a:avLst/>
+            <a:gdLst>
+              <a:gd name="connsiteX0" fmla="*/ 0 w 1727200"/>
+              <a:gd name="connsiteY0" fmla="*/ 119380 h 477520"/>
+              <a:gd name="connsiteX1" fmla="*/ 1488440 w 1727200"/>
+              <a:gd name="connsiteY1" fmla="*/ 119380 h 477520"/>
+              <a:gd name="connsiteX2" fmla="*/ 1488440 w 1727200"/>
+              <a:gd name="connsiteY2" fmla="*/ 0 h 477520"/>
+              <a:gd name="connsiteX3" fmla="*/ 1727200 w 1727200"/>
+              <a:gd name="connsiteY3" fmla="*/ 238760 h 477520"/>
+              <a:gd name="connsiteX4" fmla="*/ 1488440 w 1727200"/>
+              <a:gd name="connsiteY4" fmla="*/ 477520 h 477520"/>
+              <a:gd name="connsiteX5" fmla="*/ 1488440 w 1727200"/>
+              <a:gd name="connsiteY5" fmla="*/ 358140 h 477520"/>
+              <a:gd name="connsiteX6" fmla="*/ 0 w 1727200"/>
+              <a:gd name="connsiteY6" fmla="*/ 358140 h 477520"/>
+              <a:gd name="connsiteX7" fmla="*/ 0 w 1727200"/>
+              <a:gd name="connsiteY7" fmla="*/ 119380 h 477520"/>
+              <a:gd name="connsiteX0" fmla="*/ 0 w 1727200"/>
+              <a:gd name="connsiteY0" fmla="*/ 11803 h 369943"/>
+              <a:gd name="connsiteX1" fmla="*/ 1488440 w 1727200"/>
+              <a:gd name="connsiteY1" fmla="*/ 11803 h 369943"/>
+              <a:gd name="connsiteX2" fmla="*/ 1488440 w 1727200"/>
+              <a:gd name="connsiteY2" fmla="*/ 0 h 369943"/>
+              <a:gd name="connsiteX3" fmla="*/ 1727200 w 1727200"/>
+              <a:gd name="connsiteY3" fmla="*/ 131183 h 369943"/>
+              <a:gd name="connsiteX4" fmla="*/ 1488440 w 1727200"/>
+              <a:gd name="connsiteY4" fmla="*/ 369943 h 369943"/>
+              <a:gd name="connsiteX5" fmla="*/ 1488440 w 1727200"/>
+              <a:gd name="connsiteY5" fmla="*/ 250563 h 369943"/>
+              <a:gd name="connsiteX6" fmla="*/ 0 w 1727200"/>
+              <a:gd name="connsiteY6" fmla="*/ 250563 h 369943"/>
+              <a:gd name="connsiteX7" fmla="*/ 0 w 1727200"/>
+              <a:gd name="connsiteY7" fmla="*/ 11803 h 369943"/>
+              <a:gd name="connsiteX0" fmla="*/ 0 w 1727200"/>
+              <a:gd name="connsiteY0" fmla="*/ 0 h 358140"/>
+              <a:gd name="connsiteX1" fmla="*/ 1488440 w 1727200"/>
+              <a:gd name="connsiteY1" fmla="*/ 0 h 358140"/>
+              <a:gd name="connsiteX2" fmla="*/ 1497538 w 1727200"/>
+              <a:gd name="connsiteY2" fmla="*/ 6394 h 358140"/>
+              <a:gd name="connsiteX3" fmla="*/ 1727200 w 1727200"/>
+              <a:gd name="connsiteY3" fmla="*/ 119380 h 358140"/>
+              <a:gd name="connsiteX4" fmla="*/ 1488440 w 1727200"/>
+              <a:gd name="connsiteY4" fmla="*/ 358140 h 358140"/>
+              <a:gd name="connsiteX5" fmla="*/ 1488440 w 1727200"/>
+              <a:gd name="connsiteY5" fmla="*/ 238760 h 358140"/>
+              <a:gd name="connsiteX6" fmla="*/ 0 w 1727200"/>
+              <a:gd name="connsiteY6" fmla="*/ 238760 h 358140"/>
+              <a:gd name="connsiteX7" fmla="*/ 0 w 1727200"/>
+              <a:gd name="connsiteY7" fmla="*/ 0 h 358140"/>
+              <a:gd name="connsiteX0" fmla="*/ 0 w 1727200"/>
+              <a:gd name="connsiteY0" fmla="*/ 0 h 239859"/>
+              <a:gd name="connsiteX1" fmla="*/ 1488440 w 1727200"/>
+              <a:gd name="connsiteY1" fmla="*/ 0 h 239859"/>
+              <a:gd name="connsiteX2" fmla="*/ 1497538 w 1727200"/>
+              <a:gd name="connsiteY2" fmla="*/ 6394 h 239859"/>
+              <a:gd name="connsiteX3" fmla="*/ 1727200 w 1727200"/>
+              <a:gd name="connsiteY3" fmla="*/ 119380 h 239859"/>
+              <a:gd name="connsiteX4" fmla="*/ 1492989 w 1727200"/>
+              <a:gd name="connsiteY4" fmla="*/ 239859 h 239859"/>
+              <a:gd name="connsiteX5" fmla="*/ 1488440 w 1727200"/>
+              <a:gd name="connsiteY5" fmla="*/ 238760 h 239859"/>
+              <a:gd name="connsiteX6" fmla="*/ 0 w 1727200"/>
+              <a:gd name="connsiteY6" fmla="*/ 238760 h 239859"/>
+              <a:gd name="connsiteX7" fmla="*/ 0 w 1727200"/>
+              <a:gd name="connsiteY7" fmla="*/ 0 h 239859"/>
+            </a:gdLst>
+            <a:ahLst/>
+            <a:cxnLst>
+              <a:cxn ang="0">
+                <a:pos x="connsiteX0" y="connsiteY0"/>
+              </a:cxn>
+              <a:cxn ang="0">
+                <a:pos x="connsiteX1" y="connsiteY1"/>
+              </a:cxn>
+              <a:cxn ang="0">
+                <a:pos x="connsiteX2" y="connsiteY2"/>
+              </a:cxn>
+              <a:cxn ang="0">
+                <a:pos x="connsiteX3" y="connsiteY3"/>
+              </a:cxn>
+              <a:cxn ang="0">
+                <a:pos x="connsiteX4" y="connsiteY4"/>
+              </a:cxn>
+              <a:cxn ang="0">
+                <a:pos x="connsiteX5" y="connsiteY5"/>
+              </a:cxn>
+              <a:cxn ang="0">
+                <a:pos x="connsiteX6" y="connsiteY6"/>
+              </a:cxn>
+              <a:cxn ang="0">
+                <a:pos x="connsiteX7" y="connsiteY7"/>
+              </a:cxn>
+            </a:cxnLst>
+            <a:rect l="l" t="t" r="r" b="b"/>
+            <a:pathLst>
+              <a:path w="1727200" h="239859">
+                <a:moveTo>
+                  <a:pt x="0" y="0"/>
+                </a:moveTo>
+                <a:lnTo>
+                  <a:pt x="1488440" y="0"/>
+                </a:lnTo>
+                <a:lnTo>
+                  <a:pt x="1497538" y="6394"/>
+                </a:lnTo>
+                <a:lnTo>
+                  <a:pt x="1727200" y="119380"/>
+                </a:lnTo>
+                <a:lnTo>
+                  <a:pt x="1492989" y="239859"/>
+                </a:lnTo>
+                <a:lnTo>
+                  <a:pt x="1488440" y="238760"/>
+                </a:lnTo>
+                <a:lnTo>
+                  <a:pt x="0" y="238760"/>
+                </a:lnTo>
+                <a:lnTo>
+                  <a:pt x="0" y="0"/>
+                </a:lnTo>
+                <a:close/>
+              </a:path>
+            </a:pathLst>
+          </a:custGeom>
+          <a:solidFill>
+            <a:sysClr val="windowText" lastClr="000000"/>
+          </a:solidFill>
+          <a:ln w="25400" cap="flat" cmpd="sng" algn="ctr">
+            <a:solidFill>
+              <a:srgbClr val="FFC000">
+                <a:lumMod val="60000"/>
+                <a:lumOff val="40000"/>
+              </a:srgbClr>
+            </a:solidFill>
+            <a:prstDash val="solid"/>
+            <a:miter lim="800000"/>
+          </a:ln>
+          <a:effectLst>
+            <a:outerShdw blurRad="50800" dist="63500" dir="2700000" algn="tl" rotWithShape="0">
+              <a:sysClr val="window" lastClr="FFFFFF">
+                <a:alpha val="40000"/>
+              </a:sysClr>
+            </a:outerShdw>
+          </a:effectLst>
+        </p:spPr>
+        <p:txBody>
+          <a:bodyPr wrap="none" lIns="90000" tIns="0" rIns="180000" bIns="0" rtlCol="0" anchor="ctr">
+            <a:spAutoFit/>
+          </a:bodyPr>
+          <a:lstStyle/>
+          <a:p>
+            <a:pPr marL="0" marR="0" lvl="0" indent="0" defTabSz="914369" eaLnBrk="1" fontAlgn="auto" latinLnBrk="0" hangingPunct="1">
+              <a:lnSpc>
+                <a:spcPct val="100000"/>
+              </a:lnSpc>
+              <a:spcBef>
+                <a:spcPts val="0"/>
+              </a:spcBef>
+              <a:spcAft>
+                <a:spcPts val="0"/>
+              </a:spcAft>
+              <a:buClrTx/>
+              <a:buSzTx/>
+              <a:buFontTx/>
+              <a:buNone/>
+              <a:tabLst/>
+              <a:defRPr/>
+            </a:pPr>
+            <a:r>
+              <a:rPr kumimoji="0" lang="en-US" sz="1800" b="0" i="0" u="none" strike="noStrike" kern="0" cap="none" spc="0" normalizeH="0" baseline="0" noProof="0" dirty="0">
+                <a:ln>
+                  <a:noFill/>
+                </a:ln>
+                <a:solidFill>
+                  <a:prstClr val="white"/>
+                </a:solidFill>
+                <a:effectLst/>
+                <a:uLnTx/>
+                <a:uFillTx/>
+                <a:latin typeface="Calibri Light" panose="020F0302020204030204"/>
+              </a:rPr>
+              <a:t>--env</a:t>
+            </a:r>
+          </a:p>
+        </p:txBody>
+      </p:sp>
+      <p:pic>
+        <p:nvPicPr>
+          <p:cNvPr id="42" name="Picture 41">
+            <a:extLst>
+              <a:ext uri="{FF2B5EF4-FFF2-40B4-BE49-F238E27FC236}">
+                <a16:creationId xmlns:a16="http://schemas.microsoft.com/office/drawing/2014/main" id="{20DF90D9-5E1D-4E1C-B044-B09942F9D1C3}"/>
+              </a:ext>
+            </a:extLst>
+          </p:cNvPr>
+          <p:cNvPicPr>
+            <a:picLocks noChangeAspect="1"/>
+          </p:cNvPicPr>
+          <p:nvPr/>
+        </p:nvPicPr>
+        <p:blipFill>
+          <a:blip r:embed="rId6"/>
+          <a:stretch>
+            <a:fillRect/>
+          </a:stretch>
+        </p:blipFill>
+        <p:spPr>
+          <a:xfrm>
+            <a:off x="1095781" y="6027033"/>
+            <a:ext cx="5499764" cy="427685"/>
+          </a:xfrm>
+          <a:prstGeom prst="rect">
+            <a:avLst/>
+          </a:prstGeom>
+          <a:ln w="50800">
+            <a:solidFill>
+              <a:srgbClr val="70AD47">
+                <a:lumMod val="60000"/>
+                <a:lumOff val="40000"/>
+              </a:srgbClr>
+            </a:solidFill>
+          </a:ln>
+          <a:effectLst>
+            <a:outerShdw blurRad="50800" dist="127000" dir="2700000" algn="tl" rotWithShape="0">
+              <a:sysClr val="window" lastClr="FFFFFF">
+                <a:alpha val="40000"/>
+              </a:sysClr>
+            </a:outerShdw>
+          </a:effectLst>
+        </p:spPr>
+      </p:pic>
+      <p:sp>
+        <p:nvSpPr>
+          <p:cNvPr id="16" name="Speech Bubble: Rectangle 15">
+            <a:extLst>
+              <a:ext uri="{FF2B5EF4-FFF2-40B4-BE49-F238E27FC236}">
+                <a16:creationId xmlns:a16="http://schemas.microsoft.com/office/drawing/2014/main" id="{F4A88F7E-A4F9-4ED2-9CE9-578E0A389A68}"/>
+              </a:ext>
+            </a:extLst>
+          </p:cNvPr>
+          <p:cNvSpPr/>
+          <p:nvPr/>
+        </p:nvSpPr>
+        <p:spPr>
+          <a:xfrm>
+            <a:off x="1095781" y="1352736"/>
+            <a:ext cx="2251185" cy="257369"/>
+          </a:xfrm>
+          <a:prstGeom prst="wedgeRectCallout">
+            <a:avLst>
+              <a:gd name="adj1" fmla="val -22375"/>
+              <a:gd name="adj2" fmla="val 9239"/>
+            </a:avLst>
+          </a:prstGeom>
+          <a:solidFill>
+            <a:sysClr val="windowText" lastClr="000000"/>
+          </a:solidFill>
+          <a:ln>
+            <a:solidFill>
+              <a:srgbClr val="5B9BD5"/>
+            </a:solidFill>
+          </a:ln>
+          <a:effectLst>
+            <a:outerShdw blurRad="50800" dist="63500" dir="2700000" algn="tl" rotWithShape="0">
+              <a:sysClr val="window" lastClr="FFFFFF">
+                <a:alpha val="40000"/>
+              </a:sysClr>
+            </a:outerShdw>
+          </a:effectLst>
+        </p:spPr>
+        <p:txBody>
+          <a:bodyPr wrap="none" lIns="36000" tIns="36000" rIns="36000" bIns="36000" rtlCol="0">
+            <a:spAutoFit/>
+          </a:bodyPr>
+          <a:lstStyle/>
+          <a:p>
+            <a:pPr lvl="0" defTabSz="914369">
+              <a:defRPr/>
+            </a:pPr>
+            <a:r>
+              <a:rPr lang="en-US" sz="1200" kern="0">
+                <a:solidFill>
+                  <a:prstClr val="white"/>
+                </a:solidFill>
+                <a:latin typeface="Consolas" panose="020B0609020204030204" pitchFamily="49" charset="0"/>
+              </a:rPr>
+              <a:t>pip install --user pipenv</a:t>
+            </a:r>
+            <a:endParaRPr lang="en-US" sz="1200" kern="0" dirty="0">
+              <a:solidFill>
+                <a:prstClr val="white"/>
+              </a:solidFill>
+              <a:latin typeface="Consolas" panose="020B0609020204030204" pitchFamily="49" charset="0"/>
+            </a:endParaRPr>
+          </a:p>
+        </p:txBody>
+      </p:sp>
+      <p:sp>
+        <p:nvSpPr>
+          <p:cNvPr id="17" name="Arrow: Right 5">
+            <a:extLst>
+              <a:ext uri="{FF2B5EF4-FFF2-40B4-BE49-F238E27FC236}">
+                <a16:creationId xmlns:a16="http://schemas.microsoft.com/office/drawing/2014/main" id="{CEBFE3F2-F648-4357-BE6F-151ECE6BBCD4}"/>
+              </a:ext>
+            </a:extLst>
+          </p:cNvPr>
+          <p:cNvSpPr/>
+          <p:nvPr/>
+        </p:nvSpPr>
+        <p:spPr>
+          <a:xfrm>
+            <a:off x="277754" y="1319620"/>
+            <a:ext cx="820864" cy="276999"/>
+          </a:xfrm>
+          <a:custGeom>
+            <a:avLst/>
+            <a:gdLst>
+              <a:gd name="connsiteX0" fmla="*/ 0 w 1727200"/>
+              <a:gd name="connsiteY0" fmla="*/ 119380 h 477520"/>
+              <a:gd name="connsiteX1" fmla="*/ 1488440 w 1727200"/>
+              <a:gd name="connsiteY1" fmla="*/ 119380 h 477520"/>
+              <a:gd name="connsiteX2" fmla="*/ 1488440 w 1727200"/>
+              <a:gd name="connsiteY2" fmla="*/ 0 h 477520"/>
+              <a:gd name="connsiteX3" fmla="*/ 1727200 w 1727200"/>
+              <a:gd name="connsiteY3" fmla="*/ 238760 h 477520"/>
+              <a:gd name="connsiteX4" fmla="*/ 1488440 w 1727200"/>
+              <a:gd name="connsiteY4" fmla="*/ 477520 h 477520"/>
+              <a:gd name="connsiteX5" fmla="*/ 1488440 w 1727200"/>
+              <a:gd name="connsiteY5" fmla="*/ 358140 h 477520"/>
+              <a:gd name="connsiteX6" fmla="*/ 0 w 1727200"/>
+              <a:gd name="connsiteY6" fmla="*/ 358140 h 477520"/>
+              <a:gd name="connsiteX7" fmla="*/ 0 w 1727200"/>
+              <a:gd name="connsiteY7" fmla="*/ 119380 h 477520"/>
+              <a:gd name="connsiteX0" fmla="*/ 0 w 1727200"/>
+              <a:gd name="connsiteY0" fmla="*/ 11803 h 369943"/>
+              <a:gd name="connsiteX1" fmla="*/ 1488440 w 1727200"/>
+              <a:gd name="connsiteY1" fmla="*/ 11803 h 369943"/>
+              <a:gd name="connsiteX2" fmla="*/ 1488440 w 1727200"/>
+              <a:gd name="connsiteY2" fmla="*/ 0 h 369943"/>
+              <a:gd name="connsiteX3" fmla="*/ 1727200 w 1727200"/>
+              <a:gd name="connsiteY3" fmla="*/ 131183 h 369943"/>
+              <a:gd name="connsiteX4" fmla="*/ 1488440 w 1727200"/>
+              <a:gd name="connsiteY4" fmla="*/ 369943 h 369943"/>
+              <a:gd name="connsiteX5" fmla="*/ 1488440 w 1727200"/>
+              <a:gd name="connsiteY5" fmla="*/ 250563 h 369943"/>
+              <a:gd name="connsiteX6" fmla="*/ 0 w 1727200"/>
+              <a:gd name="connsiteY6" fmla="*/ 250563 h 369943"/>
+              <a:gd name="connsiteX7" fmla="*/ 0 w 1727200"/>
+              <a:gd name="connsiteY7" fmla="*/ 11803 h 369943"/>
+              <a:gd name="connsiteX0" fmla="*/ 0 w 1727200"/>
+              <a:gd name="connsiteY0" fmla="*/ 0 h 358140"/>
+              <a:gd name="connsiteX1" fmla="*/ 1488440 w 1727200"/>
+              <a:gd name="connsiteY1" fmla="*/ 0 h 358140"/>
+              <a:gd name="connsiteX2" fmla="*/ 1497538 w 1727200"/>
+              <a:gd name="connsiteY2" fmla="*/ 6394 h 358140"/>
+              <a:gd name="connsiteX3" fmla="*/ 1727200 w 1727200"/>
+              <a:gd name="connsiteY3" fmla="*/ 119380 h 358140"/>
+              <a:gd name="connsiteX4" fmla="*/ 1488440 w 1727200"/>
+              <a:gd name="connsiteY4" fmla="*/ 358140 h 358140"/>
+              <a:gd name="connsiteX5" fmla="*/ 1488440 w 1727200"/>
+              <a:gd name="connsiteY5" fmla="*/ 238760 h 358140"/>
+              <a:gd name="connsiteX6" fmla="*/ 0 w 1727200"/>
+              <a:gd name="connsiteY6" fmla="*/ 238760 h 358140"/>
+              <a:gd name="connsiteX7" fmla="*/ 0 w 1727200"/>
+              <a:gd name="connsiteY7" fmla="*/ 0 h 358140"/>
+              <a:gd name="connsiteX0" fmla="*/ 0 w 1727200"/>
+              <a:gd name="connsiteY0" fmla="*/ 0 h 239859"/>
+              <a:gd name="connsiteX1" fmla="*/ 1488440 w 1727200"/>
+              <a:gd name="connsiteY1" fmla="*/ 0 h 239859"/>
+              <a:gd name="connsiteX2" fmla="*/ 1497538 w 1727200"/>
+              <a:gd name="connsiteY2" fmla="*/ 6394 h 239859"/>
+              <a:gd name="connsiteX3" fmla="*/ 1727200 w 1727200"/>
+              <a:gd name="connsiteY3" fmla="*/ 119380 h 239859"/>
+              <a:gd name="connsiteX4" fmla="*/ 1492989 w 1727200"/>
+              <a:gd name="connsiteY4" fmla="*/ 239859 h 239859"/>
+              <a:gd name="connsiteX5" fmla="*/ 1488440 w 1727200"/>
+              <a:gd name="connsiteY5" fmla="*/ 238760 h 239859"/>
+              <a:gd name="connsiteX6" fmla="*/ 0 w 1727200"/>
+              <a:gd name="connsiteY6" fmla="*/ 238760 h 239859"/>
+              <a:gd name="connsiteX7" fmla="*/ 0 w 1727200"/>
+              <a:gd name="connsiteY7" fmla="*/ 0 h 239859"/>
+            </a:gdLst>
+            <a:ahLst/>
+            <a:cxnLst>
+              <a:cxn ang="0">
+                <a:pos x="connsiteX0" y="connsiteY0"/>
+              </a:cxn>
+              <a:cxn ang="0">
+                <a:pos x="connsiteX1" y="connsiteY1"/>
+              </a:cxn>
+              <a:cxn ang="0">
+                <a:pos x="connsiteX2" y="connsiteY2"/>
+              </a:cxn>
+              <a:cxn ang="0">
+                <a:pos x="connsiteX3" y="connsiteY3"/>
+              </a:cxn>
+              <a:cxn ang="0">
+                <a:pos x="connsiteX4" y="connsiteY4"/>
+              </a:cxn>
+              <a:cxn ang="0">
+                <a:pos x="connsiteX5" y="connsiteY5"/>
+              </a:cxn>
+              <a:cxn ang="0">
+                <a:pos x="connsiteX6" y="connsiteY6"/>
+              </a:cxn>
+              <a:cxn ang="0">
+                <a:pos x="connsiteX7" y="connsiteY7"/>
+              </a:cxn>
+            </a:cxnLst>
+            <a:rect l="l" t="t" r="r" b="b"/>
+            <a:pathLst>
+              <a:path w="1727200" h="239859">
+                <a:moveTo>
+                  <a:pt x="0" y="0"/>
+                </a:moveTo>
+                <a:lnTo>
+                  <a:pt x="1488440" y="0"/>
+                </a:lnTo>
+                <a:lnTo>
+                  <a:pt x="1497538" y="6394"/>
+                </a:lnTo>
+                <a:lnTo>
+                  <a:pt x="1727200" y="119380"/>
+                </a:lnTo>
+                <a:lnTo>
+                  <a:pt x="1492989" y="239859"/>
+                </a:lnTo>
+                <a:lnTo>
+                  <a:pt x="1488440" y="238760"/>
+                </a:lnTo>
+                <a:lnTo>
+                  <a:pt x="0" y="238760"/>
+                </a:lnTo>
+                <a:lnTo>
+                  <a:pt x="0" y="0"/>
+                </a:lnTo>
+                <a:close/>
+              </a:path>
+            </a:pathLst>
+          </a:custGeom>
+          <a:solidFill>
+            <a:sysClr val="windowText" lastClr="000000"/>
+          </a:solidFill>
+          <a:ln w="25400" cap="flat" cmpd="sng" algn="ctr">
+            <a:solidFill>
+              <a:srgbClr val="FFC000">
+                <a:lumMod val="60000"/>
+                <a:lumOff val="40000"/>
+              </a:srgbClr>
+            </a:solidFill>
+            <a:prstDash val="solid"/>
+            <a:miter lim="800000"/>
+          </a:ln>
+          <a:effectLst>
+            <a:outerShdw blurRad="50800" dist="63500" dir="2700000" algn="tl" rotWithShape="0">
+              <a:sysClr val="window" lastClr="FFFFFF">
+                <a:alpha val="40000"/>
+              </a:sysClr>
+            </a:outerShdw>
+          </a:effectLst>
+        </p:spPr>
+        <p:txBody>
+          <a:bodyPr wrap="none" lIns="90000" tIns="0" rIns="180000" bIns="0" rtlCol="0" anchor="ctr">
+            <a:spAutoFit/>
+          </a:bodyPr>
+          <a:lstStyle/>
+          <a:p>
+            <a:pPr marL="0" marR="0" lvl="0" indent="0" defTabSz="914369" eaLnBrk="1" fontAlgn="auto" latinLnBrk="0" hangingPunct="1">
+              <a:lnSpc>
+                <a:spcPct val="100000"/>
+              </a:lnSpc>
+              <a:spcBef>
+                <a:spcPts val="0"/>
+              </a:spcBef>
+              <a:spcAft>
+                <a:spcPts val="0"/>
+              </a:spcAft>
+              <a:buClrTx/>
+              <a:buSzTx/>
+              <a:buFontTx/>
+              <a:buNone/>
+              <a:tabLst/>
+              <a:defRPr/>
+            </a:pPr>
+            <a:r>
+              <a:rPr kumimoji="0" lang="en-US" sz="1800" b="0" i="0" u="none" strike="noStrike" kern="0" cap="none" spc="0" normalizeH="0" baseline="0" noProof="0" dirty="0">
+                <a:ln>
+                  <a:noFill/>
+                </a:ln>
+                <a:solidFill>
+                  <a:prstClr val="white"/>
+                </a:solidFill>
+                <a:effectLst/>
+                <a:uLnTx/>
+                <a:uFillTx/>
+                <a:latin typeface="Calibri Light" panose="020F0302020204030204"/>
+              </a:rPr>
+              <a:t>install</a:t>
+            </a:r>
+          </a:p>
+        </p:txBody>
+      </p:sp>
+    </p:spTree>
+    <p:extLst>
+      <p:ext uri="{BB962C8B-B14F-4D97-AF65-F5344CB8AC3E}">
+        <p14:creationId xmlns:p14="http://schemas.microsoft.com/office/powerpoint/2010/main" val="174337907"/>
+      </p:ext>
+    </p:extLst>
+  </p:cSld>
+  <p:clrMapOvr>
+    <a:masterClrMapping/>
+  </p:clrMapOvr>
+</p:sld>
+</file>
+
+<file path=ppt/slides/slide7.xml><?xml version="1.0" encoding="utf-8"?>
+<p:sld xmlns:a="http://schemas.openxmlformats.org/drawingml/2006/main" xmlns:r="http://schemas.openxmlformats.org/officeDocument/2006/relationships" xmlns:p="http://schemas.openxmlformats.org/presentationml/2006/main">
+  <p:cSld>
+    <p:bg>
+      <p:bgPr>
+        <a:solidFill>
+          <a:schemeClr val="tx1"/>
+        </a:solidFill>
+        <a:effectLst/>
+      </p:bgPr>
+    </p:bg>
+    <p:spTree>
+      <p:nvGrpSpPr>
+        <p:cNvPr id="1" name=""/>
+        <p:cNvGrpSpPr/>
+        <p:nvPr/>
+      </p:nvGrpSpPr>
+      <p:grpSpPr>
+        <a:xfrm>
+          <a:off x="0" y="0"/>
+          <a:ext cx="0" cy="0"/>
+          <a:chOff x="0" y="0"/>
+          <a:chExt cx="0" cy="0"/>
+        </a:xfrm>
+      </p:grpSpPr>
       <p:sp>
         <p:nvSpPr>
           <p:cNvPr id="2" name="Title 1">
@@ -19174,7 +21610,7 @@
 </p:sld>
 </file>
 
-<file path=ppt/slides/slide7.xml><?xml version="1.0" encoding="utf-8"?>
+<file path=ppt/slides/slide8.xml><?xml version="1.0" encoding="utf-8"?>
 <p:sld xmlns:a="http://schemas.openxmlformats.org/drawingml/2006/main" xmlns:r="http://schemas.openxmlformats.org/officeDocument/2006/relationships" xmlns:p="http://schemas.openxmlformats.org/presentationml/2006/main">
   <p:cSld>
     <p:bg>
@@ -20150,7 +22586,7 @@
 </p:sld>
 </file>
 
-<file path=ppt/slides/slide8.xml><?xml version="1.0" encoding="utf-8"?>
+<file path=ppt/slides/slide9.xml><?xml version="1.0" encoding="utf-8"?>
 <p:sld xmlns:a="http://schemas.openxmlformats.org/drawingml/2006/main" xmlns:r="http://schemas.openxmlformats.org/officeDocument/2006/relationships" xmlns:p="http://schemas.openxmlformats.org/presentationml/2006/main">
   <p:cSld>
     <p:bg>
@@ -20765,630 +23201,6 @@
     <p:extLst>
       <p:ext uri="{BB962C8B-B14F-4D97-AF65-F5344CB8AC3E}">
         <p14:creationId xmlns:p14="http://schemas.microsoft.com/office/powerpoint/2010/main" val="3119554583"/>
-      </p:ext>
-    </p:extLst>
-  </p:cSld>
-  <p:clrMapOvr>
-    <a:masterClrMapping/>
-  </p:clrMapOvr>
-</p:sld>
-</file>
-
-<file path=ppt/slides/slide9.xml><?xml version="1.0" encoding="utf-8"?>
-<p:sld xmlns:a="http://schemas.openxmlformats.org/drawingml/2006/main" xmlns:r="http://schemas.openxmlformats.org/officeDocument/2006/relationships" xmlns:p="http://schemas.openxmlformats.org/presentationml/2006/main">
-  <p:cSld>
-    <p:bg>
-      <p:bgPr>
-        <a:solidFill>
-          <a:schemeClr val="tx1"/>
-        </a:solidFill>
-        <a:effectLst/>
-      </p:bgPr>
-    </p:bg>
-    <p:spTree>
-      <p:nvGrpSpPr>
-        <p:cNvPr id="1" name=""/>
-        <p:cNvGrpSpPr/>
-        <p:nvPr/>
-      </p:nvGrpSpPr>
-      <p:grpSpPr>
-        <a:xfrm>
-          <a:off x="0" y="0"/>
-          <a:ext cx="0" cy="0"/>
-          <a:chOff x="0" y="0"/>
-          <a:chExt cx="0" cy="0"/>
-        </a:xfrm>
-      </p:grpSpPr>
-      <p:sp>
-        <p:nvSpPr>
-          <p:cNvPr id="2" name="Title 1">
-            <a:extLst>
-              <a:ext uri="{FF2B5EF4-FFF2-40B4-BE49-F238E27FC236}">
-                <a16:creationId xmlns:a16="http://schemas.microsoft.com/office/drawing/2014/main" id="{54C7F764-8D4D-421D-979F-2C7A67DE064B}"/>
-              </a:ext>
-            </a:extLst>
-          </p:cNvPr>
-          <p:cNvSpPr>
-            <a:spLocks noGrp="1"/>
-          </p:cNvSpPr>
-          <p:nvPr>
-            <p:ph type="ctrTitle"/>
-          </p:nvPr>
-        </p:nvSpPr>
-        <p:spPr>
-          <a:xfrm>
-            <a:off x="145062" y="123804"/>
-            <a:ext cx="1500283" cy="369332"/>
-          </a:xfrm>
-          <a:gradFill>
-            <a:gsLst>
-              <a:gs pos="0">
-                <a:schemeClr val="accent1">
-                  <a:lumMod val="5000"/>
-                  <a:lumOff val="95000"/>
-                </a:schemeClr>
-              </a:gs>
-              <a:gs pos="74000">
-                <a:schemeClr val="accent1">
-                  <a:lumMod val="45000"/>
-                  <a:lumOff val="55000"/>
-                </a:schemeClr>
-              </a:gs>
-              <a:gs pos="83000">
-                <a:schemeClr val="accent1">
-                  <a:lumMod val="45000"/>
-                  <a:lumOff val="55000"/>
-                </a:schemeClr>
-              </a:gs>
-              <a:gs pos="100000">
-                <a:schemeClr val="accent1">
-                  <a:lumMod val="30000"/>
-                  <a:lumOff val="70000"/>
-                </a:schemeClr>
-              </a:gs>
-            </a:gsLst>
-            <a:lin ang="5400000" scaled="1"/>
-          </a:gradFill>
-          <a:ln w="25400">
-            <a:solidFill>
-              <a:schemeClr val="accent1"/>
-            </a:solidFill>
-          </a:ln>
-        </p:spPr>
-        <p:txBody>
-          <a:bodyPr vert="horz" wrap="none" lIns="91440" tIns="45720" rIns="91440" bIns="45720" rtlCol="0" anchor="t">
-            <a:spAutoFit/>
-          </a:bodyPr>
-          <a:lstStyle/>
-          <a:p>
-            <a:pPr algn="l"/>
-            <a:r>
-              <a:rPr lang="en-US" sz="2000" dirty="0">
-                <a:solidFill>
-                  <a:schemeClr val="bg2">
-                    <a:lumMod val="25000"/>
-                  </a:schemeClr>
-                </a:solidFill>
-                <a:sym typeface="Wingdings" panose="05000000000000000000" pitchFamily="2" charset="2"/>
-              </a:rPr>
-              <a:t>8. packages</a:t>
-            </a:r>
-            <a:endParaRPr lang="en-US" sz="2000" dirty="0">
-              <a:solidFill>
-                <a:schemeClr val="bg2">
-                  <a:lumMod val="25000"/>
-                </a:schemeClr>
-              </a:solidFill>
-            </a:endParaRPr>
-          </a:p>
-        </p:txBody>
-      </p:sp>
-      <p:sp>
-        <p:nvSpPr>
-          <p:cNvPr id="5" name="Rectangle 4">
-            <a:extLst>
-              <a:ext uri="{FF2B5EF4-FFF2-40B4-BE49-F238E27FC236}">
-                <a16:creationId xmlns:a16="http://schemas.microsoft.com/office/drawing/2014/main" id="{D45E34D6-120F-44F6-96A2-17230046C2F4}"/>
-              </a:ext>
-            </a:extLst>
-          </p:cNvPr>
-          <p:cNvSpPr/>
-          <p:nvPr/>
-        </p:nvSpPr>
-        <p:spPr>
-          <a:xfrm>
-            <a:off x="145062" y="633528"/>
-            <a:ext cx="207692" cy="6048000"/>
-          </a:xfrm>
-          <a:prstGeom prst="rect">
-            <a:avLst/>
-          </a:prstGeom>
-          <a:solidFill>
-            <a:schemeClr val="tx1"/>
-          </a:solidFill>
-          <a:ln w="25400"/>
-          <a:effectLst>
-            <a:outerShdw blurRad="50800" dist="63500" dir="2700000" algn="tl" rotWithShape="0">
-              <a:schemeClr val="bg1">
-                <a:alpha val="40000"/>
-              </a:schemeClr>
-            </a:outerShdw>
-          </a:effectLst>
-        </p:spPr>
-        <p:style>
-          <a:lnRef idx="2">
-            <a:schemeClr val="accent1">
-              <a:shade val="50000"/>
-            </a:schemeClr>
-          </a:lnRef>
-          <a:fillRef idx="1">
-            <a:schemeClr val="accent1"/>
-          </a:fillRef>
-          <a:effectRef idx="0">
-            <a:schemeClr val="accent1"/>
-          </a:effectRef>
-          <a:fontRef idx="minor">
-            <a:schemeClr val="lt1"/>
-          </a:fontRef>
-        </p:style>
-        <p:txBody>
-          <a:bodyPr rtlCol="0" anchor="ctr"/>
-          <a:lstStyle/>
-          <a:p>
-            <a:pPr marL="0" marR="0" lvl="0" indent="0" algn="ctr" defTabSz="914400" rtl="0" eaLnBrk="1" fontAlgn="auto" latinLnBrk="0" hangingPunct="1">
-              <a:lnSpc>
-                <a:spcPct val="100000"/>
-              </a:lnSpc>
-              <a:spcBef>
-                <a:spcPts val="0"/>
-              </a:spcBef>
-              <a:spcAft>
-                <a:spcPts val="0"/>
-              </a:spcAft>
-              <a:buClrTx/>
-              <a:buSzTx/>
-              <a:buFontTx/>
-              <a:buNone/>
-              <a:tabLst/>
-              <a:defRPr/>
-            </a:pPr>
-            <a:endParaRPr kumimoji="0" lang="pt-PT" sz="1800" b="0" i="0" u="none" strike="noStrike" kern="1200" cap="none" spc="0" normalizeH="0" baseline="0" noProof="0">
-              <a:ln>
-                <a:noFill/>
-              </a:ln>
-              <a:solidFill>
-                <a:prstClr val="white"/>
-              </a:solidFill>
-              <a:effectLst/>
-              <a:uLnTx/>
-              <a:uFillTx/>
-              <a:latin typeface="Calibri" panose="020F0502020204030204"/>
-              <a:ea typeface="+mn-ea"/>
-              <a:cs typeface="+mn-cs"/>
-            </a:endParaRPr>
-          </a:p>
-        </p:txBody>
-      </p:sp>
-      <p:sp>
-        <p:nvSpPr>
-          <p:cNvPr id="8" name="Arrow: Right 5">
-            <a:extLst>
-              <a:ext uri="{FF2B5EF4-FFF2-40B4-BE49-F238E27FC236}">
-                <a16:creationId xmlns:a16="http://schemas.microsoft.com/office/drawing/2014/main" id="{B9CFDE67-358F-40AB-A205-0236CB52ADC0}"/>
-              </a:ext>
-            </a:extLst>
-          </p:cNvPr>
-          <p:cNvSpPr/>
-          <p:nvPr/>
-        </p:nvSpPr>
-        <p:spPr>
-          <a:xfrm>
-            <a:off x="261441" y="740052"/>
-            <a:ext cx="955516" cy="276999"/>
-          </a:xfrm>
-          <a:custGeom>
-            <a:avLst/>
-            <a:gdLst>
-              <a:gd name="connsiteX0" fmla="*/ 0 w 1727200"/>
-              <a:gd name="connsiteY0" fmla="*/ 119380 h 477520"/>
-              <a:gd name="connsiteX1" fmla="*/ 1488440 w 1727200"/>
-              <a:gd name="connsiteY1" fmla="*/ 119380 h 477520"/>
-              <a:gd name="connsiteX2" fmla="*/ 1488440 w 1727200"/>
-              <a:gd name="connsiteY2" fmla="*/ 0 h 477520"/>
-              <a:gd name="connsiteX3" fmla="*/ 1727200 w 1727200"/>
-              <a:gd name="connsiteY3" fmla="*/ 238760 h 477520"/>
-              <a:gd name="connsiteX4" fmla="*/ 1488440 w 1727200"/>
-              <a:gd name="connsiteY4" fmla="*/ 477520 h 477520"/>
-              <a:gd name="connsiteX5" fmla="*/ 1488440 w 1727200"/>
-              <a:gd name="connsiteY5" fmla="*/ 358140 h 477520"/>
-              <a:gd name="connsiteX6" fmla="*/ 0 w 1727200"/>
-              <a:gd name="connsiteY6" fmla="*/ 358140 h 477520"/>
-              <a:gd name="connsiteX7" fmla="*/ 0 w 1727200"/>
-              <a:gd name="connsiteY7" fmla="*/ 119380 h 477520"/>
-              <a:gd name="connsiteX0" fmla="*/ 0 w 1727200"/>
-              <a:gd name="connsiteY0" fmla="*/ 11803 h 369943"/>
-              <a:gd name="connsiteX1" fmla="*/ 1488440 w 1727200"/>
-              <a:gd name="connsiteY1" fmla="*/ 11803 h 369943"/>
-              <a:gd name="connsiteX2" fmla="*/ 1488440 w 1727200"/>
-              <a:gd name="connsiteY2" fmla="*/ 0 h 369943"/>
-              <a:gd name="connsiteX3" fmla="*/ 1727200 w 1727200"/>
-              <a:gd name="connsiteY3" fmla="*/ 131183 h 369943"/>
-              <a:gd name="connsiteX4" fmla="*/ 1488440 w 1727200"/>
-              <a:gd name="connsiteY4" fmla="*/ 369943 h 369943"/>
-              <a:gd name="connsiteX5" fmla="*/ 1488440 w 1727200"/>
-              <a:gd name="connsiteY5" fmla="*/ 250563 h 369943"/>
-              <a:gd name="connsiteX6" fmla="*/ 0 w 1727200"/>
-              <a:gd name="connsiteY6" fmla="*/ 250563 h 369943"/>
-              <a:gd name="connsiteX7" fmla="*/ 0 w 1727200"/>
-              <a:gd name="connsiteY7" fmla="*/ 11803 h 369943"/>
-              <a:gd name="connsiteX0" fmla="*/ 0 w 1727200"/>
-              <a:gd name="connsiteY0" fmla="*/ 0 h 358140"/>
-              <a:gd name="connsiteX1" fmla="*/ 1488440 w 1727200"/>
-              <a:gd name="connsiteY1" fmla="*/ 0 h 358140"/>
-              <a:gd name="connsiteX2" fmla="*/ 1497538 w 1727200"/>
-              <a:gd name="connsiteY2" fmla="*/ 6394 h 358140"/>
-              <a:gd name="connsiteX3" fmla="*/ 1727200 w 1727200"/>
-              <a:gd name="connsiteY3" fmla="*/ 119380 h 358140"/>
-              <a:gd name="connsiteX4" fmla="*/ 1488440 w 1727200"/>
-              <a:gd name="connsiteY4" fmla="*/ 358140 h 358140"/>
-              <a:gd name="connsiteX5" fmla="*/ 1488440 w 1727200"/>
-              <a:gd name="connsiteY5" fmla="*/ 238760 h 358140"/>
-              <a:gd name="connsiteX6" fmla="*/ 0 w 1727200"/>
-              <a:gd name="connsiteY6" fmla="*/ 238760 h 358140"/>
-              <a:gd name="connsiteX7" fmla="*/ 0 w 1727200"/>
-              <a:gd name="connsiteY7" fmla="*/ 0 h 358140"/>
-              <a:gd name="connsiteX0" fmla="*/ 0 w 1727200"/>
-              <a:gd name="connsiteY0" fmla="*/ 0 h 239859"/>
-              <a:gd name="connsiteX1" fmla="*/ 1488440 w 1727200"/>
-              <a:gd name="connsiteY1" fmla="*/ 0 h 239859"/>
-              <a:gd name="connsiteX2" fmla="*/ 1497538 w 1727200"/>
-              <a:gd name="connsiteY2" fmla="*/ 6394 h 239859"/>
-              <a:gd name="connsiteX3" fmla="*/ 1727200 w 1727200"/>
-              <a:gd name="connsiteY3" fmla="*/ 119380 h 239859"/>
-              <a:gd name="connsiteX4" fmla="*/ 1492989 w 1727200"/>
-              <a:gd name="connsiteY4" fmla="*/ 239859 h 239859"/>
-              <a:gd name="connsiteX5" fmla="*/ 1488440 w 1727200"/>
-              <a:gd name="connsiteY5" fmla="*/ 238760 h 239859"/>
-              <a:gd name="connsiteX6" fmla="*/ 0 w 1727200"/>
-              <a:gd name="connsiteY6" fmla="*/ 238760 h 239859"/>
-              <a:gd name="connsiteX7" fmla="*/ 0 w 1727200"/>
-              <a:gd name="connsiteY7" fmla="*/ 0 h 239859"/>
-            </a:gdLst>
-            <a:ahLst/>
-            <a:cxnLst>
-              <a:cxn ang="0">
-                <a:pos x="connsiteX0" y="connsiteY0"/>
-              </a:cxn>
-              <a:cxn ang="0">
-                <a:pos x="connsiteX1" y="connsiteY1"/>
-              </a:cxn>
-              <a:cxn ang="0">
-                <a:pos x="connsiteX2" y="connsiteY2"/>
-              </a:cxn>
-              <a:cxn ang="0">
-                <a:pos x="connsiteX3" y="connsiteY3"/>
-              </a:cxn>
-              <a:cxn ang="0">
-                <a:pos x="connsiteX4" y="connsiteY4"/>
-              </a:cxn>
-              <a:cxn ang="0">
-                <a:pos x="connsiteX5" y="connsiteY5"/>
-              </a:cxn>
-              <a:cxn ang="0">
-                <a:pos x="connsiteX6" y="connsiteY6"/>
-              </a:cxn>
-              <a:cxn ang="0">
-                <a:pos x="connsiteX7" y="connsiteY7"/>
-              </a:cxn>
-            </a:cxnLst>
-            <a:rect l="l" t="t" r="r" b="b"/>
-            <a:pathLst>
-              <a:path w="1727200" h="239859">
-                <a:moveTo>
-                  <a:pt x="0" y="0"/>
-                </a:moveTo>
-                <a:lnTo>
-                  <a:pt x="1488440" y="0"/>
-                </a:lnTo>
-                <a:lnTo>
-                  <a:pt x="1497538" y="6394"/>
-                </a:lnTo>
-                <a:lnTo>
-                  <a:pt x="1727200" y="119380"/>
-                </a:lnTo>
-                <a:lnTo>
-                  <a:pt x="1492989" y="239859"/>
-                </a:lnTo>
-                <a:lnTo>
-                  <a:pt x="1488440" y="238760"/>
-                </a:lnTo>
-                <a:lnTo>
-                  <a:pt x="0" y="238760"/>
-                </a:lnTo>
-                <a:lnTo>
-                  <a:pt x="0" y="0"/>
-                </a:lnTo>
-                <a:close/>
-              </a:path>
-            </a:pathLst>
-          </a:custGeom>
-          <a:solidFill>
-            <a:sysClr val="windowText" lastClr="000000"/>
-          </a:solidFill>
-          <a:ln w="25400" cap="flat" cmpd="sng" algn="ctr">
-            <a:solidFill>
-              <a:srgbClr val="FFC000">
-                <a:lumMod val="60000"/>
-                <a:lumOff val="40000"/>
-              </a:srgbClr>
-            </a:solidFill>
-            <a:prstDash val="solid"/>
-            <a:miter lim="800000"/>
-          </a:ln>
-          <a:effectLst>
-            <a:outerShdw blurRad="50800" dist="63500" dir="2700000" algn="tl" rotWithShape="0">
-              <a:sysClr val="window" lastClr="FFFFFF">
-                <a:alpha val="40000"/>
-              </a:sysClr>
-            </a:outerShdw>
-          </a:effectLst>
-        </p:spPr>
-        <p:txBody>
-          <a:bodyPr wrap="none" lIns="90000" tIns="0" rIns="180000" bIns="0" rtlCol="0" anchor="ctr">
-            <a:spAutoFit/>
-          </a:bodyPr>
-          <a:lstStyle/>
-          <a:p>
-            <a:pPr marL="0" marR="0" lvl="0" indent="0" defTabSz="914369" eaLnBrk="1" fontAlgn="auto" latinLnBrk="0" hangingPunct="1">
-              <a:lnSpc>
-                <a:spcPct val="100000"/>
-              </a:lnSpc>
-              <a:spcBef>
-                <a:spcPts val="0"/>
-              </a:spcBef>
-              <a:spcAft>
-                <a:spcPts val="0"/>
-              </a:spcAft>
-              <a:buClrTx/>
-              <a:buSzTx/>
-              <a:buFontTx/>
-              <a:buNone/>
-              <a:tabLst/>
-              <a:defRPr/>
-            </a:pPr>
-            <a:r>
-              <a:rPr kumimoji="0" lang="en-US" sz="1800" b="0" i="0" u="none" strike="noStrike" kern="0" cap="none" spc="0" normalizeH="0" baseline="0" noProof="0" dirty="0">
-                <a:ln>
-                  <a:noFill/>
-                </a:ln>
-                <a:solidFill>
-                  <a:prstClr val="white"/>
-                </a:solidFill>
-                <a:effectLst/>
-                <a:uLnTx/>
-                <a:uFillTx/>
-                <a:latin typeface="Calibri Light" panose="020F0302020204030204"/>
-              </a:rPr>
-              <a:t>tutorial</a:t>
-            </a:r>
-          </a:p>
-        </p:txBody>
-      </p:sp>
-      <p:grpSp>
-        <p:nvGrpSpPr>
-          <p:cNvPr id="20" name="Group 19">
-            <a:extLst>
-              <a:ext uri="{FF2B5EF4-FFF2-40B4-BE49-F238E27FC236}">
-                <a16:creationId xmlns:a16="http://schemas.microsoft.com/office/drawing/2014/main" id="{07351F8C-0F34-4194-9655-95B910F4C48C}"/>
-              </a:ext>
-            </a:extLst>
-          </p:cNvPr>
-          <p:cNvGrpSpPr/>
-          <p:nvPr/>
-        </p:nvGrpSpPr>
-        <p:grpSpPr>
-          <a:xfrm>
-            <a:off x="1268850" y="755440"/>
-            <a:ext cx="1595113" cy="246221"/>
-            <a:chOff x="5881666" y="1565584"/>
-            <a:chExt cx="1595113" cy="246221"/>
-          </a:xfrm>
-        </p:grpSpPr>
-        <p:sp>
-          <p:nvSpPr>
-            <p:cNvPr id="21" name="Retângulo 5">
-              <a:extLst>
-                <a:ext uri="{FF2B5EF4-FFF2-40B4-BE49-F238E27FC236}">
-                  <a16:creationId xmlns:a16="http://schemas.microsoft.com/office/drawing/2014/main" id="{FE7F49B6-764A-4DDD-A35A-961C2F3E835F}"/>
-                </a:ext>
-              </a:extLst>
-            </p:cNvPr>
-            <p:cNvSpPr/>
-            <p:nvPr/>
-          </p:nvSpPr>
-          <p:spPr>
-            <a:xfrm>
-              <a:off x="6016123" y="1565584"/>
-              <a:ext cx="1460656" cy="246221"/>
-            </a:xfrm>
-            <a:prstGeom prst="rect">
-              <a:avLst/>
-            </a:prstGeom>
-          </p:spPr>
-          <p:txBody>
-            <a:bodyPr wrap="none">
-              <a:spAutoFit/>
-            </a:bodyPr>
-            <a:lstStyle/>
-            <a:p>
-              <a:pPr marL="0" marR="0" lvl="0" indent="0" defTabSz="914369" eaLnBrk="1" fontAlgn="auto" latinLnBrk="0" hangingPunct="1">
-                <a:lnSpc>
-                  <a:spcPct val="100000"/>
-                </a:lnSpc>
-                <a:spcBef>
-                  <a:spcPts val="0"/>
-                </a:spcBef>
-                <a:spcAft>
-                  <a:spcPts val="0"/>
-                </a:spcAft>
-                <a:buClrTx/>
-                <a:buSzTx/>
-                <a:buFontTx/>
-                <a:buNone/>
-                <a:tabLst/>
-                <a:defRPr/>
-              </a:pPr>
-              <a:r>
-                <a:rPr kumimoji="0" lang="en-US" sz="1000" b="0" i="0" u="none" strike="noStrike" kern="0" cap="none" spc="0" normalizeH="0" baseline="0" noProof="0" dirty="0">
-                  <a:ln>
-                    <a:noFill/>
-                  </a:ln>
-                  <a:solidFill>
-                    <a:prstClr val="black"/>
-                  </a:solidFill>
-                  <a:effectLst/>
-                  <a:uLnTx/>
-                  <a:uFillTx/>
-                  <a:hlinkClick r:id="rId2"/>
-                </a:rPr>
-                <a:t>install-and-use-packages</a:t>
-              </a:r>
-              <a:endParaRPr kumimoji="0" lang="en-US" sz="1000" b="0" i="0" u="none" strike="noStrike" kern="0" cap="none" spc="0" normalizeH="0" baseline="0" noProof="0" dirty="0">
-                <a:ln>
-                  <a:noFill/>
-                </a:ln>
-                <a:solidFill>
-                  <a:prstClr val="black"/>
-                </a:solidFill>
-                <a:effectLst/>
-                <a:uLnTx/>
-                <a:uFillTx/>
-              </a:endParaRPr>
-            </a:p>
-          </p:txBody>
-        </p:sp>
-        <p:pic>
-          <p:nvPicPr>
-            <p:cNvPr id="22" name="Picture 21" descr="Icon&#10;&#10;Description automatically generated">
-              <a:extLst>
-                <a:ext uri="{FF2B5EF4-FFF2-40B4-BE49-F238E27FC236}">
-                  <a16:creationId xmlns:a16="http://schemas.microsoft.com/office/drawing/2014/main" id="{2EBB7043-481F-4617-975D-BB7B05A3A823}"/>
-                </a:ext>
-              </a:extLst>
-            </p:cNvPr>
-            <p:cNvPicPr>
-              <a:picLocks noChangeAspect="1"/>
-            </p:cNvPicPr>
-            <p:nvPr/>
-          </p:nvPicPr>
-          <p:blipFill>
-            <a:blip r:embed="rId3" cstate="print">
-              <a:extLst>
-                <a:ext uri="{28A0092B-C50C-407E-A947-70E740481C1C}">
-                  <a14:useLocalDpi xmlns:a14="http://schemas.microsoft.com/office/drawing/2010/main" val="0"/>
-                </a:ext>
-              </a:extLst>
-            </a:blip>
-            <a:stretch>
-              <a:fillRect/>
-            </a:stretch>
-          </p:blipFill>
-          <p:spPr>
-            <a:xfrm>
-              <a:off x="5881666" y="1590687"/>
-              <a:ext cx="180000" cy="180000"/>
-            </a:xfrm>
-            <a:prstGeom prst="rect">
-              <a:avLst/>
-            </a:prstGeom>
-          </p:spPr>
-        </p:pic>
-      </p:grpSp>
-      <p:sp>
-        <p:nvSpPr>
-          <p:cNvPr id="13" name="Explosion: 14 Points 12">
-            <a:extLst>
-              <a:ext uri="{FF2B5EF4-FFF2-40B4-BE49-F238E27FC236}">
-                <a16:creationId xmlns:a16="http://schemas.microsoft.com/office/drawing/2014/main" id="{6CC0FE5C-38C4-4DE9-8F55-E7F8D692305A}"/>
-              </a:ext>
-            </a:extLst>
-          </p:cNvPr>
-          <p:cNvSpPr/>
-          <p:nvPr/>
-        </p:nvSpPr>
-        <p:spPr>
-          <a:xfrm>
-            <a:off x="1079429" y="1123575"/>
-            <a:ext cx="2367876" cy="622578"/>
-          </a:xfrm>
-          <a:prstGeom prst="irregularSeal2">
-            <a:avLst/>
-          </a:prstGeom>
-          <a:solidFill>
-            <a:sysClr val="windowText" lastClr="000000"/>
-          </a:solidFill>
-          <a:ln w="12700" cap="flat" cmpd="sng" algn="ctr">
-            <a:solidFill>
-              <a:srgbClr val="FF0000"/>
-            </a:solidFill>
-            <a:prstDash val="solid"/>
-            <a:miter lim="800000"/>
-          </a:ln>
-          <a:effectLst>
-            <a:outerShdw blurRad="50800" dist="63500" dir="2700000" algn="tl" rotWithShape="0">
-              <a:sysClr val="window" lastClr="FFFFFF">
-                <a:alpha val="40000"/>
-              </a:sysClr>
-            </a:outerShdw>
-          </a:effectLst>
-        </p:spPr>
-        <p:txBody>
-          <a:bodyPr wrap="none" lIns="0" tIns="0" rIns="0" bIns="0" rtlCol="0" anchor="ctr">
-            <a:spAutoFit/>
-          </a:bodyPr>
-          <a:lstStyle/>
-          <a:p>
-            <a:pPr marL="0" marR="0" lvl="0" indent="0" algn="ctr" defTabSz="914369" eaLnBrk="1" fontAlgn="auto" latinLnBrk="0" hangingPunct="1">
-              <a:lnSpc>
-                <a:spcPct val="100000"/>
-              </a:lnSpc>
-              <a:spcBef>
-                <a:spcPts val="0"/>
-              </a:spcBef>
-              <a:spcAft>
-                <a:spcPts val="0"/>
-              </a:spcAft>
-              <a:buClrTx/>
-              <a:buSzTx/>
-              <a:buFontTx/>
-              <a:buNone/>
-              <a:tabLst/>
-              <a:defRPr/>
-            </a:pPr>
-            <a:r>
-              <a:rPr kumimoji="0" lang="en-US" sz="1800" b="0" i="0" u="none" strike="noStrike" kern="0" cap="none" spc="0" normalizeH="0" baseline="0" noProof="0" dirty="0">
-                <a:ln>
-                  <a:noFill/>
-                </a:ln>
-                <a:solidFill>
-                  <a:srgbClr val="FF0000"/>
-                </a:solidFill>
-                <a:effectLst/>
-                <a:uLnTx/>
-                <a:uFillTx/>
-                <a:latin typeface="Calibri" panose="020F0502020204030204"/>
-                <a:ea typeface="+mn-ea"/>
-                <a:cs typeface="+mn-cs"/>
-              </a:rPr>
-              <a:t>to be done</a:t>
-            </a:r>
-          </a:p>
-        </p:txBody>
-      </p:sp>
-    </p:spTree>
-    <p:extLst>
-      <p:ext uri="{BB962C8B-B14F-4D97-AF65-F5344CB8AC3E}">
-        <p14:creationId xmlns:p14="http://schemas.microsoft.com/office/powerpoint/2010/main" val="3429160775"/>
       </p:ext>
     </p:extLst>
   </p:cSld>

--- a/python/environment/environment.pptx
+++ b/python/environment/environment.pptx
@@ -6,7 +6,7 @@
     <p:sldMasterId id="2147483660" r:id="rId2"/>
   </p:sldMasterIdLst>
   <p:notesMasterIdLst>
-    <p:notesMasterId r:id="rId16"/>
+    <p:notesMasterId r:id="rId18"/>
   </p:notesMasterIdLst>
   <p:sldIdLst>
     <p:sldId id="378" r:id="rId3"/>
@@ -14,14 +14,16 @@
     <p:sldId id="380" r:id="rId5"/>
     <p:sldId id="389" r:id="rId6"/>
     <p:sldId id="381" r:id="rId7"/>
-    <p:sldId id="390" r:id="rId8"/>
-    <p:sldId id="382" r:id="rId9"/>
-    <p:sldId id="383" r:id="rId10"/>
-    <p:sldId id="384" r:id="rId11"/>
-    <p:sldId id="385" r:id="rId12"/>
-    <p:sldId id="386" r:id="rId13"/>
-    <p:sldId id="388" r:id="rId14"/>
-    <p:sldId id="377" r:id="rId15"/>
+    <p:sldId id="392" r:id="rId8"/>
+    <p:sldId id="391" r:id="rId9"/>
+    <p:sldId id="390" r:id="rId10"/>
+    <p:sldId id="382" r:id="rId11"/>
+    <p:sldId id="383" r:id="rId12"/>
+    <p:sldId id="384" r:id="rId13"/>
+    <p:sldId id="385" r:id="rId14"/>
+    <p:sldId id="386" r:id="rId15"/>
+    <p:sldId id="388" r:id="rId16"/>
+    <p:sldId id="377" r:id="rId17"/>
   </p:sldIdLst>
   <p:sldSz cx="12192000" cy="6858000"/>
   <p:notesSz cx="6858000" cy="9144000"/>
@@ -213,7 +215,7 @@
           <a:p>
             <a:fld id="{013D7D23-95FE-4191-B08D-3CBB1E1CEEFE}" type="datetimeFigureOut">
               <a:rPr lang="pt-PT" smtClean="0"/>
-              <a:t>26/01/2024</a:t>
+              <a:t>23/04/2024</a:t>
             </a:fld>
             <a:endParaRPr lang="pt-PT" dirty="0"/>
           </a:p>
@@ -612,7 +614,7 @@
           <a:p>
             <a:fld id="{5C0ED97C-8255-4BAC-9D42-1F6A6651E287}" type="datetime1">
               <a:rPr lang="pt-PT" smtClean="0"/>
-              <a:t>26/01/2024</a:t>
+              <a:t>23/04/2024</a:t>
             </a:fld>
             <a:endParaRPr lang="pt-PT" dirty="0"/>
           </a:p>
@@ -782,7 +784,7 @@
           <a:p>
             <a:fld id="{4FCC8996-E467-4FE1-B165-4002860D0AC7}" type="datetime1">
               <a:rPr lang="pt-PT" smtClean="0"/>
-              <a:t>26/01/2024</a:t>
+              <a:t>23/04/2024</a:t>
             </a:fld>
             <a:endParaRPr lang="pt-PT" dirty="0"/>
           </a:p>
@@ -962,7 +964,7 @@
           <a:p>
             <a:fld id="{C104532E-E792-4BF5-B399-9E5E16070233}" type="datetime1">
               <a:rPr lang="pt-PT" smtClean="0"/>
-              <a:t>26/01/2024</a:t>
+              <a:t>23/04/2024</a:t>
             </a:fld>
             <a:endParaRPr lang="pt-PT" dirty="0"/>
           </a:p>
@@ -1172,7 +1174,7 @@
           <a:p>
             <a:fld id="{FF4AF87E-A15D-4480-B791-15D75F8AF848}" type="datetimeFigureOut">
               <a:rPr lang="pt-PT" smtClean="0"/>
-              <a:t>26/01/2024</a:t>
+              <a:t>23/04/2024</a:t>
             </a:fld>
             <a:endParaRPr lang="pt-PT"/>
           </a:p>
@@ -1372,7 +1374,7 @@
           <a:p>
             <a:fld id="{FF4AF87E-A15D-4480-B791-15D75F8AF848}" type="datetimeFigureOut">
               <a:rPr lang="pt-PT" smtClean="0"/>
-              <a:t>26/01/2024</a:t>
+              <a:t>23/04/2024</a:t>
             </a:fld>
             <a:endParaRPr lang="pt-PT"/>
           </a:p>
@@ -1648,7 +1650,7 @@
           <a:p>
             <a:fld id="{FF4AF87E-A15D-4480-B791-15D75F8AF848}" type="datetimeFigureOut">
               <a:rPr lang="pt-PT" smtClean="0"/>
-              <a:t>26/01/2024</a:t>
+              <a:t>23/04/2024</a:t>
             </a:fld>
             <a:endParaRPr lang="pt-PT"/>
           </a:p>
@@ -1916,7 +1918,7 @@
           <a:p>
             <a:fld id="{FF4AF87E-A15D-4480-B791-15D75F8AF848}" type="datetimeFigureOut">
               <a:rPr lang="pt-PT" smtClean="0"/>
-              <a:t>26/01/2024</a:t>
+              <a:t>23/04/2024</a:t>
             </a:fld>
             <a:endParaRPr lang="pt-PT"/>
           </a:p>
@@ -2331,7 +2333,7 @@
           <a:p>
             <a:fld id="{FF4AF87E-A15D-4480-B791-15D75F8AF848}" type="datetimeFigureOut">
               <a:rPr lang="pt-PT" smtClean="0"/>
-              <a:t>26/01/2024</a:t>
+              <a:t>23/04/2024</a:t>
             </a:fld>
             <a:endParaRPr lang="pt-PT"/>
           </a:p>
@@ -2473,7 +2475,7 @@
           <a:p>
             <a:fld id="{FF4AF87E-A15D-4480-B791-15D75F8AF848}" type="datetimeFigureOut">
               <a:rPr lang="pt-PT" smtClean="0"/>
-              <a:t>26/01/2024</a:t>
+              <a:t>23/04/2024</a:t>
             </a:fld>
             <a:endParaRPr lang="pt-PT"/>
           </a:p>
@@ -2586,7 +2588,7 @@
           <a:p>
             <a:fld id="{FF4AF87E-A15D-4480-B791-15D75F8AF848}" type="datetimeFigureOut">
               <a:rPr lang="pt-PT" smtClean="0"/>
-              <a:t>26/01/2024</a:t>
+              <a:t>23/04/2024</a:t>
             </a:fld>
             <a:endParaRPr lang="pt-PT"/>
           </a:p>
@@ -2899,7 +2901,7 @@
           <a:p>
             <a:fld id="{FF4AF87E-A15D-4480-B791-15D75F8AF848}" type="datetimeFigureOut">
               <a:rPr lang="pt-PT" smtClean="0"/>
-              <a:t>26/01/2024</a:t>
+              <a:t>23/04/2024</a:t>
             </a:fld>
             <a:endParaRPr lang="pt-PT"/>
           </a:p>
@@ -3081,7 +3083,7 @@
           <a:p>
             <a:fld id="{5FC36660-F7C2-4C37-BD61-E2E985519A54}" type="datetime1">
               <a:rPr lang="pt-PT" smtClean="0"/>
-              <a:t>26/01/2024</a:t>
+              <a:t>23/04/2024</a:t>
             </a:fld>
             <a:endParaRPr lang="pt-PT" dirty="0"/>
           </a:p>
@@ -3358,7 +3360,7 @@
           <a:p>
             <a:fld id="{FF4AF87E-A15D-4480-B791-15D75F8AF848}" type="datetimeFigureOut">
               <a:rPr lang="pt-PT" smtClean="0"/>
-              <a:t>26/01/2024</a:t>
+              <a:t>23/04/2024</a:t>
             </a:fld>
             <a:endParaRPr lang="pt-PT"/>
           </a:p>
@@ -3558,7 +3560,7 @@
           <a:p>
             <a:fld id="{FF4AF87E-A15D-4480-B791-15D75F8AF848}" type="datetimeFigureOut">
               <a:rPr lang="pt-PT" smtClean="0"/>
-              <a:t>26/01/2024</a:t>
+              <a:t>23/04/2024</a:t>
             </a:fld>
             <a:endParaRPr lang="pt-PT"/>
           </a:p>
@@ -3768,7 +3770,7 @@
           <a:p>
             <a:fld id="{FF4AF87E-A15D-4480-B791-15D75F8AF848}" type="datetimeFigureOut">
               <a:rPr lang="pt-PT" smtClean="0"/>
-              <a:t>26/01/2024</a:t>
+              <a:t>23/04/2024</a:t>
             </a:fld>
             <a:endParaRPr lang="pt-PT"/>
           </a:p>
@@ -4026,7 +4028,7 @@
           <a:p>
             <a:fld id="{EC1C553A-1723-4842-A3DB-E76BD21F5C6D}" type="datetime1">
               <a:rPr lang="pt-PT" smtClean="0"/>
-              <a:t>26/01/2024</a:t>
+              <a:t>23/04/2024</a:t>
             </a:fld>
             <a:endParaRPr lang="pt-PT" dirty="0"/>
           </a:p>
@@ -4258,7 +4260,7 @@
           <a:p>
             <a:fld id="{CE9B351E-3840-4886-B007-BC84D7C14686}" type="datetime1">
               <a:rPr lang="pt-PT" smtClean="0"/>
-              <a:t>26/01/2024</a:t>
+              <a:t>23/04/2024</a:t>
             </a:fld>
             <a:endParaRPr lang="pt-PT" dirty="0"/>
           </a:p>
@@ -4625,7 +4627,7 @@
           <a:p>
             <a:fld id="{C8686839-F4ED-436E-9AC9-AC7A0A0CD179}" type="datetime1">
               <a:rPr lang="pt-PT" smtClean="0"/>
-              <a:t>26/01/2024</a:t>
+              <a:t>23/04/2024</a:t>
             </a:fld>
             <a:endParaRPr lang="pt-PT" dirty="0"/>
           </a:p>
@@ -4743,7 +4745,7 @@
           <a:p>
             <a:fld id="{2AB82247-1A7C-4F98-8F33-5E4D07EFBF12}" type="datetime1">
               <a:rPr lang="pt-PT" smtClean="0"/>
-              <a:t>26/01/2024</a:t>
+              <a:t>23/04/2024</a:t>
             </a:fld>
             <a:endParaRPr lang="pt-PT" dirty="0"/>
           </a:p>
@@ -4838,7 +4840,7 @@
           <a:p>
             <a:fld id="{AFE320DE-3391-4A27-9653-F2BD505B9A08}" type="datetime1">
               <a:rPr lang="pt-PT" smtClean="0"/>
-              <a:t>26/01/2024</a:t>
+              <a:t>23/04/2024</a:t>
             </a:fld>
             <a:endParaRPr lang="pt-PT" dirty="0"/>
           </a:p>
@@ -5115,7 +5117,7 @@
           <a:p>
             <a:fld id="{E69250C8-88B2-4209-BD56-05813AC521DC}" type="datetime1">
               <a:rPr lang="pt-PT" smtClean="0"/>
-              <a:t>26/01/2024</a:t>
+              <a:t>23/04/2024</a:t>
             </a:fld>
             <a:endParaRPr lang="pt-PT" dirty="0"/>
           </a:p>
@@ -5368,7 +5370,7 @@
           <a:p>
             <a:fld id="{0B847055-2F12-42A4-9432-334276564B1D}" type="datetime1">
               <a:rPr lang="pt-PT" smtClean="0"/>
-              <a:t>26/01/2024</a:t>
+              <a:t>23/04/2024</a:t>
             </a:fld>
             <a:endParaRPr lang="pt-PT" dirty="0"/>
           </a:p>
@@ -5581,7 +5583,7 @@
           <a:p>
             <a:fld id="{B0883CD8-EC5B-4369-8F97-BE1E84F10887}" type="datetime1">
               <a:rPr lang="pt-PT" smtClean="0"/>
-              <a:t>26/01/2024</a:t>
+              <a:t>23/04/2024</a:t>
             </a:fld>
             <a:endParaRPr lang="pt-PT" dirty="0"/>
           </a:p>
@@ -6140,7 +6142,7 @@
           <a:p>
             <a:fld id="{FF4AF87E-A15D-4480-B791-15D75F8AF848}" type="datetimeFigureOut">
               <a:rPr lang="pt-PT" smtClean="0"/>
-              <a:t>26/01/2024</a:t>
+              <a:t>23/04/2024</a:t>
             </a:fld>
             <a:endParaRPr lang="pt-PT"/>
           </a:p>
@@ -6906,6 +6908,1606 @@
           <a:chExt cx="0" cy="0"/>
         </a:xfrm>
       </p:grpSpPr>
+      <p:pic>
+        <p:nvPicPr>
+          <p:cNvPr id="7" name="Picture 6">
+            <a:extLst>
+              <a:ext uri="{FF2B5EF4-FFF2-40B4-BE49-F238E27FC236}">
+                <a16:creationId xmlns:a16="http://schemas.microsoft.com/office/drawing/2014/main" id="{DA9C0D5F-976E-4EB0-960F-7643EB3E3844}"/>
+              </a:ext>
+            </a:extLst>
+          </p:cNvPr>
+          <p:cNvPicPr>
+            <a:picLocks noChangeAspect="1"/>
+          </p:cNvPicPr>
+          <p:nvPr/>
+        </p:nvPicPr>
+        <p:blipFill>
+          <a:blip r:embed="rId2"/>
+          <a:stretch>
+            <a:fillRect/>
+          </a:stretch>
+        </p:blipFill>
+        <p:spPr>
+          <a:xfrm>
+            <a:off x="988019" y="3471774"/>
+            <a:ext cx="5964767" cy="1007219"/>
+          </a:xfrm>
+          <a:prstGeom prst="rect">
+            <a:avLst/>
+          </a:prstGeom>
+          <a:ln w="50800">
+            <a:solidFill>
+              <a:srgbClr val="70AD47">
+                <a:lumMod val="60000"/>
+                <a:lumOff val="40000"/>
+              </a:srgbClr>
+            </a:solidFill>
+          </a:ln>
+          <a:effectLst>
+            <a:outerShdw blurRad="50800" dist="127000" dir="2700000" algn="tl" rotWithShape="0">
+              <a:sysClr val="window" lastClr="FFFFFF">
+                <a:alpha val="40000"/>
+              </a:sysClr>
+            </a:outerShdw>
+          </a:effectLst>
+        </p:spPr>
+      </p:pic>
+      <p:sp>
+        <p:nvSpPr>
+          <p:cNvPr id="2" name="Title 1">
+            <a:extLst>
+              <a:ext uri="{FF2B5EF4-FFF2-40B4-BE49-F238E27FC236}">
+                <a16:creationId xmlns:a16="http://schemas.microsoft.com/office/drawing/2014/main" id="{54C7F764-8D4D-421D-979F-2C7A67DE064B}"/>
+              </a:ext>
+            </a:extLst>
+          </p:cNvPr>
+          <p:cNvSpPr>
+            <a:spLocks noGrp="1"/>
+          </p:cNvSpPr>
+          <p:nvPr>
+            <p:ph type="ctrTitle"/>
+          </p:nvPr>
+        </p:nvSpPr>
+        <p:spPr>
+          <a:xfrm>
+            <a:off x="145062" y="123804"/>
+            <a:ext cx="918841" cy="369332"/>
+          </a:xfrm>
+          <a:gradFill>
+            <a:gsLst>
+              <a:gs pos="0">
+                <a:schemeClr val="accent1">
+                  <a:lumMod val="5000"/>
+                  <a:lumOff val="95000"/>
+                </a:schemeClr>
+              </a:gs>
+              <a:gs pos="74000">
+                <a:schemeClr val="accent1">
+                  <a:lumMod val="45000"/>
+                  <a:lumOff val="55000"/>
+                </a:schemeClr>
+              </a:gs>
+              <a:gs pos="83000">
+                <a:schemeClr val="accent1">
+                  <a:lumMod val="45000"/>
+                  <a:lumOff val="55000"/>
+                </a:schemeClr>
+              </a:gs>
+              <a:gs pos="100000">
+                <a:schemeClr val="accent1">
+                  <a:lumMod val="30000"/>
+                  <a:lumOff val="70000"/>
+                </a:schemeClr>
+              </a:gs>
+            </a:gsLst>
+            <a:lin ang="5400000" scaled="1"/>
+          </a:gradFill>
+          <a:ln w="25400">
+            <a:solidFill>
+              <a:schemeClr val="accent1"/>
+            </a:solidFill>
+          </a:ln>
+        </p:spPr>
+        <p:txBody>
+          <a:bodyPr vert="horz" wrap="none" lIns="91440" tIns="45720" rIns="91440" bIns="45720" rtlCol="0" anchor="t">
+            <a:spAutoFit/>
+          </a:bodyPr>
+          <a:lstStyle/>
+          <a:p>
+            <a:pPr algn="l"/>
+            <a:r>
+              <a:rPr lang="en-US" sz="2000" dirty="0">
+                <a:solidFill>
+                  <a:schemeClr val="bg2">
+                    <a:lumMod val="25000"/>
+                  </a:schemeClr>
+                </a:solidFill>
+                <a:sym typeface="Wingdings" panose="05000000000000000000" pitchFamily="2" charset="2"/>
+              </a:rPr>
+              <a:t>6. run</a:t>
+            </a:r>
+            <a:endParaRPr lang="en-US" sz="2000" dirty="0">
+              <a:solidFill>
+                <a:schemeClr val="bg2">
+                  <a:lumMod val="25000"/>
+                </a:schemeClr>
+              </a:solidFill>
+            </a:endParaRPr>
+          </a:p>
+        </p:txBody>
+      </p:sp>
+      <p:sp>
+        <p:nvSpPr>
+          <p:cNvPr id="5" name="Rectangle 4">
+            <a:extLst>
+              <a:ext uri="{FF2B5EF4-FFF2-40B4-BE49-F238E27FC236}">
+                <a16:creationId xmlns:a16="http://schemas.microsoft.com/office/drawing/2014/main" id="{D45E34D6-120F-44F6-96A2-17230046C2F4}"/>
+              </a:ext>
+            </a:extLst>
+          </p:cNvPr>
+          <p:cNvSpPr/>
+          <p:nvPr/>
+        </p:nvSpPr>
+        <p:spPr>
+          <a:xfrm>
+            <a:off x="145062" y="633528"/>
+            <a:ext cx="207692" cy="6048000"/>
+          </a:xfrm>
+          <a:prstGeom prst="rect">
+            <a:avLst/>
+          </a:prstGeom>
+          <a:solidFill>
+            <a:schemeClr val="tx1"/>
+          </a:solidFill>
+          <a:ln w="25400"/>
+          <a:effectLst>
+            <a:outerShdw blurRad="50800" dist="63500" dir="2700000" algn="tl" rotWithShape="0">
+              <a:schemeClr val="bg1">
+                <a:alpha val="40000"/>
+              </a:schemeClr>
+            </a:outerShdw>
+          </a:effectLst>
+        </p:spPr>
+        <p:style>
+          <a:lnRef idx="2">
+            <a:schemeClr val="accent1">
+              <a:shade val="50000"/>
+            </a:schemeClr>
+          </a:lnRef>
+          <a:fillRef idx="1">
+            <a:schemeClr val="accent1"/>
+          </a:fillRef>
+          <a:effectRef idx="0">
+            <a:schemeClr val="accent1"/>
+          </a:effectRef>
+          <a:fontRef idx="minor">
+            <a:schemeClr val="lt1"/>
+          </a:fontRef>
+        </p:style>
+        <p:txBody>
+          <a:bodyPr rtlCol="0" anchor="ctr"/>
+          <a:lstStyle/>
+          <a:p>
+            <a:pPr marL="0" marR="0" lvl="0" indent="0" algn="ctr" defTabSz="914400" rtl="0" eaLnBrk="1" fontAlgn="auto" latinLnBrk="0" hangingPunct="1">
+              <a:lnSpc>
+                <a:spcPct val="100000"/>
+              </a:lnSpc>
+              <a:spcBef>
+                <a:spcPts val="0"/>
+              </a:spcBef>
+              <a:spcAft>
+                <a:spcPts val="0"/>
+              </a:spcAft>
+              <a:buClrTx/>
+              <a:buSzTx/>
+              <a:buFontTx/>
+              <a:buNone/>
+              <a:tabLst/>
+              <a:defRPr/>
+            </a:pPr>
+            <a:endParaRPr kumimoji="0" lang="pt-PT" sz="1800" b="0" i="0" u="none" strike="noStrike" kern="1200" cap="none" spc="0" normalizeH="0" baseline="0" noProof="0">
+              <a:ln>
+                <a:noFill/>
+              </a:ln>
+              <a:solidFill>
+                <a:prstClr val="white"/>
+              </a:solidFill>
+              <a:effectLst/>
+              <a:uLnTx/>
+              <a:uFillTx/>
+              <a:latin typeface="Calibri" panose="020F0502020204030204"/>
+              <a:ea typeface="+mn-ea"/>
+              <a:cs typeface="+mn-cs"/>
+            </a:endParaRPr>
+          </a:p>
+        </p:txBody>
+      </p:sp>
+      <p:sp>
+        <p:nvSpPr>
+          <p:cNvPr id="8" name="Arrow: Right 5">
+            <a:extLst>
+              <a:ext uri="{FF2B5EF4-FFF2-40B4-BE49-F238E27FC236}">
+                <a16:creationId xmlns:a16="http://schemas.microsoft.com/office/drawing/2014/main" id="{B9CFDE67-358F-40AB-A205-0236CB52ADC0}"/>
+              </a:ext>
+            </a:extLst>
+          </p:cNvPr>
+          <p:cNvSpPr/>
+          <p:nvPr/>
+        </p:nvSpPr>
+        <p:spPr>
+          <a:xfrm>
+            <a:off x="261441" y="740052"/>
+            <a:ext cx="955516" cy="276999"/>
+          </a:xfrm>
+          <a:custGeom>
+            <a:avLst/>
+            <a:gdLst>
+              <a:gd name="connsiteX0" fmla="*/ 0 w 1727200"/>
+              <a:gd name="connsiteY0" fmla="*/ 119380 h 477520"/>
+              <a:gd name="connsiteX1" fmla="*/ 1488440 w 1727200"/>
+              <a:gd name="connsiteY1" fmla="*/ 119380 h 477520"/>
+              <a:gd name="connsiteX2" fmla="*/ 1488440 w 1727200"/>
+              <a:gd name="connsiteY2" fmla="*/ 0 h 477520"/>
+              <a:gd name="connsiteX3" fmla="*/ 1727200 w 1727200"/>
+              <a:gd name="connsiteY3" fmla="*/ 238760 h 477520"/>
+              <a:gd name="connsiteX4" fmla="*/ 1488440 w 1727200"/>
+              <a:gd name="connsiteY4" fmla="*/ 477520 h 477520"/>
+              <a:gd name="connsiteX5" fmla="*/ 1488440 w 1727200"/>
+              <a:gd name="connsiteY5" fmla="*/ 358140 h 477520"/>
+              <a:gd name="connsiteX6" fmla="*/ 0 w 1727200"/>
+              <a:gd name="connsiteY6" fmla="*/ 358140 h 477520"/>
+              <a:gd name="connsiteX7" fmla="*/ 0 w 1727200"/>
+              <a:gd name="connsiteY7" fmla="*/ 119380 h 477520"/>
+              <a:gd name="connsiteX0" fmla="*/ 0 w 1727200"/>
+              <a:gd name="connsiteY0" fmla="*/ 11803 h 369943"/>
+              <a:gd name="connsiteX1" fmla="*/ 1488440 w 1727200"/>
+              <a:gd name="connsiteY1" fmla="*/ 11803 h 369943"/>
+              <a:gd name="connsiteX2" fmla="*/ 1488440 w 1727200"/>
+              <a:gd name="connsiteY2" fmla="*/ 0 h 369943"/>
+              <a:gd name="connsiteX3" fmla="*/ 1727200 w 1727200"/>
+              <a:gd name="connsiteY3" fmla="*/ 131183 h 369943"/>
+              <a:gd name="connsiteX4" fmla="*/ 1488440 w 1727200"/>
+              <a:gd name="connsiteY4" fmla="*/ 369943 h 369943"/>
+              <a:gd name="connsiteX5" fmla="*/ 1488440 w 1727200"/>
+              <a:gd name="connsiteY5" fmla="*/ 250563 h 369943"/>
+              <a:gd name="connsiteX6" fmla="*/ 0 w 1727200"/>
+              <a:gd name="connsiteY6" fmla="*/ 250563 h 369943"/>
+              <a:gd name="connsiteX7" fmla="*/ 0 w 1727200"/>
+              <a:gd name="connsiteY7" fmla="*/ 11803 h 369943"/>
+              <a:gd name="connsiteX0" fmla="*/ 0 w 1727200"/>
+              <a:gd name="connsiteY0" fmla="*/ 0 h 358140"/>
+              <a:gd name="connsiteX1" fmla="*/ 1488440 w 1727200"/>
+              <a:gd name="connsiteY1" fmla="*/ 0 h 358140"/>
+              <a:gd name="connsiteX2" fmla="*/ 1497538 w 1727200"/>
+              <a:gd name="connsiteY2" fmla="*/ 6394 h 358140"/>
+              <a:gd name="connsiteX3" fmla="*/ 1727200 w 1727200"/>
+              <a:gd name="connsiteY3" fmla="*/ 119380 h 358140"/>
+              <a:gd name="connsiteX4" fmla="*/ 1488440 w 1727200"/>
+              <a:gd name="connsiteY4" fmla="*/ 358140 h 358140"/>
+              <a:gd name="connsiteX5" fmla="*/ 1488440 w 1727200"/>
+              <a:gd name="connsiteY5" fmla="*/ 238760 h 358140"/>
+              <a:gd name="connsiteX6" fmla="*/ 0 w 1727200"/>
+              <a:gd name="connsiteY6" fmla="*/ 238760 h 358140"/>
+              <a:gd name="connsiteX7" fmla="*/ 0 w 1727200"/>
+              <a:gd name="connsiteY7" fmla="*/ 0 h 358140"/>
+              <a:gd name="connsiteX0" fmla="*/ 0 w 1727200"/>
+              <a:gd name="connsiteY0" fmla="*/ 0 h 239859"/>
+              <a:gd name="connsiteX1" fmla="*/ 1488440 w 1727200"/>
+              <a:gd name="connsiteY1" fmla="*/ 0 h 239859"/>
+              <a:gd name="connsiteX2" fmla="*/ 1497538 w 1727200"/>
+              <a:gd name="connsiteY2" fmla="*/ 6394 h 239859"/>
+              <a:gd name="connsiteX3" fmla="*/ 1727200 w 1727200"/>
+              <a:gd name="connsiteY3" fmla="*/ 119380 h 239859"/>
+              <a:gd name="connsiteX4" fmla="*/ 1492989 w 1727200"/>
+              <a:gd name="connsiteY4" fmla="*/ 239859 h 239859"/>
+              <a:gd name="connsiteX5" fmla="*/ 1488440 w 1727200"/>
+              <a:gd name="connsiteY5" fmla="*/ 238760 h 239859"/>
+              <a:gd name="connsiteX6" fmla="*/ 0 w 1727200"/>
+              <a:gd name="connsiteY6" fmla="*/ 238760 h 239859"/>
+              <a:gd name="connsiteX7" fmla="*/ 0 w 1727200"/>
+              <a:gd name="connsiteY7" fmla="*/ 0 h 239859"/>
+            </a:gdLst>
+            <a:ahLst/>
+            <a:cxnLst>
+              <a:cxn ang="0">
+                <a:pos x="connsiteX0" y="connsiteY0"/>
+              </a:cxn>
+              <a:cxn ang="0">
+                <a:pos x="connsiteX1" y="connsiteY1"/>
+              </a:cxn>
+              <a:cxn ang="0">
+                <a:pos x="connsiteX2" y="connsiteY2"/>
+              </a:cxn>
+              <a:cxn ang="0">
+                <a:pos x="connsiteX3" y="connsiteY3"/>
+              </a:cxn>
+              <a:cxn ang="0">
+                <a:pos x="connsiteX4" y="connsiteY4"/>
+              </a:cxn>
+              <a:cxn ang="0">
+                <a:pos x="connsiteX5" y="connsiteY5"/>
+              </a:cxn>
+              <a:cxn ang="0">
+                <a:pos x="connsiteX6" y="connsiteY6"/>
+              </a:cxn>
+              <a:cxn ang="0">
+                <a:pos x="connsiteX7" y="connsiteY7"/>
+              </a:cxn>
+            </a:cxnLst>
+            <a:rect l="l" t="t" r="r" b="b"/>
+            <a:pathLst>
+              <a:path w="1727200" h="239859">
+                <a:moveTo>
+                  <a:pt x="0" y="0"/>
+                </a:moveTo>
+                <a:lnTo>
+                  <a:pt x="1488440" y="0"/>
+                </a:lnTo>
+                <a:lnTo>
+                  <a:pt x="1497538" y="6394"/>
+                </a:lnTo>
+                <a:lnTo>
+                  <a:pt x="1727200" y="119380"/>
+                </a:lnTo>
+                <a:lnTo>
+                  <a:pt x="1492989" y="239859"/>
+                </a:lnTo>
+                <a:lnTo>
+                  <a:pt x="1488440" y="238760"/>
+                </a:lnTo>
+                <a:lnTo>
+                  <a:pt x="0" y="238760"/>
+                </a:lnTo>
+                <a:lnTo>
+                  <a:pt x="0" y="0"/>
+                </a:lnTo>
+                <a:close/>
+              </a:path>
+            </a:pathLst>
+          </a:custGeom>
+          <a:solidFill>
+            <a:sysClr val="windowText" lastClr="000000"/>
+          </a:solidFill>
+          <a:ln w="25400" cap="flat" cmpd="sng" algn="ctr">
+            <a:solidFill>
+              <a:srgbClr val="FFC000">
+                <a:lumMod val="60000"/>
+                <a:lumOff val="40000"/>
+              </a:srgbClr>
+            </a:solidFill>
+            <a:prstDash val="solid"/>
+            <a:miter lim="800000"/>
+          </a:ln>
+          <a:effectLst>
+            <a:outerShdw blurRad="50800" dist="63500" dir="2700000" algn="tl" rotWithShape="0">
+              <a:sysClr val="window" lastClr="FFFFFF">
+                <a:alpha val="40000"/>
+              </a:sysClr>
+            </a:outerShdw>
+          </a:effectLst>
+        </p:spPr>
+        <p:txBody>
+          <a:bodyPr wrap="none" lIns="90000" tIns="0" rIns="180000" bIns="0" rtlCol="0" anchor="ctr">
+            <a:spAutoFit/>
+          </a:bodyPr>
+          <a:lstStyle/>
+          <a:p>
+            <a:pPr marL="0" marR="0" lvl="0" indent="0" defTabSz="914369" eaLnBrk="1" fontAlgn="auto" latinLnBrk="0" hangingPunct="1">
+              <a:lnSpc>
+                <a:spcPct val="100000"/>
+              </a:lnSpc>
+              <a:spcBef>
+                <a:spcPts val="0"/>
+              </a:spcBef>
+              <a:spcAft>
+                <a:spcPts val="0"/>
+              </a:spcAft>
+              <a:buClrTx/>
+              <a:buSzTx/>
+              <a:buFontTx/>
+              <a:buNone/>
+              <a:tabLst/>
+              <a:defRPr/>
+            </a:pPr>
+            <a:r>
+              <a:rPr kumimoji="0" lang="en-US" sz="1800" b="0" i="0" u="none" strike="noStrike" kern="0" cap="none" spc="0" normalizeH="0" baseline="0" noProof="0" dirty="0">
+                <a:ln>
+                  <a:noFill/>
+                </a:ln>
+                <a:solidFill>
+                  <a:prstClr val="white"/>
+                </a:solidFill>
+                <a:effectLst/>
+                <a:uLnTx/>
+                <a:uFillTx/>
+                <a:latin typeface="Calibri Light" panose="020F0302020204030204"/>
+              </a:rPr>
+              <a:t>tutorial</a:t>
+            </a:r>
+          </a:p>
+        </p:txBody>
+      </p:sp>
+      <p:grpSp>
+        <p:nvGrpSpPr>
+          <p:cNvPr id="20" name="Group 19">
+            <a:extLst>
+              <a:ext uri="{FF2B5EF4-FFF2-40B4-BE49-F238E27FC236}">
+                <a16:creationId xmlns:a16="http://schemas.microsoft.com/office/drawing/2014/main" id="{07351F8C-0F34-4194-9655-95B910F4C48C}"/>
+              </a:ext>
+            </a:extLst>
+          </p:cNvPr>
+          <p:cNvGrpSpPr/>
+          <p:nvPr/>
+        </p:nvGrpSpPr>
+        <p:grpSpPr>
+          <a:xfrm>
+            <a:off x="1268850" y="755440"/>
+            <a:ext cx="1199172" cy="246221"/>
+            <a:chOff x="5881666" y="1565584"/>
+            <a:chExt cx="1199172" cy="246221"/>
+          </a:xfrm>
+        </p:grpSpPr>
+        <p:sp>
+          <p:nvSpPr>
+            <p:cNvPr id="21" name="Retângulo 5">
+              <a:extLst>
+                <a:ext uri="{FF2B5EF4-FFF2-40B4-BE49-F238E27FC236}">
+                  <a16:creationId xmlns:a16="http://schemas.microsoft.com/office/drawing/2014/main" id="{FE7F49B6-764A-4DDD-A35A-961C2F3E835F}"/>
+                </a:ext>
+              </a:extLst>
+            </p:cNvPr>
+            <p:cNvSpPr/>
+            <p:nvPr/>
+          </p:nvSpPr>
+          <p:spPr>
+            <a:xfrm>
+              <a:off x="6016123" y="1565584"/>
+              <a:ext cx="1064715" cy="246221"/>
+            </a:xfrm>
+            <a:prstGeom prst="rect">
+              <a:avLst/>
+            </a:prstGeom>
+          </p:spPr>
+          <p:txBody>
+            <a:bodyPr wrap="none">
+              <a:spAutoFit/>
+            </a:bodyPr>
+            <a:lstStyle/>
+            <a:p>
+              <a:pPr marL="0" marR="0" lvl="0" indent="0" defTabSz="914369" eaLnBrk="1" fontAlgn="auto" latinLnBrk="0" hangingPunct="1">
+                <a:lnSpc>
+                  <a:spcPct val="100000"/>
+                </a:lnSpc>
+                <a:spcBef>
+                  <a:spcPts val="0"/>
+                </a:spcBef>
+                <a:spcAft>
+                  <a:spcPts val="0"/>
+                </a:spcAft>
+                <a:buClrTx/>
+                <a:buSzTx/>
+                <a:buFontTx/>
+                <a:buNone/>
+                <a:tabLst/>
+                <a:defRPr/>
+              </a:pPr>
+              <a:r>
+                <a:rPr kumimoji="0" lang="en-US" sz="1000" b="0" i="0" u="none" strike="noStrike" kern="0" cap="none" spc="0" normalizeH="0" baseline="0" noProof="0" dirty="0">
+                  <a:ln>
+                    <a:noFill/>
+                  </a:ln>
+                  <a:solidFill>
+                    <a:prstClr val="black"/>
+                  </a:solidFill>
+                  <a:effectLst/>
+                  <a:uLnTx/>
+                  <a:uFillTx/>
+                  <a:hlinkClick r:id="rId3"/>
+                </a:rPr>
+                <a:t>run-python-code</a:t>
+              </a:r>
+              <a:endParaRPr kumimoji="0" lang="en-US" sz="1000" b="0" i="0" u="none" strike="noStrike" kern="0" cap="none" spc="0" normalizeH="0" baseline="0" noProof="0" dirty="0">
+                <a:ln>
+                  <a:noFill/>
+                </a:ln>
+                <a:solidFill>
+                  <a:prstClr val="black"/>
+                </a:solidFill>
+                <a:effectLst/>
+                <a:uLnTx/>
+                <a:uFillTx/>
+              </a:endParaRPr>
+            </a:p>
+          </p:txBody>
+        </p:sp>
+        <p:pic>
+          <p:nvPicPr>
+            <p:cNvPr id="22" name="Picture 21" descr="Icon&#10;&#10;Description automatically generated">
+              <a:extLst>
+                <a:ext uri="{FF2B5EF4-FFF2-40B4-BE49-F238E27FC236}">
+                  <a16:creationId xmlns:a16="http://schemas.microsoft.com/office/drawing/2014/main" id="{2EBB7043-481F-4617-975D-BB7B05A3A823}"/>
+                </a:ext>
+              </a:extLst>
+            </p:cNvPr>
+            <p:cNvPicPr>
+              <a:picLocks noChangeAspect="1"/>
+            </p:cNvPicPr>
+            <p:nvPr/>
+          </p:nvPicPr>
+          <p:blipFill>
+            <a:blip r:embed="rId4" cstate="print">
+              <a:extLst>
+                <a:ext uri="{28A0092B-C50C-407E-A947-70E740481C1C}">
+                  <a14:useLocalDpi xmlns:a14="http://schemas.microsoft.com/office/drawing/2010/main" val="0"/>
+                </a:ext>
+              </a:extLst>
+            </a:blip>
+            <a:stretch>
+              <a:fillRect/>
+            </a:stretch>
+          </p:blipFill>
+          <p:spPr>
+            <a:xfrm>
+              <a:off x="5881666" y="1590687"/>
+              <a:ext cx="180000" cy="180000"/>
+            </a:xfrm>
+            <a:prstGeom prst="rect">
+              <a:avLst/>
+            </a:prstGeom>
+          </p:spPr>
+        </p:pic>
+      </p:grpSp>
+      <p:sp>
+        <p:nvSpPr>
+          <p:cNvPr id="18" name="Arrow: Right 5">
+            <a:extLst>
+              <a:ext uri="{FF2B5EF4-FFF2-40B4-BE49-F238E27FC236}">
+                <a16:creationId xmlns:a16="http://schemas.microsoft.com/office/drawing/2014/main" id="{50930DF4-76B4-4F6C-B7BE-7DEBD8768FEC}"/>
+              </a:ext>
+            </a:extLst>
+          </p:cNvPr>
+          <p:cNvSpPr/>
+          <p:nvPr/>
+        </p:nvSpPr>
+        <p:spPr>
+          <a:xfrm>
+            <a:off x="248908" y="3471774"/>
+            <a:ext cx="739111" cy="276999"/>
+          </a:xfrm>
+          <a:custGeom>
+            <a:avLst/>
+            <a:gdLst>
+              <a:gd name="connsiteX0" fmla="*/ 0 w 1727200"/>
+              <a:gd name="connsiteY0" fmla="*/ 119380 h 477520"/>
+              <a:gd name="connsiteX1" fmla="*/ 1488440 w 1727200"/>
+              <a:gd name="connsiteY1" fmla="*/ 119380 h 477520"/>
+              <a:gd name="connsiteX2" fmla="*/ 1488440 w 1727200"/>
+              <a:gd name="connsiteY2" fmla="*/ 0 h 477520"/>
+              <a:gd name="connsiteX3" fmla="*/ 1727200 w 1727200"/>
+              <a:gd name="connsiteY3" fmla="*/ 238760 h 477520"/>
+              <a:gd name="connsiteX4" fmla="*/ 1488440 w 1727200"/>
+              <a:gd name="connsiteY4" fmla="*/ 477520 h 477520"/>
+              <a:gd name="connsiteX5" fmla="*/ 1488440 w 1727200"/>
+              <a:gd name="connsiteY5" fmla="*/ 358140 h 477520"/>
+              <a:gd name="connsiteX6" fmla="*/ 0 w 1727200"/>
+              <a:gd name="connsiteY6" fmla="*/ 358140 h 477520"/>
+              <a:gd name="connsiteX7" fmla="*/ 0 w 1727200"/>
+              <a:gd name="connsiteY7" fmla="*/ 119380 h 477520"/>
+              <a:gd name="connsiteX0" fmla="*/ 0 w 1727200"/>
+              <a:gd name="connsiteY0" fmla="*/ 11803 h 369943"/>
+              <a:gd name="connsiteX1" fmla="*/ 1488440 w 1727200"/>
+              <a:gd name="connsiteY1" fmla="*/ 11803 h 369943"/>
+              <a:gd name="connsiteX2" fmla="*/ 1488440 w 1727200"/>
+              <a:gd name="connsiteY2" fmla="*/ 0 h 369943"/>
+              <a:gd name="connsiteX3" fmla="*/ 1727200 w 1727200"/>
+              <a:gd name="connsiteY3" fmla="*/ 131183 h 369943"/>
+              <a:gd name="connsiteX4" fmla="*/ 1488440 w 1727200"/>
+              <a:gd name="connsiteY4" fmla="*/ 369943 h 369943"/>
+              <a:gd name="connsiteX5" fmla="*/ 1488440 w 1727200"/>
+              <a:gd name="connsiteY5" fmla="*/ 250563 h 369943"/>
+              <a:gd name="connsiteX6" fmla="*/ 0 w 1727200"/>
+              <a:gd name="connsiteY6" fmla="*/ 250563 h 369943"/>
+              <a:gd name="connsiteX7" fmla="*/ 0 w 1727200"/>
+              <a:gd name="connsiteY7" fmla="*/ 11803 h 369943"/>
+              <a:gd name="connsiteX0" fmla="*/ 0 w 1727200"/>
+              <a:gd name="connsiteY0" fmla="*/ 0 h 358140"/>
+              <a:gd name="connsiteX1" fmla="*/ 1488440 w 1727200"/>
+              <a:gd name="connsiteY1" fmla="*/ 0 h 358140"/>
+              <a:gd name="connsiteX2" fmla="*/ 1497538 w 1727200"/>
+              <a:gd name="connsiteY2" fmla="*/ 6394 h 358140"/>
+              <a:gd name="connsiteX3" fmla="*/ 1727200 w 1727200"/>
+              <a:gd name="connsiteY3" fmla="*/ 119380 h 358140"/>
+              <a:gd name="connsiteX4" fmla="*/ 1488440 w 1727200"/>
+              <a:gd name="connsiteY4" fmla="*/ 358140 h 358140"/>
+              <a:gd name="connsiteX5" fmla="*/ 1488440 w 1727200"/>
+              <a:gd name="connsiteY5" fmla="*/ 238760 h 358140"/>
+              <a:gd name="connsiteX6" fmla="*/ 0 w 1727200"/>
+              <a:gd name="connsiteY6" fmla="*/ 238760 h 358140"/>
+              <a:gd name="connsiteX7" fmla="*/ 0 w 1727200"/>
+              <a:gd name="connsiteY7" fmla="*/ 0 h 358140"/>
+              <a:gd name="connsiteX0" fmla="*/ 0 w 1727200"/>
+              <a:gd name="connsiteY0" fmla="*/ 0 h 239859"/>
+              <a:gd name="connsiteX1" fmla="*/ 1488440 w 1727200"/>
+              <a:gd name="connsiteY1" fmla="*/ 0 h 239859"/>
+              <a:gd name="connsiteX2" fmla="*/ 1497538 w 1727200"/>
+              <a:gd name="connsiteY2" fmla="*/ 6394 h 239859"/>
+              <a:gd name="connsiteX3" fmla="*/ 1727200 w 1727200"/>
+              <a:gd name="connsiteY3" fmla="*/ 119380 h 239859"/>
+              <a:gd name="connsiteX4" fmla="*/ 1492989 w 1727200"/>
+              <a:gd name="connsiteY4" fmla="*/ 239859 h 239859"/>
+              <a:gd name="connsiteX5" fmla="*/ 1488440 w 1727200"/>
+              <a:gd name="connsiteY5" fmla="*/ 238760 h 239859"/>
+              <a:gd name="connsiteX6" fmla="*/ 0 w 1727200"/>
+              <a:gd name="connsiteY6" fmla="*/ 238760 h 239859"/>
+              <a:gd name="connsiteX7" fmla="*/ 0 w 1727200"/>
+              <a:gd name="connsiteY7" fmla="*/ 0 h 239859"/>
+            </a:gdLst>
+            <a:ahLst/>
+            <a:cxnLst>
+              <a:cxn ang="0">
+                <a:pos x="connsiteX0" y="connsiteY0"/>
+              </a:cxn>
+              <a:cxn ang="0">
+                <a:pos x="connsiteX1" y="connsiteY1"/>
+              </a:cxn>
+              <a:cxn ang="0">
+                <a:pos x="connsiteX2" y="connsiteY2"/>
+              </a:cxn>
+              <a:cxn ang="0">
+                <a:pos x="connsiteX3" y="connsiteY3"/>
+              </a:cxn>
+              <a:cxn ang="0">
+                <a:pos x="connsiteX4" y="connsiteY4"/>
+              </a:cxn>
+              <a:cxn ang="0">
+                <a:pos x="connsiteX5" y="connsiteY5"/>
+              </a:cxn>
+              <a:cxn ang="0">
+                <a:pos x="connsiteX6" y="connsiteY6"/>
+              </a:cxn>
+              <a:cxn ang="0">
+                <a:pos x="connsiteX7" y="connsiteY7"/>
+              </a:cxn>
+            </a:cxnLst>
+            <a:rect l="l" t="t" r="r" b="b"/>
+            <a:pathLst>
+              <a:path w="1727200" h="239859">
+                <a:moveTo>
+                  <a:pt x="0" y="0"/>
+                </a:moveTo>
+                <a:lnTo>
+                  <a:pt x="1488440" y="0"/>
+                </a:lnTo>
+                <a:lnTo>
+                  <a:pt x="1497538" y="6394"/>
+                </a:lnTo>
+                <a:lnTo>
+                  <a:pt x="1727200" y="119380"/>
+                </a:lnTo>
+                <a:lnTo>
+                  <a:pt x="1492989" y="239859"/>
+                </a:lnTo>
+                <a:lnTo>
+                  <a:pt x="1488440" y="238760"/>
+                </a:lnTo>
+                <a:lnTo>
+                  <a:pt x="0" y="238760"/>
+                </a:lnTo>
+                <a:lnTo>
+                  <a:pt x="0" y="0"/>
+                </a:lnTo>
+                <a:close/>
+              </a:path>
+            </a:pathLst>
+          </a:custGeom>
+          <a:solidFill>
+            <a:sysClr val="windowText" lastClr="000000"/>
+          </a:solidFill>
+          <a:ln w="25400" cap="flat" cmpd="sng" algn="ctr">
+            <a:solidFill>
+              <a:srgbClr val="FFC000">
+                <a:lumMod val="60000"/>
+                <a:lumOff val="40000"/>
+              </a:srgbClr>
+            </a:solidFill>
+            <a:prstDash val="solid"/>
+            <a:miter lim="800000"/>
+          </a:ln>
+          <a:effectLst>
+            <a:outerShdw blurRad="50800" dist="63500" dir="2700000" algn="tl" rotWithShape="0">
+              <a:sysClr val="window" lastClr="FFFFFF">
+                <a:alpha val="40000"/>
+              </a:sysClr>
+            </a:outerShdw>
+          </a:effectLst>
+        </p:spPr>
+        <p:txBody>
+          <a:bodyPr wrap="none" lIns="90000" tIns="0" rIns="180000" bIns="0" rtlCol="0" anchor="ctr">
+            <a:spAutoFit/>
+          </a:bodyPr>
+          <a:lstStyle/>
+          <a:p>
+            <a:pPr marL="0" marR="0" lvl="0" indent="0" defTabSz="914369" eaLnBrk="1" fontAlgn="auto" latinLnBrk="0" hangingPunct="1">
+              <a:lnSpc>
+                <a:spcPct val="100000"/>
+              </a:lnSpc>
+              <a:spcBef>
+                <a:spcPts val="0"/>
+              </a:spcBef>
+              <a:spcAft>
+                <a:spcPts val="0"/>
+              </a:spcAft>
+              <a:buClrTx/>
+              <a:buSzTx/>
+              <a:buFontTx/>
+              <a:buNone/>
+              <a:tabLst/>
+              <a:defRPr/>
+            </a:pPr>
+            <a:r>
+              <a:rPr kumimoji="0" lang="en-US" sz="1800" b="0" i="0" u="none" strike="noStrike" kern="0" cap="none" spc="0" normalizeH="0" baseline="0" noProof="0" dirty="0">
+                <a:ln>
+                  <a:noFill/>
+                </a:ln>
+                <a:solidFill>
+                  <a:prstClr val="white"/>
+                </a:solidFill>
+                <a:effectLst/>
+                <a:uLnTx/>
+                <a:uFillTx/>
+                <a:latin typeface="Calibri Light" panose="020F0302020204030204"/>
+              </a:rPr>
+              <a:t>what</a:t>
+            </a:r>
+          </a:p>
+        </p:txBody>
+      </p:sp>
+      <p:pic>
+        <p:nvPicPr>
+          <p:cNvPr id="3074" name="Picture 2" descr="Using the Run Python File in Terminal button">
+            <a:extLst>
+              <a:ext uri="{FF2B5EF4-FFF2-40B4-BE49-F238E27FC236}">
+                <a16:creationId xmlns:a16="http://schemas.microsoft.com/office/drawing/2014/main" id="{38B1DDC0-FC91-4F3B-860C-CDF91B67C1C5}"/>
+              </a:ext>
+            </a:extLst>
+          </p:cNvPr>
+          <p:cNvPicPr>
+            <a:picLocks noChangeAspect="1" noChangeArrowheads="1"/>
+          </p:cNvPicPr>
+          <p:nvPr/>
+        </p:nvPicPr>
+        <p:blipFill>
+          <a:blip r:embed="rId5" cstate="print">
+            <a:extLst>
+              <a:ext uri="{28A0092B-C50C-407E-A947-70E740481C1C}">
+                <a14:useLocalDpi xmlns:a14="http://schemas.microsoft.com/office/drawing/2010/main" val="0"/>
+              </a:ext>
+            </a:extLst>
+          </a:blip>
+          <a:srcRect/>
+          <a:stretch>
+            <a:fillRect/>
+          </a:stretch>
+        </p:blipFill>
+        <p:spPr bwMode="auto">
+          <a:xfrm>
+            <a:off x="568325" y="1219145"/>
+            <a:ext cx="3521075" cy="987217"/>
+          </a:xfrm>
+          <a:prstGeom prst="rect">
+            <a:avLst/>
+          </a:prstGeom>
+          <a:ln w="50800">
+            <a:solidFill>
+              <a:srgbClr val="70AD47">
+                <a:lumMod val="60000"/>
+                <a:lumOff val="40000"/>
+              </a:srgbClr>
+            </a:solidFill>
+          </a:ln>
+          <a:effectLst>
+            <a:outerShdw blurRad="50800" dist="127000" dir="2700000" algn="tl" rotWithShape="0">
+              <a:sysClr val="window" lastClr="FFFFFF">
+                <a:alpha val="40000"/>
+              </a:sysClr>
+            </a:outerShdw>
+          </a:effectLst>
+          <a:extLst>
+            <a:ext uri="{909E8E84-426E-40DD-AFC4-6F175D3DCCD1}">
+              <a14:hiddenFill xmlns:a14="http://schemas.microsoft.com/office/drawing/2010/main">
+                <a:solidFill>
+                  <a:srgbClr val="FFFFFF"/>
+                </a:solidFill>
+              </a14:hiddenFill>
+            </a:ext>
+          </a:extLst>
+        </p:spPr>
+      </p:pic>
+      <p:pic>
+        <p:nvPicPr>
+          <p:cNvPr id="3076" name="Picture 4" descr="Program output in a Python terminal">
+            <a:extLst>
+              <a:ext uri="{FF2B5EF4-FFF2-40B4-BE49-F238E27FC236}">
+                <a16:creationId xmlns:a16="http://schemas.microsoft.com/office/drawing/2014/main" id="{31FCB328-1048-4216-B251-999960ACFB09}"/>
+              </a:ext>
+            </a:extLst>
+          </p:cNvPr>
+          <p:cNvPicPr>
+            <a:picLocks noChangeAspect="1" noChangeArrowheads="1"/>
+          </p:cNvPicPr>
+          <p:nvPr/>
+        </p:nvPicPr>
+        <p:blipFill>
+          <a:blip r:embed="rId6" cstate="print">
+            <a:extLst>
+              <a:ext uri="{28A0092B-C50C-407E-A947-70E740481C1C}">
+                <a14:useLocalDpi xmlns:a14="http://schemas.microsoft.com/office/drawing/2010/main" val="0"/>
+              </a:ext>
+            </a:extLst>
+          </a:blip>
+          <a:srcRect/>
+          <a:stretch>
+            <a:fillRect/>
+          </a:stretch>
+        </p:blipFill>
+        <p:spPr bwMode="auto">
+          <a:xfrm>
+            <a:off x="4340560" y="1151467"/>
+            <a:ext cx="3873500" cy="709637"/>
+          </a:xfrm>
+          <a:prstGeom prst="rect">
+            <a:avLst/>
+          </a:prstGeom>
+          <a:ln w="50800">
+            <a:solidFill>
+              <a:srgbClr val="70AD47">
+                <a:lumMod val="60000"/>
+                <a:lumOff val="40000"/>
+              </a:srgbClr>
+            </a:solidFill>
+          </a:ln>
+          <a:effectLst>
+            <a:outerShdw blurRad="50800" dist="127000" dir="2700000" algn="tl" rotWithShape="0">
+              <a:sysClr val="window" lastClr="FFFFFF">
+                <a:alpha val="40000"/>
+              </a:sysClr>
+            </a:outerShdw>
+          </a:effectLst>
+          <a:extLst>
+            <a:ext uri="{909E8E84-426E-40DD-AFC4-6F175D3DCCD1}">
+              <a14:hiddenFill xmlns:a14="http://schemas.microsoft.com/office/drawing/2010/main">
+                <a:solidFill>
+                  <a:srgbClr val="FFFFFF"/>
+                </a:solidFill>
+              </a14:hiddenFill>
+            </a:ext>
+          </a:extLst>
+        </p:spPr>
+      </p:pic>
+      <p:pic>
+        <p:nvPicPr>
+          <p:cNvPr id="3078" name="Picture 6" descr="Run Python File in Terminal command in the Python editor">
+            <a:extLst>
+              <a:ext uri="{FF2B5EF4-FFF2-40B4-BE49-F238E27FC236}">
+                <a16:creationId xmlns:a16="http://schemas.microsoft.com/office/drawing/2014/main" id="{50DFECA0-5617-453D-ACFD-8ACBA6EF7B1F}"/>
+              </a:ext>
+            </a:extLst>
+          </p:cNvPr>
+          <p:cNvPicPr>
+            <a:picLocks noChangeAspect="1" noChangeArrowheads="1"/>
+          </p:cNvPicPr>
+          <p:nvPr/>
+        </p:nvPicPr>
+        <p:blipFill>
+          <a:blip r:embed="rId7" cstate="print">
+            <a:extLst>
+              <a:ext uri="{28A0092B-C50C-407E-A947-70E740481C1C}">
+                <a14:useLocalDpi xmlns:a14="http://schemas.microsoft.com/office/drawing/2010/main" val="0"/>
+              </a:ext>
+            </a:extLst>
+          </a:blip>
+          <a:srcRect/>
+          <a:stretch>
+            <a:fillRect/>
+          </a:stretch>
+        </p:blipFill>
+        <p:spPr bwMode="auto">
+          <a:xfrm>
+            <a:off x="8547629" y="1151467"/>
+            <a:ext cx="2772053" cy="2277533"/>
+          </a:xfrm>
+          <a:prstGeom prst="rect">
+            <a:avLst/>
+          </a:prstGeom>
+          <a:ln w="50800">
+            <a:solidFill>
+              <a:srgbClr val="70AD47">
+                <a:lumMod val="60000"/>
+                <a:lumOff val="40000"/>
+              </a:srgbClr>
+            </a:solidFill>
+          </a:ln>
+          <a:effectLst>
+            <a:outerShdw blurRad="50800" dist="127000" dir="2700000" algn="tl" rotWithShape="0">
+              <a:sysClr val="window" lastClr="FFFFFF">
+                <a:alpha val="40000"/>
+              </a:sysClr>
+            </a:outerShdw>
+          </a:effectLst>
+          <a:extLst>
+            <a:ext uri="{909E8E84-426E-40DD-AFC4-6F175D3DCCD1}">
+              <a14:hiddenFill xmlns:a14="http://schemas.microsoft.com/office/drawing/2010/main">
+                <a:solidFill>
+                  <a:srgbClr val="FFFFFF"/>
+                </a:solidFill>
+              </a14:hiddenFill>
+            </a:ext>
+          </a:extLst>
+        </p:spPr>
+      </p:pic>
+    </p:spTree>
+    <p:extLst>
+      <p:ext uri="{BB962C8B-B14F-4D97-AF65-F5344CB8AC3E}">
+        <p14:creationId xmlns:p14="http://schemas.microsoft.com/office/powerpoint/2010/main" val="1718654241"/>
+      </p:ext>
+    </p:extLst>
+  </p:cSld>
+  <p:clrMapOvr>
+    <a:masterClrMapping/>
+  </p:clrMapOvr>
+</p:sld>
+</file>
+
+<file path=ppt/slides/slide11.xml><?xml version="1.0" encoding="utf-8"?>
+<p:sld xmlns:a="http://schemas.openxmlformats.org/drawingml/2006/main" xmlns:r="http://schemas.openxmlformats.org/officeDocument/2006/relationships" xmlns:p="http://schemas.openxmlformats.org/presentationml/2006/main">
+  <p:cSld>
+    <p:bg>
+      <p:bgPr>
+        <a:solidFill>
+          <a:schemeClr val="tx1"/>
+        </a:solidFill>
+        <a:effectLst/>
+      </p:bgPr>
+    </p:bg>
+    <p:spTree>
+      <p:nvGrpSpPr>
+        <p:cNvPr id="1" name=""/>
+        <p:cNvGrpSpPr/>
+        <p:nvPr/>
+      </p:nvGrpSpPr>
+      <p:grpSpPr>
+        <a:xfrm>
+          <a:off x="0" y="0"/>
+          <a:ext cx="0" cy="0"/>
+          <a:chOff x="0" y="0"/>
+          <a:chExt cx="0" cy="0"/>
+        </a:xfrm>
+      </p:grpSpPr>
+      <p:sp>
+        <p:nvSpPr>
+          <p:cNvPr id="2" name="Title 1">
+            <a:extLst>
+              <a:ext uri="{FF2B5EF4-FFF2-40B4-BE49-F238E27FC236}">
+                <a16:creationId xmlns:a16="http://schemas.microsoft.com/office/drawing/2014/main" id="{54C7F764-8D4D-421D-979F-2C7A67DE064B}"/>
+              </a:ext>
+            </a:extLst>
+          </p:cNvPr>
+          <p:cNvSpPr>
+            <a:spLocks noGrp="1"/>
+          </p:cNvSpPr>
+          <p:nvPr>
+            <p:ph type="ctrTitle"/>
+          </p:nvPr>
+        </p:nvSpPr>
+        <p:spPr>
+          <a:xfrm>
+            <a:off x="145062" y="123804"/>
+            <a:ext cx="1210588" cy="369332"/>
+          </a:xfrm>
+          <a:gradFill>
+            <a:gsLst>
+              <a:gs pos="0">
+                <a:schemeClr val="accent1">
+                  <a:lumMod val="5000"/>
+                  <a:lumOff val="95000"/>
+                </a:schemeClr>
+              </a:gs>
+              <a:gs pos="74000">
+                <a:schemeClr val="accent1">
+                  <a:lumMod val="45000"/>
+                  <a:lumOff val="55000"/>
+                </a:schemeClr>
+              </a:gs>
+              <a:gs pos="83000">
+                <a:schemeClr val="accent1">
+                  <a:lumMod val="45000"/>
+                  <a:lumOff val="55000"/>
+                </a:schemeClr>
+              </a:gs>
+              <a:gs pos="100000">
+                <a:schemeClr val="accent1">
+                  <a:lumMod val="30000"/>
+                  <a:lumOff val="70000"/>
+                </a:schemeClr>
+              </a:gs>
+            </a:gsLst>
+            <a:lin ang="5400000" scaled="1"/>
+          </a:gradFill>
+          <a:ln w="25400">
+            <a:solidFill>
+              <a:schemeClr val="accent1"/>
+            </a:solidFill>
+          </a:ln>
+        </p:spPr>
+        <p:txBody>
+          <a:bodyPr vert="horz" wrap="none" lIns="91440" tIns="45720" rIns="91440" bIns="45720" rtlCol="0" anchor="t">
+            <a:spAutoFit/>
+          </a:bodyPr>
+          <a:lstStyle/>
+          <a:p>
+            <a:pPr algn="l"/>
+            <a:r>
+              <a:rPr lang="en-US" sz="2000" dirty="0">
+                <a:solidFill>
+                  <a:schemeClr val="bg2">
+                    <a:lumMod val="25000"/>
+                  </a:schemeClr>
+                </a:solidFill>
+                <a:sym typeface="Wingdings" panose="05000000000000000000" pitchFamily="2" charset="2"/>
+              </a:rPr>
+              <a:t>7. debug</a:t>
+            </a:r>
+            <a:endParaRPr lang="en-US" sz="2000" dirty="0">
+              <a:solidFill>
+                <a:schemeClr val="bg2">
+                  <a:lumMod val="25000"/>
+                </a:schemeClr>
+              </a:solidFill>
+            </a:endParaRPr>
+          </a:p>
+        </p:txBody>
+      </p:sp>
+      <p:sp>
+        <p:nvSpPr>
+          <p:cNvPr id="5" name="Rectangle 4">
+            <a:extLst>
+              <a:ext uri="{FF2B5EF4-FFF2-40B4-BE49-F238E27FC236}">
+                <a16:creationId xmlns:a16="http://schemas.microsoft.com/office/drawing/2014/main" id="{D45E34D6-120F-44F6-96A2-17230046C2F4}"/>
+              </a:ext>
+            </a:extLst>
+          </p:cNvPr>
+          <p:cNvSpPr/>
+          <p:nvPr/>
+        </p:nvSpPr>
+        <p:spPr>
+          <a:xfrm>
+            <a:off x="145062" y="633528"/>
+            <a:ext cx="207692" cy="6048000"/>
+          </a:xfrm>
+          <a:prstGeom prst="rect">
+            <a:avLst/>
+          </a:prstGeom>
+          <a:solidFill>
+            <a:schemeClr val="tx1"/>
+          </a:solidFill>
+          <a:ln w="25400"/>
+          <a:effectLst>
+            <a:outerShdw blurRad="50800" dist="63500" dir="2700000" algn="tl" rotWithShape="0">
+              <a:schemeClr val="bg1">
+                <a:alpha val="40000"/>
+              </a:schemeClr>
+            </a:outerShdw>
+          </a:effectLst>
+        </p:spPr>
+        <p:style>
+          <a:lnRef idx="2">
+            <a:schemeClr val="accent1">
+              <a:shade val="50000"/>
+            </a:schemeClr>
+          </a:lnRef>
+          <a:fillRef idx="1">
+            <a:schemeClr val="accent1"/>
+          </a:fillRef>
+          <a:effectRef idx="0">
+            <a:schemeClr val="accent1"/>
+          </a:effectRef>
+          <a:fontRef idx="minor">
+            <a:schemeClr val="lt1"/>
+          </a:fontRef>
+        </p:style>
+        <p:txBody>
+          <a:bodyPr rtlCol="0" anchor="ctr"/>
+          <a:lstStyle/>
+          <a:p>
+            <a:pPr marL="0" marR="0" lvl="0" indent="0" algn="ctr" defTabSz="914400" rtl="0" eaLnBrk="1" fontAlgn="auto" latinLnBrk="0" hangingPunct="1">
+              <a:lnSpc>
+                <a:spcPct val="100000"/>
+              </a:lnSpc>
+              <a:spcBef>
+                <a:spcPts val="0"/>
+              </a:spcBef>
+              <a:spcAft>
+                <a:spcPts val="0"/>
+              </a:spcAft>
+              <a:buClrTx/>
+              <a:buSzTx/>
+              <a:buFontTx/>
+              <a:buNone/>
+              <a:tabLst/>
+              <a:defRPr/>
+            </a:pPr>
+            <a:endParaRPr kumimoji="0" lang="pt-PT" sz="1800" b="0" i="0" u="none" strike="noStrike" kern="1200" cap="none" spc="0" normalizeH="0" baseline="0" noProof="0">
+              <a:ln>
+                <a:noFill/>
+              </a:ln>
+              <a:solidFill>
+                <a:prstClr val="white"/>
+              </a:solidFill>
+              <a:effectLst/>
+              <a:uLnTx/>
+              <a:uFillTx/>
+              <a:latin typeface="Calibri" panose="020F0502020204030204"/>
+              <a:ea typeface="+mn-ea"/>
+              <a:cs typeface="+mn-cs"/>
+            </a:endParaRPr>
+          </a:p>
+        </p:txBody>
+      </p:sp>
+      <p:sp>
+        <p:nvSpPr>
+          <p:cNvPr id="8" name="Arrow: Right 5">
+            <a:extLst>
+              <a:ext uri="{FF2B5EF4-FFF2-40B4-BE49-F238E27FC236}">
+                <a16:creationId xmlns:a16="http://schemas.microsoft.com/office/drawing/2014/main" id="{B9CFDE67-358F-40AB-A205-0236CB52ADC0}"/>
+              </a:ext>
+            </a:extLst>
+          </p:cNvPr>
+          <p:cNvSpPr/>
+          <p:nvPr/>
+        </p:nvSpPr>
+        <p:spPr>
+          <a:xfrm>
+            <a:off x="261441" y="740052"/>
+            <a:ext cx="955516" cy="276999"/>
+          </a:xfrm>
+          <a:custGeom>
+            <a:avLst/>
+            <a:gdLst>
+              <a:gd name="connsiteX0" fmla="*/ 0 w 1727200"/>
+              <a:gd name="connsiteY0" fmla="*/ 119380 h 477520"/>
+              <a:gd name="connsiteX1" fmla="*/ 1488440 w 1727200"/>
+              <a:gd name="connsiteY1" fmla="*/ 119380 h 477520"/>
+              <a:gd name="connsiteX2" fmla="*/ 1488440 w 1727200"/>
+              <a:gd name="connsiteY2" fmla="*/ 0 h 477520"/>
+              <a:gd name="connsiteX3" fmla="*/ 1727200 w 1727200"/>
+              <a:gd name="connsiteY3" fmla="*/ 238760 h 477520"/>
+              <a:gd name="connsiteX4" fmla="*/ 1488440 w 1727200"/>
+              <a:gd name="connsiteY4" fmla="*/ 477520 h 477520"/>
+              <a:gd name="connsiteX5" fmla="*/ 1488440 w 1727200"/>
+              <a:gd name="connsiteY5" fmla="*/ 358140 h 477520"/>
+              <a:gd name="connsiteX6" fmla="*/ 0 w 1727200"/>
+              <a:gd name="connsiteY6" fmla="*/ 358140 h 477520"/>
+              <a:gd name="connsiteX7" fmla="*/ 0 w 1727200"/>
+              <a:gd name="connsiteY7" fmla="*/ 119380 h 477520"/>
+              <a:gd name="connsiteX0" fmla="*/ 0 w 1727200"/>
+              <a:gd name="connsiteY0" fmla="*/ 11803 h 369943"/>
+              <a:gd name="connsiteX1" fmla="*/ 1488440 w 1727200"/>
+              <a:gd name="connsiteY1" fmla="*/ 11803 h 369943"/>
+              <a:gd name="connsiteX2" fmla="*/ 1488440 w 1727200"/>
+              <a:gd name="connsiteY2" fmla="*/ 0 h 369943"/>
+              <a:gd name="connsiteX3" fmla="*/ 1727200 w 1727200"/>
+              <a:gd name="connsiteY3" fmla="*/ 131183 h 369943"/>
+              <a:gd name="connsiteX4" fmla="*/ 1488440 w 1727200"/>
+              <a:gd name="connsiteY4" fmla="*/ 369943 h 369943"/>
+              <a:gd name="connsiteX5" fmla="*/ 1488440 w 1727200"/>
+              <a:gd name="connsiteY5" fmla="*/ 250563 h 369943"/>
+              <a:gd name="connsiteX6" fmla="*/ 0 w 1727200"/>
+              <a:gd name="connsiteY6" fmla="*/ 250563 h 369943"/>
+              <a:gd name="connsiteX7" fmla="*/ 0 w 1727200"/>
+              <a:gd name="connsiteY7" fmla="*/ 11803 h 369943"/>
+              <a:gd name="connsiteX0" fmla="*/ 0 w 1727200"/>
+              <a:gd name="connsiteY0" fmla="*/ 0 h 358140"/>
+              <a:gd name="connsiteX1" fmla="*/ 1488440 w 1727200"/>
+              <a:gd name="connsiteY1" fmla="*/ 0 h 358140"/>
+              <a:gd name="connsiteX2" fmla="*/ 1497538 w 1727200"/>
+              <a:gd name="connsiteY2" fmla="*/ 6394 h 358140"/>
+              <a:gd name="connsiteX3" fmla="*/ 1727200 w 1727200"/>
+              <a:gd name="connsiteY3" fmla="*/ 119380 h 358140"/>
+              <a:gd name="connsiteX4" fmla="*/ 1488440 w 1727200"/>
+              <a:gd name="connsiteY4" fmla="*/ 358140 h 358140"/>
+              <a:gd name="connsiteX5" fmla="*/ 1488440 w 1727200"/>
+              <a:gd name="connsiteY5" fmla="*/ 238760 h 358140"/>
+              <a:gd name="connsiteX6" fmla="*/ 0 w 1727200"/>
+              <a:gd name="connsiteY6" fmla="*/ 238760 h 358140"/>
+              <a:gd name="connsiteX7" fmla="*/ 0 w 1727200"/>
+              <a:gd name="connsiteY7" fmla="*/ 0 h 358140"/>
+              <a:gd name="connsiteX0" fmla="*/ 0 w 1727200"/>
+              <a:gd name="connsiteY0" fmla="*/ 0 h 239859"/>
+              <a:gd name="connsiteX1" fmla="*/ 1488440 w 1727200"/>
+              <a:gd name="connsiteY1" fmla="*/ 0 h 239859"/>
+              <a:gd name="connsiteX2" fmla="*/ 1497538 w 1727200"/>
+              <a:gd name="connsiteY2" fmla="*/ 6394 h 239859"/>
+              <a:gd name="connsiteX3" fmla="*/ 1727200 w 1727200"/>
+              <a:gd name="connsiteY3" fmla="*/ 119380 h 239859"/>
+              <a:gd name="connsiteX4" fmla="*/ 1492989 w 1727200"/>
+              <a:gd name="connsiteY4" fmla="*/ 239859 h 239859"/>
+              <a:gd name="connsiteX5" fmla="*/ 1488440 w 1727200"/>
+              <a:gd name="connsiteY5" fmla="*/ 238760 h 239859"/>
+              <a:gd name="connsiteX6" fmla="*/ 0 w 1727200"/>
+              <a:gd name="connsiteY6" fmla="*/ 238760 h 239859"/>
+              <a:gd name="connsiteX7" fmla="*/ 0 w 1727200"/>
+              <a:gd name="connsiteY7" fmla="*/ 0 h 239859"/>
+            </a:gdLst>
+            <a:ahLst/>
+            <a:cxnLst>
+              <a:cxn ang="0">
+                <a:pos x="connsiteX0" y="connsiteY0"/>
+              </a:cxn>
+              <a:cxn ang="0">
+                <a:pos x="connsiteX1" y="connsiteY1"/>
+              </a:cxn>
+              <a:cxn ang="0">
+                <a:pos x="connsiteX2" y="connsiteY2"/>
+              </a:cxn>
+              <a:cxn ang="0">
+                <a:pos x="connsiteX3" y="connsiteY3"/>
+              </a:cxn>
+              <a:cxn ang="0">
+                <a:pos x="connsiteX4" y="connsiteY4"/>
+              </a:cxn>
+              <a:cxn ang="0">
+                <a:pos x="connsiteX5" y="connsiteY5"/>
+              </a:cxn>
+              <a:cxn ang="0">
+                <a:pos x="connsiteX6" y="connsiteY6"/>
+              </a:cxn>
+              <a:cxn ang="0">
+                <a:pos x="connsiteX7" y="connsiteY7"/>
+              </a:cxn>
+            </a:cxnLst>
+            <a:rect l="l" t="t" r="r" b="b"/>
+            <a:pathLst>
+              <a:path w="1727200" h="239859">
+                <a:moveTo>
+                  <a:pt x="0" y="0"/>
+                </a:moveTo>
+                <a:lnTo>
+                  <a:pt x="1488440" y="0"/>
+                </a:lnTo>
+                <a:lnTo>
+                  <a:pt x="1497538" y="6394"/>
+                </a:lnTo>
+                <a:lnTo>
+                  <a:pt x="1727200" y="119380"/>
+                </a:lnTo>
+                <a:lnTo>
+                  <a:pt x="1492989" y="239859"/>
+                </a:lnTo>
+                <a:lnTo>
+                  <a:pt x="1488440" y="238760"/>
+                </a:lnTo>
+                <a:lnTo>
+                  <a:pt x="0" y="238760"/>
+                </a:lnTo>
+                <a:lnTo>
+                  <a:pt x="0" y="0"/>
+                </a:lnTo>
+                <a:close/>
+              </a:path>
+            </a:pathLst>
+          </a:custGeom>
+          <a:solidFill>
+            <a:sysClr val="windowText" lastClr="000000"/>
+          </a:solidFill>
+          <a:ln w="25400" cap="flat" cmpd="sng" algn="ctr">
+            <a:solidFill>
+              <a:srgbClr val="FFC000">
+                <a:lumMod val="60000"/>
+                <a:lumOff val="40000"/>
+              </a:srgbClr>
+            </a:solidFill>
+            <a:prstDash val="solid"/>
+            <a:miter lim="800000"/>
+          </a:ln>
+          <a:effectLst>
+            <a:outerShdw blurRad="50800" dist="63500" dir="2700000" algn="tl" rotWithShape="0">
+              <a:sysClr val="window" lastClr="FFFFFF">
+                <a:alpha val="40000"/>
+              </a:sysClr>
+            </a:outerShdw>
+          </a:effectLst>
+        </p:spPr>
+        <p:txBody>
+          <a:bodyPr wrap="none" lIns="90000" tIns="0" rIns="180000" bIns="0" rtlCol="0" anchor="ctr">
+            <a:spAutoFit/>
+          </a:bodyPr>
+          <a:lstStyle/>
+          <a:p>
+            <a:pPr marL="0" marR="0" lvl="0" indent="0" defTabSz="914369" eaLnBrk="1" fontAlgn="auto" latinLnBrk="0" hangingPunct="1">
+              <a:lnSpc>
+                <a:spcPct val="100000"/>
+              </a:lnSpc>
+              <a:spcBef>
+                <a:spcPts val="0"/>
+              </a:spcBef>
+              <a:spcAft>
+                <a:spcPts val="0"/>
+              </a:spcAft>
+              <a:buClrTx/>
+              <a:buSzTx/>
+              <a:buFontTx/>
+              <a:buNone/>
+              <a:tabLst/>
+              <a:defRPr/>
+            </a:pPr>
+            <a:r>
+              <a:rPr kumimoji="0" lang="en-US" sz="1800" b="0" i="0" u="none" strike="noStrike" kern="0" cap="none" spc="0" normalizeH="0" baseline="0" noProof="0" dirty="0">
+                <a:ln>
+                  <a:noFill/>
+                </a:ln>
+                <a:solidFill>
+                  <a:prstClr val="white"/>
+                </a:solidFill>
+                <a:effectLst/>
+                <a:uLnTx/>
+                <a:uFillTx/>
+                <a:latin typeface="Calibri Light" panose="020F0302020204030204"/>
+              </a:rPr>
+              <a:t>tutorial</a:t>
+            </a:r>
+          </a:p>
+        </p:txBody>
+      </p:sp>
+      <p:grpSp>
+        <p:nvGrpSpPr>
+          <p:cNvPr id="20" name="Group 19">
+            <a:extLst>
+              <a:ext uri="{FF2B5EF4-FFF2-40B4-BE49-F238E27FC236}">
+                <a16:creationId xmlns:a16="http://schemas.microsoft.com/office/drawing/2014/main" id="{07351F8C-0F34-4194-9655-95B910F4C48C}"/>
+              </a:ext>
+            </a:extLst>
+          </p:cNvPr>
+          <p:cNvGrpSpPr/>
+          <p:nvPr/>
+        </p:nvGrpSpPr>
+        <p:grpSpPr>
+          <a:xfrm>
+            <a:off x="1268850" y="755440"/>
+            <a:ext cx="2013498" cy="246221"/>
+            <a:chOff x="5881666" y="1565584"/>
+            <a:chExt cx="2013498" cy="246221"/>
+          </a:xfrm>
+        </p:grpSpPr>
+        <p:sp>
+          <p:nvSpPr>
+            <p:cNvPr id="21" name="Retângulo 5">
+              <a:extLst>
+                <a:ext uri="{FF2B5EF4-FFF2-40B4-BE49-F238E27FC236}">
+                  <a16:creationId xmlns:a16="http://schemas.microsoft.com/office/drawing/2014/main" id="{FE7F49B6-764A-4DDD-A35A-961C2F3E835F}"/>
+                </a:ext>
+              </a:extLst>
+            </p:cNvPr>
+            <p:cNvSpPr/>
+            <p:nvPr/>
+          </p:nvSpPr>
+          <p:spPr>
+            <a:xfrm>
+              <a:off x="6016123" y="1565584"/>
+              <a:ext cx="1879041" cy="246221"/>
+            </a:xfrm>
+            <a:prstGeom prst="rect">
+              <a:avLst/>
+            </a:prstGeom>
+          </p:spPr>
+          <p:txBody>
+            <a:bodyPr wrap="none">
+              <a:spAutoFit/>
+            </a:bodyPr>
+            <a:lstStyle/>
+            <a:p>
+              <a:pPr marL="0" marR="0" lvl="0" indent="0" defTabSz="914369" eaLnBrk="1" fontAlgn="auto" latinLnBrk="0" hangingPunct="1">
+                <a:lnSpc>
+                  <a:spcPct val="100000"/>
+                </a:lnSpc>
+                <a:spcBef>
+                  <a:spcPts val="0"/>
+                </a:spcBef>
+                <a:spcAft>
+                  <a:spcPts val="0"/>
+                </a:spcAft>
+                <a:buClrTx/>
+                <a:buSzTx/>
+                <a:buFontTx/>
+                <a:buNone/>
+                <a:tabLst/>
+                <a:defRPr/>
+              </a:pPr>
+              <a:r>
+                <a:rPr kumimoji="0" lang="en-US" sz="1000" b="0" i="0" u="none" strike="noStrike" kern="0" cap="none" spc="0" normalizeH="0" baseline="0" noProof="0" dirty="0">
+                  <a:ln>
+                    <a:noFill/>
+                  </a:ln>
+                  <a:solidFill>
+                    <a:prstClr val="black"/>
+                  </a:solidFill>
+                  <a:effectLst/>
+                  <a:uLnTx/>
+                  <a:uFillTx/>
+                  <a:hlinkClick r:id="rId2"/>
+                </a:rPr>
+                <a:t>configure-and-run-the-debugger</a:t>
+              </a:r>
+              <a:endParaRPr kumimoji="0" lang="en-US" sz="1000" b="0" i="0" u="none" strike="noStrike" kern="0" cap="none" spc="0" normalizeH="0" baseline="0" noProof="0" dirty="0">
+                <a:ln>
+                  <a:noFill/>
+                </a:ln>
+                <a:solidFill>
+                  <a:prstClr val="black"/>
+                </a:solidFill>
+                <a:effectLst/>
+                <a:uLnTx/>
+                <a:uFillTx/>
+              </a:endParaRPr>
+            </a:p>
+          </p:txBody>
+        </p:sp>
+        <p:pic>
+          <p:nvPicPr>
+            <p:cNvPr id="22" name="Picture 21" descr="Icon&#10;&#10;Description automatically generated">
+              <a:extLst>
+                <a:ext uri="{FF2B5EF4-FFF2-40B4-BE49-F238E27FC236}">
+                  <a16:creationId xmlns:a16="http://schemas.microsoft.com/office/drawing/2014/main" id="{2EBB7043-481F-4617-975D-BB7B05A3A823}"/>
+                </a:ext>
+              </a:extLst>
+            </p:cNvPr>
+            <p:cNvPicPr>
+              <a:picLocks noChangeAspect="1"/>
+            </p:cNvPicPr>
+            <p:nvPr/>
+          </p:nvPicPr>
+          <p:blipFill>
+            <a:blip r:embed="rId3" cstate="print">
+              <a:extLst>
+                <a:ext uri="{28A0092B-C50C-407E-A947-70E740481C1C}">
+                  <a14:useLocalDpi xmlns:a14="http://schemas.microsoft.com/office/drawing/2010/main" val="0"/>
+                </a:ext>
+              </a:extLst>
+            </a:blip>
+            <a:stretch>
+              <a:fillRect/>
+            </a:stretch>
+          </p:blipFill>
+          <p:spPr>
+            <a:xfrm>
+              <a:off x="5881666" y="1590687"/>
+              <a:ext cx="180000" cy="180000"/>
+            </a:xfrm>
+            <a:prstGeom prst="rect">
+              <a:avLst/>
+            </a:prstGeom>
+          </p:spPr>
+        </p:pic>
+      </p:grpSp>
+      <p:sp>
+        <p:nvSpPr>
+          <p:cNvPr id="13" name="Explosion: 14 Points 12">
+            <a:extLst>
+              <a:ext uri="{FF2B5EF4-FFF2-40B4-BE49-F238E27FC236}">
+                <a16:creationId xmlns:a16="http://schemas.microsoft.com/office/drawing/2014/main" id="{6CC0FE5C-38C4-4DE9-8F55-E7F8D692305A}"/>
+              </a:ext>
+            </a:extLst>
+          </p:cNvPr>
+          <p:cNvSpPr/>
+          <p:nvPr/>
+        </p:nvSpPr>
+        <p:spPr>
+          <a:xfrm>
+            <a:off x="1549329" y="1451380"/>
+            <a:ext cx="2367876" cy="622578"/>
+          </a:xfrm>
+          <a:prstGeom prst="irregularSeal2">
+            <a:avLst/>
+          </a:prstGeom>
+          <a:solidFill>
+            <a:sysClr val="windowText" lastClr="000000"/>
+          </a:solidFill>
+          <a:ln w="12700" cap="flat" cmpd="sng" algn="ctr">
+            <a:solidFill>
+              <a:srgbClr val="FF0000"/>
+            </a:solidFill>
+            <a:prstDash val="solid"/>
+            <a:miter lim="800000"/>
+          </a:ln>
+          <a:effectLst>
+            <a:outerShdw blurRad="50800" dist="63500" dir="2700000" algn="tl" rotWithShape="0">
+              <a:sysClr val="window" lastClr="FFFFFF">
+                <a:alpha val="40000"/>
+              </a:sysClr>
+            </a:outerShdw>
+          </a:effectLst>
+        </p:spPr>
+        <p:txBody>
+          <a:bodyPr wrap="none" lIns="0" tIns="0" rIns="0" bIns="0" rtlCol="0" anchor="ctr">
+            <a:spAutoFit/>
+          </a:bodyPr>
+          <a:lstStyle/>
+          <a:p>
+            <a:pPr marL="0" marR="0" lvl="0" indent="0" algn="ctr" defTabSz="914369" eaLnBrk="1" fontAlgn="auto" latinLnBrk="0" hangingPunct="1">
+              <a:lnSpc>
+                <a:spcPct val="100000"/>
+              </a:lnSpc>
+              <a:spcBef>
+                <a:spcPts val="0"/>
+              </a:spcBef>
+              <a:spcAft>
+                <a:spcPts val="0"/>
+              </a:spcAft>
+              <a:buClrTx/>
+              <a:buSzTx/>
+              <a:buFontTx/>
+              <a:buNone/>
+              <a:tabLst/>
+              <a:defRPr/>
+            </a:pPr>
+            <a:r>
+              <a:rPr kumimoji="0" lang="en-US" sz="1800" b="0" i="0" u="none" strike="noStrike" kern="0" cap="none" spc="0" normalizeH="0" baseline="0" noProof="0" dirty="0">
+                <a:ln>
+                  <a:noFill/>
+                </a:ln>
+                <a:solidFill>
+                  <a:srgbClr val="FF0000"/>
+                </a:solidFill>
+                <a:effectLst/>
+                <a:uLnTx/>
+                <a:uFillTx/>
+                <a:latin typeface="Calibri" panose="020F0502020204030204"/>
+                <a:ea typeface="+mn-ea"/>
+                <a:cs typeface="+mn-cs"/>
+              </a:rPr>
+              <a:t>to be done</a:t>
+            </a:r>
+          </a:p>
+        </p:txBody>
+      </p:sp>
+    </p:spTree>
+    <p:extLst>
+      <p:ext uri="{BB962C8B-B14F-4D97-AF65-F5344CB8AC3E}">
+        <p14:creationId xmlns:p14="http://schemas.microsoft.com/office/powerpoint/2010/main" val="3119554583"/>
+      </p:ext>
+    </p:extLst>
+  </p:cSld>
+  <p:clrMapOvr>
+    <a:masterClrMapping/>
+  </p:clrMapOvr>
+</p:sld>
+</file>
+
+<file path=ppt/slides/slide12.xml><?xml version="1.0" encoding="utf-8"?>
+<p:sld xmlns:a="http://schemas.openxmlformats.org/drawingml/2006/main" xmlns:r="http://schemas.openxmlformats.org/officeDocument/2006/relationships" xmlns:p="http://schemas.openxmlformats.org/presentationml/2006/main">
+  <p:cSld>
+    <p:bg>
+      <p:bgPr>
+        <a:solidFill>
+          <a:schemeClr val="tx1"/>
+        </a:solidFill>
+        <a:effectLst/>
+      </p:bgPr>
+    </p:bg>
+    <p:spTree>
+      <p:nvGrpSpPr>
+        <p:cNvPr id="1" name=""/>
+        <p:cNvGrpSpPr/>
+        <p:nvPr/>
+      </p:nvGrpSpPr>
+      <p:grpSpPr>
+        <a:xfrm>
+          <a:off x="0" y="0"/>
+          <a:ext cx="0" cy="0"/>
+          <a:chOff x="0" y="0"/>
+          <a:chExt cx="0" cy="0"/>
+        </a:xfrm>
+      </p:grpSpPr>
       <p:sp>
         <p:nvSpPr>
           <p:cNvPr id="2" name="Title 1">
@@ -7505,7 +9107,7 @@
 </p:sld>
 </file>
 
-<file path=ppt/slides/slide11.xml><?xml version="1.0" encoding="utf-8"?>
+<file path=ppt/slides/slide13.xml><?xml version="1.0" encoding="utf-8"?>
 <p:sld xmlns:a="http://schemas.openxmlformats.org/drawingml/2006/main" xmlns:r="http://schemas.openxmlformats.org/officeDocument/2006/relationships" xmlns:p="http://schemas.openxmlformats.org/presentationml/2006/main">
   <p:cSld>
     <p:bg>
@@ -8547,7 +10149,7 @@
 </p:sld>
 </file>
 
-<file path=ppt/slides/slide12.xml><?xml version="1.0" encoding="utf-8"?>
+<file path=ppt/slides/slide14.xml><?xml version="1.0" encoding="utf-8"?>
 <p:sld xmlns:a="http://schemas.openxmlformats.org/drawingml/2006/main" xmlns:r="http://schemas.openxmlformats.org/officeDocument/2006/relationships" xmlns:p="http://schemas.openxmlformats.org/presentationml/2006/main">
   <p:cSld>
     <p:bg>
@@ -9836,7 +11438,7 @@
 </p:sld>
 </file>
 
-<file path=ppt/slides/slide13.xml><?xml version="1.0" encoding="utf-8"?>
+<file path=ppt/slides/slide15.xml><?xml version="1.0" encoding="utf-8"?>
 <p:sld xmlns:a="http://schemas.openxmlformats.org/drawingml/2006/main" xmlns:r="http://schemas.openxmlformats.org/officeDocument/2006/relationships" xmlns:p="http://schemas.openxmlformats.org/presentationml/2006/main">
   <p:cSld>
     <p:bg>
@@ -17265,10 +18867,4898 @@
       </p:grpSpPr>
       <p:sp>
         <p:nvSpPr>
+          <p:cNvPr id="14" name="Rectangle: Rounded Corners 13">
+            <a:extLst>
+              <a:ext uri="{FF2B5EF4-FFF2-40B4-BE49-F238E27FC236}">
+                <a16:creationId xmlns:a16="http://schemas.microsoft.com/office/drawing/2014/main" id="{48768118-27C2-73EA-91E1-23B9B25297DA}"/>
+              </a:ext>
+            </a:extLst>
+          </p:cNvPr>
+          <p:cNvSpPr/>
+          <p:nvPr/>
+        </p:nvSpPr>
+        <p:spPr>
+          <a:xfrm>
+            <a:off x="933791" y="242946"/>
+            <a:ext cx="251307" cy="3081938"/>
+          </a:xfrm>
+          <a:prstGeom prst="roundRect">
+            <a:avLst/>
+          </a:prstGeom>
+          <a:solidFill>
+            <a:sysClr val="windowText" lastClr="000000"/>
+          </a:solidFill>
+          <a:ln w="25400" cap="flat" cmpd="sng" algn="ctr">
+            <a:solidFill>
+              <a:srgbClr val="70AD47">
+                <a:lumMod val="75000"/>
+              </a:srgbClr>
+            </a:solidFill>
+            <a:prstDash val="solid"/>
+            <a:miter lim="800000"/>
+          </a:ln>
+          <a:effectLst>
+            <a:outerShdw blurRad="50800" dist="63500" dir="2700000" algn="tl" rotWithShape="0">
+              <a:sysClr val="window" lastClr="FFFFFF">
+                <a:alpha val="40000"/>
+              </a:sysClr>
+            </a:outerShdw>
+          </a:effectLst>
+        </p:spPr>
+        <p:txBody>
+          <a:bodyPr rtlCol="0" anchor="ctr"/>
+          <a:lstStyle/>
+          <a:p>
+            <a:pPr marL="0" marR="0" lvl="0" indent="0" algn="ctr" defTabSz="914369" eaLnBrk="1" fontAlgn="auto" latinLnBrk="0" hangingPunct="1">
+              <a:lnSpc>
+                <a:spcPct val="100000"/>
+              </a:lnSpc>
+              <a:spcBef>
+                <a:spcPts val="0"/>
+              </a:spcBef>
+              <a:spcAft>
+                <a:spcPts val="0"/>
+              </a:spcAft>
+              <a:buClrTx/>
+              <a:buSzTx/>
+              <a:buFontTx/>
+              <a:buNone/>
+              <a:tabLst/>
+              <a:defRPr/>
+            </a:pPr>
+            <a:endParaRPr kumimoji="0" lang="pt-PT" sz="1800" b="0" i="0" u="none" strike="noStrike" kern="0" cap="none" spc="0" normalizeH="0" baseline="0" noProof="0">
+              <a:ln>
+                <a:noFill/>
+              </a:ln>
+              <a:solidFill>
+                <a:prstClr val="black"/>
+              </a:solidFill>
+              <a:effectLst/>
+              <a:uLnTx/>
+              <a:uFillTx/>
+              <a:latin typeface="Calibri" panose="020F0502020204030204"/>
+              <a:ea typeface="+mn-ea"/>
+              <a:cs typeface="+mn-cs"/>
+            </a:endParaRPr>
+          </a:p>
+        </p:txBody>
+      </p:sp>
+      <p:sp>
+        <p:nvSpPr>
           <p:cNvPr id="2" name="Title 1">
             <a:extLst>
               <a:ext uri="{FF2B5EF4-FFF2-40B4-BE49-F238E27FC236}">
                 <a16:creationId xmlns:a16="http://schemas.microsoft.com/office/drawing/2014/main" id="{54C7F764-8D4D-421D-979F-2C7A67DE064B}"/>
+              </a:ext>
+            </a:extLst>
+          </p:cNvPr>
+          <p:cNvSpPr>
+            <a:spLocks noGrp="1"/>
+          </p:cNvSpPr>
+          <p:nvPr>
+            <p:ph type="ctrTitle"/>
+          </p:nvPr>
+        </p:nvSpPr>
+        <p:spPr>
+          <a:xfrm>
+            <a:off x="0" y="-337750"/>
+            <a:ext cx="1155060" cy="258532"/>
+          </a:xfrm>
+          <a:noFill/>
+          <a:ln w="25400">
+            <a:noFill/>
+          </a:ln>
+        </p:spPr>
+        <p:txBody>
+          <a:bodyPr vert="horz" wrap="none" lIns="91440" tIns="45720" rIns="91440" bIns="45720" rtlCol="0" anchor="t">
+            <a:spAutoFit/>
+          </a:bodyPr>
+          <a:lstStyle/>
+          <a:p>
+            <a:pPr algn="l"/>
+            <a:r>
+              <a:rPr lang="en-US" sz="1200" dirty="0">
+                <a:solidFill>
+                  <a:schemeClr val="bg2">
+                    <a:lumMod val="25000"/>
+                  </a:schemeClr>
+                </a:solidFill>
+                <a:sym typeface="Wingdings" panose="05000000000000000000" pitchFamily="2" charset="2"/>
+              </a:rPr>
+              <a:t>4. management</a:t>
+            </a:r>
+            <a:endParaRPr lang="en-US" sz="1200" dirty="0">
+              <a:solidFill>
+                <a:schemeClr val="bg2">
+                  <a:lumMod val="25000"/>
+                </a:schemeClr>
+              </a:solidFill>
+            </a:endParaRPr>
+          </a:p>
+        </p:txBody>
+      </p:sp>
+      <p:sp>
+        <p:nvSpPr>
+          <p:cNvPr id="5" name="Rectangle 4">
+            <a:extLst>
+              <a:ext uri="{FF2B5EF4-FFF2-40B4-BE49-F238E27FC236}">
+                <a16:creationId xmlns:a16="http://schemas.microsoft.com/office/drawing/2014/main" id="{D45E34D6-120F-44F6-96A2-17230046C2F4}"/>
+              </a:ext>
+            </a:extLst>
+          </p:cNvPr>
+          <p:cNvSpPr/>
+          <p:nvPr/>
+        </p:nvSpPr>
+        <p:spPr>
+          <a:xfrm>
+            <a:off x="180000" y="84884"/>
+            <a:ext cx="207692" cy="6480000"/>
+          </a:xfrm>
+          <a:prstGeom prst="rect">
+            <a:avLst/>
+          </a:prstGeom>
+          <a:solidFill>
+            <a:schemeClr val="tx1"/>
+          </a:solidFill>
+          <a:ln w="25400"/>
+          <a:effectLst>
+            <a:outerShdw blurRad="50800" dist="63500" dir="2700000" algn="tl" rotWithShape="0">
+              <a:schemeClr val="bg1">
+                <a:alpha val="40000"/>
+              </a:schemeClr>
+            </a:outerShdw>
+          </a:effectLst>
+        </p:spPr>
+        <p:style>
+          <a:lnRef idx="2">
+            <a:schemeClr val="accent1">
+              <a:shade val="50000"/>
+            </a:schemeClr>
+          </a:lnRef>
+          <a:fillRef idx="1">
+            <a:schemeClr val="accent1"/>
+          </a:fillRef>
+          <a:effectRef idx="0">
+            <a:schemeClr val="accent1"/>
+          </a:effectRef>
+          <a:fontRef idx="minor">
+            <a:schemeClr val="lt1"/>
+          </a:fontRef>
+        </p:style>
+        <p:txBody>
+          <a:bodyPr rtlCol="0" anchor="ctr"/>
+          <a:lstStyle/>
+          <a:p>
+            <a:pPr marL="0" marR="0" lvl="0" indent="0" algn="ctr" defTabSz="914400" rtl="0" eaLnBrk="1" fontAlgn="auto" latinLnBrk="0" hangingPunct="1">
+              <a:lnSpc>
+                <a:spcPct val="100000"/>
+              </a:lnSpc>
+              <a:spcBef>
+                <a:spcPts val="0"/>
+              </a:spcBef>
+              <a:spcAft>
+                <a:spcPts val="0"/>
+              </a:spcAft>
+              <a:buClrTx/>
+              <a:buSzTx/>
+              <a:buFontTx/>
+              <a:buNone/>
+              <a:tabLst/>
+              <a:defRPr/>
+            </a:pPr>
+            <a:endParaRPr kumimoji="0" lang="pt-PT" sz="1800" b="0" i="0" u="none" strike="noStrike" kern="1200" cap="none" spc="0" normalizeH="0" baseline="0" noProof="0">
+              <a:ln>
+                <a:noFill/>
+              </a:ln>
+              <a:solidFill>
+                <a:prstClr val="white"/>
+              </a:solidFill>
+              <a:effectLst/>
+              <a:uLnTx/>
+              <a:uFillTx/>
+              <a:latin typeface="Calibri" panose="020F0502020204030204"/>
+              <a:ea typeface="+mn-ea"/>
+              <a:cs typeface="+mn-cs"/>
+            </a:endParaRPr>
+          </a:p>
+        </p:txBody>
+      </p:sp>
+      <p:sp>
+        <p:nvSpPr>
+          <p:cNvPr id="43" name="Arrow: Right 5">
+            <a:extLst>
+              <a:ext uri="{FF2B5EF4-FFF2-40B4-BE49-F238E27FC236}">
+                <a16:creationId xmlns:a16="http://schemas.microsoft.com/office/drawing/2014/main" id="{04EC1788-8504-471B-B749-409706E978E9}"/>
+              </a:ext>
+            </a:extLst>
+          </p:cNvPr>
+          <p:cNvSpPr/>
+          <p:nvPr/>
+        </p:nvSpPr>
+        <p:spPr>
+          <a:xfrm>
+            <a:off x="283846" y="293116"/>
+            <a:ext cx="739111" cy="276999"/>
+          </a:xfrm>
+          <a:custGeom>
+            <a:avLst/>
+            <a:gdLst>
+              <a:gd name="connsiteX0" fmla="*/ 0 w 1727200"/>
+              <a:gd name="connsiteY0" fmla="*/ 119380 h 477520"/>
+              <a:gd name="connsiteX1" fmla="*/ 1488440 w 1727200"/>
+              <a:gd name="connsiteY1" fmla="*/ 119380 h 477520"/>
+              <a:gd name="connsiteX2" fmla="*/ 1488440 w 1727200"/>
+              <a:gd name="connsiteY2" fmla="*/ 0 h 477520"/>
+              <a:gd name="connsiteX3" fmla="*/ 1727200 w 1727200"/>
+              <a:gd name="connsiteY3" fmla="*/ 238760 h 477520"/>
+              <a:gd name="connsiteX4" fmla="*/ 1488440 w 1727200"/>
+              <a:gd name="connsiteY4" fmla="*/ 477520 h 477520"/>
+              <a:gd name="connsiteX5" fmla="*/ 1488440 w 1727200"/>
+              <a:gd name="connsiteY5" fmla="*/ 358140 h 477520"/>
+              <a:gd name="connsiteX6" fmla="*/ 0 w 1727200"/>
+              <a:gd name="connsiteY6" fmla="*/ 358140 h 477520"/>
+              <a:gd name="connsiteX7" fmla="*/ 0 w 1727200"/>
+              <a:gd name="connsiteY7" fmla="*/ 119380 h 477520"/>
+              <a:gd name="connsiteX0" fmla="*/ 0 w 1727200"/>
+              <a:gd name="connsiteY0" fmla="*/ 11803 h 369943"/>
+              <a:gd name="connsiteX1" fmla="*/ 1488440 w 1727200"/>
+              <a:gd name="connsiteY1" fmla="*/ 11803 h 369943"/>
+              <a:gd name="connsiteX2" fmla="*/ 1488440 w 1727200"/>
+              <a:gd name="connsiteY2" fmla="*/ 0 h 369943"/>
+              <a:gd name="connsiteX3" fmla="*/ 1727200 w 1727200"/>
+              <a:gd name="connsiteY3" fmla="*/ 131183 h 369943"/>
+              <a:gd name="connsiteX4" fmla="*/ 1488440 w 1727200"/>
+              <a:gd name="connsiteY4" fmla="*/ 369943 h 369943"/>
+              <a:gd name="connsiteX5" fmla="*/ 1488440 w 1727200"/>
+              <a:gd name="connsiteY5" fmla="*/ 250563 h 369943"/>
+              <a:gd name="connsiteX6" fmla="*/ 0 w 1727200"/>
+              <a:gd name="connsiteY6" fmla="*/ 250563 h 369943"/>
+              <a:gd name="connsiteX7" fmla="*/ 0 w 1727200"/>
+              <a:gd name="connsiteY7" fmla="*/ 11803 h 369943"/>
+              <a:gd name="connsiteX0" fmla="*/ 0 w 1727200"/>
+              <a:gd name="connsiteY0" fmla="*/ 0 h 358140"/>
+              <a:gd name="connsiteX1" fmla="*/ 1488440 w 1727200"/>
+              <a:gd name="connsiteY1" fmla="*/ 0 h 358140"/>
+              <a:gd name="connsiteX2" fmla="*/ 1497538 w 1727200"/>
+              <a:gd name="connsiteY2" fmla="*/ 6394 h 358140"/>
+              <a:gd name="connsiteX3" fmla="*/ 1727200 w 1727200"/>
+              <a:gd name="connsiteY3" fmla="*/ 119380 h 358140"/>
+              <a:gd name="connsiteX4" fmla="*/ 1488440 w 1727200"/>
+              <a:gd name="connsiteY4" fmla="*/ 358140 h 358140"/>
+              <a:gd name="connsiteX5" fmla="*/ 1488440 w 1727200"/>
+              <a:gd name="connsiteY5" fmla="*/ 238760 h 358140"/>
+              <a:gd name="connsiteX6" fmla="*/ 0 w 1727200"/>
+              <a:gd name="connsiteY6" fmla="*/ 238760 h 358140"/>
+              <a:gd name="connsiteX7" fmla="*/ 0 w 1727200"/>
+              <a:gd name="connsiteY7" fmla="*/ 0 h 358140"/>
+              <a:gd name="connsiteX0" fmla="*/ 0 w 1727200"/>
+              <a:gd name="connsiteY0" fmla="*/ 0 h 239859"/>
+              <a:gd name="connsiteX1" fmla="*/ 1488440 w 1727200"/>
+              <a:gd name="connsiteY1" fmla="*/ 0 h 239859"/>
+              <a:gd name="connsiteX2" fmla="*/ 1497538 w 1727200"/>
+              <a:gd name="connsiteY2" fmla="*/ 6394 h 239859"/>
+              <a:gd name="connsiteX3" fmla="*/ 1727200 w 1727200"/>
+              <a:gd name="connsiteY3" fmla="*/ 119380 h 239859"/>
+              <a:gd name="connsiteX4" fmla="*/ 1492989 w 1727200"/>
+              <a:gd name="connsiteY4" fmla="*/ 239859 h 239859"/>
+              <a:gd name="connsiteX5" fmla="*/ 1488440 w 1727200"/>
+              <a:gd name="connsiteY5" fmla="*/ 238760 h 239859"/>
+              <a:gd name="connsiteX6" fmla="*/ 0 w 1727200"/>
+              <a:gd name="connsiteY6" fmla="*/ 238760 h 239859"/>
+              <a:gd name="connsiteX7" fmla="*/ 0 w 1727200"/>
+              <a:gd name="connsiteY7" fmla="*/ 0 h 239859"/>
+            </a:gdLst>
+            <a:ahLst/>
+            <a:cxnLst>
+              <a:cxn ang="0">
+                <a:pos x="connsiteX0" y="connsiteY0"/>
+              </a:cxn>
+              <a:cxn ang="0">
+                <a:pos x="connsiteX1" y="connsiteY1"/>
+              </a:cxn>
+              <a:cxn ang="0">
+                <a:pos x="connsiteX2" y="connsiteY2"/>
+              </a:cxn>
+              <a:cxn ang="0">
+                <a:pos x="connsiteX3" y="connsiteY3"/>
+              </a:cxn>
+              <a:cxn ang="0">
+                <a:pos x="connsiteX4" y="connsiteY4"/>
+              </a:cxn>
+              <a:cxn ang="0">
+                <a:pos x="connsiteX5" y="connsiteY5"/>
+              </a:cxn>
+              <a:cxn ang="0">
+                <a:pos x="connsiteX6" y="connsiteY6"/>
+              </a:cxn>
+              <a:cxn ang="0">
+                <a:pos x="connsiteX7" y="connsiteY7"/>
+              </a:cxn>
+            </a:cxnLst>
+            <a:rect l="l" t="t" r="r" b="b"/>
+            <a:pathLst>
+              <a:path w="1727200" h="239859">
+                <a:moveTo>
+                  <a:pt x="0" y="0"/>
+                </a:moveTo>
+                <a:lnTo>
+                  <a:pt x="1488440" y="0"/>
+                </a:lnTo>
+                <a:lnTo>
+                  <a:pt x="1497538" y="6394"/>
+                </a:lnTo>
+                <a:lnTo>
+                  <a:pt x="1727200" y="119380"/>
+                </a:lnTo>
+                <a:lnTo>
+                  <a:pt x="1492989" y="239859"/>
+                </a:lnTo>
+                <a:lnTo>
+                  <a:pt x="1488440" y="238760"/>
+                </a:lnTo>
+                <a:lnTo>
+                  <a:pt x="0" y="238760"/>
+                </a:lnTo>
+                <a:lnTo>
+                  <a:pt x="0" y="0"/>
+                </a:lnTo>
+                <a:close/>
+              </a:path>
+            </a:pathLst>
+          </a:custGeom>
+          <a:solidFill>
+            <a:sysClr val="windowText" lastClr="000000"/>
+          </a:solidFill>
+          <a:ln w="25400" cap="flat" cmpd="sng" algn="ctr">
+            <a:solidFill>
+              <a:srgbClr val="FFC000">
+                <a:lumMod val="60000"/>
+                <a:lumOff val="40000"/>
+              </a:srgbClr>
+            </a:solidFill>
+            <a:prstDash val="solid"/>
+            <a:miter lim="800000"/>
+          </a:ln>
+          <a:effectLst>
+            <a:outerShdw blurRad="50800" dist="63500" dir="2700000" algn="tl" rotWithShape="0">
+              <a:sysClr val="window" lastClr="FFFFFF">
+                <a:alpha val="40000"/>
+              </a:sysClr>
+            </a:outerShdw>
+          </a:effectLst>
+        </p:spPr>
+        <p:txBody>
+          <a:bodyPr wrap="none" lIns="90000" tIns="0" rIns="180000" bIns="0" rtlCol="0" anchor="ctr">
+            <a:spAutoFit/>
+          </a:bodyPr>
+          <a:lstStyle/>
+          <a:p>
+            <a:pPr marL="0" marR="0" lvl="0" indent="0" defTabSz="914369" eaLnBrk="1" fontAlgn="auto" latinLnBrk="0" hangingPunct="1">
+              <a:lnSpc>
+                <a:spcPct val="100000"/>
+              </a:lnSpc>
+              <a:spcBef>
+                <a:spcPts val="0"/>
+              </a:spcBef>
+              <a:spcAft>
+                <a:spcPts val="0"/>
+              </a:spcAft>
+              <a:buClrTx/>
+              <a:buSzTx/>
+              <a:buFontTx/>
+              <a:buNone/>
+              <a:tabLst/>
+              <a:defRPr/>
+            </a:pPr>
+            <a:r>
+              <a:rPr kumimoji="0" lang="en-US" sz="1800" b="0" i="0" u="none" strike="noStrike" kern="0" cap="none" spc="0" normalizeH="0" baseline="0" noProof="0" dirty="0">
+                <a:ln>
+                  <a:noFill/>
+                </a:ln>
+                <a:solidFill>
+                  <a:prstClr val="white"/>
+                </a:solidFill>
+                <a:effectLst/>
+                <a:uLnTx/>
+                <a:uFillTx/>
+                <a:latin typeface="Calibri Light" panose="020F0302020204030204"/>
+              </a:rPr>
+              <a:t>what</a:t>
+            </a:r>
+          </a:p>
+        </p:txBody>
+      </p:sp>
+      <p:sp>
+        <p:nvSpPr>
+          <p:cNvPr id="3" name="Arrow: Right 5">
+            <a:extLst>
+              <a:ext uri="{FF2B5EF4-FFF2-40B4-BE49-F238E27FC236}">
+                <a16:creationId xmlns:a16="http://schemas.microsoft.com/office/drawing/2014/main" id="{9CFBA028-41F1-B2E9-BD91-F45F37DE32C9}"/>
+              </a:ext>
+            </a:extLst>
+          </p:cNvPr>
+          <p:cNvSpPr/>
+          <p:nvPr/>
+        </p:nvSpPr>
+        <p:spPr>
+          <a:xfrm>
+            <a:off x="1126803" y="316896"/>
+            <a:ext cx="1122228" cy="276999"/>
+          </a:xfrm>
+          <a:custGeom>
+            <a:avLst/>
+            <a:gdLst>
+              <a:gd name="connsiteX0" fmla="*/ 0 w 1727200"/>
+              <a:gd name="connsiteY0" fmla="*/ 119380 h 477520"/>
+              <a:gd name="connsiteX1" fmla="*/ 1488440 w 1727200"/>
+              <a:gd name="connsiteY1" fmla="*/ 119380 h 477520"/>
+              <a:gd name="connsiteX2" fmla="*/ 1488440 w 1727200"/>
+              <a:gd name="connsiteY2" fmla="*/ 0 h 477520"/>
+              <a:gd name="connsiteX3" fmla="*/ 1727200 w 1727200"/>
+              <a:gd name="connsiteY3" fmla="*/ 238760 h 477520"/>
+              <a:gd name="connsiteX4" fmla="*/ 1488440 w 1727200"/>
+              <a:gd name="connsiteY4" fmla="*/ 477520 h 477520"/>
+              <a:gd name="connsiteX5" fmla="*/ 1488440 w 1727200"/>
+              <a:gd name="connsiteY5" fmla="*/ 358140 h 477520"/>
+              <a:gd name="connsiteX6" fmla="*/ 0 w 1727200"/>
+              <a:gd name="connsiteY6" fmla="*/ 358140 h 477520"/>
+              <a:gd name="connsiteX7" fmla="*/ 0 w 1727200"/>
+              <a:gd name="connsiteY7" fmla="*/ 119380 h 477520"/>
+              <a:gd name="connsiteX0" fmla="*/ 0 w 1727200"/>
+              <a:gd name="connsiteY0" fmla="*/ 11803 h 369943"/>
+              <a:gd name="connsiteX1" fmla="*/ 1488440 w 1727200"/>
+              <a:gd name="connsiteY1" fmla="*/ 11803 h 369943"/>
+              <a:gd name="connsiteX2" fmla="*/ 1488440 w 1727200"/>
+              <a:gd name="connsiteY2" fmla="*/ 0 h 369943"/>
+              <a:gd name="connsiteX3" fmla="*/ 1727200 w 1727200"/>
+              <a:gd name="connsiteY3" fmla="*/ 131183 h 369943"/>
+              <a:gd name="connsiteX4" fmla="*/ 1488440 w 1727200"/>
+              <a:gd name="connsiteY4" fmla="*/ 369943 h 369943"/>
+              <a:gd name="connsiteX5" fmla="*/ 1488440 w 1727200"/>
+              <a:gd name="connsiteY5" fmla="*/ 250563 h 369943"/>
+              <a:gd name="connsiteX6" fmla="*/ 0 w 1727200"/>
+              <a:gd name="connsiteY6" fmla="*/ 250563 h 369943"/>
+              <a:gd name="connsiteX7" fmla="*/ 0 w 1727200"/>
+              <a:gd name="connsiteY7" fmla="*/ 11803 h 369943"/>
+              <a:gd name="connsiteX0" fmla="*/ 0 w 1727200"/>
+              <a:gd name="connsiteY0" fmla="*/ 0 h 358140"/>
+              <a:gd name="connsiteX1" fmla="*/ 1488440 w 1727200"/>
+              <a:gd name="connsiteY1" fmla="*/ 0 h 358140"/>
+              <a:gd name="connsiteX2" fmla="*/ 1497538 w 1727200"/>
+              <a:gd name="connsiteY2" fmla="*/ 6394 h 358140"/>
+              <a:gd name="connsiteX3" fmla="*/ 1727200 w 1727200"/>
+              <a:gd name="connsiteY3" fmla="*/ 119380 h 358140"/>
+              <a:gd name="connsiteX4" fmla="*/ 1488440 w 1727200"/>
+              <a:gd name="connsiteY4" fmla="*/ 358140 h 358140"/>
+              <a:gd name="connsiteX5" fmla="*/ 1488440 w 1727200"/>
+              <a:gd name="connsiteY5" fmla="*/ 238760 h 358140"/>
+              <a:gd name="connsiteX6" fmla="*/ 0 w 1727200"/>
+              <a:gd name="connsiteY6" fmla="*/ 238760 h 358140"/>
+              <a:gd name="connsiteX7" fmla="*/ 0 w 1727200"/>
+              <a:gd name="connsiteY7" fmla="*/ 0 h 358140"/>
+              <a:gd name="connsiteX0" fmla="*/ 0 w 1727200"/>
+              <a:gd name="connsiteY0" fmla="*/ 0 h 239859"/>
+              <a:gd name="connsiteX1" fmla="*/ 1488440 w 1727200"/>
+              <a:gd name="connsiteY1" fmla="*/ 0 h 239859"/>
+              <a:gd name="connsiteX2" fmla="*/ 1497538 w 1727200"/>
+              <a:gd name="connsiteY2" fmla="*/ 6394 h 239859"/>
+              <a:gd name="connsiteX3" fmla="*/ 1727200 w 1727200"/>
+              <a:gd name="connsiteY3" fmla="*/ 119380 h 239859"/>
+              <a:gd name="connsiteX4" fmla="*/ 1492989 w 1727200"/>
+              <a:gd name="connsiteY4" fmla="*/ 239859 h 239859"/>
+              <a:gd name="connsiteX5" fmla="*/ 1488440 w 1727200"/>
+              <a:gd name="connsiteY5" fmla="*/ 238760 h 239859"/>
+              <a:gd name="connsiteX6" fmla="*/ 0 w 1727200"/>
+              <a:gd name="connsiteY6" fmla="*/ 238760 h 239859"/>
+              <a:gd name="connsiteX7" fmla="*/ 0 w 1727200"/>
+              <a:gd name="connsiteY7" fmla="*/ 0 h 239859"/>
+            </a:gdLst>
+            <a:ahLst/>
+            <a:cxnLst>
+              <a:cxn ang="0">
+                <a:pos x="connsiteX0" y="connsiteY0"/>
+              </a:cxn>
+              <a:cxn ang="0">
+                <a:pos x="connsiteX1" y="connsiteY1"/>
+              </a:cxn>
+              <a:cxn ang="0">
+                <a:pos x="connsiteX2" y="connsiteY2"/>
+              </a:cxn>
+              <a:cxn ang="0">
+                <a:pos x="connsiteX3" y="connsiteY3"/>
+              </a:cxn>
+              <a:cxn ang="0">
+                <a:pos x="connsiteX4" y="connsiteY4"/>
+              </a:cxn>
+              <a:cxn ang="0">
+                <a:pos x="connsiteX5" y="connsiteY5"/>
+              </a:cxn>
+              <a:cxn ang="0">
+                <a:pos x="connsiteX6" y="connsiteY6"/>
+              </a:cxn>
+              <a:cxn ang="0">
+                <a:pos x="connsiteX7" y="connsiteY7"/>
+              </a:cxn>
+            </a:cxnLst>
+            <a:rect l="l" t="t" r="r" b="b"/>
+            <a:pathLst>
+              <a:path w="1727200" h="239859">
+                <a:moveTo>
+                  <a:pt x="0" y="0"/>
+                </a:moveTo>
+                <a:lnTo>
+                  <a:pt x="1488440" y="0"/>
+                </a:lnTo>
+                <a:lnTo>
+                  <a:pt x="1497538" y="6394"/>
+                </a:lnTo>
+                <a:lnTo>
+                  <a:pt x="1727200" y="119380"/>
+                </a:lnTo>
+                <a:lnTo>
+                  <a:pt x="1492989" y="239859"/>
+                </a:lnTo>
+                <a:lnTo>
+                  <a:pt x="1488440" y="238760"/>
+                </a:lnTo>
+                <a:lnTo>
+                  <a:pt x="0" y="238760"/>
+                </a:lnTo>
+                <a:lnTo>
+                  <a:pt x="0" y="0"/>
+                </a:lnTo>
+                <a:close/>
+              </a:path>
+            </a:pathLst>
+          </a:custGeom>
+          <a:solidFill>
+            <a:sysClr val="windowText" lastClr="000000"/>
+          </a:solidFill>
+          <a:ln w="25400" cap="flat" cmpd="sng" algn="ctr">
+            <a:solidFill>
+              <a:srgbClr val="FFC000">
+                <a:lumMod val="60000"/>
+                <a:lumOff val="40000"/>
+              </a:srgbClr>
+            </a:solidFill>
+            <a:prstDash val="solid"/>
+            <a:miter lim="800000"/>
+          </a:ln>
+          <a:effectLst>
+            <a:outerShdw blurRad="50800" dist="63500" dir="2700000" algn="tl" rotWithShape="0">
+              <a:sysClr val="window" lastClr="FFFFFF">
+                <a:alpha val="40000"/>
+              </a:sysClr>
+            </a:outerShdw>
+          </a:effectLst>
+        </p:spPr>
+        <p:txBody>
+          <a:bodyPr wrap="none" lIns="90000" tIns="0" rIns="180000" bIns="0" rtlCol="0" anchor="ctr">
+            <a:spAutoFit/>
+          </a:bodyPr>
+          <a:lstStyle/>
+          <a:p>
+            <a:pPr marL="0" marR="0" lvl="0" indent="0" defTabSz="914369" eaLnBrk="1" fontAlgn="auto" latinLnBrk="0" hangingPunct="1">
+              <a:lnSpc>
+                <a:spcPct val="100000"/>
+              </a:lnSpc>
+              <a:spcBef>
+                <a:spcPts val="0"/>
+              </a:spcBef>
+              <a:spcAft>
+                <a:spcPts val="0"/>
+              </a:spcAft>
+              <a:buClrTx/>
+              <a:buSzTx/>
+              <a:buFontTx/>
+              <a:buNone/>
+              <a:tabLst/>
+              <a:defRPr/>
+            </a:pPr>
+            <a:r>
+              <a:rPr kumimoji="0" lang="en-US" sz="1800" b="0" i="0" u="none" strike="noStrike" kern="0" cap="none" spc="0" normalizeH="0" baseline="0" noProof="0" dirty="0">
+                <a:ln>
+                  <a:noFill/>
+                </a:ln>
+                <a:solidFill>
+                  <a:prstClr val="white"/>
+                </a:solidFill>
+                <a:effectLst/>
+                <a:uLnTx/>
+                <a:uFillTx/>
+                <a:latin typeface="Calibri Light" panose="020F0302020204030204"/>
+              </a:rPr>
+              <a:t>packages</a:t>
+            </a:r>
+          </a:p>
+        </p:txBody>
+      </p:sp>
+      <p:sp>
+        <p:nvSpPr>
+          <p:cNvPr id="4" name="Speech Bubble: Rectangle 3">
+            <a:extLst>
+              <a:ext uri="{FF2B5EF4-FFF2-40B4-BE49-F238E27FC236}">
+                <a16:creationId xmlns:a16="http://schemas.microsoft.com/office/drawing/2014/main" id="{B035279E-9369-F9FB-B8F5-C1DB694C1439}"/>
+              </a:ext>
+            </a:extLst>
+          </p:cNvPr>
+          <p:cNvSpPr/>
+          <p:nvPr/>
+        </p:nvSpPr>
+        <p:spPr>
+          <a:xfrm>
+            <a:off x="2159263" y="316896"/>
+            <a:ext cx="500705" cy="257369"/>
+          </a:xfrm>
+          <a:prstGeom prst="wedgeRectCallout">
+            <a:avLst>
+              <a:gd name="adj1" fmla="val 12833"/>
+              <a:gd name="adj2" fmla="val 30587"/>
+            </a:avLst>
+          </a:prstGeom>
+          <a:solidFill>
+            <a:schemeClr val="tx1"/>
+          </a:solidFill>
+          <a:ln>
+            <a:solidFill>
+              <a:schemeClr val="accent1"/>
+            </a:solidFill>
+          </a:ln>
+          <a:effectLst>
+            <a:outerShdw blurRad="50800" dist="63500" dir="2700000" algn="tl" rotWithShape="0">
+              <a:schemeClr val="bg1">
+                <a:alpha val="40000"/>
+              </a:schemeClr>
+            </a:outerShdw>
+          </a:effectLst>
+        </p:spPr>
+        <p:txBody>
+          <a:bodyPr wrap="none" lIns="36000" tIns="36000" rIns="36000" bIns="36000" rtlCol="0">
+            <a:spAutoFit/>
+          </a:bodyPr>
+          <a:lstStyle/>
+          <a:p>
+            <a:pPr marL="171450" lvl="0" indent="-171450" defTabSz="914369">
+              <a:buFont typeface="Arial" panose="020B0604020202020204" pitchFamily="34" charset="0"/>
+              <a:buChar char="•"/>
+              <a:defRPr/>
+            </a:pPr>
+            <a:r>
+              <a:rPr lang="en-US" sz="1200" b="1" dirty="0">
+                <a:solidFill>
+                  <a:srgbClr val="FFC000"/>
+                </a:solidFill>
+                <a:highlight>
+                  <a:srgbClr val="808080"/>
+                </a:highlight>
+                <a:latin typeface="Consolas" panose="020B0609020204030204" pitchFamily="49" charset="0"/>
+              </a:rPr>
+              <a:t>pip</a:t>
+            </a:r>
+          </a:p>
+        </p:txBody>
+      </p:sp>
+      <p:sp>
+        <p:nvSpPr>
+          <p:cNvPr id="6" name="Arrow: Right 5">
+            <a:extLst>
+              <a:ext uri="{FF2B5EF4-FFF2-40B4-BE49-F238E27FC236}">
+                <a16:creationId xmlns:a16="http://schemas.microsoft.com/office/drawing/2014/main" id="{8C4BE8AB-404A-B18B-1C03-4F243A7F692F}"/>
+              </a:ext>
+            </a:extLst>
+          </p:cNvPr>
+          <p:cNvSpPr/>
+          <p:nvPr/>
+        </p:nvSpPr>
+        <p:spPr>
+          <a:xfrm>
+            <a:off x="1136495" y="846217"/>
+            <a:ext cx="1561451" cy="276999"/>
+          </a:xfrm>
+          <a:custGeom>
+            <a:avLst/>
+            <a:gdLst>
+              <a:gd name="connsiteX0" fmla="*/ 0 w 1727200"/>
+              <a:gd name="connsiteY0" fmla="*/ 119380 h 477520"/>
+              <a:gd name="connsiteX1" fmla="*/ 1488440 w 1727200"/>
+              <a:gd name="connsiteY1" fmla="*/ 119380 h 477520"/>
+              <a:gd name="connsiteX2" fmla="*/ 1488440 w 1727200"/>
+              <a:gd name="connsiteY2" fmla="*/ 0 h 477520"/>
+              <a:gd name="connsiteX3" fmla="*/ 1727200 w 1727200"/>
+              <a:gd name="connsiteY3" fmla="*/ 238760 h 477520"/>
+              <a:gd name="connsiteX4" fmla="*/ 1488440 w 1727200"/>
+              <a:gd name="connsiteY4" fmla="*/ 477520 h 477520"/>
+              <a:gd name="connsiteX5" fmla="*/ 1488440 w 1727200"/>
+              <a:gd name="connsiteY5" fmla="*/ 358140 h 477520"/>
+              <a:gd name="connsiteX6" fmla="*/ 0 w 1727200"/>
+              <a:gd name="connsiteY6" fmla="*/ 358140 h 477520"/>
+              <a:gd name="connsiteX7" fmla="*/ 0 w 1727200"/>
+              <a:gd name="connsiteY7" fmla="*/ 119380 h 477520"/>
+              <a:gd name="connsiteX0" fmla="*/ 0 w 1727200"/>
+              <a:gd name="connsiteY0" fmla="*/ 11803 h 369943"/>
+              <a:gd name="connsiteX1" fmla="*/ 1488440 w 1727200"/>
+              <a:gd name="connsiteY1" fmla="*/ 11803 h 369943"/>
+              <a:gd name="connsiteX2" fmla="*/ 1488440 w 1727200"/>
+              <a:gd name="connsiteY2" fmla="*/ 0 h 369943"/>
+              <a:gd name="connsiteX3" fmla="*/ 1727200 w 1727200"/>
+              <a:gd name="connsiteY3" fmla="*/ 131183 h 369943"/>
+              <a:gd name="connsiteX4" fmla="*/ 1488440 w 1727200"/>
+              <a:gd name="connsiteY4" fmla="*/ 369943 h 369943"/>
+              <a:gd name="connsiteX5" fmla="*/ 1488440 w 1727200"/>
+              <a:gd name="connsiteY5" fmla="*/ 250563 h 369943"/>
+              <a:gd name="connsiteX6" fmla="*/ 0 w 1727200"/>
+              <a:gd name="connsiteY6" fmla="*/ 250563 h 369943"/>
+              <a:gd name="connsiteX7" fmla="*/ 0 w 1727200"/>
+              <a:gd name="connsiteY7" fmla="*/ 11803 h 369943"/>
+              <a:gd name="connsiteX0" fmla="*/ 0 w 1727200"/>
+              <a:gd name="connsiteY0" fmla="*/ 0 h 358140"/>
+              <a:gd name="connsiteX1" fmla="*/ 1488440 w 1727200"/>
+              <a:gd name="connsiteY1" fmla="*/ 0 h 358140"/>
+              <a:gd name="connsiteX2" fmla="*/ 1497538 w 1727200"/>
+              <a:gd name="connsiteY2" fmla="*/ 6394 h 358140"/>
+              <a:gd name="connsiteX3" fmla="*/ 1727200 w 1727200"/>
+              <a:gd name="connsiteY3" fmla="*/ 119380 h 358140"/>
+              <a:gd name="connsiteX4" fmla="*/ 1488440 w 1727200"/>
+              <a:gd name="connsiteY4" fmla="*/ 358140 h 358140"/>
+              <a:gd name="connsiteX5" fmla="*/ 1488440 w 1727200"/>
+              <a:gd name="connsiteY5" fmla="*/ 238760 h 358140"/>
+              <a:gd name="connsiteX6" fmla="*/ 0 w 1727200"/>
+              <a:gd name="connsiteY6" fmla="*/ 238760 h 358140"/>
+              <a:gd name="connsiteX7" fmla="*/ 0 w 1727200"/>
+              <a:gd name="connsiteY7" fmla="*/ 0 h 358140"/>
+              <a:gd name="connsiteX0" fmla="*/ 0 w 1727200"/>
+              <a:gd name="connsiteY0" fmla="*/ 0 h 239859"/>
+              <a:gd name="connsiteX1" fmla="*/ 1488440 w 1727200"/>
+              <a:gd name="connsiteY1" fmla="*/ 0 h 239859"/>
+              <a:gd name="connsiteX2" fmla="*/ 1497538 w 1727200"/>
+              <a:gd name="connsiteY2" fmla="*/ 6394 h 239859"/>
+              <a:gd name="connsiteX3" fmla="*/ 1727200 w 1727200"/>
+              <a:gd name="connsiteY3" fmla="*/ 119380 h 239859"/>
+              <a:gd name="connsiteX4" fmla="*/ 1492989 w 1727200"/>
+              <a:gd name="connsiteY4" fmla="*/ 239859 h 239859"/>
+              <a:gd name="connsiteX5" fmla="*/ 1488440 w 1727200"/>
+              <a:gd name="connsiteY5" fmla="*/ 238760 h 239859"/>
+              <a:gd name="connsiteX6" fmla="*/ 0 w 1727200"/>
+              <a:gd name="connsiteY6" fmla="*/ 238760 h 239859"/>
+              <a:gd name="connsiteX7" fmla="*/ 0 w 1727200"/>
+              <a:gd name="connsiteY7" fmla="*/ 0 h 239859"/>
+            </a:gdLst>
+            <a:ahLst/>
+            <a:cxnLst>
+              <a:cxn ang="0">
+                <a:pos x="connsiteX0" y="connsiteY0"/>
+              </a:cxn>
+              <a:cxn ang="0">
+                <a:pos x="connsiteX1" y="connsiteY1"/>
+              </a:cxn>
+              <a:cxn ang="0">
+                <a:pos x="connsiteX2" y="connsiteY2"/>
+              </a:cxn>
+              <a:cxn ang="0">
+                <a:pos x="connsiteX3" y="connsiteY3"/>
+              </a:cxn>
+              <a:cxn ang="0">
+                <a:pos x="connsiteX4" y="connsiteY4"/>
+              </a:cxn>
+              <a:cxn ang="0">
+                <a:pos x="connsiteX5" y="connsiteY5"/>
+              </a:cxn>
+              <a:cxn ang="0">
+                <a:pos x="connsiteX6" y="connsiteY6"/>
+              </a:cxn>
+              <a:cxn ang="0">
+                <a:pos x="connsiteX7" y="connsiteY7"/>
+              </a:cxn>
+            </a:cxnLst>
+            <a:rect l="l" t="t" r="r" b="b"/>
+            <a:pathLst>
+              <a:path w="1727200" h="239859">
+                <a:moveTo>
+                  <a:pt x="0" y="0"/>
+                </a:moveTo>
+                <a:lnTo>
+                  <a:pt x="1488440" y="0"/>
+                </a:lnTo>
+                <a:lnTo>
+                  <a:pt x="1497538" y="6394"/>
+                </a:lnTo>
+                <a:lnTo>
+                  <a:pt x="1727200" y="119380"/>
+                </a:lnTo>
+                <a:lnTo>
+                  <a:pt x="1492989" y="239859"/>
+                </a:lnTo>
+                <a:lnTo>
+                  <a:pt x="1488440" y="238760"/>
+                </a:lnTo>
+                <a:lnTo>
+                  <a:pt x="0" y="238760"/>
+                </a:lnTo>
+                <a:lnTo>
+                  <a:pt x="0" y="0"/>
+                </a:lnTo>
+                <a:close/>
+              </a:path>
+            </a:pathLst>
+          </a:custGeom>
+          <a:solidFill>
+            <a:sysClr val="windowText" lastClr="000000"/>
+          </a:solidFill>
+          <a:ln w="25400" cap="flat" cmpd="sng" algn="ctr">
+            <a:solidFill>
+              <a:srgbClr val="FFC000">
+                <a:lumMod val="60000"/>
+                <a:lumOff val="40000"/>
+              </a:srgbClr>
+            </a:solidFill>
+            <a:prstDash val="solid"/>
+            <a:miter lim="800000"/>
+          </a:ln>
+          <a:effectLst>
+            <a:outerShdw blurRad="50800" dist="63500" dir="2700000" algn="tl" rotWithShape="0">
+              <a:sysClr val="window" lastClr="FFFFFF">
+                <a:alpha val="40000"/>
+              </a:sysClr>
+            </a:outerShdw>
+          </a:effectLst>
+        </p:spPr>
+        <p:txBody>
+          <a:bodyPr wrap="none" lIns="90000" tIns="0" rIns="180000" bIns="0" rtlCol="0" anchor="ctr">
+            <a:spAutoFit/>
+          </a:bodyPr>
+          <a:lstStyle/>
+          <a:p>
+            <a:pPr marL="0" marR="0" lvl="0" indent="0" defTabSz="914369" eaLnBrk="1" fontAlgn="auto" latinLnBrk="0" hangingPunct="1">
+              <a:lnSpc>
+                <a:spcPct val="100000"/>
+              </a:lnSpc>
+              <a:spcBef>
+                <a:spcPts val="0"/>
+              </a:spcBef>
+              <a:spcAft>
+                <a:spcPts val="0"/>
+              </a:spcAft>
+              <a:buClrTx/>
+              <a:buSzTx/>
+              <a:buFontTx/>
+              <a:buNone/>
+              <a:tabLst/>
+              <a:defRPr/>
+            </a:pPr>
+            <a:r>
+              <a:rPr kumimoji="0" lang="en-US" sz="1800" b="0" i="0" u="none" strike="noStrike" kern="0" cap="none" spc="0" normalizeH="0" baseline="0" noProof="0" dirty="0">
+                <a:ln>
+                  <a:noFill/>
+                </a:ln>
+                <a:solidFill>
+                  <a:prstClr val="white"/>
+                </a:solidFill>
+                <a:effectLst/>
+                <a:uLnTx/>
+                <a:uFillTx/>
+                <a:latin typeface="Calibri Light" panose="020F0302020204030204"/>
+              </a:rPr>
+              <a:t>environments</a:t>
+            </a:r>
+          </a:p>
+        </p:txBody>
+      </p:sp>
+      <p:sp>
+        <p:nvSpPr>
+          <p:cNvPr id="7" name="Speech Bubble: Rectangle 6">
+            <a:extLst>
+              <a:ext uri="{FF2B5EF4-FFF2-40B4-BE49-F238E27FC236}">
+                <a16:creationId xmlns:a16="http://schemas.microsoft.com/office/drawing/2014/main" id="{9B3C3DA1-48C2-44FD-D854-CFDD0F319ABC}"/>
+              </a:ext>
+            </a:extLst>
+          </p:cNvPr>
+          <p:cNvSpPr/>
+          <p:nvPr/>
+        </p:nvSpPr>
+        <p:spPr>
+          <a:xfrm>
+            <a:off x="2599054" y="856031"/>
+            <a:ext cx="1945011" cy="626701"/>
+          </a:xfrm>
+          <a:prstGeom prst="wedgeRectCallout">
+            <a:avLst>
+              <a:gd name="adj1" fmla="val 12833"/>
+              <a:gd name="adj2" fmla="val 30587"/>
+            </a:avLst>
+          </a:prstGeom>
+          <a:solidFill>
+            <a:schemeClr val="tx1"/>
+          </a:solidFill>
+          <a:ln>
+            <a:solidFill>
+              <a:schemeClr val="accent1"/>
+            </a:solidFill>
+          </a:ln>
+          <a:effectLst>
+            <a:outerShdw blurRad="50800" dist="63500" dir="2700000" algn="tl" rotWithShape="0">
+              <a:schemeClr val="bg1">
+                <a:alpha val="40000"/>
+              </a:schemeClr>
+            </a:outerShdw>
+          </a:effectLst>
+        </p:spPr>
+        <p:txBody>
+          <a:bodyPr wrap="none" lIns="36000" tIns="36000" rIns="36000" bIns="36000" rtlCol="0">
+            <a:spAutoFit/>
+          </a:bodyPr>
+          <a:lstStyle/>
+          <a:p>
+            <a:pPr marL="171450" lvl="0" indent="-171450" defTabSz="914369">
+              <a:buFont typeface="Arial" panose="020B0604020202020204" pitchFamily="34" charset="0"/>
+              <a:buChar char="•"/>
+              <a:defRPr/>
+            </a:pPr>
+            <a:r>
+              <a:rPr lang="en-US" sz="1200" noProof="1">
+                <a:solidFill>
+                  <a:prstClr val="white"/>
+                </a:solidFill>
+                <a:latin typeface="Consolas" panose="020B0609020204030204" pitchFamily="49" charset="0"/>
+              </a:rPr>
+              <a:t>python -m </a:t>
+            </a:r>
+            <a:r>
+              <a:rPr lang="en-US" sz="1200" b="1" noProof="1">
+                <a:solidFill>
+                  <a:srgbClr val="FFC000"/>
+                </a:solidFill>
+                <a:highlight>
+                  <a:srgbClr val="808080"/>
+                </a:highlight>
+                <a:latin typeface="Consolas" panose="020B0609020204030204" pitchFamily="49" charset="0"/>
+              </a:rPr>
+              <a:t>venv</a:t>
+            </a:r>
+            <a:r>
+              <a:rPr lang="en-US" sz="1200" noProof="1">
+                <a:solidFill>
+                  <a:prstClr val="white"/>
+                </a:solidFill>
+                <a:latin typeface="Consolas" panose="020B0609020204030204" pitchFamily="49" charset="0"/>
+              </a:rPr>
+              <a:t> .venv</a:t>
+            </a:r>
+          </a:p>
+          <a:p>
+            <a:pPr marL="171450" lvl="0" indent="-171450" defTabSz="914369">
+              <a:buFont typeface="Arial" panose="020B0604020202020204" pitchFamily="34" charset="0"/>
+              <a:buChar char="•"/>
+              <a:defRPr/>
+            </a:pPr>
+            <a:endParaRPr lang="en-US" sz="1200" noProof="1">
+              <a:solidFill>
+                <a:prstClr val="white"/>
+              </a:solidFill>
+              <a:latin typeface="Consolas" panose="020B0609020204030204" pitchFamily="49" charset="0"/>
+            </a:endParaRPr>
+          </a:p>
+          <a:p>
+            <a:pPr marL="171450" lvl="0" indent="-171450" defTabSz="914369">
+              <a:buFont typeface="Arial" panose="020B0604020202020204" pitchFamily="34" charset="0"/>
+              <a:buChar char="•"/>
+              <a:defRPr/>
+            </a:pPr>
+            <a:r>
+              <a:rPr lang="en-US" sz="1200" b="1" noProof="1">
+                <a:solidFill>
+                  <a:srgbClr val="FFC000"/>
+                </a:solidFill>
+                <a:highlight>
+                  <a:srgbClr val="808080"/>
+                </a:highlight>
+                <a:latin typeface="Consolas" panose="020B0609020204030204" pitchFamily="49" charset="0"/>
+              </a:rPr>
+              <a:t>virtualenv</a:t>
+            </a:r>
+            <a:r>
+              <a:rPr lang="en-US" sz="1200" noProof="1">
+                <a:solidFill>
+                  <a:prstClr val="white"/>
+                </a:solidFill>
+                <a:latin typeface="Consolas" panose="020B0609020204030204" pitchFamily="49" charset="0"/>
+              </a:rPr>
+              <a:t> </a:t>
+            </a:r>
+          </a:p>
+        </p:txBody>
+      </p:sp>
+      <p:sp>
+        <p:nvSpPr>
+          <p:cNvPr id="10" name="Speech Bubble: Rectangle 9">
+            <a:extLst>
+              <a:ext uri="{FF2B5EF4-FFF2-40B4-BE49-F238E27FC236}">
+                <a16:creationId xmlns:a16="http://schemas.microsoft.com/office/drawing/2014/main" id="{5584C828-0C78-2F1C-2654-2B097F244A90}"/>
+              </a:ext>
+            </a:extLst>
+          </p:cNvPr>
+          <p:cNvSpPr/>
+          <p:nvPr/>
+        </p:nvSpPr>
+        <p:spPr>
+          <a:xfrm>
+            <a:off x="4661410" y="846217"/>
+            <a:ext cx="2214956" cy="626701"/>
+          </a:xfrm>
+          <a:prstGeom prst="wedgeRectCallout">
+            <a:avLst>
+              <a:gd name="adj1" fmla="val -58510"/>
+              <a:gd name="adj2" fmla="val -30326"/>
+            </a:avLst>
+          </a:prstGeom>
+          <a:solidFill>
+            <a:schemeClr val="tx1"/>
+          </a:solidFill>
+          <a:ln>
+            <a:solidFill>
+              <a:schemeClr val="accent1"/>
+            </a:solidFill>
+          </a:ln>
+          <a:effectLst>
+            <a:outerShdw blurRad="50800" dist="63500" dir="2700000" algn="tl" rotWithShape="0">
+              <a:schemeClr val="bg1">
+                <a:alpha val="40000"/>
+              </a:schemeClr>
+            </a:outerShdw>
+          </a:effectLst>
+        </p:spPr>
+        <p:txBody>
+          <a:bodyPr wrap="none" lIns="36000" tIns="36000" rIns="36000" bIns="36000" rtlCol="0">
+            <a:spAutoFit/>
+          </a:bodyPr>
+          <a:lstStyle/>
+          <a:p>
+            <a:pPr marL="171450" lvl="0" indent="-171450" defTabSz="914369">
+              <a:buFont typeface="Arial" panose="020B0604020202020204" pitchFamily="34" charset="0"/>
+              <a:buChar char="•"/>
+              <a:defRPr/>
+            </a:pPr>
+            <a:r>
+              <a:rPr lang="en-US" sz="1200" noProof="1">
+                <a:solidFill>
+                  <a:prstClr val="white"/>
+                </a:solidFill>
+                <a:latin typeface="Calibri Light" panose="020F0302020204030204"/>
+              </a:rPr>
+              <a:t>`venv` and `virtualenv` are both </a:t>
+            </a:r>
+          </a:p>
+          <a:p>
+            <a:pPr marL="628650" lvl="1" indent="-171450" defTabSz="914369">
+              <a:buFont typeface="Arial" panose="020B0604020202020204" pitchFamily="34" charset="0"/>
+              <a:buChar char="•"/>
+              <a:defRPr/>
+            </a:pPr>
+            <a:r>
+              <a:rPr lang="en-US" sz="1200" noProof="1">
+                <a:solidFill>
+                  <a:prstClr val="white"/>
+                </a:solidFill>
+                <a:latin typeface="Calibri Light" panose="020F0302020204030204"/>
+              </a:rPr>
+              <a:t>tools used to create  </a:t>
+            </a:r>
+          </a:p>
+          <a:p>
+            <a:pPr marL="171450" indent="-171450" defTabSz="914369">
+              <a:buFont typeface="Arial" panose="020B0604020202020204" pitchFamily="34" charset="0"/>
+              <a:buChar char="•"/>
+              <a:defRPr/>
+            </a:pPr>
+            <a:r>
+              <a:rPr lang="en-US" sz="1200" noProof="1">
+                <a:solidFill>
+                  <a:prstClr val="white"/>
+                </a:solidFill>
+                <a:latin typeface="Calibri Light" panose="020F0302020204030204"/>
+              </a:rPr>
+              <a:t>environments</a:t>
+            </a:r>
+          </a:p>
+        </p:txBody>
+      </p:sp>
+      <p:graphicFrame>
+        <p:nvGraphicFramePr>
+          <p:cNvPr id="13" name="Table 12">
+            <a:extLst>
+              <a:ext uri="{FF2B5EF4-FFF2-40B4-BE49-F238E27FC236}">
+                <a16:creationId xmlns:a16="http://schemas.microsoft.com/office/drawing/2014/main" id="{7C3A57F0-B99D-4AA2-AC5A-AF3CE38AFE9B}"/>
+              </a:ext>
+            </a:extLst>
+          </p:cNvPr>
+          <p:cNvGraphicFramePr>
+            <a:graphicFrameLocks noGrp="1"/>
+          </p:cNvGraphicFramePr>
+          <p:nvPr>
+            <p:extLst>
+              <p:ext uri="{D42A27DB-BD31-4B8C-83A1-F6EECF244321}">
+                <p14:modId xmlns:p14="http://schemas.microsoft.com/office/powerpoint/2010/main" val="940193041"/>
+              </p:ext>
+            </p:extLst>
+          </p:nvPr>
+        </p:nvGraphicFramePr>
+        <p:xfrm>
+          <a:off x="2608178" y="1733005"/>
+          <a:ext cx="4685258" cy="1640160"/>
+        </p:xfrm>
+        <a:graphic>
+          <a:graphicData uri="http://schemas.openxmlformats.org/drawingml/2006/table">
+            <a:tbl>
+              <a:tblPr firstRow="1" firstCol="1">
+                <a:effectLst>
+                  <a:outerShdw blurRad="50800" dist="63500" dir="2700000" algn="tl" rotWithShape="0">
+                    <a:schemeClr val="bg1">
+                      <a:alpha val="40000"/>
+                    </a:schemeClr>
+                  </a:outerShdw>
+                </a:effectLst>
+                <a:tableStyleId>{5C22544A-7EE6-4342-B048-85BDC9FD1C3A}</a:tableStyleId>
+              </a:tblPr>
+              <a:tblGrid>
+                <a:gridCol w="1362574">
+                  <a:extLst>
+                    <a:ext uri="{9D8B030D-6E8A-4147-A177-3AD203B41FA5}">
+                      <a16:colId xmlns:a16="http://schemas.microsoft.com/office/drawing/2014/main" val="685951630"/>
+                    </a:ext>
+                  </a:extLst>
+                </a:gridCol>
+                <a:gridCol w="1674804">
+                  <a:extLst>
+                    <a:ext uri="{9D8B030D-6E8A-4147-A177-3AD203B41FA5}">
+                      <a16:colId xmlns:a16="http://schemas.microsoft.com/office/drawing/2014/main" val="218214065"/>
+                    </a:ext>
+                  </a:extLst>
+                </a:gridCol>
+                <a:gridCol w="1647880">
+                  <a:extLst>
+                    <a:ext uri="{9D8B030D-6E8A-4147-A177-3AD203B41FA5}">
+                      <a16:colId xmlns:a16="http://schemas.microsoft.com/office/drawing/2014/main" val="4250802060"/>
+                    </a:ext>
+                  </a:extLst>
+                </a:gridCol>
+              </a:tblGrid>
+              <a:tr h="206598">
+                <a:tc>
+                  <a:txBody>
+                    <a:bodyPr/>
+                    <a:lstStyle/>
+                    <a:p>
+                      <a:pPr algn="ctr"/>
+                      <a:endParaRPr lang="en-US" sz="1200" noProof="0" dirty="0">
+                        <a:latin typeface="+mj-lt"/>
+                      </a:endParaRPr>
+                    </a:p>
+                  </a:txBody>
+                  <a:tcPr marL="36000" marR="36000" marT="36000" marB="36000" anchor="ctr">
+                    <a:lnL w="12700" cap="flat" cmpd="sng" algn="ctr">
+                      <a:solidFill>
+                        <a:schemeClr val="accent1">
+                          <a:lumMod val="60000"/>
+                          <a:lumOff val="40000"/>
+                        </a:schemeClr>
+                      </a:solidFill>
+                      <a:prstDash val="solid"/>
+                      <a:round/>
+                      <a:headEnd type="none" w="med" len="med"/>
+                      <a:tailEnd type="none" w="med" len="med"/>
+                    </a:lnL>
+                    <a:lnR w="12700" cap="flat" cmpd="sng" algn="ctr">
+                      <a:solidFill>
+                        <a:schemeClr val="accent1">
+                          <a:lumMod val="60000"/>
+                          <a:lumOff val="40000"/>
+                        </a:schemeClr>
+                      </a:solidFill>
+                      <a:prstDash val="solid"/>
+                      <a:round/>
+                      <a:headEnd type="none" w="med" len="med"/>
+                      <a:tailEnd type="none" w="med" len="med"/>
+                    </a:lnR>
+                    <a:lnT w="12700" cap="flat" cmpd="sng" algn="ctr">
+                      <a:solidFill>
+                        <a:schemeClr val="accent1">
+                          <a:lumMod val="60000"/>
+                          <a:lumOff val="40000"/>
+                        </a:schemeClr>
+                      </a:solidFill>
+                      <a:prstDash val="solid"/>
+                      <a:round/>
+                      <a:headEnd type="none" w="med" len="med"/>
+                      <a:tailEnd type="none" w="med" len="med"/>
+                    </a:lnT>
+                    <a:lnB w="12700" cap="flat" cmpd="sng" algn="ctr">
+                      <a:solidFill>
+                        <a:schemeClr val="accent1">
+                          <a:lumMod val="60000"/>
+                          <a:lumOff val="40000"/>
+                        </a:schemeClr>
+                      </a:solidFill>
+                      <a:prstDash val="solid"/>
+                      <a:round/>
+                      <a:headEnd type="none" w="med" len="med"/>
+                      <a:tailEnd type="none" w="med" len="med"/>
+                    </a:lnB>
+                    <a:lnTlToBr w="12700" cmpd="sng">
+                      <a:noFill/>
+                      <a:prstDash val="solid"/>
+                    </a:lnTlToBr>
+                    <a:lnBlToTr w="12700" cmpd="sng">
+                      <a:noFill/>
+                      <a:prstDash val="solid"/>
+                    </a:lnBlToTr>
+                    <a:solidFill>
+                      <a:schemeClr val="accent1">
+                        <a:lumMod val="75000"/>
+                      </a:schemeClr>
+                    </a:solidFill>
+                  </a:tcPr>
+                </a:tc>
+                <a:tc>
+                  <a:txBody>
+                    <a:bodyPr/>
+                    <a:lstStyle/>
+                    <a:p>
+                      <a:pPr algn="ctr"/>
+                      <a:r>
+                        <a:rPr lang="en-US" sz="1200" noProof="0" dirty="0">
+                          <a:latin typeface="+mj-lt"/>
+                        </a:rPr>
+                        <a:t>venv</a:t>
+                      </a:r>
+                    </a:p>
+                  </a:txBody>
+                  <a:tcPr marL="36000" marR="36000" marT="36000" marB="36000" anchor="ctr">
+                    <a:lnL w="12700" cap="flat" cmpd="sng" algn="ctr">
+                      <a:solidFill>
+                        <a:schemeClr val="accent1">
+                          <a:lumMod val="60000"/>
+                          <a:lumOff val="40000"/>
+                        </a:schemeClr>
+                      </a:solidFill>
+                      <a:prstDash val="solid"/>
+                      <a:round/>
+                      <a:headEnd type="none" w="med" len="med"/>
+                      <a:tailEnd type="none" w="med" len="med"/>
+                    </a:lnL>
+                    <a:lnR w="12700" cap="flat" cmpd="sng" algn="ctr">
+                      <a:solidFill>
+                        <a:schemeClr val="accent1">
+                          <a:lumMod val="60000"/>
+                          <a:lumOff val="40000"/>
+                        </a:schemeClr>
+                      </a:solidFill>
+                      <a:prstDash val="solid"/>
+                      <a:round/>
+                      <a:headEnd type="none" w="med" len="med"/>
+                      <a:tailEnd type="none" w="med" len="med"/>
+                    </a:lnR>
+                    <a:lnT w="12700" cap="flat" cmpd="sng" algn="ctr">
+                      <a:solidFill>
+                        <a:schemeClr val="accent1">
+                          <a:lumMod val="60000"/>
+                          <a:lumOff val="40000"/>
+                        </a:schemeClr>
+                      </a:solidFill>
+                      <a:prstDash val="solid"/>
+                      <a:round/>
+                      <a:headEnd type="none" w="med" len="med"/>
+                      <a:tailEnd type="none" w="med" len="med"/>
+                    </a:lnT>
+                    <a:lnB w="12700" cap="flat" cmpd="sng" algn="ctr">
+                      <a:solidFill>
+                        <a:schemeClr val="accent1">
+                          <a:lumMod val="60000"/>
+                          <a:lumOff val="40000"/>
+                        </a:schemeClr>
+                      </a:solidFill>
+                      <a:prstDash val="solid"/>
+                      <a:round/>
+                      <a:headEnd type="none" w="med" len="med"/>
+                      <a:tailEnd type="none" w="med" len="med"/>
+                    </a:lnB>
+                    <a:lnTlToBr w="12700" cmpd="sng">
+                      <a:noFill/>
+                      <a:prstDash val="solid"/>
+                    </a:lnTlToBr>
+                    <a:lnBlToTr w="12700" cmpd="sng">
+                      <a:noFill/>
+                      <a:prstDash val="solid"/>
+                    </a:lnBlToTr>
+                    <a:solidFill>
+                      <a:schemeClr val="accent1">
+                        <a:lumMod val="75000"/>
+                      </a:schemeClr>
+                    </a:solidFill>
+                  </a:tcPr>
+                </a:tc>
+                <a:tc>
+                  <a:txBody>
+                    <a:bodyPr/>
+                    <a:lstStyle/>
+                    <a:p>
+                      <a:pPr algn="ctr"/>
+                      <a:r>
+                        <a:rPr lang="en-US" sz="1200" noProof="0" dirty="0" err="1">
+                          <a:latin typeface="+mj-lt"/>
+                        </a:rPr>
+                        <a:t>virtualenv</a:t>
+                      </a:r>
+                      <a:endParaRPr lang="en-US" sz="1200" noProof="0" dirty="0">
+                        <a:latin typeface="+mj-lt"/>
+                      </a:endParaRPr>
+                    </a:p>
+                  </a:txBody>
+                  <a:tcPr marL="36000" marR="36000" marT="36000" marB="36000" anchor="ctr">
+                    <a:lnL w="12700" cap="flat" cmpd="sng" algn="ctr">
+                      <a:solidFill>
+                        <a:schemeClr val="accent1">
+                          <a:lumMod val="60000"/>
+                          <a:lumOff val="40000"/>
+                        </a:schemeClr>
+                      </a:solidFill>
+                      <a:prstDash val="solid"/>
+                      <a:round/>
+                      <a:headEnd type="none" w="med" len="med"/>
+                      <a:tailEnd type="none" w="med" len="med"/>
+                    </a:lnL>
+                    <a:lnR w="12700" cap="flat" cmpd="sng" algn="ctr">
+                      <a:solidFill>
+                        <a:schemeClr val="accent1">
+                          <a:lumMod val="60000"/>
+                          <a:lumOff val="40000"/>
+                        </a:schemeClr>
+                      </a:solidFill>
+                      <a:prstDash val="solid"/>
+                      <a:round/>
+                      <a:headEnd type="none" w="med" len="med"/>
+                      <a:tailEnd type="none" w="med" len="med"/>
+                    </a:lnR>
+                    <a:lnT w="12700" cap="flat" cmpd="sng" algn="ctr">
+                      <a:solidFill>
+                        <a:schemeClr val="accent1">
+                          <a:lumMod val="60000"/>
+                          <a:lumOff val="40000"/>
+                        </a:schemeClr>
+                      </a:solidFill>
+                      <a:prstDash val="solid"/>
+                      <a:round/>
+                      <a:headEnd type="none" w="med" len="med"/>
+                      <a:tailEnd type="none" w="med" len="med"/>
+                    </a:lnT>
+                    <a:lnB w="12700" cap="flat" cmpd="sng" algn="ctr">
+                      <a:solidFill>
+                        <a:schemeClr val="accent1">
+                          <a:lumMod val="60000"/>
+                          <a:lumOff val="40000"/>
+                        </a:schemeClr>
+                      </a:solidFill>
+                      <a:prstDash val="solid"/>
+                      <a:round/>
+                      <a:headEnd type="none" w="med" len="med"/>
+                      <a:tailEnd type="none" w="med" len="med"/>
+                    </a:lnB>
+                    <a:lnTlToBr w="12700" cmpd="sng">
+                      <a:noFill/>
+                      <a:prstDash val="solid"/>
+                    </a:lnTlToBr>
+                    <a:lnBlToTr w="12700" cmpd="sng">
+                      <a:noFill/>
+                      <a:prstDash val="solid"/>
+                    </a:lnBlToTr>
+                    <a:solidFill>
+                      <a:schemeClr val="accent1">
+                        <a:lumMod val="75000"/>
+                      </a:schemeClr>
+                    </a:solidFill>
+                  </a:tcPr>
+                </a:tc>
+                <a:extLst>
+                  <a:ext uri="{0D108BD9-81ED-4DB2-BD59-A6C34878D82A}">
+                    <a16:rowId xmlns:a16="http://schemas.microsoft.com/office/drawing/2014/main" val="173504972"/>
+                  </a:ext>
+                </a:extLst>
+              </a:tr>
+              <a:tr h="252000">
+                <a:tc>
+                  <a:txBody>
+                    <a:bodyPr/>
+                    <a:lstStyle/>
+                    <a:p>
+                      <a:pPr algn="l"/>
+                      <a:r>
+                        <a:rPr lang="en-US" sz="1200" noProof="0" dirty="0">
+                          <a:solidFill>
+                            <a:prstClr val="white"/>
+                          </a:solidFill>
+                          <a:latin typeface="+mj-lt"/>
+                        </a:rPr>
+                        <a:t>Built-in vs. External</a:t>
+                      </a:r>
+                      <a:endParaRPr lang="en-US" sz="1200" noProof="0" dirty="0">
+                        <a:latin typeface="+mj-lt"/>
+                      </a:endParaRPr>
+                    </a:p>
+                  </a:txBody>
+                  <a:tcPr marL="36000" marR="36000" marT="36000" marB="36000" anchor="ctr">
+                    <a:lnL w="12700" cap="flat" cmpd="sng" algn="ctr">
+                      <a:solidFill>
+                        <a:schemeClr val="accent1">
+                          <a:lumMod val="60000"/>
+                          <a:lumOff val="40000"/>
+                        </a:schemeClr>
+                      </a:solidFill>
+                      <a:prstDash val="solid"/>
+                      <a:round/>
+                      <a:headEnd type="none" w="med" len="med"/>
+                      <a:tailEnd type="none" w="med" len="med"/>
+                    </a:lnL>
+                    <a:lnR w="12700" cap="flat" cmpd="sng" algn="ctr">
+                      <a:solidFill>
+                        <a:schemeClr val="accent1">
+                          <a:lumMod val="60000"/>
+                          <a:lumOff val="40000"/>
+                        </a:schemeClr>
+                      </a:solidFill>
+                      <a:prstDash val="solid"/>
+                      <a:round/>
+                      <a:headEnd type="none" w="med" len="med"/>
+                      <a:tailEnd type="none" w="med" len="med"/>
+                    </a:lnR>
+                    <a:lnT w="12700" cap="flat" cmpd="sng" algn="ctr">
+                      <a:solidFill>
+                        <a:schemeClr val="accent1">
+                          <a:lumMod val="60000"/>
+                          <a:lumOff val="40000"/>
+                        </a:schemeClr>
+                      </a:solidFill>
+                      <a:prstDash val="solid"/>
+                      <a:round/>
+                      <a:headEnd type="none" w="med" len="med"/>
+                      <a:tailEnd type="none" w="med" len="med"/>
+                    </a:lnT>
+                    <a:lnB w="12700" cap="flat" cmpd="sng" algn="ctr">
+                      <a:solidFill>
+                        <a:schemeClr val="accent1">
+                          <a:lumMod val="60000"/>
+                          <a:lumOff val="40000"/>
+                        </a:schemeClr>
+                      </a:solidFill>
+                      <a:prstDash val="solid"/>
+                      <a:round/>
+                      <a:headEnd type="none" w="med" len="med"/>
+                      <a:tailEnd type="none" w="med" len="med"/>
+                    </a:lnB>
+                    <a:lnTlToBr w="12700" cmpd="sng">
+                      <a:noFill/>
+                      <a:prstDash val="solid"/>
+                    </a:lnTlToBr>
+                    <a:lnBlToTr w="12700" cmpd="sng">
+                      <a:noFill/>
+                      <a:prstDash val="solid"/>
+                    </a:lnBlToTr>
+                    <a:solidFill>
+                      <a:schemeClr val="accent1">
+                        <a:lumMod val="75000"/>
+                      </a:schemeClr>
+                    </a:solidFill>
+                  </a:tcPr>
+                </a:tc>
+                <a:tc>
+                  <a:txBody>
+                    <a:bodyPr/>
+                    <a:lstStyle/>
+                    <a:p>
+                      <a:pPr marL="171450" indent="-171450" algn="l">
+                        <a:buFont typeface="Arial" panose="020B0604020202020204" pitchFamily="34" charset="0"/>
+                        <a:buChar char="•"/>
+                      </a:pPr>
+                      <a:r>
+                        <a:rPr lang="en-US" sz="1200" noProof="0" dirty="0">
+                          <a:solidFill>
+                            <a:prstClr val="white"/>
+                          </a:solidFill>
+                          <a:latin typeface="Calibri Light" panose="020F0302020204030204"/>
+                        </a:rPr>
+                        <a:t>is a module </a:t>
+                      </a:r>
+                    </a:p>
+                    <a:p>
+                      <a:pPr marL="171450" indent="-171450" algn="l">
+                        <a:buFont typeface="Arial" panose="020B0604020202020204" pitchFamily="34" charset="0"/>
+                        <a:buChar char="•"/>
+                      </a:pPr>
+                      <a:r>
+                        <a:rPr lang="en-US" sz="1200" noProof="0" dirty="0">
+                          <a:solidFill>
+                            <a:prstClr val="white"/>
+                          </a:solidFill>
+                          <a:latin typeface="Calibri Light" panose="020F0302020204030204"/>
+                        </a:rPr>
+                        <a:t>comes with Python 3.3</a:t>
+                      </a:r>
+                    </a:p>
+                    <a:p>
+                      <a:pPr marL="171450" indent="-171450" algn="l">
+                        <a:buFont typeface="Arial" panose="020B0604020202020204" pitchFamily="34" charset="0"/>
+                        <a:buChar char="•"/>
+                      </a:pPr>
+                      <a:r>
+                        <a:rPr lang="en-US" sz="1200" noProof="0" dirty="0">
+                          <a:solidFill>
+                            <a:prstClr val="white"/>
+                          </a:solidFill>
+                          <a:latin typeface="Calibri Light" panose="020F0302020204030204"/>
+                        </a:rPr>
+                        <a:t>built into Python  </a:t>
+                      </a:r>
+                      <a:endParaRPr lang="en-US" sz="1200" noProof="0" dirty="0">
+                        <a:latin typeface="+mj-lt"/>
+                      </a:endParaRPr>
+                    </a:p>
+                  </a:txBody>
+                  <a:tcPr marL="36000" marR="36000" marT="36000" marB="36000" anchor="ctr">
+                    <a:lnL w="12700" cap="flat" cmpd="sng" algn="ctr">
+                      <a:solidFill>
+                        <a:schemeClr val="accent1">
+                          <a:lumMod val="60000"/>
+                          <a:lumOff val="40000"/>
+                        </a:schemeClr>
+                      </a:solidFill>
+                      <a:prstDash val="solid"/>
+                      <a:round/>
+                      <a:headEnd type="none" w="med" len="med"/>
+                      <a:tailEnd type="none" w="med" len="med"/>
+                    </a:lnL>
+                    <a:lnR w="12700" cap="flat" cmpd="sng" algn="ctr">
+                      <a:solidFill>
+                        <a:schemeClr val="accent1">
+                          <a:lumMod val="60000"/>
+                          <a:lumOff val="40000"/>
+                        </a:schemeClr>
+                      </a:solidFill>
+                      <a:prstDash val="solid"/>
+                      <a:round/>
+                      <a:headEnd type="none" w="med" len="med"/>
+                      <a:tailEnd type="none" w="med" len="med"/>
+                    </a:lnR>
+                    <a:lnT w="12700" cap="flat" cmpd="sng" algn="ctr">
+                      <a:solidFill>
+                        <a:schemeClr val="accent1">
+                          <a:lumMod val="60000"/>
+                          <a:lumOff val="40000"/>
+                        </a:schemeClr>
+                      </a:solidFill>
+                      <a:prstDash val="solid"/>
+                      <a:round/>
+                      <a:headEnd type="none" w="med" len="med"/>
+                      <a:tailEnd type="none" w="med" len="med"/>
+                    </a:lnT>
+                    <a:lnB w="12700" cap="flat" cmpd="sng" algn="ctr">
+                      <a:solidFill>
+                        <a:schemeClr val="accent1">
+                          <a:lumMod val="60000"/>
+                          <a:lumOff val="40000"/>
+                        </a:schemeClr>
+                      </a:solidFill>
+                      <a:prstDash val="solid"/>
+                      <a:round/>
+                      <a:headEnd type="none" w="med" len="med"/>
+                      <a:tailEnd type="none" w="med" len="med"/>
+                    </a:lnB>
+                    <a:lnTlToBr w="12700" cmpd="sng">
+                      <a:noFill/>
+                      <a:prstDash val="solid"/>
+                    </a:lnTlToBr>
+                    <a:lnBlToTr w="12700" cmpd="sng">
+                      <a:noFill/>
+                      <a:prstDash val="solid"/>
+                    </a:lnBlToTr>
+                    <a:solidFill>
+                      <a:schemeClr val="tx1"/>
+                    </a:solidFill>
+                  </a:tcPr>
+                </a:tc>
+                <a:tc>
+                  <a:txBody>
+                    <a:bodyPr/>
+                    <a:lstStyle/>
+                    <a:p>
+                      <a:pPr marL="171450" indent="-171450" algn="l">
+                        <a:buFont typeface="Arial" panose="020B0604020202020204" pitchFamily="34" charset="0"/>
+                        <a:buChar char="•"/>
+                      </a:pPr>
+                      <a:r>
+                        <a:rPr lang="en-US" sz="1200" noProof="0" dirty="0">
+                          <a:solidFill>
+                            <a:prstClr val="white"/>
+                          </a:solidFill>
+                          <a:latin typeface="Calibri Light" panose="020F0302020204030204"/>
+                        </a:rPr>
+                        <a:t>separate package </a:t>
+                      </a:r>
+                    </a:p>
+                    <a:p>
+                      <a:pPr marL="171450" indent="-171450" algn="l">
+                        <a:buFont typeface="Arial" panose="020B0604020202020204" pitchFamily="34" charset="0"/>
+                        <a:buChar char="•"/>
+                      </a:pPr>
+                      <a:r>
+                        <a:rPr lang="en-US" sz="1200" noProof="0" dirty="0">
+                          <a:solidFill>
+                            <a:prstClr val="white"/>
+                          </a:solidFill>
+                          <a:latin typeface="Calibri Light" panose="020F0302020204030204"/>
+                        </a:rPr>
+                        <a:t>need to install</a:t>
+                      </a:r>
+                      <a:endParaRPr lang="en-US" sz="1200" noProof="0" dirty="0">
+                        <a:latin typeface="+mj-lt"/>
+                      </a:endParaRPr>
+                    </a:p>
+                  </a:txBody>
+                  <a:tcPr marL="36000" marR="36000" marT="36000" marB="36000" anchor="ctr">
+                    <a:lnL w="12700" cap="flat" cmpd="sng" algn="ctr">
+                      <a:solidFill>
+                        <a:schemeClr val="accent1">
+                          <a:lumMod val="60000"/>
+                          <a:lumOff val="40000"/>
+                        </a:schemeClr>
+                      </a:solidFill>
+                      <a:prstDash val="solid"/>
+                      <a:round/>
+                      <a:headEnd type="none" w="med" len="med"/>
+                      <a:tailEnd type="none" w="med" len="med"/>
+                    </a:lnL>
+                    <a:lnR w="12700" cap="flat" cmpd="sng" algn="ctr">
+                      <a:solidFill>
+                        <a:schemeClr val="accent1">
+                          <a:lumMod val="60000"/>
+                          <a:lumOff val="40000"/>
+                        </a:schemeClr>
+                      </a:solidFill>
+                      <a:prstDash val="solid"/>
+                      <a:round/>
+                      <a:headEnd type="none" w="med" len="med"/>
+                      <a:tailEnd type="none" w="med" len="med"/>
+                    </a:lnR>
+                    <a:lnT w="12700" cap="flat" cmpd="sng" algn="ctr">
+                      <a:solidFill>
+                        <a:schemeClr val="accent1">
+                          <a:lumMod val="60000"/>
+                          <a:lumOff val="40000"/>
+                        </a:schemeClr>
+                      </a:solidFill>
+                      <a:prstDash val="solid"/>
+                      <a:round/>
+                      <a:headEnd type="none" w="med" len="med"/>
+                      <a:tailEnd type="none" w="med" len="med"/>
+                    </a:lnT>
+                    <a:lnB w="12700" cap="flat" cmpd="sng" algn="ctr">
+                      <a:solidFill>
+                        <a:schemeClr val="accent1">
+                          <a:lumMod val="60000"/>
+                          <a:lumOff val="40000"/>
+                        </a:schemeClr>
+                      </a:solidFill>
+                      <a:prstDash val="solid"/>
+                      <a:round/>
+                      <a:headEnd type="none" w="med" len="med"/>
+                      <a:tailEnd type="none" w="med" len="med"/>
+                    </a:lnB>
+                    <a:lnTlToBr w="12700" cmpd="sng">
+                      <a:noFill/>
+                      <a:prstDash val="solid"/>
+                    </a:lnTlToBr>
+                    <a:lnBlToTr w="12700" cmpd="sng">
+                      <a:noFill/>
+                      <a:prstDash val="solid"/>
+                    </a:lnBlToTr>
+                    <a:solidFill>
+                      <a:schemeClr val="tx1"/>
+                    </a:solidFill>
+                  </a:tcPr>
+                </a:tc>
+                <a:extLst>
+                  <a:ext uri="{0D108BD9-81ED-4DB2-BD59-A6C34878D82A}">
+                    <a16:rowId xmlns:a16="http://schemas.microsoft.com/office/drawing/2014/main" val="856270370"/>
+                  </a:ext>
+                </a:extLst>
+              </a:tr>
+              <a:tr h="252000">
+                <a:tc>
+                  <a:txBody>
+                    <a:bodyPr/>
+                    <a:lstStyle/>
+                    <a:p>
+                      <a:pPr algn="l"/>
+                      <a:r>
+                        <a:rPr lang="en-US" sz="1200" noProof="0" dirty="0">
+                          <a:solidFill>
+                            <a:prstClr val="white"/>
+                          </a:solidFill>
+                          <a:latin typeface="+mj-lt"/>
+                        </a:rPr>
+                        <a:t>Python version</a:t>
+                      </a:r>
+                      <a:endParaRPr lang="en-US" sz="1200" noProof="0" dirty="0">
+                        <a:latin typeface="+mj-lt"/>
+                      </a:endParaRPr>
+                    </a:p>
+                  </a:txBody>
+                  <a:tcPr marL="36000" marR="36000" marT="36000" marB="36000" anchor="ctr">
+                    <a:lnL w="12700" cap="flat" cmpd="sng" algn="ctr">
+                      <a:solidFill>
+                        <a:schemeClr val="accent1">
+                          <a:lumMod val="60000"/>
+                          <a:lumOff val="40000"/>
+                        </a:schemeClr>
+                      </a:solidFill>
+                      <a:prstDash val="solid"/>
+                      <a:round/>
+                      <a:headEnd type="none" w="med" len="med"/>
+                      <a:tailEnd type="none" w="med" len="med"/>
+                    </a:lnL>
+                    <a:lnR w="12700" cap="flat" cmpd="sng" algn="ctr">
+                      <a:solidFill>
+                        <a:schemeClr val="accent1">
+                          <a:lumMod val="60000"/>
+                          <a:lumOff val="40000"/>
+                        </a:schemeClr>
+                      </a:solidFill>
+                      <a:prstDash val="solid"/>
+                      <a:round/>
+                      <a:headEnd type="none" w="med" len="med"/>
+                      <a:tailEnd type="none" w="med" len="med"/>
+                    </a:lnR>
+                    <a:lnT w="12700" cap="flat" cmpd="sng" algn="ctr">
+                      <a:solidFill>
+                        <a:schemeClr val="accent1">
+                          <a:lumMod val="60000"/>
+                          <a:lumOff val="40000"/>
+                        </a:schemeClr>
+                      </a:solidFill>
+                      <a:prstDash val="solid"/>
+                      <a:round/>
+                      <a:headEnd type="none" w="med" len="med"/>
+                      <a:tailEnd type="none" w="med" len="med"/>
+                    </a:lnT>
+                    <a:lnB w="12700" cap="flat" cmpd="sng" algn="ctr">
+                      <a:solidFill>
+                        <a:schemeClr val="accent1">
+                          <a:lumMod val="60000"/>
+                          <a:lumOff val="40000"/>
+                        </a:schemeClr>
+                      </a:solidFill>
+                      <a:prstDash val="solid"/>
+                      <a:round/>
+                      <a:headEnd type="none" w="med" len="med"/>
+                      <a:tailEnd type="none" w="med" len="med"/>
+                    </a:lnB>
+                    <a:lnTlToBr w="12700" cmpd="sng">
+                      <a:noFill/>
+                      <a:prstDash val="solid"/>
+                    </a:lnTlToBr>
+                    <a:lnBlToTr w="12700" cmpd="sng">
+                      <a:noFill/>
+                      <a:prstDash val="solid"/>
+                    </a:lnBlToTr>
+                    <a:solidFill>
+                      <a:schemeClr val="accent1">
+                        <a:lumMod val="75000"/>
+                      </a:schemeClr>
+                    </a:solidFill>
+                  </a:tcPr>
+                </a:tc>
+                <a:tc>
+                  <a:txBody>
+                    <a:bodyPr/>
+                    <a:lstStyle/>
+                    <a:p>
+                      <a:pPr marL="171450" indent="-171450" algn="l">
+                        <a:buFont typeface="Arial" panose="020B0604020202020204" pitchFamily="34" charset="0"/>
+                        <a:buChar char="•"/>
+                      </a:pPr>
+                      <a:r>
+                        <a:rPr lang="en-US" sz="1200" noProof="0" dirty="0">
+                          <a:solidFill>
+                            <a:schemeClr val="bg1"/>
+                          </a:solidFill>
+                          <a:latin typeface="+mj-lt"/>
+                        </a:rPr>
+                        <a:t>System python</a:t>
+                      </a:r>
+                    </a:p>
+                  </a:txBody>
+                  <a:tcPr marL="36000" marR="36000" marT="36000" marB="36000" anchor="ctr">
+                    <a:lnL w="12700" cap="flat" cmpd="sng" algn="ctr">
+                      <a:solidFill>
+                        <a:schemeClr val="accent1">
+                          <a:lumMod val="60000"/>
+                          <a:lumOff val="40000"/>
+                        </a:schemeClr>
+                      </a:solidFill>
+                      <a:prstDash val="solid"/>
+                      <a:round/>
+                      <a:headEnd type="none" w="med" len="med"/>
+                      <a:tailEnd type="none" w="med" len="med"/>
+                    </a:lnL>
+                    <a:lnR w="12700" cap="flat" cmpd="sng" algn="ctr">
+                      <a:solidFill>
+                        <a:schemeClr val="accent1">
+                          <a:lumMod val="60000"/>
+                          <a:lumOff val="40000"/>
+                        </a:schemeClr>
+                      </a:solidFill>
+                      <a:prstDash val="solid"/>
+                      <a:round/>
+                      <a:headEnd type="none" w="med" len="med"/>
+                      <a:tailEnd type="none" w="med" len="med"/>
+                    </a:lnR>
+                    <a:lnT w="12700" cap="flat" cmpd="sng" algn="ctr">
+                      <a:solidFill>
+                        <a:schemeClr val="accent1">
+                          <a:lumMod val="60000"/>
+                          <a:lumOff val="40000"/>
+                        </a:schemeClr>
+                      </a:solidFill>
+                      <a:prstDash val="solid"/>
+                      <a:round/>
+                      <a:headEnd type="none" w="med" len="med"/>
+                      <a:tailEnd type="none" w="med" len="med"/>
+                    </a:lnT>
+                    <a:lnB w="12700" cap="flat" cmpd="sng" algn="ctr">
+                      <a:solidFill>
+                        <a:schemeClr val="accent1">
+                          <a:lumMod val="60000"/>
+                          <a:lumOff val="40000"/>
+                        </a:schemeClr>
+                      </a:solidFill>
+                      <a:prstDash val="solid"/>
+                      <a:round/>
+                      <a:headEnd type="none" w="med" len="med"/>
+                      <a:tailEnd type="none" w="med" len="med"/>
+                    </a:lnB>
+                    <a:lnTlToBr w="12700" cmpd="sng">
+                      <a:noFill/>
+                      <a:prstDash val="solid"/>
+                    </a:lnTlToBr>
+                    <a:lnBlToTr w="12700" cmpd="sng">
+                      <a:noFill/>
+                      <a:prstDash val="solid"/>
+                    </a:lnBlToTr>
+                    <a:solidFill>
+                      <a:schemeClr val="tx1"/>
+                    </a:solidFill>
+                  </a:tcPr>
+                </a:tc>
+                <a:tc>
+                  <a:txBody>
+                    <a:bodyPr/>
+                    <a:lstStyle/>
+                    <a:p>
+                      <a:pPr marL="171450" indent="-171450" algn="l">
+                        <a:buFont typeface="Arial" panose="020B0604020202020204" pitchFamily="34" charset="0"/>
+                        <a:buChar char="•"/>
+                      </a:pPr>
+                      <a:r>
+                        <a:rPr lang="en-US" sz="1200" noProof="0" dirty="0">
+                          <a:solidFill>
+                            <a:schemeClr val="bg1"/>
+                          </a:solidFill>
+                          <a:latin typeface="+mj-lt"/>
+                        </a:rPr>
+                        <a:t>specify python version</a:t>
+                      </a:r>
+                    </a:p>
+                  </a:txBody>
+                  <a:tcPr marL="36000" marR="36000" marT="36000" marB="36000" anchor="ctr">
+                    <a:lnL w="12700" cap="flat" cmpd="sng" algn="ctr">
+                      <a:solidFill>
+                        <a:schemeClr val="accent1">
+                          <a:lumMod val="60000"/>
+                          <a:lumOff val="40000"/>
+                        </a:schemeClr>
+                      </a:solidFill>
+                      <a:prstDash val="solid"/>
+                      <a:round/>
+                      <a:headEnd type="none" w="med" len="med"/>
+                      <a:tailEnd type="none" w="med" len="med"/>
+                    </a:lnL>
+                    <a:lnR w="12700" cap="flat" cmpd="sng" algn="ctr">
+                      <a:solidFill>
+                        <a:schemeClr val="accent1">
+                          <a:lumMod val="60000"/>
+                          <a:lumOff val="40000"/>
+                        </a:schemeClr>
+                      </a:solidFill>
+                      <a:prstDash val="solid"/>
+                      <a:round/>
+                      <a:headEnd type="none" w="med" len="med"/>
+                      <a:tailEnd type="none" w="med" len="med"/>
+                    </a:lnR>
+                    <a:lnT w="12700" cap="flat" cmpd="sng" algn="ctr">
+                      <a:solidFill>
+                        <a:schemeClr val="accent1">
+                          <a:lumMod val="60000"/>
+                          <a:lumOff val="40000"/>
+                        </a:schemeClr>
+                      </a:solidFill>
+                      <a:prstDash val="solid"/>
+                      <a:round/>
+                      <a:headEnd type="none" w="med" len="med"/>
+                      <a:tailEnd type="none" w="med" len="med"/>
+                    </a:lnT>
+                    <a:lnB w="12700" cap="flat" cmpd="sng" algn="ctr">
+                      <a:solidFill>
+                        <a:schemeClr val="accent1">
+                          <a:lumMod val="60000"/>
+                          <a:lumOff val="40000"/>
+                        </a:schemeClr>
+                      </a:solidFill>
+                      <a:prstDash val="solid"/>
+                      <a:round/>
+                      <a:headEnd type="none" w="med" len="med"/>
+                      <a:tailEnd type="none" w="med" len="med"/>
+                    </a:lnB>
+                    <a:lnTlToBr w="12700" cmpd="sng">
+                      <a:noFill/>
+                      <a:prstDash val="solid"/>
+                    </a:lnTlToBr>
+                    <a:lnBlToTr w="12700" cmpd="sng">
+                      <a:noFill/>
+                      <a:prstDash val="solid"/>
+                    </a:lnBlToTr>
+                    <a:solidFill>
+                      <a:schemeClr val="tx1"/>
+                    </a:solidFill>
+                  </a:tcPr>
+                </a:tc>
+                <a:extLst>
+                  <a:ext uri="{0D108BD9-81ED-4DB2-BD59-A6C34878D82A}">
+                    <a16:rowId xmlns:a16="http://schemas.microsoft.com/office/drawing/2014/main" val="4270268835"/>
+                  </a:ext>
+                </a:extLst>
+              </a:tr>
+              <a:tr h="252000">
+                <a:tc>
+                  <a:txBody>
+                    <a:bodyPr/>
+                    <a:lstStyle/>
+                    <a:p>
+                      <a:pPr algn="l"/>
+                      <a:r>
+                        <a:rPr lang="en-US" sz="1200" dirty="0">
+                          <a:solidFill>
+                            <a:schemeClr val="bg1"/>
+                          </a:solidFill>
+                          <a:latin typeface="+mj-lt"/>
+                        </a:rPr>
+                        <a:t>System Site Packages</a:t>
+                      </a:r>
+                      <a:endParaRPr lang="en-US" sz="1200" noProof="0" dirty="0">
+                        <a:solidFill>
+                          <a:schemeClr val="bg1"/>
+                        </a:solidFill>
+                        <a:latin typeface="+mj-lt"/>
+                      </a:endParaRPr>
+                    </a:p>
+                  </a:txBody>
+                  <a:tcPr marL="36000" marR="36000" marT="36000" marB="36000" anchor="ctr">
+                    <a:lnL w="12700" cap="flat" cmpd="sng" algn="ctr">
+                      <a:solidFill>
+                        <a:schemeClr val="accent1">
+                          <a:lumMod val="60000"/>
+                          <a:lumOff val="40000"/>
+                        </a:schemeClr>
+                      </a:solidFill>
+                      <a:prstDash val="solid"/>
+                      <a:round/>
+                      <a:headEnd type="none" w="med" len="med"/>
+                      <a:tailEnd type="none" w="med" len="med"/>
+                    </a:lnL>
+                    <a:lnR w="12700" cap="flat" cmpd="sng" algn="ctr">
+                      <a:solidFill>
+                        <a:schemeClr val="accent1">
+                          <a:lumMod val="60000"/>
+                          <a:lumOff val="40000"/>
+                        </a:schemeClr>
+                      </a:solidFill>
+                      <a:prstDash val="solid"/>
+                      <a:round/>
+                      <a:headEnd type="none" w="med" len="med"/>
+                      <a:tailEnd type="none" w="med" len="med"/>
+                    </a:lnR>
+                    <a:lnT w="12700" cap="flat" cmpd="sng" algn="ctr">
+                      <a:solidFill>
+                        <a:schemeClr val="accent1">
+                          <a:lumMod val="60000"/>
+                          <a:lumOff val="40000"/>
+                        </a:schemeClr>
+                      </a:solidFill>
+                      <a:prstDash val="solid"/>
+                      <a:round/>
+                      <a:headEnd type="none" w="med" len="med"/>
+                      <a:tailEnd type="none" w="med" len="med"/>
+                    </a:lnT>
+                    <a:lnB w="12700" cap="flat" cmpd="sng" algn="ctr">
+                      <a:solidFill>
+                        <a:schemeClr val="accent1">
+                          <a:lumMod val="60000"/>
+                          <a:lumOff val="40000"/>
+                        </a:schemeClr>
+                      </a:solidFill>
+                      <a:prstDash val="solid"/>
+                      <a:round/>
+                      <a:headEnd type="none" w="med" len="med"/>
+                      <a:tailEnd type="none" w="med" len="med"/>
+                    </a:lnB>
+                    <a:lnTlToBr w="12700" cmpd="sng">
+                      <a:noFill/>
+                      <a:prstDash val="solid"/>
+                    </a:lnTlToBr>
+                    <a:lnBlToTr w="12700" cmpd="sng">
+                      <a:noFill/>
+                      <a:prstDash val="solid"/>
+                    </a:lnBlToTr>
+                    <a:solidFill>
+                      <a:schemeClr val="accent1">
+                        <a:lumMod val="75000"/>
+                      </a:schemeClr>
+                    </a:solidFill>
+                  </a:tcPr>
+                </a:tc>
+                <a:tc>
+                  <a:txBody>
+                    <a:bodyPr/>
+                    <a:lstStyle/>
+                    <a:p>
+                      <a:pPr marL="171450" indent="-171450" algn="l">
+                        <a:buFont typeface="Arial" panose="020B0604020202020204" pitchFamily="34" charset="0"/>
+                        <a:buChar char="•"/>
+                      </a:pPr>
+                      <a:r>
+                        <a:rPr lang="en-US" sz="1200" noProof="0" dirty="0">
+                          <a:solidFill>
+                            <a:schemeClr val="bg1"/>
+                          </a:solidFill>
+                          <a:latin typeface="+mj-lt"/>
+                        </a:rPr>
+                        <a:t>no access</a:t>
+                      </a:r>
+                    </a:p>
+                  </a:txBody>
+                  <a:tcPr marL="36000" marR="36000" marT="36000" marB="36000" anchor="ctr">
+                    <a:lnL w="12700" cap="flat" cmpd="sng" algn="ctr">
+                      <a:solidFill>
+                        <a:schemeClr val="accent1">
+                          <a:lumMod val="60000"/>
+                          <a:lumOff val="40000"/>
+                        </a:schemeClr>
+                      </a:solidFill>
+                      <a:prstDash val="solid"/>
+                      <a:round/>
+                      <a:headEnd type="none" w="med" len="med"/>
+                      <a:tailEnd type="none" w="med" len="med"/>
+                    </a:lnL>
+                    <a:lnR w="12700" cap="flat" cmpd="sng" algn="ctr">
+                      <a:solidFill>
+                        <a:schemeClr val="accent1">
+                          <a:lumMod val="60000"/>
+                          <a:lumOff val="40000"/>
+                        </a:schemeClr>
+                      </a:solidFill>
+                      <a:prstDash val="solid"/>
+                      <a:round/>
+                      <a:headEnd type="none" w="med" len="med"/>
+                      <a:tailEnd type="none" w="med" len="med"/>
+                    </a:lnR>
+                    <a:lnT w="12700" cap="flat" cmpd="sng" algn="ctr">
+                      <a:solidFill>
+                        <a:schemeClr val="accent1">
+                          <a:lumMod val="60000"/>
+                          <a:lumOff val="40000"/>
+                        </a:schemeClr>
+                      </a:solidFill>
+                      <a:prstDash val="solid"/>
+                      <a:round/>
+                      <a:headEnd type="none" w="med" len="med"/>
+                      <a:tailEnd type="none" w="med" len="med"/>
+                    </a:lnT>
+                    <a:lnB w="12700" cap="flat" cmpd="sng" algn="ctr">
+                      <a:solidFill>
+                        <a:schemeClr val="accent1">
+                          <a:lumMod val="60000"/>
+                          <a:lumOff val="40000"/>
+                        </a:schemeClr>
+                      </a:solidFill>
+                      <a:prstDash val="solid"/>
+                      <a:round/>
+                      <a:headEnd type="none" w="med" len="med"/>
+                      <a:tailEnd type="none" w="med" len="med"/>
+                    </a:lnB>
+                    <a:lnTlToBr w="12700" cmpd="sng">
+                      <a:noFill/>
+                      <a:prstDash val="solid"/>
+                    </a:lnTlToBr>
+                    <a:lnBlToTr w="12700" cmpd="sng">
+                      <a:noFill/>
+                      <a:prstDash val="solid"/>
+                    </a:lnBlToTr>
+                    <a:solidFill>
+                      <a:schemeClr val="tx1"/>
+                    </a:solidFill>
+                  </a:tcPr>
+                </a:tc>
+                <a:tc>
+                  <a:txBody>
+                    <a:bodyPr/>
+                    <a:lstStyle/>
+                    <a:p>
+                      <a:pPr marL="171450" indent="-171450" algn="l">
+                        <a:buFont typeface="Arial" panose="020B0604020202020204" pitchFamily="34" charset="0"/>
+                        <a:buChar char="•"/>
+                      </a:pPr>
+                      <a:r>
+                        <a:rPr lang="en-US" sz="1200" noProof="0" dirty="0">
+                          <a:solidFill>
+                            <a:schemeClr val="bg1"/>
+                          </a:solidFill>
+                          <a:latin typeface="+mj-lt"/>
+                        </a:rPr>
+                        <a:t>can be configured</a:t>
+                      </a:r>
+                    </a:p>
+                  </a:txBody>
+                  <a:tcPr marL="36000" marR="36000" marT="36000" marB="36000" anchor="ctr">
+                    <a:lnL w="12700" cap="flat" cmpd="sng" algn="ctr">
+                      <a:solidFill>
+                        <a:schemeClr val="accent1">
+                          <a:lumMod val="60000"/>
+                          <a:lumOff val="40000"/>
+                        </a:schemeClr>
+                      </a:solidFill>
+                      <a:prstDash val="solid"/>
+                      <a:round/>
+                      <a:headEnd type="none" w="med" len="med"/>
+                      <a:tailEnd type="none" w="med" len="med"/>
+                    </a:lnL>
+                    <a:lnR w="12700" cap="flat" cmpd="sng" algn="ctr">
+                      <a:solidFill>
+                        <a:schemeClr val="accent1">
+                          <a:lumMod val="60000"/>
+                          <a:lumOff val="40000"/>
+                        </a:schemeClr>
+                      </a:solidFill>
+                      <a:prstDash val="solid"/>
+                      <a:round/>
+                      <a:headEnd type="none" w="med" len="med"/>
+                      <a:tailEnd type="none" w="med" len="med"/>
+                    </a:lnR>
+                    <a:lnT w="12700" cap="flat" cmpd="sng" algn="ctr">
+                      <a:solidFill>
+                        <a:schemeClr val="accent1">
+                          <a:lumMod val="60000"/>
+                          <a:lumOff val="40000"/>
+                        </a:schemeClr>
+                      </a:solidFill>
+                      <a:prstDash val="solid"/>
+                      <a:round/>
+                      <a:headEnd type="none" w="med" len="med"/>
+                      <a:tailEnd type="none" w="med" len="med"/>
+                    </a:lnT>
+                    <a:lnB w="12700" cap="flat" cmpd="sng" algn="ctr">
+                      <a:solidFill>
+                        <a:schemeClr val="accent1">
+                          <a:lumMod val="60000"/>
+                          <a:lumOff val="40000"/>
+                        </a:schemeClr>
+                      </a:solidFill>
+                      <a:prstDash val="solid"/>
+                      <a:round/>
+                      <a:headEnd type="none" w="med" len="med"/>
+                      <a:tailEnd type="none" w="med" len="med"/>
+                    </a:lnB>
+                    <a:lnTlToBr w="12700" cmpd="sng">
+                      <a:noFill/>
+                      <a:prstDash val="solid"/>
+                    </a:lnTlToBr>
+                    <a:lnBlToTr w="12700" cmpd="sng">
+                      <a:noFill/>
+                      <a:prstDash val="solid"/>
+                    </a:lnBlToTr>
+                    <a:solidFill>
+                      <a:schemeClr val="tx1"/>
+                    </a:solidFill>
+                  </a:tcPr>
+                </a:tc>
+                <a:extLst>
+                  <a:ext uri="{0D108BD9-81ED-4DB2-BD59-A6C34878D82A}">
+                    <a16:rowId xmlns:a16="http://schemas.microsoft.com/office/drawing/2014/main" val="2135740041"/>
+                  </a:ext>
+                </a:extLst>
+              </a:tr>
+              <a:tr h="252000">
+                <a:tc>
+                  <a:txBody>
+                    <a:bodyPr/>
+                    <a:lstStyle/>
+                    <a:p>
+                      <a:pPr algn="l"/>
+                      <a:r>
+                        <a:rPr lang="en-US" sz="1200" dirty="0">
+                          <a:solidFill>
+                            <a:prstClr val="white"/>
+                          </a:solidFill>
+                          <a:latin typeface="Calibri Light" panose="020F0302020204030204"/>
+                        </a:rPr>
+                        <a:t>Legacy</a:t>
+                      </a:r>
+                      <a:endParaRPr lang="en-US" sz="1200" noProof="0" dirty="0">
+                        <a:solidFill>
+                          <a:schemeClr val="bg1"/>
+                        </a:solidFill>
+                        <a:latin typeface="+mj-lt"/>
+                      </a:endParaRPr>
+                    </a:p>
+                  </a:txBody>
+                  <a:tcPr marL="36000" marR="36000" marT="36000" marB="36000" anchor="ctr">
+                    <a:lnL w="12700" cap="flat" cmpd="sng" algn="ctr">
+                      <a:solidFill>
+                        <a:schemeClr val="accent1">
+                          <a:lumMod val="60000"/>
+                          <a:lumOff val="40000"/>
+                        </a:schemeClr>
+                      </a:solidFill>
+                      <a:prstDash val="solid"/>
+                      <a:round/>
+                      <a:headEnd type="none" w="med" len="med"/>
+                      <a:tailEnd type="none" w="med" len="med"/>
+                    </a:lnL>
+                    <a:lnR w="12700" cap="flat" cmpd="sng" algn="ctr">
+                      <a:solidFill>
+                        <a:schemeClr val="accent1">
+                          <a:lumMod val="60000"/>
+                          <a:lumOff val="40000"/>
+                        </a:schemeClr>
+                      </a:solidFill>
+                      <a:prstDash val="solid"/>
+                      <a:round/>
+                      <a:headEnd type="none" w="med" len="med"/>
+                      <a:tailEnd type="none" w="med" len="med"/>
+                    </a:lnR>
+                    <a:lnT w="12700" cap="flat" cmpd="sng" algn="ctr">
+                      <a:solidFill>
+                        <a:schemeClr val="accent1">
+                          <a:lumMod val="60000"/>
+                          <a:lumOff val="40000"/>
+                        </a:schemeClr>
+                      </a:solidFill>
+                      <a:prstDash val="solid"/>
+                      <a:round/>
+                      <a:headEnd type="none" w="med" len="med"/>
+                      <a:tailEnd type="none" w="med" len="med"/>
+                    </a:lnT>
+                    <a:lnB w="12700" cap="flat" cmpd="sng" algn="ctr">
+                      <a:solidFill>
+                        <a:schemeClr val="accent1">
+                          <a:lumMod val="60000"/>
+                          <a:lumOff val="40000"/>
+                        </a:schemeClr>
+                      </a:solidFill>
+                      <a:prstDash val="solid"/>
+                      <a:round/>
+                      <a:headEnd type="none" w="med" len="med"/>
+                      <a:tailEnd type="none" w="med" len="med"/>
+                    </a:lnB>
+                    <a:lnTlToBr w="12700" cmpd="sng">
+                      <a:noFill/>
+                      <a:prstDash val="solid"/>
+                    </a:lnTlToBr>
+                    <a:lnBlToTr w="12700" cmpd="sng">
+                      <a:noFill/>
+                      <a:prstDash val="solid"/>
+                    </a:lnBlToTr>
+                    <a:solidFill>
+                      <a:schemeClr val="accent1">
+                        <a:lumMod val="75000"/>
+                      </a:schemeClr>
+                    </a:solidFill>
+                  </a:tcPr>
+                </a:tc>
+                <a:tc>
+                  <a:txBody>
+                    <a:bodyPr/>
+                    <a:lstStyle/>
+                    <a:p>
+                      <a:pPr marL="171450" indent="-171450" algn="l">
+                        <a:buFont typeface="Arial" panose="020B0604020202020204" pitchFamily="34" charset="0"/>
+                        <a:buChar char="•"/>
+                      </a:pPr>
+                      <a:r>
+                        <a:rPr lang="en-US" sz="1200" dirty="0">
+                          <a:solidFill>
+                            <a:prstClr val="white"/>
+                          </a:solidFill>
+                          <a:latin typeface="Calibri Light" panose="020F0302020204030204"/>
+                        </a:rPr>
+                        <a:t>&gt; Python 3.3 </a:t>
+                      </a:r>
+                      <a:endParaRPr lang="en-US" sz="1200" noProof="0" dirty="0">
+                        <a:solidFill>
+                          <a:schemeClr val="bg1"/>
+                        </a:solidFill>
+                        <a:latin typeface="+mj-lt"/>
+                      </a:endParaRPr>
+                    </a:p>
+                  </a:txBody>
+                  <a:tcPr marL="36000" marR="36000" marT="36000" marB="36000" anchor="ctr">
+                    <a:lnL w="12700" cap="flat" cmpd="sng" algn="ctr">
+                      <a:solidFill>
+                        <a:schemeClr val="accent1">
+                          <a:lumMod val="60000"/>
+                          <a:lumOff val="40000"/>
+                        </a:schemeClr>
+                      </a:solidFill>
+                      <a:prstDash val="solid"/>
+                      <a:round/>
+                      <a:headEnd type="none" w="med" len="med"/>
+                      <a:tailEnd type="none" w="med" len="med"/>
+                    </a:lnL>
+                    <a:lnR w="12700" cap="flat" cmpd="sng" algn="ctr">
+                      <a:solidFill>
+                        <a:schemeClr val="accent1">
+                          <a:lumMod val="60000"/>
+                          <a:lumOff val="40000"/>
+                        </a:schemeClr>
+                      </a:solidFill>
+                      <a:prstDash val="solid"/>
+                      <a:round/>
+                      <a:headEnd type="none" w="med" len="med"/>
+                      <a:tailEnd type="none" w="med" len="med"/>
+                    </a:lnR>
+                    <a:lnT w="12700" cap="flat" cmpd="sng" algn="ctr">
+                      <a:solidFill>
+                        <a:schemeClr val="accent1">
+                          <a:lumMod val="60000"/>
+                          <a:lumOff val="40000"/>
+                        </a:schemeClr>
+                      </a:solidFill>
+                      <a:prstDash val="solid"/>
+                      <a:round/>
+                      <a:headEnd type="none" w="med" len="med"/>
+                      <a:tailEnd type="none" w="med" len="med"/>
+                    </a:lnT>
+                    <a:lnB w="12700" cap="flat" cmpd="sng" algn="ctr">
+                      <a:solidFill>
+                        <a:schemeClr val="accent1">
+                          <a:lumMod val="60000"/>
+                          <a:lumOff val="40000"/>
+                        </a:schemeClr>
+                      </a:solidFill>
+                      <a:prstDash val="solid"/>
+                      <a:round/>
+                      <a:headEnd type="none" w="med" len="med"/>
+                      <a:tailEnd type="none" w="med" len="med"/>
+                    </a:lnB>
+                    <a:lnTlToBr w="12700" cmpd="sng">
+                      <a:noFill/>
+                      <a:prstDash val="solid"/>
+                    </a:lnTlToBr>
+                    <a:lnBlToTr w="12700" cmpd="sng">
+                      <a:noFill/>
+                      <a:prstDash val="solid"/>
+                    </a:lnBlToTr>
+                    <a:solidFill>
+                      <a:schemeClr val="tx1"/>
+                    </a:solidFill>
+                  </a:tcPr>
+                </a:tc>
+                <a:tc>
+                  <a:txBody>
+                    <a:bodyPr/>
+                    <a:lstStyle/>
+                    <a:p>
+                      <a:pPr marL="171450" indent="-171450" algn="l">
+                        <a:buFont typeface="Arial" panose="020B0604020202020204" pitchFamily="34" charset="0"/>
+                        <a:buChar char="•"/>
+                      </a:pPr>
+                      <a:r>
+                        <a:rPr lang="en-US" sz="1200" dirty="0">
+                          <a:solidFill>
+                            <a:prstClr val="white"/>
+                          </a:solidFill>
+                          <a:latin typeface="Calibri Light" panose="020F0302020204030204"/>
+                        </a:rPr>
+                        <a:t>better</a:t>
+                      </a:r>
+                      <a:endParaRPr lang="en-US" sz="1200" noProof="0" dirty="0">
+                        <a:solidFill>
+                          <a:schemeClr val="bg1"/>
+                        </a:solidFill>
+                        <a:latin typeface="+mj-lt"/>
+                      </a:endParaRPr>
+                    </a:p>
+                  </a:txBody>
+                  <a:tcPr marL="36000" marR="36000" marT="36000" marB="36000" anchor="ctr">
+                    <a:lnL w="12700" cap="flat" cmpd="sng" algn="ctr">
+                      <a:solidFill>
+                        <a:schemeClr val="accent1">
+                          <a:lumMod val="60000"/>
+                          <a:lumOff val="40000"/>
+                        </a:schemeClr>
+                      </a:solidFill>
+                      <a:prstDash val="solid"/>
+                      <a:round/>
+                      <a:headEnd type="none" w="med" len="med"/>
+                      <a:tailEnd type="none" w="med" len="med"/>
+                    </a:lnL>
+                    <a:lnR w="12700" cap="flat" cmpd="sng" algn="ctr">
+                      <a:solidFill>
+                        <a:schemeClr val="accent1">
+                          <a:lumMod val="60000"/>
+                          <a:lumOff val="40000"/>
+                        </a:schemeClr>
+                      </a:solidFill>
+                      <a:prstDash val="solid"/>
+                      <a:round/>
+                      <a:headEnd type="none" w="med" len="med"/>
+                      <a:tailEnd type="none" w="med" len="med"/>
+                    </a:lnR>
+                    <a:lnT w="12700" cap="flat" cmpd="sng" algn="ctr">
+                      <a:solidFill>
+                        <a:schemeClr val="accent1">
+                          <a:lumMod val="60000"/>
+                          <a:lumOff val="40000"/>
+                        </a:schemeClr>
+                      </a:solidFill>
+                      <a:prstDash val="solid"/>
+                      <a:round/>
+                      <a:headEnd type="none" w="med" len="med"/>
+                      <a:tailEnd type="none" w="med" len="med"/>
+                    </a:lnT>
+                    <a:lnB w="12700" cap="flat" cmpd="sng" algn="ctr">
+                      <a:solidFill>
+                        <a:schemeClr val="accent1">
+                          <a:lumMod val="60000"/>
+                          <a:lumOff val="40000"/>
+                        </a:schemeClr>
+                      </a:solidFill>
+                      <a:prstDash val="solid"/>
+                      <a:round/>
+                      <a:headEnd type="none" w="med" len="med"/>
+                      <a:tailEnd type="none" w="med" len="med"/>
+                    </a:lnB>
+                    <a:lnTlToBr w="12700" cmpd="sng">
+                      <a:noFill/>
+                      <a:prstDash val="solid"/>
+                    </a:lnTlToBr>
+                    <a:lnBlToTr w="12700" cmpd="sng">
+                      <a:noFill/>
+                      <a:prstDash val="solid"/>
+                    </a:lnBlToTr>
+                    <a:solidFill>
+                      <a:schemeClr val="tx1"/>
+                    </a:solidFill>
+                  </a:tcPr>
+                </a:tc>
+                <a:extLst>
+                  <a:ext uri="{0D108BD9-81ED-4DB2-BD59-A6C34878D82A}">
+                    <a16:rowId xmlns:a16="http://schemas.microsoft.com/office/drawing/2014/main" val="2780698236"/>
+                  </a:ext>
+                </a:extLst>
+              </a:tr>
+            </a:tbl>
+          </a:graphicData>
+        </a:graphic>
+      </p:graphicFrame>
+    </p:spTree>
+    <p:extLst>
+      <p:ext uri="{BB962C8B-B14F-4D97-AF65-F5344CB8AC3E}">
+        <p14:creationId xmlns:p14="http://schemas.microsoft.com/office/powerpoint/2010/main" val="1179103907"/>
+      </p:ext>
+    </p:extLst>
+  </p:cSld>
+  <p:clrMapOvr>
+    <a:masterClrMapping/>
+  </p:clrMapOvr>
+</p:sld>
+</file>
+
+<file path=ppt/slides/slide6.xml><?xml version="1.0" encoding="utf-8"?>
+<p:sld xmlns:a="http://schemas.openxmlformats.org/drawingml/2006/main" xmlns:r="http://schemas.openxmlformats.org/officeDocument/2006/relationships" xmlns:p="http://schemas.openxmlformats.org/presentationml/2006/main">
+  <p:cSld>
+    <p:bg>
+      <p:bgPr>
+        <a:solidFill>
+          <a:schemeClr val="tx1"/>
+        </a:solidFill>
+        <a:effectLst/>
+      </p:bgPr>
+    </p:bg>
+    <p:spTree>
+      <p:nvGrpSpPr>
+        <p:cNvPr id="1" name="">
+          <a:extLst>
+            <a:ext uri="{FF2B5EF4-FFF2-40B4-BE49-F238E27FC236}">
+              <a16:creationId xmlns:a16="http://schemas.microsoft.com/office/drawing/2014/main" id="{1F2091F8-37E5-6B72-42AE-BFEB3C52EF3D}"/>
+            </a:ext>
+          </a:extLst>
+        </p:cNvPr>
+        <p:cNvGrpSpPr/>
+        <p:nvPr/>
+      </p:nvGrpSpPr>
+      <p:grpSpPr>
+        <a:xfrm>
+          <a:off x="0" y="0"/>
+          <a:ext cx="0" cy="0"/>
+          <a:chOff x="0" y="0"/>
+          <a:chExt cx="0" cy="0"/>
+        </a:xfrm>
+      </p:grpSpPr>
+      <p:graphicFrame>
+        <p:nvGraphicFramePr>
+          <p:cNvPr id="13" name="Table 12">
+            <a:extLst>
+              <a:ext uri="{FF2B5EF4-FFF2-40B4-BE49-F238E27FC236}">
+                <a16:creationId xmlns:a16="http://schemas.microsoft.com/office/drawing/2014/main" id="{7F130213-1DA3-53F0-4A81-122A514C315D}"/>
+              </a:ext>
+            </a:extLst>
+          </p:cNvPr>
+          <p:cNvGraphicFramePr>
+            <a:graphicFrameLocks noGrp="1"/>
+          </p:cNvGraphicFramePr>
+          <p:nvPr>
+            <p:extLst>
+              <p:ext uri="{D42A27DB-BD31-4B8C-83A1-F6EECF244321}">
+                <p14:modId xmlns:p14="http://schemas.microsoft.com/office/powerpoint/2010/main" val="810498751"/>
+              </p:ext>
+            </p:extLst>
+          </p:nvPr>
+        </p:nvGraphicFramePr>
+        <p:xfrm>
+          <a:off x="961997" y="293116"/>
+          <a:ext cx="6787679" cy="2332800"/>
+        </p:xfrm>
+        <a:graphic>
+          <a:graphicData uri="http://schemas.openxmlformats.org/drawingml/2006/table">
+            <a:tbl>
+              <a:tblPr firstRow="1" firstCol="1">
+                <a:effectLst>
+                  <a:outerShdw blurRad="50800" dist="63500" dir="2700000" algn="tl" rotWithShape="0">
+                    <a:schemeClr val="bg1">
+                      <a:alpha val="40000"/>
+                    </a:schemeClr>
+                  </a:outerShdw>
+                </a:effectLst>
+                <a:tableStyleId>{5C22544A-7EE6-4342-B048-85BDC9FD1C3A}</a:tableStyleId>
+              </a:tblPr>
+              <a:tblGrid>
+                <a:gridCol w="1362574">
+                  <a:extLst>
+                    <a:ext uri="{9D8B030D-6E8A-4147-A177-3AD203B41FA5}">
+                      <a16:colId xmlns:a16="http://schemas.microsoft.com/office/drawing/2014/main" val="685951630"/>
+                    </a:ext>
+                  </a:extLst>
+                </a:gridCol>
+                <a:gridCol w="3777225">
+                  <a:extLst>
+                    <a:ext uri="{9D8B030D-6E8A-4147-A177-3AD203B41FA5}">
+                      <a16:colId xmlns:a16="http://schemas.microsoft.com/office/drawing/2014/main" val="218214065"/>
+                    </a:ext>
+                  </a:extLst>
+                </a:gridCol>
+                <a:gridCol w="1647880">
+                  <a:extLst>
+                    <a:ext uri="{9D8B030D-6E8A-4147-A177-3AD203B41FA5}">
+                      <a16:colId xmlns:a16="http://schemas.microsoft.com/office/drawing/2014/main" val="4250802060"/>
+                    </a:ext>
+                  </a:extLst>
+                </a:gridCol>
+              </a:tblGrid>
+              <a:tr h="0">
+                <a:tc>
+                  <a:txBody>
+                    <a:bodyPr/>
+                    <a:lstStyle/>
+                    <a:p>
+                      <a:pPr algn="ctr"/>
+                      <a:endParaRPr lang="en-US" sz="1200" noProof="0" dirty="0">
+                        <a:latin typeface="+mj-lt"/>
+                      </a:endParaRPr>
+                    </a:p>
+                  </a:txBody>
+                  <a:tcPr marL="36000" marR="36000" marT="36000" marB="36000" anchor="ctr">
+                    <a:lnL w="12700" cap="flat" cmpd="sng" algn="ctr">
+                      <a:noFill/>
+                      <a:prstDash val="solid"/>
+                      <a:round/>
+                      <a:headEnd type="none" w="med" len="med"/>
+                      <a:tailEnd type="none" w="med" len="med"/>
+                    </a:lnL>
+                    <a:lnR w="12700" cap="flat" cmpd="sng" algn="ctr">
+                      <a:noFill/>
+                      <a:prstDash val="solid"/>
+                      <a:round/>
+                      <a:headEnd type="none" w="med" len="med"/>
+                      <a:tailEnd type="none" w="med" len="med"/>
+                    </a:lnR>
+                    <a:lnT w="12700" cap="flat" cmpd="sng" algn="ctr">
+                      <a:noFill/>
+                      <a:prstDash val="solid"/>
+                      <a:round/>
+                      <a:headEnd type="none" w="med" len="med"/>
+                      <a:tailEnd type="none" w="med" len="med"/>
+                    </a:lnT>
+                    <a:lnB w="12700" cap="flat" cmpd="sng" algn="ctr">
+                      <a:solidFill>
+                        <a:schemeClr val="accent1">
+                          <a:lumMod val="60000"/>
+                          <a:lumOff val="40000"/>
+                        </a:schemeClr>
+                      </a:solidFill>
+                      <a:prstDash val="solid"/>
+                      <a:round/>
+                      <a:headEnd type="none" w="med" len="med"/>
+                      <a:tailEnd type="none" w="med" len="med"/>
+                    </a:lnB>
+                    <a:lnTlToBr w="12700" cmpd="sng">
+                      <a:noFill/>
+                      <a:prstDash val="solid"/>
+                    </a:lnTlToBr>
+                    <a:lnBlToTr w="12700" cmpd="sng">
+                      <a:noFill/>
+                      <a:prstDash val="solid"/>
+                    </a:lnBlToTr>
+                    <a:noFill/>
+                  </a:tcPr>
+                </a:tc>
+                <a:tc>
+                  <a:txBody>
+                    <a:bodyPr/>
+                    <a:lstStyle/>
+                    <a:p>
+                      <a:pPr algn="ctr"/>
+                      <a:r>
+                        <a:rPr lang="en-US" sz="1200" noProof="0" dirty="0">
+                          <a:latin typeface="+mj-lt"/>
+                          <a:hlinkClick r:id="rId2"/>
+                        </a:rPr>
+                        <a:t>pipenv</a:t>
+                      </a:r>
+                      <a:r>
+                        <a:rPr lang="en-US" sz="1200" noProof="0" dirty="0">
+                          <a:latin typeface="+mj-lt"/>
+                        </a:rPr>
+                        <a:t> </a:t>
+                      </a:r>
+                    </a:p>
+                  </a:txBody>
+                  <a:tcPr marL="36000" marR="36000" marT="36000" marB="36000" anchor="ctr">
+                    <a:lnL w="12700" cap="flat" cmpd="sng" algn="ctr">
+                      <a:noFill/>
+                      <a:prstDash val="solid"/>
+                      <a:round/>
+                      <a:headEnd type="none" w="med" len="med"/>
+                      <a:tailEnd type="none" w="med" len="med"/>
+                    </a:lnL>
+                    <a:lnR w="12700" cap="flat" cmpd="sng" algn="ctr">
+                      <a:solidFill>
+                        <a:schemeClr val="accent1">
+                          <a:lumMod val="60000"/>
+                          <a:lumOff val="40000"/>
+                        </a:schemeClr>
+                      </a:solidFill>
+                      <a:prstDash val="solid"/>
+                      <a:round/>
+                      <a:headEnd type="none" w="med" len="med"/>
+                      <a:tailEnd type="none" w="med" len="med"/>
+                    </a:lnR>
+                    <a:lnT w="12700" cap="flat" cmpd="sng" algn="ctr">
+                      <a:solidFill>
+                        <a:schemeClr val="accent1">
+                          <a:lumMod val="60000"/>
+                          <a:lumOff val="40000"/>
+                        </a:schemeClr>
+                      </a:solidFill>
+                      <a:prstDash val="solid"/>
+                      <a:round/>
+                      <a:headEnd type="none" w="med" len="med"/>
+                      <a:tailEnd type="none" w="med" len="med"/>
+                    </a:lnT>
+                    <a:lnB w="12700" cap="flat" cmpd="sng" algn="ctr">
+                      <a:solidFill>
+                        <a:schemeClr val="accent1">
+                          <a:lumMod val="60000"/>
+                          <a:lumOff val="40000"/>
+                        </a:schemeClr>
+                      </a:solidFill>
+                      <a:prstDash val="solid"/>
+                      <a:round/>
+                      <a:headEnd type="none" w="med" len="med"/>
+                      <a:tailEnd type="none" w="med" len="med"/>
+                    </a:lnB>
+                    <a:lnTlToBr w="12700" cmpd="sng">
+                      <a:noFill/>
+                      <a:prstDash val="solid"/>
+                    </a:lnTlToBr>
+                    <a:lnBlToTr w="12700" cmpd="sng">
+                      <a:noFill/>
+                      <a:prstDash val="solid"/>
+                    </a:lnBlToTr>
+                    <a:solidFill>
+                      <a:schemeClr val="accent4">
+                        <a:lumMod val="50000"/>
+                      </a:schemeClr>
+                    </a:solidFill>
+                  </a:tcPr>
+                </a:tc>
+                <a:tc>
+                  <a:txBody>
+                    <a:bodyPr/>
+                    <a:lstStyle/>
+                    <a:p>
+                      <a:pPr algn="ctr"/>
+                      <a:r>
+                        <a:rPr lang="en-US" sz="1200" noProof="0" dirty="0">
+                          <a:latin typeface="+mj-lt"/>
+                        </a:rPr>
+                        <a:t>poetry</a:t>
+                      </a:r>
+                    </a:p>
+                  </a:txBody>
+                  <a:tcPr marL="36000" marR="36000" marT="36000" marB="36000" anchor="ctr">
+                    <a:lnL w="12700" cap="flat" cmpd="sng" algn="ctr">
+                      <a:solidFill>
+                        <a:schemeClr val="accent1">
+                          <a:lumMod val="60000"/>
+                          <a:lumOff val="40000"/>
+                        </a:schemeClr>
+                      </a:solidFill>
+                      <a:prstDash val="solid"/>
+                      <a:round/>
+                      <a:headEnd type="none" w="med" len="med"/>
+                      <a:tailEnd type="none" w="med" len="med"/>
+                    </a:lnL>
+                    <a:lnR w="12700" cap="flat" cmpd="sng" algn="ctr">
+                      <a:solidFill>
+                        <a:schemeClr val="accent1">
+                          <a:lumMod val="60000"/>
+                          <a:lumOff val="40000"/>
+                        </a:schemeClr>
+                      </a:solidFill>
+                      <a:prstDash val="solid"/>
+                      <a:round/>
+                      <a:headEnd type="none" w="med" len="med"/>
+                      <a:tailEnd type="none" w="med" len="med"/>
+                    </a:lnR>
+                    <a:lnT w="12700" cap="flat" cmpd="sng" algn="ctr">
+                      <a:solidFill>
+                        <a:schemeClr val="accent1">
+                          <a:lumMod val="60000"/>
+                          <a:lumOff val="40000"/>
+                        </a:schemeClr>
+                      </a:solidFill>
+                      <a:prstDash val="solid"/>
+                      <a:round/>
+                      <a:headEnd type="none" w="med" len="med"/>
+                      <a:tailEnd type="none" w="med" len="med"/>
+                    </a:lnT>
+                    <a:lnB w="12700" cap="flat" cmpd="sng" algn="ctr">
+                      <a:solidFill>
+                        <a:schemeClr val="accent1">
+                          <a:lumMod val="60000"/>
+                          <a:lumOff val="40000"/>
+                        </a:schemeClr>
+                      </a:solidFill>
+                      <a:prstDash val="solid"/>
+                      <a:round/>
+                      <a:headEnd type="none" w="med" len="med"/>
+                      <a:tailEnd type="none" w="med" len="med"/>
+                    </a:lnB>
+                    <a:lnTlToBr w="12700" cmpd="sng">
+                      <a:noFill/>
+                      <a:prstDash val="solid"/>
+                    </a:lnTlToBr>
+                    <a:lnBlToTr w="12700" cmpd="sng">
+                      <a:noFill/>
+                      <a:prstDash val="solid"/>
+                    </a:lnBlToTr>
+                    <a:solidFill>
+                      <a:schemeClr val="accent4">
+                        <a:lumMod val="50000"/>
+                      </a:schemeClr>
+                    </a:solidFill>
+                  </a:tcPr>
+                </a:tc>
+                <a:extLst>
+                  <a:ext uri="{0D108BD9-81ED-4DB2-BD59-A6C34878D82A}">
+                    <a16:rowId xmlns:a16="http://schemas.microsoft.com/office/drawing/2014/main" val="173504972"/>
+                  </a:ext>
+                </a:extLst>
+              </a:tr>
+              <a:tr h="0">
+                <a:tc>
+                  <a:txBody>
+                    <a:bodyPr/>
+                    <a:lstStyle/>
+                    <a:p>
+                      <a:pPr algn="l"/>
+                      <a:r>
+                        <a:rPr lang="en-US" sz="1200" noProof="0" dirty="0">
+                          <a:solidFill>
+                            <a:schemeClr val="bg1"/>
+                          </a:solidFill>
+                          <a:latin typeface="+mj-lt"/>
+                        </a:rPr>
+                        <a:t>environments</a:t>
+                      </a:r>
+                    </a:p>
+                  </a:txBody>
+                  <a:tcPr marL="36000" marR="36000" marT="36000" marB="36000" anchor="ctr">
+                    <a:lnL w="12700" cap="flat" cmpd="sng" algn="ctr">
+                      <a:solidFill>
+                        <a:schemeClr val="accent1">
+                          <a:lumMod val="60000"/>
+                          <a:lumOff val="40000"/>
+                        </a:schemeClr>
+                      </a:solidFill>
+                      <a:prstDash val="solid"/>
+                      <a:round/>
+                      <a:headEnd type="none" w="med" len="med"/>
+                      <a:tailEnd type="none" w="med" len="med"/>
+                    </a:lnL>
+                    <a:lnR w="12700" cap="flat" cmpd="sng" algn="ctr">
+                      <a:solidFill>
+                        <a:schemeClr val="accent1">
+                          <a:lumMod val="60000"/>
+                          <a:lumOff val="40000"/>
+                        </a:schemeClr>
+                      </a:solidFill>
+                      <a:prstDash val="solid"/>
+                      <a:round/>
+                      <a:headEnd type="none" w="med" len="med"/>
+                      <a:tailEnd type="none" w="med" len="med"/>
+                    </a:lnR>
+                    <a:lnT w="12700" cap="flat" cmpd="sng" algn="ctr">
+                      <a:solidFill>
+                        <a:schemeClr val="accent1">
+                          <a:lumMod val="60000"/>
+                          <a:lumOff val="40000"/>
+                        </a:schemeClr>
+                      </a:solidFill>
+                      <a:prstDash val="solid"/>
+                      <a:round/>
+                      <a:headEnd type="none" w="med" len="med"/>
+                      <a:tailEnd type="none" w="med" len="med"/>
+                    </a:lnT>
+                    <a:lnB w="12700" cap="flat" cmpd="sng" algn="ctr">
+                      <a:solidFill>
+                        <a:schemeClr val="accent1">
+                          <a:lumMod val="60000"/>
+                          <a:lumOff val="40000"/>
+                        </a:schemeClr>
+                      </a:solidFill>
+                      <a:prstDash val="solid"/>
+                      <a:round/>
+                      <a:headEnd type="none" w="med" len="med"/>
+                      <a:tailEnd type="none" w="med" len="med"/>
+                    </a:lnB>
+                    <a:lnTlToBr w="12700" cmpd="sng">
+                      <a:noFill/>
+                      <a:prstDash val="solid"/>
+                    </a:lnTlToBr>
+                    <a:lnBlToTr w="12700" cmpd="sng">
+                      <a:noFill/>
+                      <a:prstDash val="solid"/>
+                    </a:lnBlToTr>
+                    <a:solidFill>
+                      <a:schemeClr val="accent4">
+                        <a:lumMod val="50000"/>
+                      </a:schemeClr>
+                    </a:solidFill>
+                  </a:tcPr>
+                </a:tc>
+                <a:tc>
+                  <a:txBody>
+                    <a:bodyPr/>
+                    <a:lstStyle/>
+                    <a:p>
+                      <a:pPr marL="171450" indent="-171450" algn="l">
+                        <a:buFont typeface="Arial" panose="020B0604020202020204" pitchFamily="34" charset="0"/>
+                        <a:buChar char="•"/>
+                      </a:pPr>
+                      <a:r>
+                        <a:rPr lang="en-US" sz="1200" noProof="0" dirty="0">
+                          <a:solidFill>
+                            <a:prstClr val="white"/>
+                          </a:solidFill>
+                          <a:latin typeface="+mj-lt"/>
+                        </a:rPr>
+                        <a:t>automatically</a:t>
+                      </a:r>
+                      <a:endParaRPr lang="en-US" sz="1200" noProof="0" dirty="0">
+                        <a:latin typeface="+mj-lt"/>
+                      </a:endParaRPr>
+                    </a:p>
+                  </a:txBody>
+                  <a:tcPr marL="36000" marR="36000" marT="36000" marB="36000" anchor="ctr">
+                    <a:lnL w="12700" cap="flat" cmpd="sng" algn="ctr">
+                      <a:solidFill>
+                        <a:schemeClr val="accent1">
+                          <a:lumMod val="60000"/>
+                          <a:lumOff val="40000"/>
+                        </a:schemeClr>
+                      </a:solidFill>
+                      <a:prstDash val="solid"/>
+                      <a:round/>
+                      <a:headEnd type="none" w="med" len="med"/>
+                      <a:tailEnd type="none" w="med" len="med"/>
+                    </a:lnL>
+                    <a:lnR w="12700" cap="flat" cmpd="sng" algn="ctr">
+                      <a:solidFill>
+                        <a:schemeClr val="accent1">
+                          <a:lumMod val="60000"/>
+                          <a:lumOff val="40000"/>
+                        </a:schemeClr>
+                      </a:solidFill>
+                      <a:prstDash val="solid"/>
+                      <a:round/>
+                      <a:headEnd type="none" w="med" len="med"/>
+                      <a:tailEnd type="none" w="med" len="med"/>
+                    </a:lnR>
+                    <a:lnT w="12700" cap="flat" cmpd="sng" algn="ctr">
+                      <a:solidFill>
+                        <a:schemeClr val="accent1">
+                          <a:lumMod val="60000"/>
+                          <a:lumOff val="40000"/>
+                        </a:schemeClr>
+                      </a:solidFill>
+                      <a:prstDash val="solid"/>
+                      <a:round/>
+                      <a:headEnd type="none" w="med" len="med"/>
+                      <a:tailEnd type="none" w="med" len="med"/>
+                    </a:lnT>
+                    <a:lnB w="12700" cap="flat" cmpd="sng" algn="ctr">
+                      <a:solidFill>
+                        <a:schemeClr val="accent1">
+                          <a:lumMod val="60000"/>
+                          <a:lumOff val="40000"/>
+                        </a:schemeClr>
+                      </a:solidFill>
+                      <a:prstDash val="solid"/>
+                      <a:round/>
+                      <a:headEnd type="none" w="med" len="med"/>
+                      <a:tailEnd type="none" w="med" len="med"/>
+                    </a:lnB>
+                    <a:lnTlToBr w="12700" cmpd="sng">
+                      <a:noFill/>
+                      <a:prstDash val="solid"/>
+                    </a:lnTlToBr>
+                    <a:lnBlToTr w="12700" cmpd="sng">
+                      <a:noFill/>
+                      <a:prstDash val="solid"/>
+                    </a:lnBlToTr>
+                    <a:solidFill>
+                      <a:schemeClr val="tx1"/>
+                    </a:solidFill>
+                  </a:tcPr>
+                </a:tc>
+                <a:tc>
+                  <a:txBody>
+                    <a:bodyPr/>
+                    <a:lstStyle/>
+                    <a:p>
+                      <a:pPr marL="171450" indent="-171450" algn="l">
+                        <a:buFont typeface="Arial" panose="020B0604020202020204" pitchFamily="34" charset="0"/>
+                        <a:buChar char="•"/>
+                      </a:pPr>
+                      <a:endParaRPr lang="en-US" sz="1200" noProof="0" dirty="0">
+                        <a:latin typeface="+mj-lt"/>
+                      </a:endParaRPr>
+                    </a:p>
+                  </a:txBody>
+                  <a:tcPr marL="36000" marR="36000" marT="36000" marB="36000" anchor="ctr">
+                    <a:lnL w="12700" cap="flat" cmpd="sng" algn="ctr">
+                      <a:solidFill>
+                        <a:schemeClr val="accent1">
+                          <a:lumMod val="60000"/>
+                          <a:lumOff val="40000"/>
+                        </a:schemeClr>
+                      </a:solidFill>
+                      <a:prstDash val="solid"/>
+                      <a:round/>
+                      <a:headEnd type="none" w="med" len="med"/>
+                      <a:tailEnd type="none" w="med" len="med"/>
+                    </a:lnL>
+                    <a:lnR w="12700" cap="flat" cmpd="sng" algn="ctr">
+                      <a:solidFill>
+                        <a:schemeClr val="accent1">
+                          <a:lumMod val="60000"/>
+                          <a:lumOff val="40000"/>
+                        </a:schemeClr>
+                      </a:solidFill>
+                      <a:prstDash val="solid"/>
+                      <a:round/>
+                      <a:headEnd type="none" w="med" len="med"/>
+                      <a:tailEnd type="none" w="med" len="med"/>
+                    </a:lnR>
+                    <a:lnT w="12700" cap="flat" cmpd="sng" algn="ctr">
+                      <a:solidFill>
+                        <a:schemeClr val="accent1">
+                          <a:lumMod val="60000"/>
+                          <a:lumOff val="40000"/>
+                        </a:schemeClr>
+                      </a:solidFill>
+                      <a:prstDash val="solid"/>
+                      <a:round/>
+                      <a:headEnd type="none" w="med" len="med"/>
+                      <a:tailEnd type="none" w="med" len="med"/>
+                    </a:lnT>
+                    <a:lnB w="12700" cap="flat" cmpd="sng" algn="ctr">
+                      <a:solidFill>
+                        <a:schemeClr val="accent1">
+                          <a:lumMod val="60000"/>
+                          <a:lumOff val="40000"/>
+                        </a:schemeClr>
+                      </a:solidFill>
+                      <a:prstDash val="solid"/>
+                      <a:round/>
+                      <a:headEnd type="none" w="med" len="med"/>
+                      <a:tailEnd type="none" w="med" len="med"/>
+                    </a:lnB>
+                    <a:lnTlToBr w="12700" cmpd="sng">
+                      <a:noFill/>
+                      <a:prstDash val="solid"/>
+                    </a:lnTlToBr>
+                    <a:lnBlToTr w="12700" cmpd="sng">
+                      <a:noFill/>
+                      <a:prstDash val="solid"/>
+                    </a:lnBlToTr>
+                    <a:solidFill>
+                      <a:schemeClr val="tx1"/>
+                    </a:solidFill>
+                  </a:tcPr>
+                </a:tc>
+                <a:extLst>
+                  <a:ext uri="{0D108BD9-81ED-4DB2-BD59-A6C34878D82A}">
+                    <a16:rowId xmlns:a16="http://schemas.microsoft.com/office/drawing/2014/main" val="856270370"/>
+                  </a:ext>
+                </a:extLst>
+              </a:tr>
+              <a:tr h="0">
+                <a:tc>
+                  <a:txBody>
+                    <a:bodyPr/>
+                    <a:lstStyle/>
+                    <a:p>
+                      <a:pPr algn="l"/>
+                      <a:r>
+                        <a:rPr lang="en-US" sz="1200" noProof="0" dirty="0">
+                          <a:solidFill>
+                            <a:schemeClr val="bg1"/>
+                          </a:solidFill>
+                          <a:latin typeface="+mj-lt"/>
+                        </a:rPr>
+                        <a:t>dependency </a:t>
+                      </a:r>
+                    </a:p>
+                  </a:txBody>
+                  <a:tcPr marL="36000" marR="36000" marT="36000" marB="36000" anchor="ctr">
+                    <a:lnL w="12700" cap="flat" cmpd="sng" algn="ctr">
+                      <a:solidFill>
+                        <a:schemeClr val="accent1">
+                          <a:lumMod val="60000"/>
+                          <a:lumOff val="40000"/>
+                        </a:schemeClr>
+                      </a:solidFill>
+                      <a:prstDash val="solid"/>
+                      <a:round/>
+                      <a:headEnd type="none" w="med" len="med"/>
+                      <a:tailEnd type="none" w="med" len="med"/>
+                    </a:lnL>
+                    <a:lnR w="12700" cap="flat" cmpd="sng" algn="ctr">
+                      <a:solidFill>
+                        <a:schemeClr val="accent1">
+                          <a:lumMod val="60000"/>
+                          <a:lumOff val="40000"/>
+                        </a:schemeClr>
+                      </a:solidFill>
+                      <a:prstDash val="solid"/>
+                      <a:round/>
+                      <a:headEnd type="none" w="med" len="med"/>
+                      <a:tailEnd type="none" w="med" len="med"/>
+                    </a:lnR>
+                    <a:lnT w="12700" cap="flat" cmpd="sng" algn="ctr">
+                      <a:solidFill>
+                        <a:schemeClr val="accent1">
+                          <a:lumMod val="60000"/>
+                          <a:lumOff val="40000"/>
+                        </a:schemeClr>
+                      </a:solidFill>
+                      <a:prstDash val="solid"/>
+                      <a:round/>
+                      <a:headEnd type="none" w="med" len="med"/>
+                      <a:tailEnd type="none" w="med" len="med"/>
+                    </a:lnT>
+                    <a:lnB w="12700" cap="flat" cmpd="sng" algn="ctr">
+                      <a:solidFill>
+                        <a:schemeClr val="accent1">
+                          <a:lumMod val="60000"/>
+                          <a:lumOff val="40000"/>
+                        </a:schemeClr>
+                      </a:solidFill>
+                      <a:prstDash val="solid"/>
+                      <a:round/>
+                      <a:headEnd type="none" w="med" len="med"/>
+                      <a:tailEnd type="none" w="med" len="med"/>
+                    </a:lnB>
+                    <a:lnTlToBr w="12700" cmpd="sng">
+                      <a:noFill/>
+                      <a:prstDash val="solid"/>
+                    </a:lnTlToBr>
+                    <a:lnBlToTr w="12700" cmpd="sng">
+                      <a:noFill/>
+                      <a:prstDash val="solid"/>
+                    </a:lnBlToTr>
+                    <a:solidFill>
+                      <a:schemeClr val="accent4">
+                        <a:lumMod val="50000"/>
+                      </a:schemeClr>
+                    </a:solidFill>
+                  </a:tcPr>
+                </a:tc>
+                <a:tc>
+                  <a:txBody>
+                    <a:bodyPr/>
+                    <a:lstStyle/>
+                    <a:p>
+                      <a:pPr marL="171450" indent="-171450" algn="l">
+                        <a:buFont typeface="Arial" panose="020B0604020202020204" pitchFamily="34" charset="0"/>
+                        <a:buChar char="•"/>
+                      </a:pPr>
+                      <a:r>
+                        <a:rPr lang="en-US" sz="1200" kern="1200" noProof="0" dirty="0">
+                          <a:solidFill>
+                            <a:schemeClr val="bg1"/>
+                          </a:solidFill>
+                          <a:latin typeface="+mj-lt"/>
+                          <a:ea typeface="+mn-ea"/>
+                          <a:cs typeface="+mn-cs"/>
+                          <a:hlinkClick r:id="rId3"/>
+                        </a:rPr>
+                        <a:t>Pipfile</a:t>
+                      </a:r>
+                      <a:endParaRPr lang="en-US" sz="1200" kern="1200" noProof="0" dirty="0">
+                        <a:solidFill>
+                          <a:schemeClr val="bg1"/>
+                        </a:solidFill>
+                        <a:latin typeface="+mj-lt"/>
+                        <a:ea typeface="+mn-ea"/>
+                        <a:cs typeface="+mn-cs"/>
+                      </a:endParaRPr>
+                    </a:p>
+                  </a:txBody>
+                  <a:tcPr marL="36000" marR="36000" marT="36000" marB="36000" anchor="ctr">
+                    <a:lnL w="12700" cap="flat" cmpd="sng" algn="ctr">
+                      <a:solidFill>
+                        <a:schemeClr val="accent1">
+                          <a:lumMod val="60000"/>
+                          <a:lumOff val="40000"/>
+                        </a:schemeClr>
+                      </a:solidFill>
+                      <a:prstDash val="solid"/>
+                      <a:round/>
+                      <a:headEnd type="none" w="med" len="med"/>
+                      <a:tailEnd type="none" w="med" len="med"/>
+                    </a:lnL>
+                    <a:lnR w="12700" cap="flat" cmpd="sng" algn="ctr">
+                      <a:solidFill>
+                        <a:schemeClr val="accent1">
+                          <a:lumMod val="60000"/>
+                          <a:lumOff val="40000"/>
+                        </a:schemeClr>
+                      </a:solidFill>
+                      <a:prstDash val="solid"/>
+                      <a:round/>
+                      <a:headEnd type="none" w="med" len="med"/>
+                      <a:tailEnd type="none" w="med" len="med"/>
+                    </a:lnR>
+                    <a:lnT w="12700" cap="flat" cmpd="sng" algn="ctr">
+                      <a:solidFill>
+                        <a:schemeClr val="accent1">
+                          <a:lumMod val="60000"/>
+                          <a:lumOff val="40000"/>
+                        </a:schemeClr>
+                      </a:solidFill>
+                      <a:prstDash val="solid"/>
+                      <a:round/>
+                      <a:headEnd type="none" w="med" len="med"/>
+                      <a:tailEnd type="none" w="med" len="med"/>
+                    </a:lnT>
+                    <a:lnB w="12700" cap="flat" cmpd="sng" algn="ctr">
+                      <a:solidFill>
+                        <a:schemeClr val="accent1">
+                          <a:lumMod val="60000"/>
+                          <a:lumOff val="40000"/>
+                        </a:schemeClr>
+                      </a:solidFill>
+                      <a:prstDash val="solid"/>
+                      <a:round/>
+                      <a:headEnd type="none" w="med" len="med"/>
+                      <a:tailEnd type="none" w="med" len="med"/>
+                    </a:lnB>
+                    <a:lnTlToBr w="12700" cmpd="sng">
+                      <a:noFill/>
+                      <a:prstDash val="solid"/>
+                    </a:lnTlToBr>
+                    <a:lnBlToTr w="12700" cmpd="sng">
+                      <a:noFill/>
+                      <a:prstDash val="solid"/>
+                    </a:lnBlToTr>
+                    <a:solidFill>
+                      <a:schemeClr val="tx1"/>
+                    </a:solidFill>
+                  </a:tcPr>
+                </a:tc>
+                <a:tc>
+                  <a:txBody>
+                    <a:bodyPr/>
+                    <a:lstStyle/>
+                    <a:p>
+                      <a:pPr marL="171450" indent="-171450" algn="l">
+                        <a:buFont typeface="Arial" panose="020B0604020202020204" pitchFamily="34" charset="0"/>
+                        <a:buChar char="•"/>
+                      </a:pPr>
+                      <a:endParaRPr lang="en-US" sz="1200" noProof="0" dirty="0">
+                        <a:solidFill>
+                          <a:schemeClr val="bg1"/>
+                        </a:solidFill>
+                        <a:latin typeface="+mj-lt"/>
+                      </a:endParaRPr>
+                    </a:p>
+                  </a:txBody>
+                  <a:tcPr marL="36000" marR="36000" marT="36000" marB="36000" anchor="ctr">
+                    <a:lnL w="12700" cap="flat" cmpd="sng" algn="ctr">
+                      <a:solidFill>
+                        <a:schemeClr val="accent1">
+                          <a:lumMod val="60000"/>
+                          <a:lumOff val="40000"/>
+                        </a:schemeClr>
+                      </a:solidFill>
+                      <a:prstDash val="solid"/>
+                      <a:round/>
+                      <a:headEnd type="none" w="med" len="med"/>
+                      <a:tailEnd type="none" w="med" len="med"/>
+                    </a:lnL>
+                    <a:lnR w="12700" cap="flat" cmpd="sng" algn="ctr">
+                      <a:solidFill>
+                        <a:schemeClr val="accent1">
+                          <a:lumMod val="60000"/>
+                          <a:lumOff val="40000"/>
+                        </a:schemeClr>
+                      </a:solidFill>
+                      <a:prstDash val="solid"/>
+                      <a:round/>
+                      <a:headEnd type="none" w="med" len="med"/>
+                      <a:tailEnd type="none" w="med" len="med"/>
+                    </a:lnR>
+                    <a:lnT w="12700" cap="flat" cmpd="sng" algn="ctr">
+                      <a:solidFill>
+                        <a:schemeClr val="accent1">
+                          <a:lumMod val="60000"/>
+                          <a:lumOff val="40000"/>
+                        </a:schemeClr>
+                      </a:solidFill>
+                      <a:prstDash val="solid"/>
+                      <a:round/>
+                      <a:headEnd type="none" w="med" len="med"/>
+                      <a:tailEnd type="none" w="med" len="med"/>
+                    </a:lnT>
+                    <a:lnB w="12700" cap="flat" cmpd="sng" algn="ctr">
+                      <a:solidFill>
+                        <a:schemeClr val="accent1">
+                          <a:lumMod val="60000"/>
+                          <a:lumOff val="40000"/>
+                        </a:schemeClr>
+                      </a:solidFill>
+                      <a:prstDash val="solid"/>
+                      <a:round/>
+                      <a:headEnd type="none" w="med" len="med"/>
+                      <a:tailEnd type="none" w="med" len="med"/>
+                    </a:lnB>
+                    <a:lnTlToBr w="12700" cmpd="sng">
+                      <a:noFill/>
+                      <a:prstDash val="solid"/>
+                    </a:lnTlToBr>
+                    <a:lnBlToTr w="12700" cmpd="sng">
+                      <a:noFill/>
+                      <a:prstDash val="solid"/>
+                    </a:lnBlToTr>
+                    <a:solidFill>
+                      <a:schemeClr val="tx1"/>
+                    </a:solidFill>
+                  </a:tcPr>
+                </a:tc>
+                <a:extLst>
+                  <a:ext uri="{0D108BD9-81ED-4DB2-BD59-A6C34878D82A}">
+                    <a16:rowId xmlns:a16="http://schemas.microsoft.com/office/drawing/2014/main" val="4270268835"/>
+                  </a:ext>
+                </a:extLst>
+              </a:tr>
+              <a:tr h="0">
+                <a:tc>
+                  <a:txBody>
+                    <a:bodyPr/>
+                    <a:lstStyle/>
+                    <a:p>
+                      <a:pPr algn="l"/>
+                      <a:r>
+                        <a:rPr lang="en-US" sz="1200" dirty="0">
+                          <a:solidFill>
+                            <a:schemeClr val="bg1"/>
+                          </a:solidFill>
+                          <a:latin typeface="+mj-lt"/>
+                        </a:rPr>
+                        <a:t>locking</a:t>
+                      </a:r>
+                      <a:endParaRPr lang="en-US" sz="1200" noProof="0" dirty="0">
+                        <a:solidFill>
+                          <a:schemeClr val="bg1"/>
+                        </a:solidFill>
+                        <a:latin typeface="+mj-lt"/>
+                      </a:endParaRPr>
+                    </a:p>
+                  </a:txBody>
+                  <a:tcPr marL="36000" marR="36000" marT="36000" marB="36000" anchor="ctr">
+                    <a:lnL w="12700" cap="flat" cmpd="sng" algn="ctr">
+                      <a:solidFill>
+                        <a:schemeClr val="accent1">
+                          <a:lumMod val="60000"/>
+                          <a:lumOff val="40000"/>
+                        </a:schemeClr>
+                      </a:solidFill>
+                      <a:prstDash val="solid"/>
+                      <a:round/>
+                      <a:headEnd type="none" w="med" len="med"/>
+                      <a:tailEnd type="none" w="med" len="med"/>
+                    </a:lnL>
+                    <a:lnR w="12700" cap="flat" cmpd="sng" algn="ctr">
+                      <a:solidFill>
+                        <a:schemeClr val="accent1">
+                          <a:lumMod val="60000"/>
+                          <a:lumOff val="40000"/>
+                        </a:schemeClr>
+                      </a:solidFill>
+                      <a:prstDash val="solid"/>
+                      <a:round/>
+                      <a:headEnd type="none" w="med" len="med"/>
+                      <a:tailEnd type="none" w="med" len="med"/>
+                    </a:lnR>
+                    <a:lnT w="12700" cap="flat" cmpd="sng" algn="ctr">
+                      <a:solidFill>
+                        <a:schemeClr val="accent1">
+                          <a:lumMod val="60000"/>
+                          <a:lumOff val="40000"/>
+                        </a:schemeClr>
+                      </a:solidFill>
+                      <a:prstDash val="solid"/>
+                      <a:round/>
+                      <a:headEnd type="none" w="med" len="med"/>
+                      <a:tailEnd type="none" w="med" len="med"/>
+                    </a:lnT>
+                    <a:lnB w="12700" cap="flat" cmpd="sng" algn="ctr">
+                      <a:solidFill>
+                        <a:schemeClr val="accent1">
+                          <a:lumMod val="60000"/>
+                          <a:lumOff val="40000"/>
+                        </a:schemeClr>
+                      </a:solidFill>
+                      <a:prstDash val="solid"/>
+                      <a:round/>
+                      <a:headEnd type="none" w="med" len="med"/>
+                      <a:tailEnd type="none" w="med" len="med"/>
+                    </a:lnB>
+                    <a:lnTlToBr w="12700" cmpd="sng">
+                      <a:noFill/>
+                      <a:prstDash val="solid"/>
+                    </a:lnTlToBr>
+                    <a:lnBlToTr w="12700" cmpd="sng">
+                      <a:noFill/>
+                      <a:prstDash val="solid"/>
+                    </a:lnBlToTr>
+                    <a:solidFill>
+                      <a:schemeClr val="accent4">
+                        <a:lumMod val="50000"/>
+                      </a:schemeClr>
+                    </a:solidFill>
+                  </a:tcPr>
+                </a:tc>
+                <a:tc>
+                  <a:txBody>
+                    <a:bodyPr/>
+                    <a:lstStyle/>
+                    <a:p>
+                      <a:pPr marL="171450" indent="-171450" algn="l">
+                        <a:buFont typeface="Arial" panose="020B0604020202020204" pitchFamily="34" charset="0"/>
+                        <a:buChar char="•"/>
+                      </a:pPr>
+                      <a:r>
+                        <a:rPr lang="en-US" sz="1200" kern="1200" noProof="0" dirty="0">
+                          <a:solidFill>
+                            <a:schemeClr val="bg1"/>
+                          </a:solidFill>
+                          <a:latin typeface="+mj-lt"/>
+                          <a:ea typeface="+mn-ea"/>
+                          <a:cs typeface="+mn-cs"/>
+                        </a:rPr>
+                        <a:t>Pipfile.lock</a:t>
+                      </a:r>
+                    </a:p>
+                  </a:txBody>
+                  <a:tcPr marL="36000" marR="36000" marT="36000" marB="36000" anchor="ctr">
+                    <a:lnL w="12700" cap="flat" cmpd="sng" algn="ctr">
+                      <a:solidFill>
+                        <a:schemeClr val="accent1">
+                          <a:lumMod val="60000"/>
+                          <a:lumOff val="40000"/>
+                        </a:schemeClr>
+                      </a:solidFill>
+                      <a:prstDash val="solid"/>
+                      <a:round/>
+                      <a:headEnd type="none" w="med" len="med"/>
+                      <a:tailEnd type="none" w="med" len="med"/>
+                    </a:lnL>
+                    <a:lnR w="12700" cap="flat" cmpd="sng" algn="ctr">
+                      <a:solidFill>
+                        <a:schemeClr val="accent1">
+                          <a:lumMod val="60000"/>
+                          <a:lumOff val="40000"/>
+                        </a:schemeClr>
+                      </a:solidFill>
+                      <a:prstDash val="solid"/>
+                      <a:round/>
+                      <a:headEnd type="none" w="med" len="med"/>
+                      <a:tailEnd type="none" w="med" len="med"/>
+                    </a:lnR>
+                    <a:lnT w="12700" cap="flat" cmpd="sng" algn="ctr">
+                      <a:solidFill>
+                        <a:schemeClr val="accent1">
+                          <a:lumMod val="60000"/>
+                          <a:lumOff val="40000"/>
+                        </a:schemeClr>
+                      </a:solidFill>
+                      <a:prstDash val="solid"/>
+                      <a:round/>
+                      <a:headEnd type="none" w="med" len="med"/>
+                      <a:tailEnd type="none" w="med" len="med"/>
+                    </a:lnT>
+                    <a:lnB w="12700" cap="flat" cmpd="sng" algn="ctr">
+                      <a:solidFill>
+                        <a:schemeClr val="accent1">
+                          <a:lumMod val="60000"/>
+                          <a:lumOff val="40000"/>
+                        </a:schemeClr>
+                      </a:solidFill>
+                      <a:prstDash val="solid"/>
+                      <a:round/>
+                      <a:headEnd type="none" w="med" len="med"/>
+                      <a:tailEnd type="none" w="med" len="med"/>
+                    </a:lnB>
+                    <a:lnTlToBr w="12700" cmpd="sng">
+                      <a:noFill/>
+                      <a:prstDash val="solid"/>
+                    </a:lnTlToBr>
+                    <a:lnBlToTr w="12700" cmpd="sng">
+                      <a:noFill/>
+                      <a:prstDash val="solid"/>
+                    </a:lnBlToTr>
+                    <a:solidFill>
+                      <a:schemeClr val="tx1"/>
+                    </a:solidFill>
+                  </a:tcPr>
+                </a:tc>
+                <a:tc>
+                  <a:txBody>
+                    <a:bodyPr/>
+                    <a:lstStyle/>
+                    <a:p>
+                      <a:pPr marL="171450" indent="-171450" algn="l">
+                        <a:buFont typeface="Arial" panose="020B0604020202020204" pitchFamily="34" charset="0"/>
+                        <a:buChar char="•"/>
+                      </a:pPr>
+                      <a:endParaRPr lang="en-US" sz="1200" noProof="0" dirty="0">
+                        <a:solidFill>
+                          <a:schemeClr val="bg1"/>
+                        </a:solidFill>
+                        <a:latin typeface="+mj-lt"/>
+                      </a:endParaRPr>
+                    </a:p>
+                  </a:txBody>
+                  <a:tcPr marL="36000" marR="36000" marT="36000" marB="36000" anchor="ctr">
+                    <a:lnL w="12700" cap="flat" cmpd="sng" algn="ctr">
+                      <a:solidFill>
+                        <a:schemeClr val="accent1">
+                          <a:lumMod val="60000"/>
+                          <a:lumOff val="40000"/>
+                        </a:schemeClr>
+                      </a:solidFill>
+                      <a:prstDash val="solid"/>
+                      <a:round/>
+                      <a:headEnd type="none" w="med" len="med"/>
+                      <a:tailEnd type="none" w="med" len="med"/>
+                    </a:lnL>
+                    <a:lnR w="12700" cap="flat" cmpd="sng" algn="ctr">
+                      <a:solidFill>
+                        <a:schemeClr val="accent1">
+                          <a:lumMod val="60000"/>
+                          <a:lumOff val="40000"/>
+                        </a:schemeClr>
+                      </a:solidFill>
+                      <a:prstDash val="solid"/>
+                      <a:round/>
+                      <a:headEnd type="none" w="med" len="med"/>
+                      <a:tailEnd type="none" w="med" len="med"/>
+                    </a:lnR>
+                    <a:lnT w="12700" cap="flat" cmpd="sng" algn="ctr">
+                      <a:solidFill>
+                        <a:schemeClr val="accent1">
+                          <a:lumMod val="60000"/>
+                          <a:lumOff val="40000"/>
+                        </a:schemeClr>
+                      </a:solidFill>
+                      <a:prstDash val="solid"/>
+                      <a:round/>
+                      <a:headEnd type="none" w="med" len="med"/>
+                      <a:tailEnd type="none" w="med" len="med"/>
+                    </a:lnT>
+                    <a:lnB w="12700" cap="flat" cmpd="sng" algn="ctr">
+                      <a:solidFill>
+                        <a:schemeClr val="accent1">
+                          <a:lumMod val="60000"/>
+                          <a:lumOff val="40000"/>
+                        </a:schemeClr>
+                      </a:solidFill>
+                      <a:prstDash val="solid"/>
+                      <a:round/>
+                      <a:headEnd type="none" w="med" len="med"/>
+                      <a:tailEnd type="none" w="med" len="med"/>
+                    </a:lnB>
+                    <a:lnTlToBr w="12700" cmpd="sng">
+                      <a:noFill/>
+                      <a:prstDash val="solid"/>
+                    </a:lnTlToBr>
+                    <a:lnBlToTr w="12700" cmpd="sng">
+                      <a:noFill/>
+                      <a:prstDash val="solid"/>
+                    </a:lnBlToTr>
+                    <a:solidFill>
+                      <a:schemeClr val="tx1"/>
+                    </a:solidFill>
+                  </a:tcPr>
+                </a:tc>
+                <a:extLst>
+                  <a:ext uri="{0D108BD9-81ED-4DB2-BD59-A6C34878D82A}">
+                    <a16:rowId xmlns:a16="http://schemas.microsoft.com/office/drawing/2014/main" val="2135740041"/>
+                  </a:ext>
+                </a:extLst>
+              </a:tr>
+              <a:tr h="0">
+                <a:tc>
+                  <a:txBody>
+                    <a:bodyPr/>
+                    <a:lstStyle/>
+                    <a:p>
+                      <a:pPr algn="l"/>
+                      <a:r>
+                        <a:rPr lang="en-US" sz="1200" dirty="0">
+                          <a:solidFill>
+                            <a:schemeClr val="bg1"/>
+                          </a:solidFill>
+                          <a:latin typeface="+mj-lt"/>
+                        </a:rPr>
+                        <a:t>dev/prod</a:t>
+                      </a:r>
+                      <a:endParaRPr lang="en-US" sz="1200" noProof="0" dirty="0">
+                        <a:solidFill>
+                          <a:schemeClr val="bg1"/>
+                        </a:solidFill>
+                        <a:latin typeface="+mj-lt"/>
+                      </a:endParaRPr>
+                    </a:p>
+                  </a:txBody>
+                  <a:tcPr marL="36000" marR="36000" marT="36000" marB="36000" anchor="ctr">
+                    <a:lnL w="12700" cap="flat" cmpd="sng" algn="ctr">
+                      <a:solidFill>
+                        <a:schemeClr val="accent1">
+                          <a:lumMod val="60000"/>
+                          <a:lumOff val="40000"/>
+                        </a:schemeClr>
+                      </a:solidFill>
+                      <a:prstDash val="solid"/>
+                      <a:round/>
+                      <a:headEnd type="none" w="med" len="med"/>
+                      <a:tailEnd type="none" w="med" len="med"/>
+                    </a:lnL>
+                    <a:lnR w="12700" cap="flat" cmpd="sng" algn="ctr">
+                      <a:solidFill>
+                        <a:schemeClr val="accent1">
+                          <a:lumMod val="60000"/>
+                          <a:lumOff val="40000"/>
+                        </a:schemeClr>
+                      </a:solidFill>
+                      <a:prstDash val="solid"/>
+                      <a:round/>
+                      <a:headEnd type="none" w="med" len="med"/>
+                      <a:tailEnd type="none" w="med" len="med"/>
+                    </a:lnR>
+                    <a:lnT w="12700" cap="flat" cmpd="sng" algn="ctr">
+                      <a:solidFill>
+                        <a:schemeClr val="accent1">
+                          <a:lumMod val="60000"/>
+                          <a:lumOff val="40000"/>
+                        </a:schemeClr>
+                      </a:solidFill>
+                      <a:prstDash val="solid"/>
+                      <a:round/>
+                      <a:headEnd type="none" w="med" len="med"/>
+                      <a:tailEnd type="none" w="med" len="med"/>
+                    </a:lnT>
+                    <a:lnB w="12700" cap="flat" cmpd="sng" algn="ctr">
+                      <a:solidFill>
+                        <a:schemeClr val="accent1">
+                          <a:lumMod val="60000"/>
+                          <a:lumOff val="40000"/>
+                        </a:schemeClr>
+                      </a:solidFill>
+                      <a:prstDash val="solid"/>
+                      <a:round/>
+                      <a:headEnd type="none" w="med" len="med"/>
+                      <a:tailEnd type="none" w="med" len="med"/>
+                    </a:lnB>
+                    <a:lnTlToBr w="12700" cmpd="sng">
+                      <a:noFill/>
+                      <a:prstDash val="solid"/>
+                    </a:lnTlToBr>
+                    <a:lnBlToTr w="12700" cmpd="sng">
+                      <a:noFill/>
+                      <a:prstDash val="solid"/>
+                    </a:lnBlToTr>
+                    <a:solidFill>
+                      <a:schemeClr val="accent4">
+                        <a:lumMod val="50000"/>
+                      </a:schemeClr>
+                    </a:solidFill>
+                  </a:tcPr>
+                </a:tc>
+                <a:tc>
+                  <a:txBody>
+                    <a:bodyPr/>
+                    <a:lstStyle/>
+                    <a:p>
+                      <a:pPr marL="171450" indent="-171450" algn="l">
+                        <a:buFont typeface="Arial" panose="020B0604020202020204" pitchFamily="34" charset="0"/>
+                        <a:buChar char="•"/>
+                      </a:pPr>
+                      <a:r>
+                        <a:rPr lang="en-US" sz="1200" dirty="0">
+                          <a:solidFill>
+                            <a:prstClr val="white"/>
+                          </a:solidFill>
+                          <a:latin typeface="+mj-lt"/>
+                        </a:rPr>
+                        <a:t>yes</a:t>
+                      </a:r>
+                      <a:endParaRPr lang="en-US" sz="1200" noProof="0" dirty="0">
+                        <a:solidFill>
+                          <a:schemeClr val="bg1"/>
+                        </a:solidFill>
+                        <a:latin typeface="+mj-lt"/>
+                      </a:endParaRPr>
+                    </a:p>
+                  </a:txBody>
+                  <a:tcPr marL="36000" marR="36000" marT="36000" marB="36000" anchor="ctr">
+                    <a:lnL w="12700" cap="flat" cmpd="sng" algn="ctr">
+                      <a:solidFill>
+                        <a:schemeClr val="accent1">
+                          <a:lumMod val="60000"/>
+                          <a:lumOff val="40000"/>
+                        </a:schemeClr>
+                      </a:solidFill>
+                      <a:prstDash val="solid"/>
+                      <a:round/>
+                      <a:headEnd type="none" w="med" len="med"/>
+                      <a:tailEnd type="none" w="med" len="med"/>
+                    </a:lnL>
+                    <a:lnR w="12700" cap="flat" cmpd="sng" algn="ctr">
+                      <a:solidFill>
+                        <a:schemeClr val="accent1">
+                          <a:lumMod val="60000"/>
+                          <a:lumOff val="40000"/>
+                        </a:schemeClr>
+                      </a:solidFill>
+                      <a:prstDash val="solid"/>
+                      <a:round/>
+                      <a:headEnd type="none" w="med" len="med"/>
+                      <a:tailEnd type="none" w="med" len="med"/>
+                    </a:lnR>
+                    <a:lnT w="12700" cap="flat" cmpd="sng" algn="ctr">
+                      <a:solidFill>
+                        <a:schemeClr val="accent1">
+                          <a:lumMod val="60000"/>
+                          <a:lumOff val="40000"/>
+                        </a:schemeClr>
+                      </a:solidFill>
+                      <a:prstDash val="solid"/>
+                      <a:round/>
+                      <a:headEnd type="none" w="med" len="med"/>
+                      <a:tailEnd type="none" w="med" len="med"/>
+                    </a:lnT>
+                    <a:lnB w="12700" cap="flat" cmpd="sng" algn="ctr">
+                      <a:solidFill>
+                        <a:schemeClr val="accent1">
+                          <a:lumMod val="60000"/>
+                          <a:lumOff val="40000"/>
+                        </a:schemeClr>
+                      </a:solidFill>
+                      <a:prstDash val="solid"/>
+                      <a:round/>
+                      <a:headEnd type="none" w="med" len="med"/>
+                      <a:tailEnd type="none" w="med" len="med"/>
+                    </a:lnB>
+                    <a:lnTlToBr w="12700" cmpd="sng">
+                      <a:noFill/>
+                      <a:prstDash val="solid"/>
+                    </a:lnTlToBr>
+                    <a:lnBlToTr w="12700" cmpd="sng">
+                      <a:noFill/>
+                      <a:prstDash val="solid"/>
+                    </a:lnBlToTr>
+                    <a:solidFill>
+                      <a:schemeClr val="tx1"/>
+                    </a:solidFill>
+                  </a:tcPr>
+                </a:tc>
+                <a:tc>
+                  <a:txBody>
+                    <a:bodyPr/>
+                    <a:lstStyle/>
+                    <a:p>
+                      <a:pPr marL="171450" indent="-171450" algn="l">
+                        <a:buFont typeface="Arial" panose="020B0604020202020204" pitchFamily="34" charset="0"/>
+                        <a:buChar char="•"/>
+                      </a:pPr>
+                      <a:endParaRPr lang="en-US" sz="1200" noProof="0" dirty="0">
+                        <a:solidFill>
+                          <a:schemeClr val="bg1"/>
+                        </a:solidFill>
+                        <a:latin typeface="+mj-lt"/>
+                      </a:endParaRPr>
+                    </a:p>
+                  </a:txBody>
+                  <a:tcPr marL="36000" marR="36000" marT="36000" marB="36000" anchor="ctr">
+                    <a:lnL w="12700" cap="flat" cmpd="sng" algn="ctr">
+                      <a:solidFill>
+                        <a:schemeClr val="accent1">
+                          <a:lumMod val="60000"/>
+                          <a:lumOff val="40000"/>
+                        </a:schemeClr>
+                      </a:solidFill>
+                      <a:prstDash val="solid"/>
+                      <a:round/>
+                      <a:headEnd type="none" w="med" len="med"/>
+                      <a:tailEnd type="none" w="med" len="med"/>
+                    </a:lnL>
+                    <a:lnR w="12700" cap="flat" cmpd="sng" algn="ctr">
+                      <a:solidFill>
+                        <a:schemeClr val="accent1">
+                          <a:lumMod val="60000"/>
+                          <a:lumOff val="40000"/>
+                        </a:schemeClr>
+                      </a:solidFill>
+                      <a:prstDash val="solid"/>
+                      <a:round/>
+                      <a:headEnd type="none" w="med" len="med"/>
+                      <a:tailEnd type="none" w="med" len="med"/>
+                    </a:lnR>
+                    <a:lnT w="12700" cap="flat" cmpd="sng" algn="ctr">
+                      <a:solidFill>
+                        <a:schemeClr val="accent1">
+                          <a:lumMod val="60000"/>
+                          <a:lumOff val="40000"/>
+                        </a:schemeClr>
+                      </a:solidFill>
+                      <a:prstDash val="solid"/>
+                      <a:round/>
+                      <a:headEnd type="none" w="med" len="med"/>
+                      <a:tailEnd type="none" w="med" len="med"/>
+                    </a:lnT>
+                    <a:lnB w="12700" cap="flat" cmpd="sng" algn="ctr">
+                      <a:solidFill>
+                        <a:schemeClr val="accent1">
+                          <a:lumMod val="60000"/>
+                          <a:lumOff val="40000"/>
+                        </a:schemeClr>
+                      </a:solidFill>
+                      <a:prstDash val="solid"/>
+                      <a:round/>
+                      <a:headEnd type="none" w="med" len="med"/>
+                      <a:tailEnd type="none" w="med" len="med"/>
+                    </a:lnB>
+                    <a:lnTlToBr w="12700" cmpd="sng">
+                      <a:noFill/>
+                      <a:prstDash val="solid"/>
+                    </a:lnTlToBr>
+                    <a:lnBlToTr w="12700" cmpd="sng">
+                      <a:noFill/>
+                      <a:prstDash val="solid"/>
+                    </a:lnBlToTr>
+                    <a:solidFill>
+                      <a:schemeClr val="tx1"/>
+                    </a:solidFill>
+                  </a:tcPr>
+                </a:tc>
+                <a:extLst>
+                  <a:ext uri="{0D108BD9-81ED-4DB2-BD59-A6C34878D82A}">
+                    <a16:rowId xmlns:a16="http://schemas.microsoft.com/office/drawing/2014/main" val="2780698236"/>
+                  </a:ext>
+                </a:extLst>
+              </a:tr>
+              <a:tr h="0">
+                <a:tc>
+                  <a:txBody>
+                    <a:bodyPr/>
+                    <a:lstStyle/>
+                    <a:p>
+                      <a:pPr algn="l"/>
+                      <a:r>
+                        <a:rPr lang="en-US" sz="1200" noProof="0" dirty="0">
+                          <a:solidFill>
+                            <a:schemeClr val="bg1"/>
+                          </a:solidFill>
+                          <a:latin typeface="+mj-lt"/>
+                        </a:rPr>
+                        <a:t>folder</a:t>
+                      </a:r>
+                    </a:p>
+                  </a:txBody>
+                  <a:tcPr marL="36000" marR="36000" marT="36000" marB="36000" anchor="ctr">
+                    <a:lnL w="12700" cap="flat" cmpd="sng" algn="ctr">
+                      <a:solidFill>
+                        <a:schemeClr val="accent1">
+                          <a:lumMod val="60000"/>
+                          <a:lumOff val="40000"/>
+                        </a:schemeClr>
+                      </a:solidFill>
+                      <a:prstDash val="solid"/>
+                      <a:round/>
+                      <a:headEnd type="none" w="med" len="med"/>
+                      <a:tailEnd type="none" w="med" len="med"/>
+                    </a:lnL>
+                    <a:lnR w="12700" cap="flat" cmpd="sng" algn="ctr">
+                      <a:solidFill>
+                        <a:schemeClr val="accent1">
+                          <a:lumMod val="60000"/>
+                          <a:lumOff val="40000"/>
+                        </a:schemeClr>
+                      </a:solidFill>
+                      <a:prstDash val="solid"/>
+                      <a:round/>
+                      <a:headEnd type="none" w="med" len="med"/>
+                      <a:tailEnd type="none" w="med" len="med"/>
+                    </a:lnR>
+                    <a:lnT w="12700" cap="flat" cmpd="sng" algn="ctr">
+                      <a:solidFill>
+                        <a:schemeClr val="accent1">
+                          <a:lumMod val="60000"/>
+                          <a:lumOff val="40000"/>
+                        </a:schemeClr>
+                      </a:solidFill>
+                      <a:prstDash val="solid"/>
+                      <a:round/>
+                      <a:headEnd type="none" w="med" len="med"/>
+                      <a:tailEnd type="none" w="med" len="med"/>
+                    </a:lnT>
+                    <a:lnB w="12700" cap="flat" cmpd="sng" algn="ctr">
+                      <a:solidFill>
+                        <a:schemeClr val="accent1">
+                          <a:lumMod val="60000"/>
+                          <a:lumOff val="40000"/>
+                        </a:schemeClr>
+                      </a:solidFill>
+                      <a:prstDash val="solid"/>
+                      <a:round/>
+                      <a:headEnd type="none" w="med" len="med"/>
+                      <a:tailEnd type="none" w="med" len="med"/>
+                    </a:lnB>
+                    <a:lnTlToBr w="12700" cmpd="sng">
+                      <a:noFill/>
+                      <a:prstDash val="solid"/>
+                    </a:lnTlToBr>
+                    <a:lnBlToTr w="12700" cmpd="sng">
+                      <a:noFill/>
+                      <a:prstDash val="solid"/>
+                    </a:lnBlToTr>
+                    <a:solidFill>
+                      <a:schemeClr val="accent4">
+                        <a:lumMod val="50000"/>
+                      </a:schemeClr>
+                    </a:solidFill>
+                  </a:tcPr>
+                </a:tc>
+                <a:tc>
+                  <a:txBody>
+                    <a:bodyPr/>
+                    <a:lstStyle/>
+                    <a:p>
+                      <a:pPr marL="171450" indent="-171450" algn="l">
+                        <a:buFont typeface="Arial" panose="020B0604020202020204" pitchFamily="34" charset="0"/>
+                        <a:buChar char="•"/>
+                      </a:pPr>
+                      <a:r>
+                        <a:rPr lang="en-US" sz="1200" noProof="0" dirty="0">
+                          <a:solidFill>
+                            <a:schemeClr val="bg1"/>
+                          </a:solidFill>
+                          <a:latin typeface="Consolas" panose="020B0609020204030204" pitchFamily="49" charset="0"/>
+                        </a:rPr>
+                        <a:t>&lt;user folder&gt;</a:t>
+                      </a:r>
+                    </a:p>
+                  </a:txBody>
+                  <a:tcPr marL="36000" marR="36000" marT="36000" marB="36000" anchor="ctr">
+                    <a:lnL w="12700" cap="flat" cmpd="sng" algn="ctr">
+                      <a:solidFill>
+                        <a:schemeClr val="accent1">
+                          <a:lumMod val="60000"/>
+                          <a:lumOff val="40000"/>
+                        </a:schemeClr>
+                      </a:solidFill>
+                      <a:prstDash val="solid"/>
+                      <a:round/>
+                      <a:headEnd type="none" w="med" len="med"/>
+                      <a:tailEnd type="none" w="med" len="med"/>
+                    </a:lnL>
+                    <a:lnR w="12700" cap="flat" cmpd="sng" algn="ctr">
+                      <a:solidFill>
+                        <a:schemeClr val="accent1">
+                          <a:lumMod val="60000"/>
+                          <a:lumOff val="40000"/>
+                        </a:schemeClr>
+                      </a:solidFill>
+                      <a:prstDash val="solid"/>
+                      <a:round/>
+                      <a:headEnd type="none" w="med" len="med"/>
+                      <a:tailEnd type="none" w="med" len="med"/>
+                    </a:lnR>
+                    <a:lnT w="12700" cap="flat" cmpd="sng" algn="ctr">
+                      <a:solidFill>
+                        <a:schemeClr val="accent1">
+                          <a:lumMod val="60000"/>
+                          <a:lumOff val="40000"/>
+                        </a:schemeClr>
+                      </a:solidFill>
+                      <a:prstDash val="solid"/>
+                      <a:round/>
+                      <a:headEnd type="none" w="med" len="med"/>
+                      <a:tailEnd type="none" w="med" len="med"/>
+                    </a:lnT>
+                    <a:lnB w="12700" cap="flat" cmpd="sng" algn="ctr">
+                      <a:solidFill>
+                        <a:schemeClr val="accent1">
+                          <a:lumMod val="60000"/>
+                          <a:lumOff val="40000"/>
+                        </a:schemeClr>
+                      </a:solidFill>
+                      <a:prstDash val="solid"/>
+                      <a:round/>
+                      <a:headEnd type="none" w="med" len="med"/>
+                      <a:tailEnd type="none" w="med" len="med"/>
+                    </a:lnB>
+                    <a:lnTlToBr w="12700" cmpd="sng">
+                      <a:noFill/>
+                      <a:prstDash val="solid"/>
+                    </a:lnTlToBr>
+                    <a:lnBlToTr w="12700" cmpd="sng">
+                      <a:noFill/>
+                      <a:prstDash val="solid"/>
+                    </a:lnBlToTr>
+                    <a:solidFill>
+                      <a:schemeClr val="tx1"/>
+                    </a:solidFill>
+                  </a:tcPr>
+                </a:tc>
+                <a:tc>
+                  <a:txBody>
+                    <a:bodyPr/>
+                    <a:lstStyle/>
+                    <a:p>
+                      <a:pPr marL="171450" indent="-171450" algn="l">
+                        <a:buFont typeface="Arial" panose="020B0604020202020204" pitchFamily="34" charset="0"/>
+                        <a:buChar char="•"/>
+                      </a:pPr>
+                      <a:endParaRPr lang="en-US" sz="1200" noProof="0" dirty="0">
+                        <a:solidFill>
+                          <a:schemeClr val="bg1"/>
+                        </a:solidFill>
+                        <a:latin typeface="+mj-lt"/>
+                      </a:endParaRPr>
+                    </a:p>
+                  </a:txBody>
+                  <a:tcPr marL="36000" marR="36000" marT="36000" marB="36000" anchor="ctr">
+                    <a:lnL w="12700" cap="flat" cmpd="sng" algn="ctr">
+                      <a:solidFill>
+                        <a:schemeClr val="accent1">
+                          <a:lumMod val="60000"/>
+                          <a:lumOff val="40000"/>
+                        </a:schemeClr>
+                      </a:solidFill>
+                      <a:prstDash val="solid"/>
+                      <a:round/>
+                      <a:headEnd type="none" w="med" len="med"/>
+                      <a:tailEnd type="none" w="med" len="med"/>
+                    </a:lnL>
+                    <a:lnR w="12700" cap="flat" cmpd="sng" algn="ctr">
+                      <a:solidFill>
+                        <a:schemeClr val="accent1">
+                          <a:lumMod val="60000"/>
+                          <a:lumOff val="40000"/>
+                        </a:schemeClr>
+                      </a:solidFill>
+                      <a:prstDash val="solid"/>
+                      <a:round/>
+                      <a:headEnd type="none" w="med" len="med"/>
+                      <a:tailEnd type="none" w="med" len="med"/>
+                    </a:lnR>
+                    <a:lnT w="12700" cap="flat" cmpd="sng" algn="ctr">
+                      <a:solidFill>
+                        <a:schemeClr val="accent1">
+                          <a:lumMod val="60000"/>
+                          <a:lumOff val="40000"/>
+                        </a:schemeClr>
+                      </a:solidFill>
+                      <a:prstDash val="solid"/>
+                      <a:round/>
+                      <a:headEnd type="none" w="med" len="med"/>
+                      <a:tailEnd type="none" w="med" len="med"/>
+                    </a:lnT>
+                    <a:lnB w="12700" cap="flat" cmpd="sng" algn="ctr">
+                      <a:solidFill>
+                        <a:schemeClr val="accent1">
+                          <a:lumMod val="60000"/>
+                          <a:lumOff val="40000"/>
+                        </a:schemeClr>
+                      </a:solidFill>
+                      <a:prstDash val="solid"/>
+                      <a:round/>
+                      <a:headEnd type="none" w="med" len="med"/>
+                      <a:tailEnd type="none" w="med" len="med"/>
+                    </a:lnB>
+                    <a:lnTlToBr w="12700" cmpd="sng">
+                      <a:noFill/>
+                      <a:prstDash val="solid"/>
+                    </a:lnTlToBr>
+                    <a:lnBlToTr w="12700" cmpd="sng">
+                      <a:noFill/>
+                      <a:prstDash val="solid"/>
+                    </a:lnBlToTr>
+                    <a:solidFill>
+                      <a:schemeClr val="tx1"/>
+                    </a:solidFill>
+                  </a:tcPr>
+                </a:tc>
+                <a:extLst>
+                  <a:ext uri="{0D108BD9-81ED-4DB2-BD59-A6C34878D82A}">
+                    <a16:rowId xmlns:a16="http://schemas.microsoft.com/office/drawing/2014/main" val="1550066669"/>
+                  </a:ext>
+                </a:extLst>
+              </a:tr>
+              <a:tr h="0">
+                <a:tc>
+                  <a:txBody>
+                    <a:bodyPr/>
+                    <a:lstStyle/>
+                    <a:p>
+                      <a:pPr algn="l"/>
+                      <a:r>
+                        <a:rPr lang="en-US" sz="1200" noProof="0" dirty="0">
+                          <a:solidFill>
+                            <a:schemeClr val="bg1"/>
+                          </a:solidFill>
+                          <a:latin typeface="+mj-lt"/>
+                        </a:rPr>
+                        <a:t>commands</a:t>
+                      </a:r>
+                    </a:p>
+                  </a:txBody>
+                  <a:tcPr marL="36000" marR="36000" marT="36000" marB="36000" anchor="ctr">
+                    <a:lnL w="12700" cap="flat" cmpd="sng" algn="ctr">
+                      <a:solidFill>
+                        <a:schemeClr val="accent1">
+                          <a:lumMod val="60000"/>
+                          <a:lumOff val="40000"/>
+                        </a:schemeClr>
+                      </a:solidFill>
+                      <a:prstDash val="solid"/>
+                      <a:round/>
+                      <a:headEnd type="none" w="med" len="med"/>
+                      <a:tailEnd type="none" w="med" len="med"/>
+                    </a:lnL>
+                    <a:lnR w="12700" cap="flat" cmpd="sng" algn="ctr">
+                      <a:solidFill>
+                        <a:schemeClr val="accent1">
+                          <a:lumMod val="60000"/>
+                          <a:lumOff val="40000"/>
+                        </a:schemeClr>
+                      </a:solidFill>
+                      <a:prstDash val="solid"/>
+                      <a:round/>
+                      <a:headEnd type="none" w="med" len="med"/>
+                      <a:tailEnd type="none" w="med" len="med"/>
+                    </a:lnR>
+                    <a:lnT w="12700" cap="flat" cmpd="sng" algn="ctr">
+                      <a:solidFill>
+                        <a:schemeClr val="accent1">
+                          <a:lumMod val="60000"/>
+                          <a:lumOff val="40000"/>
+                        </a:schemeClr>
+                      </a:solidFill>
+                      <a:prstDash val="solid"/>
+                      <a:round/>
+                      <a:headEnd type="none" w="med" len="med"/>
+                      <a:tailEnd type="none" w="med" len="med"/>
+                    </a:lnT>
+                    <a:lnB w="12700" cap="flat" cmpd="sng" algn="ctr">
+                      <a:solidFill>
+                        <a:schemeClr val="accent1">
+                          <a:lumMod val="60000"/>
+                          <a:lumOff val="40000"/>
+                        </a:schemeClr>
+                      </a:solidFill>
+                      <a:prstDash val="solid"/>
+                      <a:round/>
+                      <a:headEnd type="none" w="med" len="med"/>
+                      <a:tailEnd type="none" w="med" len="med"/>
+                    </a:lnB>
+                    <a:lnTlToBr w="12700" cmpd="sng">
+                      <a:noFill/>
+                      <a:prstDash val="solid"/>
+                    </a:lnTlToBr>
+                    <a:lnBlToTr w="12700" cmpd="sng">
+                      <a:noFill/>
+                      <a:prstDash val="solid"/>
+                    </a:lnBlToTr>
+                    <a:solidFill>
+                      <a:schemeClr val="accent4">
+                        <a:lumMod val="50000"/>
+                      </a:schemeClr>
+                    </a:solidFill>
+                  </a:tcPr>
+                </a:tc>
+                <a:tc>
+                  <a:txBody>
+                    <a:bodyPr/>
+                    <a:lstStyle/>
+                    <a:p>
+                      <a:pPr marL="171450" indent="-171450" algn="l">
+                        <a:buFont typeface="Arial" panose="020B0604020202020204" pitchFamily="34" charset="0"/>
+                        <a:buChar char="•"/>
+                      </a:pPr>
+                      <a:r>
+                        <a:rPr lang="en-US" sz="1200" b="1" noProof="0" dirty="0">
+                          <a:solidFill>
+                            <a:schemeClr val="bg1"/>
+                          </a:solidFill>
+                          <a:highlight>
+                            <a:srgbClr val="808080"/>
+                          </a:highlight>
+                          <a:latin typeface="Consolas" panose="020B0609020204030204" pitchFamily="49" charset="0"/>
+                        </a:rPr>
+                        <a:t>install</a:t>
+                      </a:r>
+                      <a:r>
+                        <a:rPr lang="en-US" sz="1200" noProof="0" dirty="0">
+                          <a:solidFill>
+                            <a:schemeClr val="bg1"/>
+                          </a:solidFill>
+                          <a:highlight>
+                            <a:srgbClr val="808080"/>
+                          </a:highlight>
+                          <a:latin typeface="Consolas" panose="020B0609020204030204" pitchFamily="49" charset="0"/>
+                        </a:rPr>
+                        <a:t>: </a:t>
+                      </a:r>
+                      <a:r>
+                        <a:rPr lang="en-US" sz="1200" noProof="0" dirty="0">
+                          <a:solidFill>
+                            <a:schemeClr val="bg1"/>
+                          </a:solidFill>
+                          <a:latin typeface="Consolas" panose="020B0609020204030204" pitchFamily="49" charset="0"/>
+                        </a:rPr>
+                        <a:t> pip    install --user pipenv</a:t>
+                      </a:r>
+                    </a:p>
+                    <a:p>
+                      <a:pPr marL="171450" indent="-171450" algn="l">
+                        <a:buFont typeface="Arial" panose="020B0604020202020204" pitchFamily="34" charset="0"/>
+                        <a:buChar char="•"/>
+                      </a:pPr>
+                      <a:r>
+                        <a:rPr lang="en-US" sz="1200" b="1" noProof="0" dirty="0">
+                          <a:solidFill>
+                            <a:schemeClr val="bg1"/>
+                          </a:solidFill>
+                          <a:highlight>
+                            <a:srgbClr val="808080"/>
+                          </a:highlight>
+                          <a:latin typeface="Consolas" panose="020B0609020204030204" pitchFamily="49" charset="0"/>
+                        </a:rPr>
+                        <a:t>packages</a:t>
+                      </a:r>
+                      <a:r>
+                        <a:rPr lang="en-US" sz="1200" noProof="0" dirty="0">
+                          <a:solidFill>
+                            <a:schemeClr val="bg1"/>
+                          </a:solidFill>
+                          <a:highlight>
+                            <a:srgbClr val="808080"/>
+                          </a:highlight>
+                          <a:latin typeface="Consolas" panose="020B0609020204030204" pitchFamily="49" charset="0"/>
+                        </a:rPr>
+                        <a:t>:</a:t>
+                      </a:r>
+                      <a:r>
+                        <a:rPr lang="en-US" sz="1200" noProof="0" dirty="0">
+                          <a:solidFill>
+                            <a:schemeClr val="bg1"/>
+                          </a:solidFill>
+                          <a:latin typeface="Consolas" panose="020B0609020204030204" pitchFamily="49" charset="0"/>
+                        </a:rPr>
+                        <a:t>   pipenv install &lt;package</a:t>
+                      </a:r>
+                      <a:r>
+                        <a:rPr lang="en-US" sz="1200" baseline="0" noProof="0" dirty="0">
+                          <a:solidFill>
+                            <a:schemeClr val="bg1"/>
+                          </a:solidFill>
+                          <a:latin typeface="Consolas" panose="020B0609020204030204" pitchFamily="49" charset="0"/>
+                        </a:rPr>
+                        <a:t> </a:t>
+                      </a:r>
+                      <a:r>
+                        <a:rPr lang="en-US" sz="1200" noProof="0" dirty="0">
+                          <a:solidFill>
+                            <a:schemeClr val="bg1"/>
+                          </a:solidFill>
+                          <a:latin typeface="Consolas" panose="020B0609020204030204" pitchFamily="49" charset="0"/>
+                        </a:rPr>
+                        <a:t>name&gt;</a:t>
+                      </a:r>
+                    </a:p>
+                    <a:p>
+                      <a:pPr marL="171450" indent="-171450" algn="l">
+                        <a:buFont typeface="Arial" panose="020B0604020202020204" pitchFamily="34" charset="0"/>
+                        <a:buChar char="•"/>
+                      </a:pPr>
+                      <a:r>
+                        <a:rPr lang="en-US" sz="1200" b="1" noProof="0" dirty="0">
+                          <a:solidFill>
+                            <a:schemeClr val="bg1"/>
+                          </a:solidFill>
+                          <a:highlight>
+                            <a:srgbClr val="808080"/>
+                          </a:highlight>
+                          <a:latin typeface="Consolas" panose="020B0609020204030204" pitchFamily="49" charset="0"/>
+                        </a:rPr>
+                        <a:t>activate:</a:t>
+                      </a:r>
+                      <a:r>
+                        <a:rPr lang="en-US" sz="1200" noProof="0" dirty="0">
+                          <a:solidFill>
+                            <a:schemeClr val="bg1"/>
+                          </a:solidFill>
+                          <a:latin typeface="Consolas" panose="020B0609020204030204" pitchFamily="49" charset="0"/>
+                        </a:rPr>
+                        <a:t>   pipenv shell</a:t>
+                      </a:r>
+                    </a:p>
+                    <a:p>
+                      <a:pPr marL="171450" indent="-171450" algn="l">
+                        <a:buFont typeface="Arial" panose="020B0604020202020204" pitchFamily="34" charset="0"/>
+                        <a:buChar char="•"/>
+                      </a:pPr>
+                      <a:r>
+                        <a:rPr lang="en-US" sz="1200" b="1" noProof="0" dirty="0">
+                          <a:solidFill>
+                            <a:schemeClr val="bg1"/>
+                          </a:solidFill>
+                          <a:highlight>
+                            <a:srgbClr val="808080"/>
+                          </a:highlight>
+                          <a:latin typeface="Consolas" panose="020B0609020204030204" pitchFamily="49" charset="0"/>
+                        </a:rPr>
+                        <a:t>deactivate:</a:t>
+                      </a:r>
+                      <a:r>
+                        <a:rPr lang="en-US" sz="1200" noProof="0" dirty="0">
+                          <a:solidFill>
+                            <a:schemeClr val="bg1"/>
+                          </a:solidFill>
+                          <a:latin typeface="Consolas" panose="020B0609020204030204" pitchFamily="49" charset="0"/>
+                        </a:rPr>
+                        <a:t> exit</a:t>
+                      </a:r>
+                    </a:p>
+                  </a:txBody>
+                  <a:tcPr marL="36000" marR="36000" marT="36000" marB="36000" anchor="ctr">
+                    <a:lnL w="12700" cap="flat" cmpd="sng" algn="ctr">
+                      <a:solidFill>
+                        <a:schemeClr val="accent1">
+                          <a:lumMod val="60000"/>
+                          <a:lumOff val="40000"/>
+                        </a:schemeClr>
+                      </a:solidFill>
+                      <a:prstDash val="solid"/>
+                      <a:round/>
+                      <a:headEnd type="none" w="med" len="med"/>
+                      <a:tailEnd type="none" w="med" len="med"/>
+                    </a:lnL>
+                    <a:lnR w="12700" cap="flat" cmpd="sng" algn="ctr">
+                      <a:solidFill>
+                        <a:schemeClr val="accent1">
+                          <a:lumMod val="60000"/>
+                          <a:lumOff val="40000"/>
+                        </a:schemeClr>
+                      </a:solidFill>
+                      <a:prstDash val="solid"/>
+                      <a:round/>
+                      <a:headEnd type="none" w="med" len="med"/>
+                      <a:tailEnd type="none" w="med" len="med"/>
+                    </a:lnR>
+                    <a:lnT w="12700" cap="flat" cmpd="sng" algn="ctr">
+                      <a:solidFill>
+                        <a:schemeClr val="accent1">
+                          <a:lumMod val="60000"/>
+                          <a:lumOff val="40000"/>
+                        </a:schemeClr>
+                      </a:solidFill>
+                      <a:prstDash val="solid"/>
+                      <a:round/>
+                      <a:headEnd type="none" w="med" len="med"/>
+                      <a:tailEnd type="none" w="med" len="med"/>
+                    </a:lnT>
+                    <a:lnB w="12700" cap="flat" cmpd="sng" algn="ctr">
+                      <a:solidFill>
+                        <a:schemeClr val="accent1">
+                          <a:lumMod val="60000"/>
+                          <a:lumOff val="40000"/>
+                        </a:schemeClr>
+                      </a:solidFill>
+                      <a:prstDash val="solid"/>
+                      <a:round/>
+                      <a:headEnd type="none" w="med" len="med"/>
+                      <a:tailEnd type="none" w="med" len="med"/>
+                    </a:lnB>
+                    <a:lnTlToBr w="12700" cmpd="sng">
+                      <a:noFill/>
+                      <a:prstDash val="solid"/>
+                    </a:lnTlToBr>
+                    <a:lnBlToTr w="12700" cmpd="sng">
+                      <a:noFill/>
+                      <a:prstDash val="solid"/>
+                    </a:lnBlToTr>
+                    <a:solidFill>
+                      <a:schemeClr val="tx1"/>
+                    </a:solidFill>
+                  </a:tcPr>
+                </a:tc>
+                <a:tc>
+                  <a:txBody>
+                    <a:bodyPr/>
+                    <a:lstStyle/>
+                    <a:p>
+                      <a:pPr marL="171450" indent="-171450" algn="l">
+                        <a:buFont typeface="Arial" panose="020B0604020202020204" pitchFamily="34" charset="0"/>
+                        <a:buChar char="•"/>
+                      </a:pPr>
+                      <a:endParaRPr lang="en-US" sz="1200" noProof="0" dirty="0">
+                        <a:solidFill>
+                          <a:schemeClr val="bg1"/>
+                        </a:solidFill>
+                        <a:latin typeface="+mj-lt"/>
+                      </a:endParaRPr>
+                    </a:p>
+                  </a:txBody>
+                  <a:tcPr marL="36000" marR="36000" marT="36000" marB="36000" anchor="ctr">
+                    <a:lnL w="12700" cap="flat" cmpd="sng" algn="ctr">
+                      <a:solidFill>
+                        <a:schemeClr val="accent1">
+                          <a:lumMod val="60000"/>
+                          <a:lumOff val="40000"/>
+                        </a:schemeClr>
+                      </a:solidFill>
+                      <a:prstDash val="solid"/>
+                      <a:round/>
+                      <a:headEnd type="none" w="med" len="med"/>
+                      <a:tailEnd type="none" w="med" len="med"/>
+                    </a:lnL>
+                    <a:lnR w="12700" cap="flat" cmpd="sng" algn="ctr">
+                      <a:solidFill>
+                        <a:schemeClr val="accent1">
+                          <a:lumMod val="60000"/>
+                          <a:lumOff val="40000"/>
+                        </a:schemeClr>
+                      </a:solidFill>
+                      <a:prstDash val="solid"/>
+                      <a:round/>
+                      <a:headEnd type="none" w="med" len="med"/>
+                      <a:tailEnd type="none" w="med" len="med"/>
+                    </a:lnR>
+                    <a:lnT w="12700" cap="flat" cmpd="sng" algn="ctr">
+                      <a:solidFill>
+                        <a:schemeClr val="accent1">
+                          <a:lumMod val="60000"/>
+                          <a:lumOff val="40000"/>
+                        </a:schemeClr>
+                      </a:solidFill>
+                      <a:prstDash val="solid"/>
+                      <a:round/>
+                      <a:headEnd type="none" w="med" len="med"/>
+                      <a:tailEnd type="none" w="med" len="med"/>
+                    </a:lnT>
+                    <a:lnB w="12700" cap="flat" cmpd="sng" algn="ctr">
+                      <a:solidFill>
+                        <a:schemeClr val="accent1">
+                          <a:lumMod val="60000"/>
+                          <a:lumOff val="40000"/>
+                        </a:schemeClr>
+                      </a:solidFill>
+                      <a:prstDash val="solid"/>
+                      <a:round/>
+                      <a:headEnd type="none" w="med" len="med"/>
+                      <a:tailEnd type="none" w="med" len="med"/>
+                    </a:lnB>
+                    <a:lnTlToBr w="12700" cmpd="sng">
+                      <a:noFill/>
+                      <a:prstDash val="solid"/>
+                    </a:lnTlToBr>
+                    <a:lnBlToTr w="12700" cmpd="sng">
+                      <a:noFill/>
+                      <a:prstDash val="solid"/>
+                    </a:lnBlToTr>
+                    <a:solidFill>
+                      <a:schemeClr val="tx1"/>
+                    </a:solidFill>
+                  </a:tcPr>
+                </a:tc>
+                <a:extLst>
+                  <a:ext uri="{0D108BD9-81ED-4DB2-BD59-A6C34878D82A}">
+                    <a16:rowId xmlns:a16="http://schemas.microsoft.com/office/drawing/2014/main" val="82923500"/>
+                  </a:ext>
+                </a:extLst>
+              </a:tr>
+            </a:tbl>
+          </a:graphicData>
+        </a:graphic>
+      </p:graphicFrame>
+      <p:sp>
+        <p:nvSpPr>
+          <p:cNvPr id="2" name="Title 1">
+            <a:extLst>
+              <a:ext uri="{FF2B5EF4-FFF2-40B4-BE49-F238E27FC236}">
+                <a16:creationId xmlns:a16="http://schemas.microsoft.com/office/drawing/2014/main" id="{11330F1D-E68D-F352-A3EF-CBDF52BFB652}"/>
+              </a:ext>
+            </a:extLst>
+          </p:cNvPr>
+          <p:cNvSpPr>
+            <a:spLocks noGrp="1"/>
+          </p:cNvSpPr>
+          <p:nvPr>
+            <p:ph type="ctrTitle"/>
+          </p:nvPr>
+        </p:nvSpPr>
+        <p:spPr>
+          <a:xfrm>
+            <a:off x="0" y="-337750"/>
+            <a:ext cx="716991" cy="258532"/>
+          </a:xfrm>
+          <a:noFill/>
+          <a:ln w="25400">
+            <a:noFill/>
+          </a:ln>
+        </p:spPr>
+        <p:txBody>
+          <a:bodyPr vert="horz" wrap="none" lIns="91440" tIns="45720" rIns="91440" bIns="45720" rtlCol="0" anchor="t">
+            <a:spAutoFit/>
+          </a:bodyPr>
+          <a:lstStyle/>
+          <a:p>
+            <a:pPr algn="l"/>
+            <a:r>
+              <a:rPr lang="en-US" sz="1200" dirty="0">
+                <a:solidFill>
+                  <a:schemeClr val="bg2">
+                    <a:lumMod val="25000"/>
+                  </a:schemeClr>
+                </a:solidFill>
+                <a:sym typeface="Wingdings" panose="05000000000000000000" pitchFamily="2" charset="2"/>
+              </a:rPr>
+              <a:t>4.1 tools</a:t>
+            </a:r>
+            <a:endParaRPr lang="en-US" sz="1200" dirty="0">
+              <a:solidFill>
+                <a:schemeClr val="bg2">
+                  <a:lumMod val="25000"/>
+                </a:schemeClr>
+              </a:solidFill>
+            </a:endParaRPr>
+          </a:p>
+        </p:txBody>
+      </p:sp>
+      <p:sp>
+        <p:nvSpPr>
+          <p:cNvPr id="5" name="Rectangle 4">
+            <a:extLst>
+              <a:ext uri="{FF2B5EF4-FFF2-40B4-BE49-F238E27FC236}">
+                <a16:creationId xmlns:a16="http://schemas.microsoft.com/office/drawing/2014/main" id="{5F7A9DDF-FD01-209D-0909-ED97FF9EC001}"/>
+              </a:ext>
+            </a:extLst>
+          </p:cNvPr>
+          <p:cNvSpPr/>
+          <p:nvPr/>
+        </p:nvSpPr>
+        <p:spPr>
+          <a:xfrm>
+            <a:off x="180000" y="84884"/>
+            <a:ext cx="207692" cy="6480000"/>
+          </a:xfrm>
+          <a:prstGeom prst="rect">
+            <a:avLst/>
+          </a:prstGeom>
+          <a:solidFill>
+            <a:schemeClr val="tx1"/>
+          </a:solidFill>
+          <a:ln w="25400"/>
+          <a:effectLst>
+            <a:outerShdw blurRad="50800" dist="63500" dir="2700000" algn="tl" rotWithShape="0">
+              <a:schemeClr val="bg1">
+                <a:alpha val="40000"/>
+              </a:schemeClr>
+            </a:outerShdw>
+          </a:effectLst>
+        </p:spPr>
+        <p:style>
+          <a:lnRef idx="2">
+            <a:schemeClr val="accent1">
+              <a:shade val="50000"/>
+            </a:schemeClr>
+          </a:lnRef>
+          <a:fillRef idx="1">
+            <a:schemeClr val="accent1"/>
+          </a:fillRef>
+          <a:effectRef idx="0">
+            <a:schemeClr val="accent1"/>
+          </a:effectRef>
+          <a:fontRef idx="minor">
+            <a:schemeClr val="lt1"/>
+          </a:fontRef>
+        </p:style>
+        <p:txBody>
+          <a:bodyPr rtlCol="0" anchor="ctr"/>
+          <a:lstStyle/>
+          <a:p>
+            <a:pPr marL="0" marR="0" lvl="0" indent="0" algn="ctr" defTabSz="914400" rtl="0" eaLnBrk="1" fontAlgn="auto" latinLnBrk="0" hangingPunct="1">
+              <a:lnSpc>
+                <a:spcPct val="100000"/>
+              </a:lnSpc>
+              <a:spcBef>
+                <a:spcPts val="0"/>
+              </a:spcBef>
+              <a:spcAft>
+                <a:spcPts val="0"/>
+              </a:spcAft>
+              <a:buClrTx/>
+              <a:buSzTx/>
+              <a:buFontTx/>
+              <a:buNone/>
+              <a:tabLst/>
+              <a:defRPr/>
+            </a:pPr>
+            <a:endParaRPr kumimoji="0" lang="pt-PT" sz="1800" b="0" i="0" u="none" strike="noStrike" kern="1200" cap="none" spc="0" normalizeH="0" baseline="0" noProof="0">
+              <a:ln>
+                <a:noFill/>
+              </a:ln>
+              <a:solidFill>
+                <a:prstClr val="white"/>
+              </a:solidFill>
+              <a:effectLst/>
+              <a:uLnTx/>
+              <a:uFillTx/>
+              <a:latin typeface="Calibri" panose="020F0502020204030204"/>
+              <a:ea typeface="+mn-ea"/>
+              <a:cs typeface="+mn-cs"/>
+            </a:endParaRPr>
+          </a:p>
+        </p:txBody>
+      </p:sp>
+      <p:sp>
+        <p:nvSpPr>
+          <p:cNvPr id="43" name="Arrow: Right 5">
+            <a:extLst>
+              <a:ext uri="{FF2B5EF4-FFF2-40B4-BE49-F238E27FC236}">
+                <a16:creationId xmlns:a16="http://schemas.microsoft.com/office/drawing/2014/main" id="{08E5230E-2769-E59C-9AC8-D2F6ED58D5DF}"/>
+              </a:ext>
+            </a:extLst>
+          </p:cNvPr>
+          <p:cNvSpPr/>
+          <p:nvPr/>
+        </p:nvSpPr>
+        <p:spPr>
+          <a:xfrm>
+            <a:off x="283846" y="293116"/>
+            <a:ext cx="739111" cy="276999"/>
+          </a:xfrm>
+          <a:custGeom>
+            <a:avLst/>
+            <a:gdLst>
+              <a:gd name="connsiteX0" fmla="*/ 0 w 1727200"/>
+              <a:gd name="connsiteY0" fmla="*/ 119380 h 477520"/>
+              <a:gd name="connsiteX1" fmla="*/ 1488440 w 1727200"/>
+              <a:gd name="connsiteY1" fmla="*/ 119380 h 477520"/>
+              <a:gd name="connsiteX2" fmla="*/ 1488440 w 1727200"/>
+              <a:gd name="connsiteY2" fmla="*/ 0 h 477520"/>
+              <a:gd name="connsiteX3" fmla="*/ 1727200 w 1727200"/>
+              <a:gd name="connsiteY3" fmla="*/ 238760 h 477520"/>
+              <a:gd name="connsiteX4" fmla="*/ 1488440 w 1727200"/>
+              <a:gd name="connsiteY4" fmla="*/ 477520 h 477520"/>
+              <a:gd name="connsiteX5" fmla="*/ 1488440 w 1727200"/>
+              <a:gd name="connsiteY5" fmla="*/ 358140 h 477520"/>
+              <a:gd name="connsiteX6" fmla="*/ 0 w 1727200"/>
+              <a:gd name="connsiteY6" fmla="*/ 358140 h 477520"/>
+              <a:gd name="connsiteX7" fmla="*/ 0 w 1727200"/>
+              <a:gd name="connsiteY7" fmla="*/ 119380 h 477520"/>
+              <a:gd name="connsiteX0" fmla="*/ 0 w 1727200"/>
+              <a:gd name="connsiteY0" fmla="*/ 11803 h 369943"/>
+              <a:gd name="connsiteX1" fmla="*/ 1488440 w 1727200"/>
+              <a:gd name="connsiteY1" fmla="*/ 11803 h 369943"/>
+              <a:gd name="connsiteX2" fmla="*/ 1488440 w 1727200"/>
+              <a:gd name="connsiteY2" fmla="*/ 0 h 369943"/>
+              <a:gd name="connsiteX3" fmla="*/ 1727200 w 1727200"/>
+              <a:gd name="connsiteY3" fmla="*/ 131183 h 369943"/>
+              <a:gd name="connsiteX4" fmla="*/ 1488440 w 1727200"/>
+              <a:gd name="connsiteY4" fmla="*/ 369943 h 369943"/>
+              <a:gd name="connsiteX5" fmla="*/ 1488440 w 1727200"/>
+              <a:gd name="connsiteY5" fmla="*/ 250563 h 369943"/>
+              <a:gd name="connsiteX6" fmla="*/ 0 w 1727200"/>
+              <a:gd name="connsiteY6" fmla="*/ 250563 h 369943"/>
+              <a:gd name="connsiteX7" fmla="*/ 0 w 1727200"/>
+              <a:gd name="connsiteY7" fmla="*/ 11803 h 369943"/>
+              <a:gd name="connsiteX0" fmla="*/ 0 w 1727200"/>
+              <a:gd name="connsiteY0" fmla="*/ 0 h 358140"/>
+              <a:gd name="connsiteX1" fmla="*/ 1488440 w 1727200"/>
+              <a:gd name="connsiteY1" fmla="*/ 0 h 358140"/>
+              <a:gd name="connsiteX2" fmla="*/ 1497538 w 1727200"/>
+              <a:gd name="connsiteY2" fmla="*/ 6394 h 358140"/>
+              <a:gd name="connsiteX3" fmla="*/ 1727200 w 1727200"/>
+              <a:gd name="connsiteY3" fmla="*/ 119380 h 358140"/>
+              <a:gd name="connsiteX4" fmla="*/ 1488440 w 1727200"/>
+              <a:gd name="connsiteY4" fmla="*/ 358140 h 358140"/>
+              <a:gd name="connsiteX5" fmla="*/ 1488440 w 1727200"/>
+              <a:gd name="connsiteY5" fmla="*/ 238760 h 358140"/>
+              <a:gd name="connsiteX6" fmla="*/ 0 w 1727200"/>
+              <a:gd name="connsiteY6" fmla="*/ 238760 h 358140"/>
+              <a:gd name="connsiteX7" fmla="*/ 0 w 1727200"/>
+              <a:gd name="connsiteY7" fmla="*/ 0 h 358140"/>
+              <a:gd name="connsiteX0" fmla="*/ 0 w 1727200"/>
+              <a:gd name="connsiteY0" fmla="*/ 0 h 239859"/>
+              <a:gd name="connsiteX1" fmla="*/ 1488440 w 1727200"/>
+              <a:gd name="connsiteY1" fmla="*/ 0 h 239859"/>
+              <a:gd name="connsiteX2" fmla="*/ 1497538 w 1727200"/>
+              <a:gd name="connsiteY2" fmla="*/ 6394 h 239859"/>
+              <a:gd name="connsiteX3" fmla="*/ 1727200 w 1727200"/>
+              <a:gd name="connsiteY3" fmla="*/ 119380 h 239859"/>
+              <a:gd name="connsiteX4" fmla="*/ 1492989 w 1727200"/>
+              <a:gd name="connsiteY4" fmla="*/ 239859 h 239859"/>
+              <a:gd name="connsiteX5" fmla="*/ 1488440 w 1727200"/>
+              <a:gd name="connsiteY5" fmla="*/ 238760 h 239859"/>
+              <a:gd name="connsiteX6" fmla="*/ 0 w 1727200"/>
+              <a:gd name="connsiteY6" fmla="*/ 238760 h 239859"/>
+              <a:gd name="connsiteX7" fmla="*/ 0 w 1727200"/>
+              <a:gd name="connsiteY7" fmla="*/ 0 h 239859"/>
+            </a:gdLst>
+            <a:ahLst/>
+            <a:cxnLst>
+              <a:cxn ang="0">
+                <a:pos x="connsiteX0" y="connsiteY0"/>
+              </a:cxn>
+              <a:cxn ang="0">
+                <a:pos x="connsiteX1" y="connsiteY1"/>
+              </a:cxn>
+              <a:cxn ang="0">
+                <a:pos x="connsiteX2" y="connsiteY2"/>
+              </a:cxn>
+              <a:cxn ang="0">
+                <a:pos x="connsiteX3" y="connsiteY3"/>
+              </a:cxn>
+              <a:cxn ang="0">
+                <a:pos x="connsiteX4" y="connsiteY4"/>
+              </a:cxn>
+              <a:cxn ang="0">
+                <a:pos x="connsiteX5" y="connsiteY5"/>
+              </a:cxn>
+              <a:cxn ang="0">
+                <a:pos x="connsiteX6" y="connsiteY6"/>
+              </a:cxn>
+              <a:cxn ang="0">
+                <a:pos x="connsiteX7" y="connsiteY7"/>
+              </a:cxn>
+            </a:cxnLst>
+            <a:rect l="l" t="t" r="r" b="b"/>
+            <a:pathLst>
+              <a:path w="1727200" h="239859">
+                <a:moveTo>
+                  <a:pt x="0" y="0"/>
+                </a:moveTo>
+                <a:lnTo>
+                  <a:pt x="1488440" y="0"/>
+                </a:lnTo>
+                <a:lnTo>
+                  <a:pt x="1497538" y="6394"/>
+                </a:lnTo>
+                <a:lnTo>
+                  <a:pt x="1727200" y="119380"/>
+                </a:lnTo>
+                <a:lnTo>
+                  <a:pt x="1492989" y="239859"/>
+                </a:lnTo>
+                <a:lnTo>
+                  <a:pt x="1488440" y="238760"/>
+                </a:lnTo>
+                <a:lnTo>
+                  <a:pt x="0" y="238760"/>
+                </a:lnTo>
+                <a:lnTo>
+                  <a:pt x="0" y="0"/>
+                </a:lnTo>
+                <a:close/>
+              </a:path>
+            </a:pathLst>
+          </a:custGeom>
+          <a:solidFill>
+            <a:sysClr val="windowText" lastClr="000000"/>
+          </a:solidFill>
+          <a:ln w="25400" cap="flat" cmpd="sng" algn="ctr">
+            <a:solidFill>
+              <a:srgbClr val="FFC000">
+                <a:lumMod val="60000"/>
+                <a:lumOff val="40000"/>
+              </a:srgbClr>
+            </a:solidFill>
+            <a:prstDash val="solid"/>
+            <a:miter lim="800000"/>
+          </a:ln>
+          <a:effectLst>
+            <a:outerShdw blurRad="50800" dist="63500" dir="2700000" algn="tl" rotWithShape="0">
+              <a:sysClr val="window" lastClr="FFFFFF">
+                <a:alpha val="40000"/>
+              </a:sysClr>
+            </a:outerShdw>
+          </a:effectLst>
+        </p:spPr>
+        <p:txBody>
+          <a:bodyPr wrap="none" lIns="90000" tIns="0" rIns="180000" bIns="0" rtlCol="0" anchor="ctr">
+            <a:spAutoFit/>
+          </a:bodyPr>
+          <a:lstStyle/>
+          <a:p>
+            <a:pPr marL="0" marR="0" lvl="0" indent="0" defTabSz="914369" eaLnBrk="1" fontAlgn="auto" latinLnBrk="0" hangingPunct="1">
+              <a:lnSpc>
+                <a:spcPct val="100000"/>
+              </a:lnSpc>
+              <a:spcBef>
+                <a:spcPts val="0"/>
+              </a:spcBef>
+              <a:spcAft>
+                <a:spcPts val="0"/>
+              </a:spcAft>
+              <a:buClrTx/>
+              <a:buSzTx/>
+              <a:buFontTx/>
+              <a:buNone/>
+              <a:tabLst/>
+              <a:defRPr/>
+            </a:pPr>
+            <a:r>
+              <a:rPr kumimoji="0" lang="en-US" sz="1800" b="0" i="0" u="none" strike="noStrike" kern="0" cap="none" spc="0" normalizeH="0" baseline="0" noProof="0" dirty="0">
+                <a:ln>
+                  <a:noFill/>
+                </a:ln>
+                <a:solidFill>
+                  <a:prstClr val="white"/>
+                </a:solidFill>
+                <a:effectLst/>
+                <a:uLnTx/>
+                <a:uFillTx/>
+                <a:latin typeface="Calibri Light" panose="020F0302020204030204"/>
+              </a:rPr>
+              <a:t>what</a:t>
+            </a:r>
+          </a:p>
+        </p:txBody>
+      </p:sp>
+    </p:spTree>
+    <p:extLst>
+      <p:ext uri="{BB962C8B-B14F-4D97-AF65-F5344CB8AC3E}">
+        <p14:creationId xmlns:p14="http://schemas.microsoft.com/office/powerpoint/2010/main" val="3516476"/>
+      </p:ext>
+    </p:extLst>
+  </p:cSld>
+  <p:clrMapOvr>
+    <a:masterClrMapping/>
+  </p:clrMapOvr>
+</p:sld>
+</file>
+
+<file path=ppt/slides/slide7.xml><?xml version="1.0" encoding="utf-8"?>
+<p:sld xmlns:a="http://schemas.openxmlformats.org/drawingml/2006/main" xmlns:r="http://schemas.openxmlformats.org/officeDocument/2006/relationships" xmlns:p="http://schemas.openxmlformats.org/presentationml/2006/main">
+  <p:cSld>
+    <p:bg>
+      <p:bgPr>
+        <a:solidFill>
+          <a:schemeClr val="tx1"/>
+        </a:solidFill>
+        <a:effectLst/>
+      </p:bgPr>
+    </p:bg>
+    <p:spTree>
+      <p:nvGrpSpPr>
+        <p:cNvPr id="1" name="">
+          <a:extLst>
+            <a:ext uri="{FF2B5EF4-FFF2-40B4-BE49-F238E27FC236}">
+              <a16:creationId xmlns:a16="http://schemas.microsoft.com/office/drawing/2014/main" id="{A83E34E5-C252-490C-4AA3-CEB46B8247E9}"/>
+            </a:ext>
+          </a:extLst>
+        </p:cNvPr>
+        <p:cNvGrpSpPr/>
+        <p:nvPr/>
+      </p:nvGrpSpPr>
+      <p:grpSpPr>
+        <a:xfrm>
+          <a:off x="0" y="0"/>
+          <a:ext cx="0" cy="0"/>
+          <a:chOff x="0" y="0"/>
+          <a:chExt cx="0" cy="0"/>
+        </a:xfrm>
+      </p:grpSpPr>
+      <p:sp>
+        <p:nvSpPr>
+          <p:cNvPr id="2" name="Title 1">
+            <a:extLst>
+              <a:ext uri="{FF2B5EF4-FFF2-40B4-BE49-F238E27FC236}">
+                <a16:creationId xmlns:a16="http://schemas.microsoft.com/office/drawing/2014/main" id="{B11FD35D-91DA-D06C-07F6-373D27EE1944}"/>
               </a:ext>
             </a:extLst>
           </p:cNvPr>
@@ -17352,7 +23842,7 @@
           <p:cNvPr id="5" name="Rectangle 4">
             <a:extLst>
               <a:ext uri="{FF2B5EF4-FFF2-40B4-BE49-F238E27FC236}">
-                <a16:creationId xmlns:a16="http://schemas.microsoft.com/office/drawing/2014/main" id="{D45E34D6-120F-44F6-96A2-17230046C2F4}"/>
+                <a16:creationId xmlns:a16="http://schemas.microsoft.com/office/drawing/2014/main" id="{64F5615F-7600-8745-B8B9-3FD829F725AF}"/>
               </a:ext>
             </a:extLst>
           </p:cNvPr>
@@ -17438,7 +23928,7 @@
           <p:cNvPr id="8" name="Arrow: Right 5">
             <a:extLst>
               <a:ext uri="{FF2B5EF4-FFF2-40B4-BE49-F238E27FC236}">
-                <a16:creationId xmlns:a16="http://schemas.microsoft.com/office/drawing/2014/main" id="{B9CFDE67-358F-40AB-A205-0236CB52ADC0}"/>
+                <a16:creationId xmlns:a16="http://schemas.microsoft.com/office/drawing/2014/main" id="{2F3F76D6-DF3E-17FD-A21D-C269058B56F3}"/>
               </a:ext>
             </a:extLst>
           </p:cNvPr>
@@ -17643,7 +24133,7 @@
           <p:cNvPr id="20" name="Group 19">
             <a:extLst>
               <a:ext uri="{FF2B5EF4-FFF2-40B4-BE49-F238E27FC236}">
-                <a16:creationId xmlns:a16="http://schemas.microsoft.com/office/drawing/2014/main" id="{07351F8C-0F34-4194-9655-95B910F4C48C}"/>
+                <a16:creationId xmlns:a16="http://schemas.microsoft.com/office/drawing/2014/main" id="{9D7E6D19-9E7E-E64D-9BA8-70947A210C23}"/>
               </a:ext>
             </a:extLst>
           </p:cNvPr>
@@ -17663,7 +24153,7 @@
             <p:cNvPr id="21" name="Retângulo 5">
               <a:extLst>
                 <a:ext uri="{FF2B5EF4-FFF2-40B4-BE49-F238E27FC236}">
-                  <a16:creationId xmlns:a16="http://schemas.microsoft.com/office/drawing/2014/main" id="{FE7F49B6-764A-4DDD-A35A-961C2F3E835F}"/>
+                  <a16:creationId xmlns:a16="http://schemas.microsoft.com/office/drawing/2014/main" id="{B232BC0F-908A-4B71-1DFE-D56DE4C3ECCD}"/>
                 </a:ext>
               </a:extLst>
             </p:cNvPr>
@@ -17736,7 +24226,7 @@
             <p:cNvPr id="22" name="Picture 21" descr="Icon&#10;&#10;Description automatically generated">
               <a:extLst>
                 <a:ext uri="{FF2B5EF4-FFF2-40B4-BE49-F238E27FC236}">
-                  <a16:creationId xmlns:a16="http://schemas.microsoft.com/office/drawing/2014/main" id="{2EBB7043-481F-4617-975D-BB7B05A3A823}"/>
+                  <a16:creationId xmlns:a16="http://schemas.microsoft.com/office/drawing/2014/main" id="{96BC6537-0BD0-35F5-15D7-8E2A0AC3B29A}"/>
                 </a:ext>
               </a:extLst>
             </p:cNvPr>
@@ -17773,7 +24263,7 @@
           <p:cNvPr id="1026" name="Picture 2" descr="Create Environment dropdown">
             <a:extLst>
               <a:ext uri="{FF2B5EF4-FFF2-40B4-BE49-F238E27FC236}">
-                <a16:creationId xmlns:a16="http://schemas.microsoft.com/office/drawing/2014/main" id="{DE5CCE69-C709-4192-84DC-1B9DDD490111}"/>
+                <a16:creationId xmlns:a16="http://schemas.microsoft.com/office/drawing/2014/main" id="{38F241CB-C3A3-4DEB-4980-F807BA698371}"/>
               </a:ext>
             </a:extLst>
           </p:cNvPr>
@@ -17834,7 +24324,7 @@
           <p:cNvPr id="9" name="Picture 8">
             <a:extLst>
               <a:ext uri="{FF2B5EF4-FFF2-40B4-BE49-F238E27FC236}">
-                <a16:creationId xmlns:a16="http://schemas.microsoft.com/office/drawing/2014/main" id="{1F46DF4F-530C-49E4-9A62-B174E874DBF2}"/>
+                <a16:creationId xmlns:a16="http://schemas.microsoft.com/office/drawing/2014/main" id="{85532B7A-D1DA-3266-AB01-6241813A207B}"/>
               </a:ext>
             </a:extLst>
           </p:cNvPr>
@@ -17878,7 +24368,7 @@
           <p:cNvPr id="25" name="Picture 24">
             <a:extLst>
               <a:ext uri="{FF2B5EF4-FFF2-40B4-BE49-F238E27FC236}">
-                <a16:creationId xmlns:a16="http://schemas.microsoft.com/office/drawing/2014/main" id="{DC782054-BCA7-4D9E-B225-FD51457C1935}"/>
+                <a16:creationId xmlns:a16="http://schemas.microsoft.com/office/drawing/2014/main" id="{B71ABB5B-0DA1-352F-EA7D-099D546430E2}"/>
               </a:ext>
             </a:extLst>
           </p:cNvPr>
@@ -17922,7 +24412,7 @@
           <p:cNvPr id="26" name="Speech Bubble: Rectangle 25">
             <a:extLst>
               <a:ext uri="{FF2B5EF4-FFF2-40B4-BE49-F238E27FC236}">
-                <a16:creationId xmlns:a16="http://schemas.microsoft.com/office/drawing/2014/main" id="{96FB9597-F93C-4CFB-A773-29A17FC45104}"/>
+                <a16:creationId xmlns:a16="http://schemas.microsoft.com/office/drawing/2014/main" id="{8480E5CA-4D1D-4E6A-AD17-B4230823C336}"/>
               </a:ext>
             </a:extLst>
           </p:cNvPr>
@@ -17966,7 +24456,7 @@
               <a:defRPr/>
             </a:pPr>
             <a:r>
-              <a:rPr lang="en-US" sz="1200">
+              <a:rPr lang="en-US" sz="1200" dirty="0">
                 <a:solidFill>
                   <a:prstClr val="white"/>
                 </a:solidFill>
@@ -17996,7 +24486,7 @@
           <p:cNvPr id="28" name="Explosion: 14 Points 27">
             <a:extLst>
               <a:ext uri="{FF2B5EF4-FFF2-40B4-BE49-F238E27FC236}">
-                <a16:creationId xmlns:a16="http://schemas.microsoft.com/office/drawing/2014/main" id="{BCD9C13B-DFB0-457F-993E-2185323F6D03}"/>
+                <a16:creationId xmlns:a16="http://schemas.microsoft.com/office/drawing/2014/main" id="{1CB240B5-8A5C-9420-E47A-216CF955FC81}"/>
               </a:ext>
             </a:extLst>
           </p:cNvPr>
@@ -18077,7 +24567,7 @@
           <p:cNvPr id="30" name="Speech Bubble: Rectangle 29">
             <a:extLst>
               <a:ext uri="{FF2B5EF4-FFF2-40B4-BE49-F238E27FC236}">
-                <a16:creationId xmlns:a16="http://schemas.microsoft.com/office/drawing/2014/main" id="{AA89DF70-D4CB-4A59-9DE8-40FDC2B39B7E}"/>
+                <a16:creationId xmlns:a16="http://schemas.microsoft.com/office/drawing/2014/main" id="{BAD33D6C-20A6-D30D-E936-B1EE2672AE3D}"/>
               </a:ext>
             </a:extLst>
           </p:cNvPr>
@@ -18173,7 +24663,7 @@
           <p:cNvPr id="35" name="Explosion: 14 Points 34">
             <a:extLst>
               <a:ext uri="{FF2B5EF4-FFF2-40B4-BE49-F238E27FC236}">
-                <a16:creationId xmlns:a16="http://schemas.microsoft.com/office/drawing/2014/main" id="{F584D867-6C86-4EB4-9D9B-6DD639C30D84}"/>
+                <a16:creationId xmlns:a16="http://schemas.microsoft.com/office/drawing/2014/main" id="{EE4391C2-164D-7577-AD3E-F8DCDB235A1B}"/>
               </a:ext>
             </a:extLst>
           </p:cNvPr>
@@ -18254,7 +24744,7 @@
           <p:cNvPr id="36" name="Speech Bubble: Rectangle 35">
             <a:extLst>
               <a:ext uri="{FF2B5EF4-FFF2-40B4-BE49-F238E27FC236}">
-                <a16:creationId xmlns:a16="http://schemas.microsoft.com/office/drawing/2014/main" id="{EB4626DD-05A8-4BAD-8106-1CA7873AC8EF}"/>
+                <a16:creationId xmlns:a16="http://schemas.microsoft.com/office/drawing/2014/main" id="{FB473016-D492-0996-C858-878D18F39ACA}"/>
               </a:ext>
             </a:extLst>
           </p:cNvPr>
@@ -18411,7 +24901,7 @@
           <p:cNvPr id="38" name="Speech Bubble: Rectangle 37">
             <a:extLst>
               <a:ext uri="{FF2B5EF4-FFF2-40B4-BE49-F238E27FC236}">
-                <a16:creationId xmlns:a16="http://schemas.microsoft.com/office/drawing/2014/main" id="{074DCC6D-AB9C-42F4-BBA3-F4BB0CBB153A}"/>
+                <a16:creationId xmlns:a16="http://schemas.microsoft.com/office/drawing/2014/main" id="{F14ED36B-A83E-5303-6756-CD5D130D0853}"/>
               </a:ext>
             </a:extLst>
           </p:cNvPr>
@@ -18569,7 +25059,7 @@
           <p:cNvPr id="40" name="Rectangle 39">
             <a:extLst>
               <a:ext uri="{FF2B5EF4-FFF2-40B4-BE49-F238E27FC236}">
-                <a16:creationId xmlns:a16="http://schemas.microsoft.com/office/drawing/2014/main" id="{67A32876-691E-48B7-B9A5-DAE4662CD560}"/>
+                <a16:creationId xmlns:a16="http://schemas.microsoft.com/office/drawing/2014/main" id="{2E9B2689-C9F8-45FC-98DC-FC9EFF3F6BDC}"/>
               </a:ext>
             </a:extLst>
           </p:cNvPr>
@@ -18655,7 +25145,7 @@
           <p:cNvPr id="43" name="Arrow: Right 5">
             <a:extLst>
               <a:ext uri="{FF2B5EF4-FFF2-40B4-BE49-F238E27FC236}">
-                <a16:creationId xmlns:a16="http://schemas.microsoft.com/office/drawing/2014/main" id="{04EC1788-8504-471B-B749-409706E978E9}"/>
+                <a16:creationId xmlns:a16="http://schemas.microsoft.com/office/drawing/2014/main" id="{EF314CC8-4133-1294-C32D-590FB4639863}"/>
               </a:ext>
             </a:extLst>
           </p:cNvPr>
@@ -18860,7 +25350,7 @@
           <p:cNvPr id="11" name="Picture 10">
             <a:extLst>
               <a:ext uri="{FF2B5EF4-FFF2-40B4-BE49-F238E27FC236}">
-                <a16:creationId xmlns:a16="http://schemas.microsoft.com/office/drawing/2014/main" id="{7F5B4EBA-22B3-4845-A79D-C40407904A22}"/>
+                <a16:creationId xmlns:a16="http://schemas.microsoft.com/office/drawing/2014/main" id="{F1166178-C239-8E74-7DD1-3A67AE8DF433}"/>
               </a:ext>
             </a:extLst>
           </p:cNvPr>
@@ -18903,7 +25393,7 @@
     </p:spTree>
     <p:extLst>
       <p:ext uri="{BB962C8B-B14F-4D97-AF65-F5344CB8AC3E}">
-        <p14:creationId xmlns:p14="http://schemas.microsoft.com/office/powerpoint/2010/main" val="1179103907"/>
+        <p14:creationId xmlns:p14="http://schemas.microsoft.com/office/powerpoint/2010/main" val="4220763341"/>
       </p:ext>
     </p:extLst>
   </p:cSld>
@@ -18913,7 +25403,7 @@
 </p:sld>
 </file>
 
-<file path=ppt/slides/slide6.xml><?xml version="1.0" encoding="utf-8"?>
+<file path=ppt/slides/slide8.xml><?xml version="1.0" encoding="utf-8"?>
 <p:sld xmlns:a="http://schemas.openxmlformats.org/drawingml/2006/main" xmlns:r="http://schemas.openxmlformats.org/officeDocument/2006/relationships" xmlns:p="http://schemas.openxmlformats.org/presentationml/2006/main">
   <p:cSld>
     <p:bg>
@@ -20489,7 +26979,7 @@
               <a:defRPr/>
             </a:pPr>
             <a:r>
-              <a:rPr lang="en-US" sz="1200" kern="0">
+              <a:rPr lang="en-US" sz="1200" kern="0" dirty="0">
                 <a:solidFill>
                   <a:prstClr val="white"/>
                 </a:solidFill>
@@ -20497,12 +26987,6 @@
               </a:rPr>
               <a:t>pip install --user pipenv</a:t>
             </a:r>
-            <a:endParaRPr lang="en-US" sz="1200" kern="0" dirty="0">
-              <a:solidFill>
-                <a:prstClr val="white"/>
-              </a:solidFill>
-              <a:latin typeface="Consolas" panose="020B0609020204030204" pitchFamily="49" charset="0"/>
-            </a:endParaRPr>
           </a:p>
         </p:txBody>
       </p:sp>
@@ -20724,7 +27208,7 @@
 </p:sld>
 </file>
 
-<file path=ppt/slides/slide7.xml><?xml version="1.0" encoding="utf-8"?>
+<file path=ppt/slides/slide9.xml><?xml version="1.0" encoding="utf-8"?>
 <p:sld xmlns:a="http://schemas.openxmlformats.org/drawingml/2006/main" xmlns:r="http://schemas.openxmlformats.org/officeDocument/2006/relationships" xmlns:p="http://schemas.openxmlformats.org/presentationml/2006/main">
   <p:cSld>
     <p:bg>
@@ -21601,1606 +28085,6 @@
     <p:extLst>
       <p:ext uri="{BB962C8B-B14F-4D97-AF65-F5344CB8AC3E}">
         <p14:creationId xmlns:p14="http://schemas.microsoft.com/office/powerpoint/2010/main" val="1929918628"/>
-      </p:ext>
-    </p:extLst>
-  </p:cSld>
-  <p:clrMapOvr>
-    <a:masterClrMapping/>
-  </p:clrMapOvr>
-</p:sld>
-</file>
-
-<file path=ppt/slides/slide8.xml><?xml version="1.0" encoding="utf-8"?>
-<p:sld xmlns:a="http://schemas.openxmlformats.org/drawingml/2006/main" xmlns:r="http://schemas.openxmlformats.org/officeDocument/2006/relationships" xmlns:p="http://schemas.openxmlformats.org/presentationml/2006/main">
-  <p:cSld>
-    <p:bg>
-      <p:bgPr>
-        <a:solidFill>
-          <a:schemeClr val="tx1"/>
-        </a:solidFill>
-        <a:effectLst/>
-      </p:bgPr>
-    </p:bg>
-    <p:spTree>
-      <p:nvGrpSpPr>
-        <p:cNvPr id="1" name=""/>
-        <p:cNvGrpSpPr/>
-        <p:nvPr/>
-      </p:nvGrpSpPr>
-      <p:grpSpPr>
-        <a:xfrm>
-          <a:off x="0" y="0"/>
-          <a:ext cx="0" cy="0"/>
-          <a:chOff x="0" y="0"/>
-          <a:chExt cx="0" cy="0"/>
-        </a:xfrm>
-      </p:grpSpPr>
-      <p:pic>
-        <p:nvPicPr>
-          <p:cNvPr id="7" name="Picture 6">
-            <a:extLst>
-              <a:ext uri="{FF2B5EF4-FFF2-40B4-BE49-F238E27FC236}">
-                <a16:creationId xmlns:a16="http://schemas.microsoft.com/office/drawing/2014/main" id="{DA9C0D5F-976E-4EB0-960F-7643EB3E3844}"/>
-              </a:ext>
-            </a:extLst>
-          </p:cNvPr>
-          <p:cNvPicPr>
-            <a:picLocks noChangeAspect="1"/>
-          </p:cNvPicPr>
-          <p:nvPr/>
-        </p:nvPicPr>
-        <p:blipFill>
-          <a:blip r:embed="rId2"/>
-          <a:stretch>
-            <a:fillRect/>
-          </a:stretch>
-        </p:blipFill>
-        <p:spPr>
-          <a:xfrm>
-            <a:off x="988019" y="3471774"/>
-            <a:ext cx="5964767" cy="1007219"/>
-          </a:xfrm>
-          <a:prstGeom prst="rect">
-            <a:avLst/>
-          </a:prstGeom>
-          <a:ln w="50800">
-            <a:solidFill>
-              <a:srgbClr val="70AD47">
-                <a:lumMod val="60000"/>
-                <a:lumOff val="40000"/>
-              </a:srgbClr>
-            </a:solidFill>
-          </a:ln>
-          <a:effectLst>
-            <a:outerShdw blurRad="50800" dist="127000" dir="2700000" algn="tl" rotWithShape="0">
-              <a:sysClr val="window" lastClr="FFFFFF">
-                <a:alpha val="40000"/>
-              </a:sysClr>
-            </a:outerShdw>
-          </a:effectLst>
-        </p:spPr>
-      </p:pic>
-      <p:sp>
-        <p:nvSpPr>
-          <p:cNvPr id="2" name="Title 1">
-            <a:extLst>
-              <a:ext uri="{FF2B5EF4-FFF2-40B4-BE49-F238E27FC236}">
-                <a16:creationId xmlns:a16="http://schemas.microsoft.com/office/drawing/2014/main" id="{54C7F764-8D4D-421D-979F-2C7A67DE064B}"/>
-              </a:ext>
-            </a:extLst>
-          </p:cNvPr>
-          <p:cNvSpPr>
-            <a:spLocks noGrp="1"/>
-          </p:cNvSpPr>
-          <p:nvPr>
-            <p:ph type="ctrTitle"/>
-          </p:nvPr>
-        </p:nvSpPr>
-        <p:spPr>
-          <a:xfrm>
-            <a:off x="145062" y="123804"/>
-            <a:ext cx="918841" cy="369332"/>
-          </a:xfrm>
-          <a:gradFill>
-            <a:gsLst>
-              <a:gs pos="0">
-                <a:schemeClr val="accent1">
-                  <a:lumMod val="5000"/>
-                  <a:lumOff val="95000"/>
-                </a:schemeClr>
-              </a:gs>
-              <a:gs pos="74000">
-                <a:schemeClr val="accent1">
-                  <a:lumMod val="45000"/>
-                  <a:lumOff val="55000"/>
-                </a:schemeClr>
-              </a:gs>
-              <a:gs pos="83000">
-                <a:schemeClr val="accent1">
-                  <a:lumMod val="45000"/>
-                  <a:lumOff val="55000"/>
-                </a:schemeClr>
-              </a:gs>
-              <a:gs pos="100000">
-                <a:schemeClr val="accent1">
-                  <a:lumMod val="30000"/>
-                  <a:lumOff val="70000"/>
-                </a:schemeClr>
-              </a:gs>
-            </a:gsLst>
-            <a:lin ang="5400000" scaled="1"/>
-          </a:gradFill>
-          <a:ln w="25400">
-            <a:solidFill>
-              <a:schemeClr val="accent1"/>
-            </a:solidFill>
-          </a:ln>
-        </p:spPr>
-        <p:txBody>
-          <a:bodyPr vert="horz" wrap="none" lIns="91440" tIns="45720" rIns="91440" bIns="45720" rtlCol="0" anchor="t">
-            <a:spAutoFit/>
-          </a:bodyPr>
-          <a:lstStyle/>
-          <a:p>
-            <a:pPr algn="l"/>
-            <a:r>
-              <a:rPr lang="en-US" sz="2000" dirty="0">
-                <a:solidFill>
-                  <a:schemeClr val="bg2">
-                    <a:lumMod val="25000"/>
-                  </a:schemeClr>
-                </a:solidFill>
-                <a:sym typeface="Wingdings" panose="05000000000000000000" pitchFamily="2" charset="2"/>
-              </a:rPr>
-              <a:t>6. run</a:t>
-            </a:r>
-            <a:endParaRPr lang="en-US" sz="2000" dirty="0">
-              <a:solidFill>
-                <a:schemeClr val="bg2">
-                  <a:lumMod val="25000"/>
-                </a:schemeClr>
-              </a:solidFill>
-            </a:endParaRPr>
-          </a:p>
-        </p:txBody>
-      </p:sp>
-      <p:sp>
-        <p:nvSpPr>
-          <p:cNvPr id="5" name="Rectangle 4">
-            <a:extLst>
-              <a:ext uri="{FF2B5EF4-FFF2-40B4-BE49-F238E27FC236}">
-                <a16:creationId xmlns:a16="http://schemas.microsoft.com/office/drawing/2014/main" id="{D45E34D6-120F-44F6-96A2-17230046C2F4}"/>
-              </a:ext>
-            </a:extLst>
-          </p:cNvPr>
-          <p:cNvSpPr/>
-          <p:nvPr/>
-        </p:nvSpPr>
-        <p:spPr>
-          <a:xfrm>
-            <a:off x="145062" y="633528"/>
-            <a:ext cx="207692" cy="6048000"/>
-          </a:xfrm>
-          <a:prstGeom prst="rect">
-            <a:avLst/>
-          </a:prstGeom>
-          <a:solidFill>
-            <a:schemeClr val="tx1"/>
-          </a:solidFill>
-          <a:ln w="25400"/>
-          <a:effectLst>
-            <a:outerShdw blurRad="50800" dist="63500" dir="2700000" algn="tl" rotWithShape="0">
-              <a:schemeClr val="bg1">
-                <a:alpha val="40000"/>
-              </a:schemeClr>
-            </a:outerShdw>
-          </a:effectLst>
-        </p:spPr>
-        <p:style>
-          <a:lnRef idx="2">
-            <a:schemeClr val="accent1">
-              <a:shade val="50000"/>
-            </a:schemeClr>
-          </a:lnRef>
-          <a:fillRef idx="1">
-            <a:schemeClr val="accent1"/>
-          </a:fillRef>
-          <a:effectRef idx="0">
-            <a:schemeClr val="accent1"/>
-          </a:effectRef>
-          <a:fontRef idx="minor">
-            <a:schemeClr val="lt1"/>
-          </a:fontRef>
-        </p:style>
-        <p:txBody>
-          <a:bodyPr rtlCol="0" anchor="ctr"/>
-          <a:lstStyle/>
-          <a:p>
-            <a:pPr marL="0" marR="0" lvl="0" indent="0" algn="ctr" defTabSz="914400" rtl="0" eaLnBrk="1" fontAlgn="auto" latinLnBrk="0" hangingPunct="1">
-              <a:lnSpc>
-                <a:spcPct val="100000"/>
-              </a:lnSpc>
-              <a:spcBef>
-                <a:spcPts val="0"/>
-              </a:spcBef>
-              <a:spcAft>
-                <a:spcPts val="0"/>
-              </a:spcAft>
-              <a:buClrTx/>
-              <a:buSzTx/>
-              <a:buFontTx/>
-              <a:buNone/>
-              <a:tabLst/>
-              <a:defRPr/>
-            </a:pPr>
-            <a:endParaRPr kumimoji="0" lang="pt-PT" sz="1800" b="0" i="0" u="none" strike="noStrike" kern="1200" cap="none" spc="0" normalizeH="0" baseline="0" noProof="0">
-              <a:ln>
-                <a:noFill/>
-              </a:ln>
-              <a:solidFill>
-                <a:prstClr val="white"/>
-              </a:solidFill>
-              <a:effectLst/>
-              <a:uLnTx/>
-              <a:uFillTx/>
-              <a:latin typeface="Calibri" panose="020F0502020204030204"/>
-              <a:ea typeface="+mn-ea"/>
-              <a:cs typeface="+mn-cs"/>
-            </a:endParaRPr>
-          </a:p>
-        </p:txBody>
-      </p:sp>
-      <p:sp>
-        <p:nvSpPr>
-          <p:cNvPr id="8" name="Arrow: Right 5">
-            <a:extLst>
-              <a:ext uri="{FF2B5EF4-FFF2-40B4-BE49-F238E27FC236}">
-                <a16:creationId xmlns:a16="http://schemas.microsoft.com/office/drawing/2014/main" id="{B9CFDE67-358F-40AB-A205-0236CB52ADC0}"/>
-              </a:ext>
-            </a:extLst>
-          </p:cNvPr>
-          <p:cNvSpPr/>
-          <p:nvPr/>
-        </p:nvSpPr>
-        <p:spPr>
-          <a:xfrm>
-            <a:off x="261441" y="740052"/>
-            <a:ext cx="955516" cy="276999"/>
-          </a:xfrm>
-          <a:custGeom>
-            <a:avLst/>
-            <a:gdLst>
-              <a:gd name="connsiteX0" fmla="*/ 0 w 1727200"/>
-              <a:gd name="connsiteY0" fmla="*/ 119380 h 477520"/>
-              <a:gd name="connsiteX1" fmla="*/ 1488440 w 1727200"/>
-              <a:gd name="connsiteY1" fmla="*/ 119380 h 477520"/>
-              <a:gd name="connsiteX2" fmla="*/ 1488440 w 1727200"/>
-              <a:gd name="connsiteY2" fmla="*/ 0 h 477520"/>
-              <a:gd name="connsiteX3" fmla="*/ 1727200 w 1727200"/>
-              <a:gd name="connsiteY3" fmla="*/ 238760 h 477520"/>
-              <a:gd name="connsiteX4" fmla="*/ 1488440 w 1727200"/>
-              <a:gd name="connsiteY4" fmla="*/ 477520 h 477520"/>
-              <a:gd name="connsiteX5" fmla="*/ 1488440 w 1727200"/>
-              <a:gd name="connsiteY5" fmla="*/ 358140 h 477520"/>
-              <a:gd name="connsiteX6" fmla="*/ 0 w 1727200"/>
-              <a:gd name="connsiteY6" fmla="*/ 358140 h 477520"/>
-              <a:gd name="connsiteX7" fmla="*/ 0 w 1727200"/>
-              <a:gd name="connsiteY7" fmla="*/ 119380 h 477520"/>
-              <a:gd name="connsiteX0" fmla="*/ 0 w 1727200"/>
-              <a:gd name="connsiteY0" fmla="*/ 11803 h 369943"/>
-              <a:gd name="connsiteX1" fmla="*/ 1488440 w 1727200"/>
-              <a:gd name="connsiteY1" fmla="*/ 11803 h 369943"/>
-              <a:gd name="connsiteX2" fmla="*/ 1488440 w 1727200"/>
-              <a:gd name="connsiteY2" fmla="*/ 0 h 369943"/>
-              <a:gd name="connsiteX3" fmla="*/ 1727200 w 1727200"/>
-              <a:gd name="connsiteY3" fmla="*/ 131183 h 369943"/>
-              <a:gd name="connsiteX4" fmla="*/ 1488440 w 1727200"/>
-              <a:gd name="connsiteY4" fmla="*/ 369943 h 369943"/>
-              <a:gd name="connsiteX5" fmla="*/ 1488440 w 1727200"/>
-              <a:gd name="connsiteY5" fmla="*/ 250563 h 369943"/>
-              <a:gd name="connsiteX6" fmla="*/ 0 w 1727200"/>
-              <a:gd name="connsiteY6" fmla="*/ 250563 h 369943"/>
-              <a:gd name="connsiteX7" fmla="*/ 0 w 1727200"/>
-              <a:gd name="connsiteY7" fmla="*/ 11803 h 369943"/>
-              <a:gd name="connsiteX0" fmla="*/ 0 w 1727200"/>
-              <a:gd name="connsiteY0" fmla="*/ 0 h 358140"/>
-              <a:gd name="connsiteX1" fmla="*/ 1488440 w 1727200"/>
-              <a:gd name="connsiteY1" fmla="*/ 0 h 358140"/>
-              <a:gd name="connsiteX2" fmla="*/ 1497538 w 1727200"/>
-              <a:gd name="connsiteY2" fmla="*/ 6394 h 358140"/>
-              <a:gd name="connsiteX3" fmla="*/ 1727200 w 1727200"/>
-              <a:gd name="connsiteY3" fmla="*/ 119380 h 358140"/>
-              <a:gd name="connsiteX4" fmla="*/ 1488440 w 1727200"/>
-              <a:gd name="connsiteY4" fmla="*/ 358140 h 358140"/>
-              <a:gd name="connsiteX5" fmla="*/ 1488440 w 1727200"/>
-              <a:gd name="connsiteY5" fmla="*/ 238760 h 358140"/>
-              <a:gd name="connsiteX6" fmla="*/ 0 w 1727200"/>
-              <a:gd name="connsiteY6" fmla="*/ 238760 h 358140"/>
-              <a:gd name="connsiteX7" fmla="*/ 0 w 1727200"/>
-              <a:gd name="connsiteY7" fmla="*/ 0 h 358140"/>
-              <a:gd name="connsiteX0" fmla="*/ 0 w 1727200"/>
-              <a:gd name="connsiteY0" fmla="*/ 0 h 239859"/>
-              <a:gd name="connsiteX1" fmla="*/ 1488440 w 1727200"/>
-              <a:gd name="connsiteY1" fmla="*/ 0 h 239859"/>
-              <a:gd name="connsiteX2" fmla="*/ 1497538 w 1727200"/>
-              <a:gd name="connsiteY2" fmla="*/ 6394 h 239859"/>
-              <a:gd name="connsiteX3" fmla="*/ 1727200 w 1727200"/>
-              <a:gd name="connsiteY3" fmla="*/ 119380 h 239859"/>
-              <a:gd name="connsiteX4" fmla="*/ 1492989 w 1727200"/>
-              <a:gd name="connsiteY4" fmla="*/ 239859 h 239859"/>
-              <a:gd name="connsiteX5" fmla="*/ 1488440 w 1727200"/>
-              <a:gd name="connsiteY5" fmla="*/ 238760 h 239859"/>
-              <a:gd name="connsiteX6" fmla="*/ 0 w 1727200"/>
-              <a:gd name="connsiteY6" fmla="*/ 238760 h 239859"/>
-              <a:gd name="connsiteX7" fmla="*/ 0 w 1727200"/>
-              <a:gd name="connsiteY7" fmla="*/ 0 h 239859"/>
-            </a:gdLst>
-            <a:ahLst/>
-            <a:cxnLst>
-              <a:cxn ang="0">
-                <a:pos x="connsiteX0" y="connsiteY0"/>
-              </a:cxn>
-              <a:cxn ang="0">
-                <a:pos x="connsiteX1" y="connsiteY1"/>
-              </a:cxn>
-              <a:cxn ang="0">
-                <a:pos x="connsiteX2" y="connsiteY2"/>
-              </a:cxn>
-              <a:cxn ang="0">
-                <a:pos x="connsiteX3" y="connsiteY3"/>
-              </a:cxn>
-              <a:cxn ang="0">
-                <a:pos x="connsiteX4" y="connsiteY4"/>
-              </a:cxn>
-              <a:cxn ang="0">
-                <a:pos x="connsiteX5" y="connsiteY5"/>
-              </a:cxn>
-              <a:cxn ang="0">
-                <a:pos x="connsiteX6" y="connsiteY6"/>
-              </a:cxn>
-              <a:cxn ang="0">
-                <a:pos x="connsiteX7" y="connsiteY7"/>
-              </a:cxn>
-            </a:cxnLst>
-            <a:rect l="l" t="t" r="r" b="b"/>
-            <a:pathLst>
-              <a:path w="1727200" h="239859">
-                <a:moveTo>
-                  <a:pt x="0" y="0"/>
-                </a:moveTo>
-                <a:lnTo>
-                  <a:pt x="1488440" y="0"/>
-                </a:lnTo>
-                <a:lnTo>
-                  <a:pt x="1497538" y="6394"/>
-                </a:lnTo>
-                <a:lnTo>
-                  <a:pt x="1727200" y="119380"/>
-                </a:lnTo>
-                <a:lnTo>
-                  <a:pt x="1492989" y="239859"/>
-                </a:lnTo>
-                <a:lnTo>
-                  <a:pt x="1488440" y="238760"/>
-                </a:lnTo>
-                <a:lnTo>
-                  <a:pt x="0" y="238760"/>
-                </a:lnTo>
-                <a:lnTo>
-                  <a:pt x="0" y="0"/>
-                </a:lnTo>
-                <a:close/>
-              </a:path>
-            </a:pathLst>
-          </a:custGeom>
-          <a:solidFill>
-            <a:sysClr val="windowText" lastClr="000000"/>
-          </a:solidFill>
-          <a:ln w="25400" cap="flat" cmpd="sng" algn="ctr">
-            <a:solidFill>
-              <a:srgbClr val="FFC000">
-                <a:lumMod val="60000"/>
-                <a:lumOff val="40000"/>
-              </a:srgbClr>
-            </a:solidFill>
-            <a:prstDash val="solid"/>
-            <a:miter lim="800000"/>
-          </a:ln>
-          <a:effectLst>
-            <a:outerShdw blurRad="50800" dist="63500" dir="2700000" algn="tl" rotWithShape="0">
-              <a:sysClr val="window" lastClr="FFFFFF">
-                <a:alpha val="40000"/>
-              </a:sysClr>
-            </a:outerShdw>
-          </a:effectLst>
-        </p:spPr>
-        <p:txBody>
-          <a:bodyPr wrap="none" lIns="90000" tIns="0" rIns="180000" bIns="0" rtlCol="0" anchor="ctr">
-            <a:spAutoFit/>
-          </a:bodyPr>
-          <a:lstStyle/>
-          <a:p>
-            <a:pPr marL="0" marR="0" lvl="0" indent="0" defTabSz="914369" eaLnBrk="1" fontAlgn="auto" latinLnBrk="0" hangingPunct="1">
-              <a:lnSpc>
-                <a:spcPct val="100000"/>
-              </a:lnSpc>
-              <a:spcBef>
-                <a:spcPts val="0"/>
-              </a:spcBef>
-              <a:spcAft>
-                <a:spcPts val="0"/>
-              </a:spcAft>
-              <a:buClrTx/>
-              <a:buSzTx/>
-              <a:buFontTx/>
-              <a:buNone/>
-              <a:tabLst/>
-              <a:defRPr/>
-            </a:pPr>
-            <a:r>
-              <a:rPr kumimoji="0" lang="en-US" sz="1800" b="0" i="0" u="none" strike="noStrike" kern="0" cap="none" spc="0" normalizeH="0" baseline="0" noProof="0" dirty="0">
-                <a:ln>
-                  <a:noFill/>
-                </a:ln>
-                <a:solidFill>
-                  <a:prstClr val="white"/>
-                </a:solidFill>
-                <a:effectLst/>
-                <a:uLnTx/>
-                <a:uFillTx/>
-                <a:latin typeface="Calibri Light" panose="020F0302020204030204"/>
-              </a:rPr>
-              <a:t>tutorial</a:t>
-            </a:r>
-          </a:p>
-        </p:txBody>
-      </p:sp>
-      <p:grpSp>
-        <p:nvGrpSpPr>
-          <p:cNvPr id="20" name="Group 19">
-            <a:extLst>
-              <a:ext uri="{FF2B5EF4-FFF2-40B4-BE49-F238E27FC236}">
-                <a16:creationId xmlns:a16="http://schemas.microsoft.com/office/drawing/2014/main" id="{07351F8C-0F34-4194-9655-95B910F4C48C}"/>
-              </a:ext>
-            </a:extLst>
-          </p:cNvPr>
-          <p:cNvGrpSpPr/>
-          <p:nvPr/>
-        </p:nvGrpSpPr>
-        <p:grpSpPr>
-          <a:xfrm>
-            <a:off x="1268850" y="755440"/>
-            <a:ext cx="1199172" cy="246221"/>
-            <a:chOff x="5881666" y="1565584"/>
-            <a:chExt cx="1199172" cy="246221"/>
-          </a:xfrm>
-        </p:grpSpPr>
-        <p:sp>
-          <p:nvSpPr>
-            <p:cNvPr id="21" name="Retângulo 5">
-              <a:extLst>
-                <a:ext uri="{FF2B5EF4-FFF2-40B4-BE49-F238E27FC236}">
-                  <a16:creationId xmlns:a16="http://schemas.microsoft.com/office/drawing/2014/main" id="{FE7F49B6-764A-4DDD-A35A-961C2F3E835F}"/>
-                </a:ext>
-              </a:extLst>
-            </p:cNvPr>
-            <p:cNvSpPr/>
-            <p:nvPr/>
-          </p:nvSpPr>
-          <p:spPr>
-            <a:xfrm>
-              <a:off x="6016123" y="1565584"/>
-              <a:ext cx="1064715" cy="246221"/>
-            </a:xfrm>
-            <a:prstGeom prst="rect">
-              <a:avLst/>
-            </a:prstGeom>
-          </p:spPr>
-          <p:txBody>
-            <a:bodyPr wrap="none">
-              <a:spAutoFit/>
-            </a:bodyPr>
-            <a:lstStyle/>
-            <a:p>
-              <a:pPr marL="0" marR="0" lvl="0" indent="0" defTabSz="914369" eaLnBrk="1" fontAlgn="auto" latinLnBrk="0" hangingPunct="1">
-                <a:lnSpc>
-                  <a:spcPct val="100000"/>
-                </a:lnSpc>
-                <a:spcBef>
-                  <a:spcPts val="0"/>
-                </a:spcBef>
-                <a:spcAft>
-                  <a:spcPts val="0"/>
-                </a:spcAft>
-                <a:buClrTx/>
-                <a:buSzTx/>
-                <a:buFontTx/>
-                <a:buNone/>
-                <a:tabLst/>
-                <a:defRPr/>
-              </a:pPr>
-              <a:r>
-                <a:rPr kumimoji="0" lang="en-US" sz="1000" b="0" i="0" u="none" strike="noStrike" kern="0" cap="none" spc="0" normalizeH="0" baseline="0" noProof="0" dirty="0">
-                  <a:ln>
-                    <a:noFill/>
-                  </a:ln>
-                  <a:solidFill>
-                    <a:prstClr val="black"/>
-                  </a:solidFill>
-                  <a:effectLst/>
-                  <a:uLnTx/>
-                  <a:uFillTx/>
-                  <a:hlinkClick r:id="rId3"/>
-                </a:rPr>
-                <a:t>run-python-code</a:t>
-              </a:r>
-              <a:endParaRPr kumimoji="0" lang="en-US" sz="1000" b="0" i="0" u="none" strike="noStrike" kern="0" cap="none" spc="0" normalizeH="0" baseline="0" noProof="0" dirty="0">
-                <a:ln>
-                  <a:noFill/>
-                </a:ln>
-                <a:solidFill>
-                  <a:prstClr val="black"/>
-                </a:solidFill>
-                <a:effectLst/>
-                <a:uLnTx/>
-                <a:uFillTx/>
-              </a:endParaRPr>
-            </a:p>
-          </p:txBody>
-        </p:sp>
-        <p:pic>
-          <p:nvPicPr>
-            <p:cNvPr id="22" name="Picture 21" descr="Icon&#10;&#10;Description automatically generated">
-              <a:extLst>
-                <a:ext uri="{FF2B5EF4-FFF2-40B4-BE49-F238E27FC236}">
-                  <a16:creationId xmlns:a16="http://schemas.microsoft.com/office/drawing/2014/main" id="{2EBB7043-481F-4617-975D-BB7B05A3A823}"/>
-                </a:ext>
-              </a:extLst>
-            </p:cNvPr>
-            <p:cNvPicPr>
-              <a:picLocks noChangeAspect="1"/>
-            </p:cNvPicPr>
-            <p:nvPr/>
-          </p:nvPicPr>
-          <p:blipFill>
-            <a:blip r:embed="rId4" cstate="print">
-              <a:extLst>
-                <a:ext uri="{28A0092B-C50C-407E-A947-70E740481C1C}">
-                  <a14:useLocalDpi xmlns:a14="http://schemas.microsoft.com/office/drawing/2010/main" val="0"/>
-                </a:ext>
-              </a:extLst>
-            </a:blip>
-            <a:stretch>
-              <a:fillRect/>
-            </a:stretch>
-          </p:blipFill>
-          <p:spPr>
-            <a:xfrm>
-              <a:off x="5881666" y="1590687"/>
-              <a:ext cx="180000" cy="180000"/>
-            </a:xfrm>
-            <a:prstGeom prst="rect">
-              <a:avLst/>
-            </a:prstGeom>
-          </p:spPr>
-        </p:pic>
-      </p:grpSp>
-      <p:sp>
-        <p:nvSpPr>
-          <p:cNvPr id="18" name="Arrow: Right 5">
-            <a:extLst>
-              <a:ext uri="{FF2B5EF4-FFF2-40B4-BE49-F238E27FC236}">
-                <a16:creationId xmlns:a16="http://schemas.microsoft.com/office/drawing/2014/main" id="{50930DF4-76B4-4F6C-B7BE-7DEBD8768FEC}"/>
-              </a:ext>
-            </a:extLst>
-          </p:cNvPr>
-          <p:cNvSpPr/>
-          <p:nvPr/>
-        </p:nvSpPr>
-        <p:spPr>
-          <a:xfrm>
-            <a:off x="248908" y="3471774"/>
-            <a:ext cx="739111" cy="276999"/>
-          </a:xfrm>
-          <a:custGeom>
-            <a:avLst/>
-            <a:gdLst>
-              <a:gd name="connsiteX0" fmla="*/ 0 w 1727200"/>
-              <a:gd name="connsiteY0" fmla="*/ 119380 h 477520"/>
-              <a:gd name="connsiteX1" fmla="*/ 1488440 w 1727200"/>
-              <a:gd name="connsiteY1" fmla="*/ 119380 h 477520"/>
-              <a:gd name="connsiteX2" fmla="*/ 1488440 w 1727200"/>
-              <a:gd name="connsiteY2" fmla="*/ 0 h 477520"/>
-              <a:gd name="connsiteX3" fmla="*/ 1727200 w 1727200"/>
-              <a:gd name="connsiteY3" fmla="*/ 238760 h 477520"/>
-              <a:gd name="connsiteX4" fmla="*/ 1488440 w 1727200"/>
-              <a:gd name="connsiteY4" fmla="*/ 477520 h 477520"/>
-              <a:gd name="connsiteX5" fmla="*/ 1488440 w 1727200"/>
-              <a:gd name="connsiteY5" fmla="*/ 358140 h 477520"/>
-              <a:gd name="connsiteX6" fmla="*/ 0 w 1727200"/>
-              <a:gd name="connsiteY6" fmla="*/ 358140 h 477520"/>
-              <a:gd name="connsiteX7" fmla="*/ 0 w 1727200"/>
-              <a:gd name="connsiteY7" fmla="*/ 119380 h 477520"/>
-              <a:gd name="connsiteX0" fmla="*/ 0 w 1727200"/>
-              <a:gd name="connsiteY0" fmla="*/ 11803 h 369943"/>
-              <a:gd name="connsiteX1" fmla="*/ 1488440 w 1727200"/>
-              <a:gd name="connsiteY1" fmla="*/ 11803 h 369943"/>
-              <a:gd name="connsiteX2" fmla="*/ 1488440 w 1727200"/>
-              <a:gd name="connsiteY2" fmla="*/ 0 h 369943"/>
-              <a:gd name="connsiteX3" fmla="*/ 1727200 w 1727200"/>
-              <a:gd name="connsiteY3" fmla="*/ 131183 h 369943"/>
-              <a:gd name="connsiteX4" fmla="*/ 1488440 w 1727200"/>
-              <a:gd name="connsiteY4" fmla="*/ 369943 h 369943"/>
-              <a:gd name="connsiteX5" fmla="*/ 1488440 w 1727200"/>
-              <a:gd name="connsiteY5" fmla="*/ 250563 h 369943"/>
-              <a:gd name="connsiteX6" fmla="*/ 0 w 1727200"/>
-              <a:gd name="connsiteY6" fmla="*/ 250563 h 369943"/>
-              <a:gd name="connsiteX7" fmla="*/ 0 w 1727200"/>
-              <a:gd name="connsiteY7" fmla="*/ 11803 h 369943"/>
-              <a:gd name="connsiteX0" fmla="*/ 0 w 1727200"/>
-              <a:gd name="connsiteY0" fmla="*/ 0 h 358140"/>
-              <a:gd name="connsiteX1" fmla="*/ 1488440 w 1727200"/>
-              <a:gd name="connsiteY1" fmla="*/ 0 h 358140"/>
-              <a:gd name="connsiteX2" fmla="*/ 1497538 w 1727200"/>
-              <a:gd name="connsiteY2" fmla="*/ 6394 h 358140"/>
-              <a:gd name="connsiteX3" fmla="*/ 1727200 w 1727200"/>
-              <a:gd name="connsiteY3" fmla="*/ 119380 h 358140"/>
-              <a:gd name="connsiteX4" fmla="*/ 1488440 w 1727200"/>
-              <a:gd name="connsiteY4" fmla="*/ 358140 h 358140"/>
-              <a:gd name="connsiteX5" fmla="*/ 1488440 w 1727200"/>
-              <a:gd name="connsiteY5" fmla="*/ 238760 h 358140"/>
-              <a:gd name="connsiteX6" fmla="*/ 0 w 1727200"/>
-              <a:gd name="connsiteY6" fmla="*/ 238760 h 358140"/>
-              <a:gd name="connsiteX7" fmla="*/ 0 w 1727200"/>
-              <a:gd name="connsiteY7" fmla="*/ 0 h 358140"/>
-              <a:gd name="connsiteX0" fmla="*/ 0 w 1727200"/>
-              <a:gd name="connsiteY0" fmla="*/ 0 h 239859"/>
-              <a:gd name="connsiteX1" fmla="*/ 1488440 w 1727200"/>
-              <a:gd name="connsiteY1" fmla="*/ 0 h 239859"/>
-              <a:gd name="connsiteX2" fmla="*/ 1497538 w 1727200"/>
-              <a:gd name="connsiteY2" fmla="*/ 6394 h 239859"/>
-              <a:gd name="connsiteX3" fmla="*/ 1727200 w 1727200"/>
-              <a:gd name="connsiteY3" fmla="*/ 119380 h 239859"/>
-              <a:gd name="connsiteX4" fmla="*/ 1492989 w 1727200"/>
-              <a:gd name="connsiteY4" fmla="*/ 239859 h 239859"/>
-              <a:gd name="connsiteX5" fmla="*/ 1488440 w 1727200"/>
-              <a:gd name="connsiteY5" fmla="*/ 238760 h 239859"/>
-              <a:gd name="connsiteX6" fmla="*/ 0 w 1727200"/>
-              <a:gd name="connsiteY6" fmla="*/ 238760 h 239859"/>
-              <a:gd name="connsiteX7" fmla="*/ 0 w 1727200"/>
-              <a:gd name="connsiteY7" fmla="*/ 0 h 239859"/>
-            </a:gdLst>
-            <a:ahLst/>
-            <a:cxnLst>
-              <a:cxn ang="0">
-                <a:pos x="connsiteX0" y="connsiteY0"/>
-              </a:cxn>
-              <a:cxn ang="0">
-                <a:pos x="connsiteX1" y="connsiteY1"/>
-              </a:cxn>
-              <a:cxn ang="0">
-                <a:pos x="connsiteX2" y="connsiteY2"/>
-              </a:cxn>
-              <a:cxn ang="0">
-                <a:pos x="connsiteX3" y="connsiteY3"/>
-              </a:cxn>
-              <a:cxn ang="0">
-                <a:pos x="connsiteX4" y="connsiteY4"/>
-              </a:cxn>
-              <a:cxn ang="0">
-                <a:pos x="connsiteX5" y="connsiteY5"/>
-              </a:cxn>
-              <a:cxn ang="0">
-                <a:pos x="connsiteX6" y="connsiteY6"/>
-              </a:cxn>
-              <a:cxn ang="0">
-                <a:pos x="connsiteX7" y="connsiteY7"/>
-              </a:cxn>
-            </a:cxnLst>
-            <a:rect l="l" t="t" r="r" b="b"/>
-            <a:pathLst>
-              <a:path w="1727200" h="239859">
-                <a:moveTo>
-                  <a:pt x="0" y="0"/>
-                </a:moveTo>
-                <a:lnTo>
-                  <a:pt x="1488440" y="0"/>
-                </a:lnTo>
-                <a:lnTo>
-                  <a:pt x="1497538" y="6394"/>
-                </a:lnTo>
-                <a:lnTo>
-                  <a:pt x="1727200" y="119380"/>
-                </a:lnTo>
-                <a:lnTo>
-                  <a:pt x="1492989" y="239859"/>
-                </a:lnTo>
-                <a:lnTo>
-                  <a:pt x="1488440" y="238760"/>
-                </a:lnTo>
-                <a:lnTo>
-                  <a:pt x="0" y="238760"/>
-                </a:lnTo>
-                <a:lnTo>
-                  <a:pt x="0" y="0"/>
-                </a:lnTo>
-                <a:close/>
-              </a:path>
-            </a:pathLst>
-          </a:custGeom>
-          <a:solidFill>
-            <a:sysClr val="windowText" lastClr="000000"/>
-          </a:solidFill>
-          <a:ln w="25400" cap="flat" cmpd="sng" algn="ctr">
-            <a:solidFill>
-              <a:srgbClr val="FFC000">
-                <a:lumMod val="60000"/>
-                <a:lumOff val="40000"/>
-              </a:srgbClr>
-            </a:solidFill>
-            <a:prstDash val="solid"/>
-            <a:miter lim="800000"/>
-          </a:ln>
-          <a:effectLst>
-            <a:outerShdw blurRad="50800" dist="63500" dir="2700000" algn="tl" rotWithShape="0">
-              <a:sysClr val="window" lastClr="FFFFFF">
-                <a:alpha val="40000"/>
-              </a:sysClr>
-            </a:outerShdw>
-          </a:effectLst>
-        </p:spPr>
-        <p:txBody>
-          <a:bodyPr wrap="none" lIns="90000" tIns="0" rIns="180000" bIns="0" rtlCol="0" anchor="ctr">
-            <a:spAutoFit/>
-          </a:bodyPr>
-          <a:lstStyle/>
-          <a:p>
-            <a:pPr marL="0" marR="0" lvl="0" indent="0" defTabSz="914369" eaLnBrk="1" fontAlgn="auto" latinLnBrk="0" hangingPunct="1">
-              <a:lnSpc>
-                <a:spcPct val="100000"/>
-              </a:lnSpc>
-              <a:spcBef>
-                <a:spcPts val="0"/>
-              </a:spcBef>
-              <a:spcAft>
-                <a:spcPts val="0"/>
-              </a:spcAft>
-              <a:buClrTx/>
-              <a:buSzTx/>
-              <a:buFontTx/>
-              <a:buNone/>
-              <a:tabLst/>
-              <a:defRPr/>
-            </a:pPr>
-            <a:r>
-              <a:rPr kumimoji="0" lang="en-US" sz="1800" b="0" i="0" u="none" strike="noStrike" kern="0" cap="none" spc="0" normalizeH="0" baseline="0" noProof="0" dirty="0">
-                <a:ln>
-                  <a:noFill/>
-                </a:ln>
-                <a:solidFill>
-                  <a:prstClr val="white"/>
-                </a:solidFill>
-                <a:effectLst/>
-                <a:uLnTx/>
-                <a:uFillTx/>
-                <a:latin typeface="Calibri Light" panose="020F0302020204030204"/>
-              </a:rPr>
-              <a:t>what</a:t>
-            </a:r>
-          </a:p>
-        </p:txBody>
-      </p:sp>
-      <p:pic>
-        <p:nvPicPr>
-          <p:cNvPr id="3074" name="Picture 2" descr="Using the Run Python File in Terminal button">
-            <a:extLst>
-              <a:ext uri="{FF2B5EF4-FFF2-40B4-BE49-F238E27FC236}">
-                <a16:creationId xmlns:a16="http://schemas.microsoft.com/office/drawing/2014/main" id="{38B1DDC0-FC91-4F3B-860C-CDF91B67C1C5}"/>
-              </a:ext>
-            </a:extLst>
-          </p:cNvPr>
-          <p:cNvPicPr>
-            <a:picLocks noChangeAspect="1" noChangeArrowheads="1"/>
-          </p:cNvPicPr>
-          <p:nvPr/>
-        </p:nvPicPr>
-        <p:blipFill>
-          <a:blip r:embed="rId5" cstate="print">
-            <a:extLst>
-              <a:ext uri="{28A0092B-C50C-407E-A947-70E740481C1C}">
-                <a14:useLocalDpi xmlns:a14="http://schemas.microsoft.com/office/drawing/2010/main" val="0"/>
-              </a:ext>
-            </a:extLst>
-          </a:blip>
-          <a:srcRect/>
-          <a:stretch>
-            <a:fillRect/>
-          </a:stretch>
-        </p:blipFill>
-        <p:spPr bwMode="auto">
-          <a:xfrm>
-            <a:off x="568325" y="1219145"/>
-            <a:ext cx="3521075" cy="987217"/>
-          </a:xfrm>
-          <a:prstGeom prst="rect">
-            <a:avLst/>
-          </a:prstGeom>
-          <a:ln w="50800">
-            <a:solidFill>
-              <a:srgbClr val="70AD47">
-                <a:lumMod val="60000"/>
-                <a:lumOff val="40000"/>
-              </a:srgbClr>
-            </a:solidFill>
-          </a:ln>
-          <a:effectLst>
-            <a:outerShdw blurRad="50800" dist="127000" dir="2700000" algn="tl" rotWithShape="0">
-              <a:sysClr val="window" lastClr="FFFFFF">
-                <a:alpha val="40000"/>
-              </a:sysClr>
-            </a:outerShdw>
-          </a:effectLst>
-          <a:extLst>
-            <a:ext uri="{909E8E84-426E-40DD-AFC4-6F175D3DCCD1}">
-              <a14:hiddenFill xmlns:a14="http://schemas.microsoft.com/office/drawing/2010/main">
-                <a:solidFill>
-                  <a:srgbClr val="FFFFFF"/>
-                </a:solidFill>
-              </a14:hiddenFill>
-            </a:ext>
-          </a:extLst>
-        </p:spPr>
-      </p:pic>
-      <p:pic>
-        <p:nvPicPr>
-          <p:cNvPr id="3076" name="Picture 4" descr="Program output in a Python terminal">
-            <a:extLst>
-              <a:ext uri="{FF2B5EF4-FFF2-40B4-BE49-F238E27FC236}">
-                <a16:creationId xmlns:a16="http://schemas.microsoft.com/office/drawing/2014/main" id="{31FCB328-1048-4216-B251-999960ACFB09}"/>
-              </a:ext>
-            </a:extLst>
-          </p:cNvPr>
-          <p:cNvPicPr>
-            <a:picLocks noChangeAspect="1" noChangeArrowheads="1"/>
-          </p:cNvPicPr>
-          <p:nvPr/>
-        </p:nvPicPr>
-        <p:blipFill>
-          <a:blip r:embed="rId6" cstate="print">
-            <a:extLst>
-              <a:ext uri="{28A0092B-C50C-407E-A947-70E740481C1C}">
-                <a14:useLocalDpi xmlns:a14="http://schemas.microsoft.com/office/drawing/2010/main" val="0"/>
-              </a:ext>
-            </a:extLst>
-          </a:blip>
-          <a:srcRect/>
-          <a:stretch>
-            <a:fillRect/>
-          </a:stretch>
-        </p:blipFill>
-        <p:spPr bwMode="auto">
-          <a:xfrm>
-            <a:off x="4340560" y="1151467"/>
-            <a:ext cx="3873500" cy="709637"/>
-          </a:xfrm>
-          <a:prstGeom prst="rect">
-            <a:avLst/>
-          </a:prstGeom>
-          <a:ln w="50800">
-            <a:solidFill>
-              <a:srgbClr val="70AD47">
-                <a:lumMod val="60000"/>
-                <a:lumOff val="40000"/>
-              </a:srgbClr>
-            </a:solidFill>
-          </a:ln>
-          <a:effectLst>
-            <a:outerShdw blurRad="50800" dist="127000" dir="2700000" algn="tl" rotWithShape="0">
-              <a:sysClr val="window" lastClr="FFFFFF">
-                <a:alpha val="40000"/>
-              </a:sysClr>
-            </a:outerShdw>
-          </a:effectLst>
-          <a:extLst>
-            <a:ext uri="{909E8E84-426E-40DD-AFC4-6F175D3DCCD1}">
-              <a14:hiddenFill xmlns:a14="http://schemas.microsoft.com/office/drawing/2010/main">
-                <a:solidFill>
-                  <a:srgbClr val="FFFFFF"/>
-                </a:solidFill>
-              </a14:hiddenFill>
-            </a:ext>
-          </a:extLst>
-        </p:spPr>
-      </p:pic>
-      <p:pic>
-        <p:nvPicPr>
-          <p:cNvPr id="3078" name="Picture 6" descr="Run Python File in Terminal command in the Python editor">
-            <a:extLst>
-              <a:ext uri="{FF2B5EF4-FFF2-40B4-BE49-F238E27FC236}">
-                <a16:creationId xmlns:a16="http://schemas.microsoft.com/office/drawing/2014/main" id="{50DFECA0-5617-453D-ACFD-8ACBA6EF7B1F}"/>
-              </a:ext>
-            </a:extLst>
-          </p:cNvPr>
-          <p:cNvPicPr>
-            <a:picLocks noChangeAspect="1" noChangeArrowheads="1"/>
-          </p:cNvPicPr>
-          <p:nvPr/>
-        </p:nvPicPr>
-        <p:blipFill>
-          <a:blip r:embed="rId7" cstate="print">
-            <a:extLst>
-              <a:ext uri="{28A0092B-C50C-407E-A947-70E740481C1C}">
-                <a14:useLocalDpi xmlns:a14="http://schemas.microsoft.com/office/drawing/2010/main" val="0"/>
-              </a:ext>
-            </a:extLst>
-          </a:blip>
-          <a:srcRect/>
-          <a:stretch>
-            <a:fillRect/>
-          </a:stretch>
-        </p:blipFill>
-        <p:spPr bwMode="auto">
-          <a:xfrm>
-            <a:off x="8547629" y="1151467"/>
-            <a:ext cx="2772053" cy="2277533"/>
-          </a:xfrm>
-          <a:prstGeom prst="rect">
-            <a:avLst/>
-          </a:prstGeom>
-          <a:ln w="50800">
-            <a:solidFill>
-              <a:srgbClr val="70AD47">
-                <a:lumMod val="60000"/>
-                <a:lumOff val="40000"/>
-              </a:srgbClr>
-            </a:solidFill>
-          </a:ln>
-          <a:effectLst>
-            <a:outerShdw blurRad="50800" dist="127000" dir="2700000" algn="tl" rotWithShape="0">
-              <a:sysClr val="window" lastClr="FFFFFF">
-                <a:alpha val="40000"/>
-              </a:sysClr>
-            </a:outerShdw>
-          </a:effectLst>
-          <a:extLst>
-            <a:ext uri="{909E8E84-426E-40DD-AFC4-6F175D3DCCD1}">
-              <a14:hiddenFill xmlns:a14="http://schemas.microsoft.com/office/drawing/2010/main">
-                <a:solidFill>
-                  <a:srgbClr val="FFFFFF"/>
-                </a:solidFill>
-              </a14:hiddenFill>
-            </a:ext>
-          </a:extLst>
-        </p:spPr>
-      </p:pic>
-    </p:spTree>
-    <p:extLst>
-      <p:ext uri="{BB962C8B-B14F-4D97-AF65-F5344CB8AC3E}">
-        <p14:creationId xmlns:p14="http://schemas.microsoft.com/office/powerpoint/2010/main" val="1718654241"/>
-      </p:ext>
-    </p:extLst>
-  </p:cSld>
-  <p:clrMapOvr>
-    <a:masterClrMapping/>
-  </p:clrMapOvr>
-</p:sld>
-</file>
-
-<file path=ppt/slides/slide9.xml><?xml version="1.0" encoding="utf-8"?>
-<p:sld xmlns:a="http://schemas.openxmlformats.org/drawingml/2006/main" xmlns:r="http://schemas.openxmlformats.org/officeDocument/2006/relationships" xmlns:p="http://schemas.openxmlformats.org/presentationml/2006/main">
-  <p:cSld>
-    <p:bg>
-      <p:bgPr>
-        <a:solidFill>
-          <a:schemeClr val="tx1"/>
-        </a:solidFill>
-        <a:effectLst/>
-      </p:bgPr>
-    </p:bg>
-    <p:spTree>
-      <p:nvGrpSpPr>
-        <p:cNvPr id="1" name=""/>
-        <p:cNvGrpSpPr/>
-        <p:nvPr/>
-      </p:nvGrpSpPr>
-      <p:grpSpPr>
-        <a:xfrm>
-          <a:off x="0" y="0"/>
-          <a:ext cx="0" cy="0"/>
-          <a:chOff x="0" y="0"/>
-          <a:chExt cx="0" cy="0"/>
-        </a:xfrm>
-      </p:grpSpPr>
-      <p:sp>
-        <p:nvSpPr>
-          <p:cNvPr id="2" name="Title 1">
-            <a:extLst>
-              <a:ext uri="{FF2B5EF4-FFF2-40B4-BE49-F238E27FC236}">
-                <a16:creationId xmlns:a16="http://schemas.microsoft.com/office/drawing/2014/main" id="{54C7F764-8D4D-421D-979F-2C7A67DE064B}"/>
-              </a:ext>
-            </a:extLst>
-          </p:cNvPr>
-          <p:cNvSpPr>
-            <a:spLocks noGrp="1"/>
-          </p:cNvSpPr>
-          <p:nvPr>
-            <p:ph type="ctrTitle"/>
-          </p:nvPr>
-        </p:nvSpPr>
-        <p:spPr>
-          <a:xfrm>
-            <a:off x="145062" y="123804"/>
-            <a:ext cx="1210588" cy="369332"/>
-          </a:xfrm>
-          <a:gradFill>
-            <a:gsLst>
-              <a:gs pos="0">
-                <a:schemeClr val="accent1">
-                  <a:lumMod val="5000"/>
-                  <a:lumOff val="95000"/>
-                </a:schemeClr>
-              </a:gs>
-              <a:gs pos="74000">
-                <a:schemeClr val="accent1">
-                  <a:lumMod val="45000"/>
-                  <a:lumOff val="55000"/>
-                </a:schemeClr>
-              </a:gs>
-              <a:gs pos="83000">
-                <a:schemeClr val="accent1">
-                  <a:lumMod val="45000"/>
-                  <a:lumOff val="55000"/>
-                </a:schemeClr>
-              </a:gs>
-              <a:gs pos="100000">
-                <a:schemeClr val="accent1">
-                  <a:lumMod val="30000"/>
-                  <a:lumOff val="70000"/>
-                </a:schemeClr>
-              </a:gs>
-            </a:gsLst>
-            <a:lin ang="5400000" scaled="1"/>
-          </a:gradFill>
-          <a:ln w="25400">
-            <a:solidFill>
-              <a:schemeClr val="accent1"/>
-            </a:solidFill>
-          </a:ln>
-        </p:spPr>
-        <p:txBody>
-          <a:bodyPr vert="horz" wrap="none" lIns="91440" tIns="45720" rIns="91440" bIns="45720" rtlCol="0" anchor="t">
-            <a:spAutoFit/>
-          </a:bodyPr>
-          <a:lstStyle/>
-          <a:p>
-            <a:pPr algn="l"/>
-            <a:r>
-              <a:rPr lang="en-US" sz="2000" dirty="0">
-                <a:solidFill>
-                  <a:schemeClr val="bg2">
-                    <a:lumMod val="25000"/>
-                  </a:schemeClr>
-                </a:solidFill>
-                <a:sym typeface="Wingdings" panose="05000000000000000000" pitchFamily="2" charset="2"/>
-              </a:rPr>
-              <a:t>7. debug</a:t>
-            </a:r>
-            <a:endParaRPr lang="en-US" sz="2000" dirty="0">
-              <a:solidFill>
-                <a:schemeClr val="bg2">
-                  <a:lumMod val="25000"/>
-                </a:schemeClr>
-              </a:solidFill>
-            </a:endParaRPr>
-          </a:p>
-        </p:txBody>
-      </p:sp>
-      <p:sp>
-        <p:nvSpPr>
-          <p:cNvPr id="5" name="Rectangle 4">
-            <a:extLst>
-              <a:ext uri="{FF2B5EF4-FFF2-40B4-BE49-F238E27FC236}">
-                <a16:creationId xmlns:a16="http://schemas.microsoft.com/office/drawing/2014/main" id="{D45E34D6-120F-44F6-96A2-17230046C2F4}"/>
-              </a:ext>
-            </a:extLst>
-          </p:cNvPr>
-          <p:cNvSpPr/>
-          <p:nvPr/>
-        </p:nvSpPr>
-        <p:spPr>
-          <a:xfrm>
-            <a:off x="145062" y="633528"/>
-            <a:ext cx="207692" cy="6048000"/>
-          </a:xfrm>
-          <a:prstGeom prst="rect">
-            <a:avLst/>
-          </a:prstGeom>
-          <a:solidFill>
-            <a:schemeClr val="tx1"/>
-          </a:solidFill>
-          <a:ln w="25400"/>
-          <a:effectLst>
-            <a:outerShdw blurRad="50800" dist="63500" dir="2700000" algn="tl" rotWithShape="0">
-              <a:schemeClr val="bg1">
-                <a:alpha val="40000"/>
-              </a:schemeClr>
-            </a:outerShdw>
-          </a:effectLst>
-        </p:spPr>
-        <p:style>
-          <a:lnRef idx="2">
-            <a:schemeClr val="accent1">
-              <a:shade val="50000"/>
-            </a:schemeClr>
-          </a:lnRef>
-          <a:fillRef idx="1">
-            <a:schemeClr val="accent1"/>
-          </a:fillRef>
-          <a:effectRef idx="0">
-            <a:schemeClr val="accent1"/>
-          </a:effectRef>
-          <a:fontRef idx="minor">
-            <a:schemeClr val="lt1"/>
-          </a:fontRef>
-        </p:style>
-        <p:txBody>
-          <a:bodyPr rtlCol="0" anchor="ctr"/>
-          <a:lstStyle/>
-          <a:p>
-            <a:pPr marL="0" marR="0" lvl="0" indent="0" algn="ctr" defTabSz="914400" rtl="0" eaLnBrk="1" fontAlgn="auto" latinLnBrk="0" hangingPunct="1">
-              <a:lnSpc>
-                <a:spcPct val="100000"/>
-              </a:lnSpc>
-              <a:spcBef>
-                <a:spcPts val="0"/>
-              </a:spcBef>
-              <a:spcAft>
-                <a:spcPts val="0"/>
-              </a:spcAft>
-              <a:buClrTx/>
-              <a:buSzTx/>
-              <a:buFontTx/>
-              <a:buNone/>
-              <a:tabLst/>
-              <a:defRPr/>
-            </a:pPr>
-            <a:endParaRPr kumimoji="0" lang="pt-PT" sz="1800" b="0" i="0" u="none" strike="noStrike" kern="1200" cap="none" spc="0" normalizeH="0" baseline="0" noProof="0">
-              <a:ln>
-                <a:noFill/>
-              </a:ln>
-              <a:solidFill>
-                <a:prstClr val="white"/>
-              </a:solidFill>
-              <a:effectLst/>
-              <a:uLnTx/>
-              <a:uFillTx/>
-              <a:latin typeface="Calibri" panose="020F0502020204030204"/>
-              <a:ea typeface="+mn-ea"/>
-              <a:cs typeface="+mn-cs"/>
-            </a:endParaRPr>
-          </a:p>
-        </p:txBody>
-      </p:sp>
-      <p:sp>
-        <p:nvSpPr>
-          <p:cNvPr id="8" name="Arrow: Right 5">
-            <a:extLst>
-              <a:ext uri="{FF2B5EF4-FFF2-40B4-BE49-F238E27FC236}">
-                <a16:creationId xmlns:a16="http://schemas.microsoft.com/office/drawing/2014/main" id="{B9CFDE67-358F-40AB-A205-0236CB52ADC0}"/>
-              </a:ext>
-            </a:extLst>
-          </p:cNvPr>
-          <p:cNvSpPr/>
-          <p:nvPr/>
-        </p:nvSpPr>
-        <p:spPr>
-          <a:xfrm>
-            <a:off x="261441" y="740052"/>
-            <a:ext cx="955516" cy="276999"/>
-          </a:xfrm>
-          <a:custGeom>
-            <a:avLst/>
-            <a:gdLst>
-              <a:gd name="connsiteX0" fmla="*/ 0 w 1727200"/>
-              <a:gd name="connsiteY0" fmla="*/ 119380 h 477520"/>
-              <a:gd name="connsiteX1" fmla="*/ 1488440 w 1727200"/>
-              <a:gd name="connsiteY1" fmla="*/ 119380 h 477520"/>
-              <a:gd name="connsiteX2" fmla="*/ 1488440 w 1727200"/>
-              <a:gd name="connsiteY2" fmla="*/ 0 h 477520"/>
-              <a:gd name="connsiteX3" fmla="*/ 1727200 w 1727200"/>
-              <a:gd name="connsiteY3" fmla="*/ 238760 h 477520"/>
-              <a:gd name="connsiteX4" fmla="*/ 1488440 w 1727200"/>
-              <a:gd name="connsiteY4" fmla="*/ 477520 h 477520"/>
-              <a:gd name="connsiteX5" fmla="*/ 1488440 w 1727200"/>
-              <a:gd name="connsiteY5" fmla="*/ 358140 h 477520"/>
-              <a:gd name="connsiteX6" fmla="*/ 0 w 1727200"/>
-              <a:gd name="connsiteY6" fmla="*/ 358140 h 477520"/>
-              <a:gd name="connsiteX7" fmla="*/ 0 w 1727200"/>
-              <a:gd name="connsiteY7" fmla="*/ 119380 h 477520"/>
-              <a:gd name="connsiteX0" fmla="*/ 0 w 1727200"/>
-              <a:gd name="connsiteY0" fmla="*/ 11803 h 369943"/>
-              <a:gd name="connsiteX1" fmla="*/ 1488440 w 1727200"/>
-              <a:gd name="connsiteY1" fmla="*/ 11803 h 369943"/>
-              <a:gd name="connsiteX2" fmla="*/ 1488440 w 1727200"/>
-              <a:gd name="connsiteY2" fmla="*/ 0 h 369943"/>
-              <a:gd name="connsiteX3" fmla="*/ 1727200 w 1727200"/>
-              <a:gd name="connsiteY3" fmla="*/ 131183 h 369943"/>
-              <a:gd name="connsiteX4" fmla="*/ 1488440 w 1727200"/>
-              <a:gd name="connsiteY4" fmla="*/ 369943 h 369943"/>
-              <a:gd name="connsiteX5" fmla="*/ 1488440 w 1727200"/>
-              <a:gd name="connsiteY5" fmla="*/ 250563 h 369943"/>
-              <a:gd name="connsiteX6" fmla="*/ 0 w 1727200"/>
-              <a:gd name="connsiteY6" fmla="*/ 250563 h 369943"/>
-              <a:gd name="connsiteX7" fmla="*/ 0 w 1727200"/>
-              <a:gd name="connsiteY7" fmla="*/ 11803 h 369943"/>
-              <a:gd name="connsiteX0" fmla="*/ 0 w 1727200"/>
-              <a:gd name="connsiteY0" fmla="*/ 0 h 358140"/>
-              <a:gd name="connsiteX1" fmla="*/ 1488440 w 1727200"/>
-              <a:gd name="connsiteY1" fmla="*/ 0 h 358140"/>
-              <a:gd name="connsiteX2" fmla="*/ 1497538 w 1727200"/>
-              <a:gd name="connsiteY2" fmla="*/ 6394 h 358140"/>
-              <a:gd name="connsiteX3" fmla="*/ 1727200 w 1727200"/>
-              <a:gd name="connsiteY3" fmla="*/ 119380 h 358140"/>
-              <a:gd name="connsiteX4" fmla="*/ 1488440 w 1727200"/>
-              <a:gd name="connsiteY4" fmla="*/ 358140 h 358140"/>
-              <a:gd name="connsiteX5" fmla="*/ 1488440 w 1727200"/>
-              <a:gd name="connsiteY5" fmla="*/ 238760 h 358140"/>
-              <a:gd name="connsiteX6" fmla="*/ 0 w 1727200"/>
-              <a:gd name="connsiteY6" fmla="*/ 238760 h 358140"/>
-              <a:gd name="connsiteX7" fmla="*/ 0 w 1727200"/>
-              <a:gd name="connsiteY7" fmla="*/ 0 h 358140"/>
-              <a:gd name="connsiteX0" fmla="*/ 0 w 1727200"/>
-              <a:gd name="connsiteY0" fmla="*/ 0 h 239859"/>
-              <a:gd name="connsiteX1" fmla="*/ 1488440 w 1727200"/>
-              <a:gd name="connsiteY1" fmla="*/ 0 h 239859"/>
-              <a:gd name="connsiteX2" fmla="*/ 1497538 w 1727200"/>
-              <a:gd name="connsiteY2" fmla="*/ 6394 h 239859"/>
-              <a:gd name="connsiteX3" fmla="*/ 1727200 w 1727200"/>
-              <a:gd name="connsiteY3" fmla="*/ 119380 h 239859"/>
-              <a:gd name="connsiteX4" fmla="*/ 1492989 w 1727200"/>
-              <a:gd name="connsiteY4" fmla="*/ 239859 h 239859"/>
-              <a:gd name="connsiteX5" fmla="*/ 1488440 w 1727200"/>
-              <a:gd name="connsiteY5" fmla="*/ 238760 h 239859"/>
-              <a:gd name="connsiteX6" fmla="*/ 0 w 1727200"/>
-              <a:gd name="connsiteY6" fmla="*/ 238760 h 239859"/>
-              <a:gd name="connsiteX7" fmla="*/ 0 w 1727200"/>
-              <a:gd name="connsiteY7" fmla="*/ 0 h 239859"/>
-            </a:gdLst>
-            <a:ahLst/>
-            <a:cxnLst>
-              <a:cxn ang="0">
-                <a:pos x="connsiteX0" y="connsiteY0"/>
-              </a:cxn>
-              <a:cxn ang="0">
-                <a:pos x="connsiteX1" y="connsiteY1"/>
-              </a:cxn>
-              <a:cxn ang="0">
-                <a:pos x="connsiteX2" y="connsiteY2"/>
-              </a:cxn>
-              <a:cxn ang="0">
-                <a:pos x="connsiteX3" y="connsiteY3"/>
-              </a:cxn>
-              <a:cxn ang="0">
-                <a:pos x="connsiteX4" y="connsiteY4"/>
-              </a:cxn>
-              <a:cxn ang="0">
-                <a:pos x="connsiteX5" y="connsiteY5"/>
-              </a:cxn>
-              <a:cxn ang="0">
-                <a:pos x="connsiteX6" y="connsiteY6"/>
-              </a:cxn>
-              <a:cxn ang="0">
-                <a:pos x="connsiteX7" y="connsiteY7"/>
-              </a:cxn>
-            </a:cxnLst>
-            <a:rect l="l" t="t" r="r" b="b"/>
-            <a:pathLst>
-              <a:path w="1727200" h="239859">
-                <a:moveTo>
-                  <a:pt x="0" y="0"/>
-                </a:moveTo>
-                <a:lnTo>
-                  <a:pt x="1488440" y="0"/>
-                </a:lnTo>
-                <a:lnTo>
-                  <a:pt x="1497538" y="6394"/>
-                </a:lnTo>
-                <a:lnTo>
-                  <a:pt x="1727200" y="119380"/>
-                </a:lnTo>
-                <a:lnTo>
-                  <a:pt x="1492989" y="239859"/>
-                </a:lnTo>
-                <a:lnTo>
-                  <a:pt x="1488440" y="238760"/>
-                </a:lnTo>
-                <a:lnTo>
-                  <a:pt x="0" y="238760"/>
-                </a:lnTo>
-                <a:lnTo>
-                  <a:pt x="0" y="0"/>
-                </a:lnTo>
-                <a:close/>
-              </a:path>
-            </a:pathLst>
-          </a:custGeom>
-          <a:solidFill>
-            <a:sysClr val="windowText" lastClr="000000"/>
-          </a:solidFill>
-          <a:ln w="25400" cap="flat" cmpd="sng" algn="ctr">
-            <a:solidFill>
-              <a:srgbClr val="FFC000">
-                <a:lumMod val="60000"/>
-                <a:lumOff val="40000"/>
-              </a:srgbClr>
-            </a:solidFill>
-            <a:prstDash val="solid"/>
-            <a:miter lim="800000"/>
-          </a:ln>
-          <a:effectLst>
-            <a:outerShdw blurRad="50800" dist="63500" dir="2700000" algn="tl" rotWithShape="0">
-              <a:sysClr val="window" lastClr="FFFFFF">
-                <a:alpha val="40000"/>
-              </a:sysClr>
-            </a:outerShdw>
-          </a:effectLst>
-        </p:spPr>
-        <p:txBody>
-          <a:bodyPr wrap="none" lIns="90000" tIns="0" rIns="180000" bIns="0" rtlCol="0" anchor="ctr">
-            <a:spAutoFit/>
-          </a:bodyPr>
-          <a:lstStyle/>
-          <a:p>
-            <a:pPr marL="0" marR="0" lvl="0" indent="0" defTabSz="914369" eaLnBrk="1" fontAlgn="auto" latinLnBrk="0" hangingPunct="1">
-              <a:lnSpc>
-                <a:spcPct val="100000"/>
-              </a:lnSpc>
-              <a:spcBef>
-                <a:spcPts val="0"/>
-              </a:spcBef>
-              <a:spcAft>
-                <a:spcPts val="0"/>
-              </a:spcAft>
-              <a:buClrTx/>
-              <a:buSzTx/>
-              <a:buFontTx/>
-              <a:buNone/>
-              <a:tabLst/>
-              <a:defRPr/>
-            </a:pPr>
-            <a:r>
-              <a:rPr kumimoji="0" lang="en-US" sz="1800" b="0" i="0" u="none" strike="noStrike" kern="0" cap="none" spc="0" normalizeH="0" baseline="0" noProof="0" dirty="0">
-                <a:ln>
-                  <a:noFill/>
-                </a:ln>
-                <a:solidFill>
-                  <a:prstClr val="white"/>
-                </a:solidFill>
-                <a:effectLst/>
-                <a:uLnTx/>
-                <a:uFillTx/>
-                <a:latin typeface="Calibri Light" panose="020F0302020204030204"/>
-              </a:rPr>
-              <a:t>tutorial</a:t>
-            </a:r>
-          </a:p>
-        </p:txBody>
-      </p:sp>
-      <p:grpSp>
-        <p:nvGrpSpPr>
-          <p:cNvPr id="20" name="Group 19">
-            <a:extLst>
-              <a:ext uri="{FF2B5EF4-FFF2-40B4-BE49-F238E27FC236}">
-                <a16:creationId xmlns:a16="http://schemas.microsoft.com/office/drawing/2014/main" id="{07351F8C-0F34-4194-9655-95B910F4C48C}"/>
-              </a:ext>
-            </a:extLst>
-          </p:cNvPr>
-          <p:cNvGrpSpPr/>
-          <p:nvPr/>
-        </p:nvGrpSpPr>
-        <p:grpSpPr>
-          <a:xfrm>
-            <a:off x="1268850" y="755440"/>
-            <a:ext cx="2013498" cy="246221"/>
-            <a:chOff x="5881666" y="1565584"/>
-            <a:chExt cx="2013498" cy="246221"/>
-          </a:xfrm>
-        </p:grpSpPr>
-        <p:sp>
-          <p:nvSpPr>
-            <p:cNvPr id="21" name="Retângulo 5">
-              <a:extLst>
-                <a:ext uri="{FF2B5EF4-FFF2-40B4-BE49-F238E27FC236}">
-                  <a16:creationId xmlns:a16="http://schemas.microsoft.com/office/drawing/2014/main" id="{FE7F49B6-764A-4DDD-A35A-961C2F3E835F}"/>
-                </a:ext>
-              </a:extLst>
-            </p:cNvPr>
-            <p:cNvSpPr/>
-            <p:nvPr/>
-          </p:nvSpPr>
-          <p:spPr>
-            <a:xfrm>
-              <a:off x="6016123" y="1565584"/>
-              <a:ext cx="1879041" cy="246221"/>
-            </a:xfrm>
-            <a:prstGeom prst="rect">
-              <a:avLst/>
-            </a:prstGeom>
-          </p:spPr>
-          <p:txBody>
-            <a:bodyPr wrap="none">
-              <a:spAutoFit/>
-            </a:bodyPr>
-            <a:lstStyle/>
-            <a:p>
-              <a:pPr marL="0" marR="0" lvl="0" indent="0" defTabSz="914369" eaLnBrk="1" fontAlgn="auto" latinLnBrk="0" hangingPunct="1">
-                <a:lnSpc>
-                  <a:spcPct val="100000"/>
-                </a:lnSpc>
-                <a:spcBef>
-                  <a:spcPts val="0"/>
-                </a:spcBef>
-                <a:spcAft>
-                  <a:spcPts val="0"/>
-                </a:spcAft>
-                <a:buClrTx/>
-                <a:buSzTx/>
-                <a:buFontTx/>
-                <a:buNone/>
-                <a:tabLst/>
-                <a:defRPr/>
-              </a:pPr>
-              <a:r>
-                <a:rPr kumimoji="0" lang="en-US" sz="1000" b="0" i="0" u="none" strike="noStrike" kern="0" cap="none" spc="0" normalizeH="0" baseline="0" noProof="0" dirty="0">
-                  <a:ln>
-                    <a:noFill/>
-                  </a:ln>
-                  <a:solidFill>
-                    <a:prstClr val="black"/>
-                  </a:solidFill>
-                  <a:effectLst/>
-                  <a:uLnTx/>
-                  <a:uFillTx/>
-                  <a:hlinkClick r:id="rId2"/>
-                </a:rPr>
-                <a:t>configure-and-run-the-debugger</a:t>
-              </a:r>
-              <a:endParaRPr kumimoji="0" lang="en-US" sz="1000" b="0" i="0" u="none" strike="noStrike" kern="0" cap="none" spc="0" normalizeH="0" baseline="0" noProof="0" dirty="0">
-                <a:ln>
-                  <a:noFill/>
-                </a:ln>
-                <a:solidFill>
-                  <a:prstClr val="black"/>
-                </a:solidFill>
-                <a:effectLst/>
-                <a:uLnTx/>
-                <a:uFillTx/>
-              </a:endParaRPr>
-            </a:p>
-          </p:txBody>
-        </p:sp>
-        <p:pic>
-          <p:nvPicPr>
-            <p:cNvPr id="22" name="Picture 21" descr="Icon&#10;&#10;Description automatically generated">
-              <a:extLst>
-                <a:ext uri="{FF2B5EF4-FFF2-40B4-BE49-F238E27FC236}">
-                  <a16:creationId xmlns:a16="http://schemas.microsoft.com/office/drawing/2014/main" id="{2EBB7043-481F-4617-975D-BB7B05A3A823}"/>
-                </a:ext>
-              </a:extLst>
-            </p:cNvPr>
-            <p:cNvPicPr>
-              <a:picLocks noChangeAspect="1"/>
-            </p:cNvPicPr>
-            <p:nvPr/>
-          </p:nvPicPr>
-          <p:blipFill>
-            <a:blip r:embed="rId3" cstate="print">
-              <a:extLst>
-                <a:ext uri="{28A0092B-C50C-407E-A947-70E740481C1C}">
-                  <a14:useLocalDpi xmlns:a14="http://schemas.microsoft.com/office/drawing/2010/main" val="0"/>
-                </a:ext>
-              </a:extLst>
-            </a:blip>
-            <a:stretch>
-              <a:fillRect/>
-            </a:stretch>
-          </p:blipFill>
-          <p:spPr>
-            <a:xfrm>
-              <a:off x="5881666" y="1590687"/>
-              <a:ext cx="180000" cy="180000"/>
-            </a:xfrm>
-            <a:prstGeom prst="rect">
-              <a:avLst/>
-            </a:prstGeom>
-          </p:spPr>
-        </p:pic>
-      </p:grpSp>
-      <p:sp>
-        <p:nvSpPr>
-          <p:cNvPr id="13" name="Explosion: 14 Points 12">
-            <a:extLst>
-              <a:ext uri="{FF2B5EF4-FFF2-40B4-BE49-F238E27FC236}">
-                <a16:creationId xmlns:a16="http://schemas.microsoft.com/office/drawing/2014/main" id="{6CC0FE5C-38C4-4DE9-8F55-E7F8D692305A}"/>
-              </a:ext>
-            </a:extLst>
-          </p:cNvPr>
-          <p:cNvSpPr/>
-          <p:nvPr/>
-        </p:nvSpPr>
-        <p:spPr>
-          <a:xfrm>
-            <a:off x="1549329" y="1451380"/>
-            <a:ext cx="2367876" cy="622578"/>
-          </a:xfrm>
-          <a:prstGeom prst="irregularSeal2">
-            <a:avLst/>
-          </a:prstGeom>
-          <a:solidFill>
-            <a:sysClr val="windowText" lastClr="000000"/>
-          </a:solidFill>
-          <a:ln w="12700" cap="flat" cmpd="sng" algn="ctr">
-            <a:solidFill>
-              <a:srgbClr val="FF0000"/>
-            </a:solidFill>
-            <a:prstDash val="solid"/>
-            <a:miter lim="800000"/>
-          </a:ln>
-          <a:effectLst>
-            <a:outerShdw blurRad="50800" dist="63500" dir="2700000" algn="tl" rotWithShape="0">
-              <a:sysClr val="window" lastClr="FFFFFF">
-                <a:alpha val="40000"/>
-              </a:sysClr>
-            </a:outerShdw>
-          </a:effectLst>
-        </p:spPr>
-        <p:txBody>
-          <a:bodyPr wrap="none" lIns="0" tIns="0" rIns="0" bIns="0" rtlCol="0" anchor="ctr">
-            <a:spAutoFit/>
-          </a:bodyPr>
-          <a:lstStyle/>
-          <a:p>
-            <a:pPr marL="0" marR="0" lvl="0" indent="0" algn="ctr" defTabSz="914369" eaLnBrk="1" fontAlgn="auto" latinLnBrk="0" hangingPunct="1">
-              <a:lnSpc>
-                <a:spcPct val="100000"/>
-              </a:lnSpc>
-              <a:spcBef>
-                <a:spcPts val="0"/>
-              </a:spcBef>
-              <a:spcAft>
-                <a:spcPts val="0"/>
-              </a:spcAft>
-              <a:buClrTx/>
-              <a:buSzTx/>
-              <a:buFontTx/>
-              <a:buNone/>
-              <a:tabLst/>
-              <a:defRPr/>
-            </a:pPr>
-            <a:r>
-              <a:rPr kumimoji="0" lang="en-US" sz="1800" b="0" i="0" u="none" strike="noStrike" kern="0" cap="none" spc="0" normalizeH="0" baseline="0" noProof="0" dirty="0">
-                <a:ln>
-                  <a:noFill/>
-                </a:ln>
-                <a:solidFill>
-                  <a:srgbClr val="FF0000"/>
-                </a:solidFill>
-                <a:effectLst/>
-                <a:uLnTx/>
-                <a:uFillTx/>
-                <a:latin typeface="Calibri" panose="020F0502020204030204"/>
-                <a:ea typeface="+mn-ea"/>
-                <a:cs typeface="+mn-cs"/>
-              </a:rPr>
-              <a:t>to be done</a:t>
-            </a:r>
-          </a:p>
-        </p:txBody>
-      </p:sp>
-    </p:spTree>
-    <p:extLst>
-      <p:ext uri="{BB962C8B-B14F-4D97-AF65-F5344CB8AC3E}">
-        <p14:creationId xmlns:p14="http://schemas.microsoft.com/office/powerpoint/2010/main" val="3119554583"/>
       </p:ext>
     </p:extLst>
   </p:cSld>
